--- a/presentations/LESSON_1.pptx
+++ b/presentations/LESSON_1.pptx
@@ -5,7 +5,7 @@
     <p:sldMasterId id="2147483648" r:id="rId1"/>
   </p:sldMasterIdLst>
   <p:notesMasterIdLst>
-    <p:notesMasterId r:id="rId24"/>
+    <p:notesMasterId r:id="rId26"/>
   </p:notesMasterIdLst>
   <p:sldIdLst>
     <p:sldId id="256" r:id="rId2"/>
@@ -14,22 +14,24 @@
     <p:sldId id="259" r:id="rId5"/>
     <p:sldId id="260" r:id="rId6"/>
     <p:sldId id="261" r:id="rId7"/>
-    <p:sldId id="262" r:id="rId8"/>
-    <p:sldId id="269" r:id="rId9"/>
-    <p:sldId id="267" r:id="rId10"/>
-    <p:sldId id="268" r:id="rId11"/>
-    <p:sldId id="270" r:id="rId12"/>
-    <p:sldId id="263" r:id="rId13"/>
-    <p:sldId id="271" r:id="rId14"/>
-    <p:sldId id="272" r:id="rId15"/>
-    <p:sldId id="273" r:id="rId16"/>
-    <p:sldId id="264" r:id="rId17"/>
-    <p:sldId id="274" r:id="rId18"/>
-    <p:sldId id="265" r:id="rId19"/>
-    <p:sldId id="275" r:id="rId20"/>
-    <p:sldId id="276" r:id="rId21"/>
-    <p:sldId id="277" r:id="rId22"/>
-    <p:sldId id="266" r:id="rId23"/>
+    <p:sldId id="278" r:id="rId8"/>
+    <p:sldId id="279" r:id="rId9"/>
+    <p:sldId id="262" r:id="rId10"/>
+    <p:sldId id="269" r:id="rId11"/>
+    <p:sldId id="267" r:id="rId12"/>
+    <p:sldId id="268" r:id="rId13"/>
+    <p:sldId id="270" r:id="rId14"/>
+    <p:sldId id="263" r:id="rId15"/>
+    <p:sldId id="271" r:id="rId16"/>
+    <p:sldId id="272" r:id="rId17"/>
+    <p:sldId id="273" r:id="rId18"/>
+    <p:sldId id="264" r:id="rId19"/>
+    <p:sldId id="274" r:id="rId20"/>
+    <p:sldId id="265" r:id="rId21"/>
+    <p:sldId id="275" r:id="rId22"/>
+    <p:sldId id="276" r:id="rId23"/>
+    <p:sldId id="277" r:id="rId24"/>
+    <p:sldId id="266" r:id="rId25"/>
   </p:sldIdLst>
   <p:sldSz cx="12192000" cy="6858000"/>
   <p:notesSz cx="6858000" cy="9144000"/>
@@ -128,6 +130,14 @@
       </a:defRPr>
     </a:lvl9pPr>
   </p:defaultTextStyle>
+  <p:extLst>
+    <p:ext uri="{EFAFB233-063F-42B5-8137-9DF3F51BA10A}">
+      <p15:sldGuideLst xmlns:p15="http://schemas.microsoft.com/office/powerpoint/2012/main"/>
+    </p:ext>
+    <p:ext uri="{2D200454-40CA-4A62-9FC3-DE9A4176ACB9}">
+      <p15:notesGuideLst xmlns:p15="http://schemas.microsoft.com/office/powerpoint/2012/main"/>
+    </p:ext>
+  </p:extLst>
 </p:presentation>
 </file>
 
@@ -545,7 +555,7 @@
           <a:p>
             <a:fld id="{24A1D414-D7BE-3945-871B-73D36434F3EE}" type="slidenum">
               <a:rPr lang="de-DE" smtClean="0"/>
-              <a:t>13</a:t>
+              <a:t>15</a:t>
             </a:fld>
             <a:endParaRPr lang="de-DE"/>
           </a:p>
@@ -629,7 +639,7 @@
           <a:p>
             <a:fld id="{24A1D414-D7BE-3945-871B-73D36434F3EE}" type="slidenum">
               <a:rPr lang="de-DE" smtClean="0"/>
-              <a:t>14</a:t>
+              <a:t>16</a:t>
             </a:fld>
             <a:endParaRPr lang="de-DE"/>
           </a:p>
@@ -713,7 +723,7 @@
           <a:p>
             <a:fld id="{24A1D414-D7BE-3945-871B-73D36434F3EE}" type="slidenum">
               <a:rPr lang="de-DE" smtClean="0"/>
-              <a:t>15</a:t>
+              <a:t>17</a:t>
             </a:fld>
             <a:endParaRPr lang="de-DE"/>
           </a:p>
@@ -797,7 +807,7 @@
           <a:p>
             <a:fld id="{24A1D414-D7BE-3945-871B-73D36434F3EE}" type="slidenum">
               <a:rPr lang="de-DE" smtClean="0"/>
-              <a:t>16</a:t>
+              <a:t>18</a:t>
             </a:fld>
             <a:endParaRPr lang="de-DE"/>
           </a:p>
@@ -881,7 +891,7 @@
           <a:p>
             <a:fld id="{24A1D414-D7BE-3945-871B-73D36434F3EE}" type="slidenum">
               <a:rPr lang="de-DE" smtClean="0"/>
-              <a:t>17</a:t>
+              <a:t>19</a:t>
             </a:fld>
             <a:endParaRPr lang="de-DE"/>
           </a:p>
@@ -6340,61 +6350,29 @@
             </a:r>
           </a:p>
           <a:p>
-            <a:r>
-              <a:rPr lang="de-DE" dirty="0"/>
-              <a:t>Syntax</a:t>
-            </a:r>
-          </a:p>
-          <a:p>
-            <a:pPr lvl="1"/>
-            <a:r>
-              <a:rPr lang="de-DE" dirty="0"/>
-              <a:t>Einrückungen</a:t>
-            </a:r>
-          </a:p>
-          <a:p>
-            <a:pPr lvl="1"/>
-            <a:r>
-              <a:rPr lang="de-DE" dirty="0"/>
-              <a:t>Kommentare</a:t>
-            </a:r>
+            <a:pPr marL="457200" lvl="1" indent="0">
+              <a:buNone/>
+            </a:pPr>
+            <a:endParaRPr lang="de-DE" sz="2000" dirty="0"/>
+          </a:p>
+          <a:p>
+            <a:pPr marL="457200" lvl="1" indent="0">
+              <a:buNone/>
+            </a:pPr>
+            <a:endParaRPr lang="de-DE" dirty="0"/>
+          </a:p>
+          <a:p>
+            <a:pPr marL="457200" lvl="1" indent="0">
+              <a:buNone/>
+            </a:pPr>
+            <a:endParaRPr lang="de-DE" dirty="0"/>
           </a:p>
         </p:txBody>
       </p:sp>
-      <p:pic>
-        <p:nvPicPr>
-          <p:cNvPr id="7" name="Grafik 6">
-            <a:extLst>
-              <a:ext uri="{FF2B5EF4-FFF2-40B4-BE49-F238E27FC236}">
-                <a16:creationId xmlns:a16="http://schemas.microsoft.com/office/drawing/2014/main" id="{EE757DD5-2726-2671-C330-CAA0DF18C554}"/>
-              </a:ext>
-            </a:extLst>
-          </p:cNvPr>
-          <p:cNvPicPr>
-            <a:picLocks noChangeAspect="1"/>
-          </p:cNvPicPr>
-          <p:nvPr/>
-        </p:nvPicPr>
-        <p:blipFill>
-          <a:blip r:embed="rId2"/>
-          <a:stretch>
-            <a:fillRect/>
-          </a:stretch>
-        </p:blipFill>
-        <p:spPr>
-          <a:xfrm>
-            <a:off x="6742547" y="2200242"/>
-            <a:ext cx="3786909" cy="3952973"/>
-          </a:xfrm>
-          <a:prstGeom prst="rect">
-            <a:avLst/>
-          </a:prstGeom>
-        </p:spPr>
-      </p:pic>
     </p:spTree>
     <p:extLst>
       <p:ext uri="{BB962C8B-B14F-4D97-AF65-F5344CB8AC3E}">
-        <p14:creationId xmlns:p14="http://schemas.microsoft.com/office/powerpoint/2010/main" val="690367509"/>
+        <p14:creationId xmlns:p14="http://schemas.microsoft.com/office/powerpoint/2010/main" val="646178345"/>
       </p:ext>
     </p:extLst>
   </p:cSld>
@@ -6550,6 +6528,588 @@
             </a:r>
           </a:p>
           <a:p>
+            <a:pPr marL="457200" lvl="1" indent="0">
+              <a:buNone/>
+            </a:pPr>
+            <a:endParaRPr lang="de-DE" dirty="0"/>
+          </a:p>
+        </p:txBody>
+      </p:sp>
+      <p:grpSp>
+        <p:nvGrpSpPr>
+          <p:cNvPr id="12" name="Gruppieren 11">
+            <a:extLst>
+              <a:ext uri="{FF2B5EF4-FFF2-40B4-BE49-F238E27FC236}">
+                <a16:creationId xmlns:a16="http://schemas.microsoft.com/office/drawing/2014/main" id="{ECDF8225-083E-9F46-D149-6EA603F19C82}"/>
+              </a:ext>
+            </a:extLst>
+          </p:cNvPr>
+          <p:cNvGrpSpPr/>
+          <p:nvPr/>
+        </p:nvGrpSpPr>
+        <p:grpSpPr>
+          <a:xfrm>
+            <a:off x="6095999" y="3211529"/>
+            <a:ext cx="4978400" cy="1930400"/>
+            <a:chOff x="6095999" y="3211529"/>
+            <a:chExt cx="4978400" cy="1930400"/>
+          </a:xfrm>
+        </p:grpSpPr>
+        <p:pic>
+          <p:nvPicPr>
+            <p:cNvPr id="5" name="Grafik 4">
+              <a:extLst>
+                <a:ext uri="{FF2B5EF4-FFF2-40B4-BE49-F238E27FC236}">
+                  <a16:creationId xmlns:a16="http://schemas.microsoft.com/office/drawing/2014/main" id="{C72CC728-8BA3-0AA8-AAC5-8E2E27439187}"/>
+                </a:ext>
+              </a:extLst>
+            </p:cNvPr>
+            <p:cNvPicPr>
+              <a:picLocks noChangeAspect="1"/>
+            </p:cNvPicPr>
+            <p:nvPr/>
+          </p:nvPicPr>
+          <p:blipFill>
+            <a:blip r:embed="rId2"/>
+            <a:stretch>
+              <a:fillRect/>
+            </a:stretch>
+          </p:blipFill>
+          <p:spPr>
+            <a:xfrm>
+              <a:off x="6095999" y="3211529"/>
+              <a:ext cx="4978400" cy="1930400"/>
+            </a:xfrm>
+            <a:prstGeom prst="rect">
+              <a:avLst/>
+            </a:prstGeom>
+          </p:spPr>
+        </p:pic>
+        <p:grpSp>
+          <p:nvGrpSpPr>
+            <p:cNvPr id="11" name="Gruppieren 10">
+              <a:extLst>
+                <a:ext uri="{FF2B5EF4-FFF2-40B4-BE49-F238E27FC236}">
+                  <a16:creationId xmlns:a16="http://schemas.microsoft.com/office/drawing/2014/main" id="{03B60ACF-55FE-5802-DE77-7AD35092AC78}"/>
+                </a:ext>
+              </a:extLst>
+            </p:cNvPr>
+            <p:cNvGrpSpPr/>
+            <p:nvPr/>
+          </p:nvGrpSpPr>
+          <p:grpSpPr>
+            <a:xfrm>
+              <a:off x="6524096" y="3540706"/>
+              <a:ext cx="729049" cy="1290223"/>
+              <a:chOff x="6524096" y="3540706"/>
+              <a:chExt cx="729049" cy="1290223"/>
+            </a:xfrm>
+          </p:grpSpPr>
+          <p:sp>
+            <p:nvSpPr>
+              <p:cNvPr id="6" name="Pfeil nach rechts 5">
+                <a:extLst>
+                  <a:ext uri="{FF2B5EF4-FFF2-40B4-BE49-F238E27FC236}">
+                    <a16:creationId xmlns:a16="http://schemas.microsoft.com/office/drawing/2014/main" id="{27FF68B8-8E23-1908-02D6-119C99E8F830}"/>
+                  </a:ext>
+                </a:extLst>
+              </p:cNvPr>
+              <p:cNvSpPr/>
+              <p:nvPr/>
+            </p:nvSpPr>
+            <p:spPr>
+              <a:xfrm>
+                <a:off x="6524096" y="3540706"/>
+                <a:ext cx="729049" cy="196987"/>
+              </a:xfrm>
+              <a:prstGeom prst="rightArrow">
+                <a:avLst>
+                  <a:gd name="adj1" fmla="val 50000"/>
+                  <a:gd name="adj2" fmla="val 87810"/>
+                </a:avLst>
+              </a:prstGeom>
+            </p:spPr>
+            <p:style>
+              <a:lnRef idx="2">
+                <a:schemeClr val="accent1">
+                  <a:shade val="50000"/>
+                </a:schemeClr>
+              </a:lnRef>
+              <a:fillRef idx="1">
+                <a:schemeClr val="accent1"/>
+              </a:fillRef>
+              <a:effectRef idx="0">
+                <a:schemeClr val="accent1"/>
+              </a:effectRef>
+              <a:fontRef idx="minor">
+                <a:schemeClr val="lt1"/>
+              </a:fontRef>
+            </p:style>
+            <p:txBody>
+              <a:bodyPr rtlCol="0" anchor="ctr"/>
+              <a:lstStyle/>
+              <a:p>
+                <a:pPr algn="ctr"/>
+                <a:endParaRPr lang="de-DE"/>
+              </a:p>
+            </p:txBody>
+          </p:sp>
+          <p:sp>
+            <p:nvSpPr>
+              <p:cNvPr id="9" name="Pfeil nach rechts 8">
+                <a:extLst>
+                  <a:ext uri="{FF2B5EF4-FFF2-40B4-BE49-F238E27FC236}">
+                    <a16:creationId xmlns:a16="http://schemas.microsoft.com/office/drawing/2014/main" id="{71757150-7F23-E46D-C4D2-1D5B9071D169}"/>
+                  </a:ext>
+                </a:extLst>
+              </p:cNvPr>
+              <p:cNvSpPr/>
+              <p:nvPr/>
+            </p:nvSpPr>
+            <p:spPr>
+              <a:xfrm>
+                <a:off x="6524096" y="4087324"/>
+                <a:ext cx="729049" cy="196987"/>
+              </a:xfrm>
+              <a:prstGeom prst="rightArrow">
+                <a:avLst>
+                  <a:gd name="adj1" fmla="val 50000"/>
+                  <a:gd name="adj2" fmla="val 87810"/>
+                </a:avLst>
+              </a:prstGeom>
+            </p:spPr>
+            <p:style>
+              <a:lnRef idx="2">
+                <a:schemeClr val="accent1">
+                  <a:shade val="50000"/>
+                </a:schemeClr>
+              </a:lnRef>
+              <a:fillRef idx="1">
+                <a:schemeClr val="accent1"/>
+              </a:fillRef>
+              <a:effectRef idx="0">
+                <a:schemeClr val="accent1"/>
+              </a:effectRef>
+              <a:fontRef idx="minor">
+                <a:schemeClr val="lt1"/>
+              </a:fontRef>
+            </p:style>
+            <p:txBody>
+              <a:bodyPr rtlCol="0" anchor="ctr"/>
+              <a:lstStyle/>
+              <a:p>
+                <a:pPr algn="ctr"/>
+                <a:endParaRPr lang="de-DE"/>
+              </a:p>
+            </p:txBody>
+          </p:sp>
+          <p:sp>
+            <p:nvSpPr>
+              <p:cNvPr id="10" name="Pfeil nach rechts 9">
+                <a:extLst>
+                  <a:ext uri="{FF2B5EF4-FFF2-40B4-BE49-F238E27FC236}">
+                    <a16:creationId xmlns:a16="http://schemas.microsoft.com/office/drawing/2014/main" id="{F2C295B5-B68E-C7E5-6E9B-5A4C8C710D4A}"/>
+                  </a:ext>
+                </a:extLst>
+              </p:cNvPr>
+              <p:cNvSpPr/>
+              <p:nvPr/>
+            </p:nvSpPr>
+            <p:spPr>
+              <a:xfrm>
+                <a:off x="6524096" y="4633942"/>
+                <a:ext cx="729049" cy="196987"/>
+              </a:xfrm>
+              <a:prstGeom prst="rightArrow">
+                <a:avLst>
+                  <a:gd name="adj1" fmla="val 50000"/>
+                  <a:gd name="adj2" fmla="val 87810"/>
+                </a:avLst>
+              </a:prstGeom>
+            </p:spPr>
+            <p:style>
+              <a:lnRef idx="2">
+                <a:schemeClr val="accent1">
+                  <a:shade val="50000"/>
+                </a:schemeClr>
+              </a:lnRef>
+              <a:fillRef idx="1">
+                <a:schemeClr val="accent1"/>
+              </a:fillRef>
+              <a:effectRef idx="0">
+                <a:schemeClr val="accent1"/>
+              </a:effectRef>
+              <a:fontRef idx="minor">
+                <a:schemeClr val="lt1"/>
+              </a:fontRef>
+            </p:style>
+            <p:txBody>
+              <a:bodyPr rtlCol="0" anchor="ctr"/>
+              <a:lstStyle/>
+              <a:p>
+                <a:pPr algn="ctr"/>
+                <a:endParaRPr lang="de-DE"/>
+              </a:p>
+            </p:txBody>
+          </p:sp>
+        </p:grpSp>
+      </p:grpSp>
+    </p:spTree>
+    <p:extLst>
+      <p:ext uri="{BB962C8B-B14F-4D97-AF65-F5344CB8AC3E}">
+        <p14:creationId xmlns:p14="http://schemas.microsoft.com/office/powerpoint/2010/main" val="4030372907"/>
+      </p:ext>
+    </p:extLst>
+  </p:cSld>
+  <p:clrMapOvr>
+    <a:masterClrMapping/>
+  </p:clrMapOvr>
+</p:sld>
+</file>
+
+<file path=ppt/slides/slide12.xml><?xml version="1.0" encoding="utf-8"?>
+<p:sld xmlns:a="http://schemas.openxmlformats.org/drawingml/2006/main" xmlns:r="http://schemas.openxmlformats.org/officeDocument/2006/relationships" xmlns:p="http://schemas.openxmlformats.org/presentationml/2006/main">
+  <p:cSld>
+    <p:spTree>
+      <p:nvGrpSpPr>
+        <p:cNvPr id="1" name=""/>
+        <p:cNvGrpSpPr/>
+        <p:nvPr/>
+      </p:nvGrpSpPr>
+      <p:grpSpPr>
+        <a:xfrm>
+          <a:off x="0" y="0"/>
+          <a:ext cx="0" cy="0"/>
+          <a:chOff x="0" y="0"/>
+          <a:chExt cx="0" cy="0"/>
+        </a:xfrm>
+      </p:grpSpPr>
+      <p:sp>
+        <p:nvSpPr>
+          <p:cNvPr id="2" name="Titel 1">
+            <a:extLst>
+              <a:ext uri="{FF2B5EF4-FFF2-40B4-BE49-F238E27FC236}">
+                <a16:creationId xmlns:a16="http://schemas.microsoft.com/office/drawing/2014/main" id="{58B6CE22-6A8C-E2D1-4080-1958BC60F476}"/>
+              </a:ext>
+            </a:extLst>
+          </p:cNvPr>
+          <p:cNvSpPr>
+            <a:spLocks noGrp="1"/>
+          </p:cNvSpPr>
+          <p:nvPr>
+            <p:ph type="title"/>
+          </p:nvPr>
+        </p:nvSpPr>
+        <p:spPr/>
+        <p:txBody>
+          <a:bodyPr/>
+          <a:lstStyle/>
+          <a:p>
+            <a:r>
+              <a:rPr lang="de-DE" dirty="0"/>
+              <a:t>Arbeit mit Python</a:t>
+            </a:r>
+          </a:p>
+        </p:txBody>
+      </p:sp>
+      <p:sp>
+        <p:nvSpPr>
+          <p:cNvPr id="3" name="Inhaltsplatzhalter 2">
+            <a:extLst>
+              <a:ext uri="{FF2B5EF4-FFF2-40B4-BE49-F238E27FC236}">
+                <a16:creationId xmlns:a16="http://schemas.microsoft.com/office/drawing/2014/main" id="{C1C574DE-B214-80AD-F25E-4190690C7E04}"/>
+              </a:ext>
+            </a:extLst>
+          </p:cNvPr>
+          <p:cNvSpPr>
+            <a:spLocks noGrp="1"/>
+          </p:cNvSpPr>
+          <p:nvPr>
+            <p:ph idx="1"/>
+          </p:nvPr>
+        </p:nvSpPr>
+        <p:spPr>
+          <a:xfrm>
+            <a:off x="818713" y="2358474"/>
+            <a:ext cx="10554574" cy="3636511"/>
+          </a:xfrm>
+        </p:spPr>
+        <p:txBody>
+          <a:bodyPr/>
+          <a:lstStyle/>
+          <a:p>
+            <a:r>
+              <a:rPr lang="de-DE" dirty="0"/>
+              <a:t>Code schreiben &amp; Ausführen</a:t>
+            </a:r>
+          </a:p>
+          <a:p>
+            <a:pPr lvl="1"/>
+            <a:r>
+              <a:rPr lang="de-DE" dirty="0"/>
+              <a:t>Interaktiver Modus</a:t>
+            </a:r>
+          </a:p>
+          <a:p>
+            <a:pPr lvl="1"/>
+            <a:r>
+              <a:rPr lang="de-DE" dirty="0"/>
+              <a:t>Ausführen von Dateien</a:t>
+            </a:r>
+          </a:p>
+          <a:p>
+            <a:pPr lvl="2"/>
+            <a:r>
+              <a:rPr lang="de-DE" dirty="0"/>
+              <a:t>Schreiben in IDE/ Editor</a:t>
+            </a:r>
+          </a:p>
+          <a:p>
+            <a:pPr lvl="2"/>
+            <a:r>
+              <a:rPr lang="de-DE" dirty="0"/>
+              <a:t>Speichern &amp; Ausführen der </a:t>
+            </a:r>
+            <a:r>
+              <a:rPr lang="de-DE" dirty="0">
+                <a:solidFill>
+                  <a:schemeClr val="accent1"/>
+                </a:solidFill>
+              </a:rPr>
+              <a:t>.</a:t>
+            </a:r>
+            <a:r>
+              <a:rPr lang="de-DE" dirty="0" err="1">
+                <a:solidFill>
+                  <a:schemeClr val="accent1"/>
+                </a:solidFill>
+              </a:rPr>
+              <a:t>py</a:t>
+            </a:r>
+            <a:r>
+              <a:rPr lang="de-DE" dirty="0">
+                <a:solidFill>
+                  <a:schemeClr val="accent1"/>
+                </a:solidFill>
+              </a:rPr>
+              <a:t> </a:t>
+            </a:r>
+            <a:r>
+              <a:rPr lang="de-DE" dirty="0"/>
+              <a:t>Datei</a:t>
+            </a:r>
+          </a:p>
+          <a:p>
+            <a:r>
+              <a:rPr lang="de-DE" dirty="0"/>
+              <a:t>Syntax</a:t>
+            </a:r>
+          </a:p>
+          <a:p>
+            <a:pPr lvl="1"/>
+            <a:r>
+              <a:rPr lang="de-DE" dirty="0"/>
+              <a:t>Einrückungen</a:t>
+            </a:r>
+          </a:p>
+          <a:p>
+            <a:pPr lvl="1"/>
+            <a:r>
+              <a:rPr lang="de-DE" dirty="0"/>
+              <a:t>Kommentare</a:t>
+            </a:r>
+          </a:p>
+        </p:txBody>
+      </p:sp>
+      <p:pic>
+        <p:nvPicPr>
+          <p:cNvPr id="7" name="Grafik 6">
+            <a:extLst>
+              <a:ext uri="{FF2B5EF4-FFF2-40B4-BE49-F238E27FC236}">
+                <a16:creationId xmlns:a16="http://schemas.microsoft.com/office/drawing/2014/main" id="{EE757DD5-2726-2671-C330-CAA0DF18C554}"/>
+              </a:ext>
+            </a:extLst>
+          </p:cNvPr>
+          <p:cNvPicPr>
+            <a:picLocks noChangeAspect="1"/>
+          </p:cNvPicPr>
+          <p:nvPr/>
+        </p:nvPicPr>
+        <p:blipFill>
+          <a:blip r:embed="rId2"/>
+          <a:stretch>
+            <a:fillRect/>
+          </a:stretch>
+        </p:blipFill>
+        <p:spPr>
+          <a:xfrm>
+            <a:off x="6742547" y="2200242"/>
+            <a:ext cx="3786909" cy="3952973"/>
+          </a:xfrm>
+          <a:prstGeom prst="rect">
+            <a:avLst/>
+          </a:prstGeom>
+        </p:spPr>
+      </p:pic>
+    </p:spTree>
+    <p:extLst>
+      <p:ext uri="{BB962C8B-B14F-4D97-AF65-F5344CB8AC3E}">
+        <p14:creationId xmlns:p14="http://schemas.microsoft.com/office/powerpoint/2010/main" val="690367509"/>
+      </p:ext>
+    </p:extLst>
+  </p:cSld>
+  <p:clrMapOvr>
+    <a:masterClrMapping/>
+  </p:clrMapOvr>
+</p:sld>
+</file>
+
+<file path=ppt/slides/slide13.xml><?xml version="1.0" encoding="utf-8"?>
+<p:sld xmlns:a="http://schemas.openxmlformats.org/drawingml/2006/main" xmlns:r="http://schemas.openxmlformats.org/officeDocument/2006/relationships" xmlns:p="http://schemas.openxmlformats.org/presentationml/2006/main">
+  <p:cSld>
+    <p:spTree>
+      <p:nvGrpSpPr>
+        <p:cNvPr id="1" name=""/>
+        <p:cNvGrpSpPr/>
+        <p:nvPr/>
+      </p:nvGrpSpPr>
+      <p:grpSpPr>
+        <a:xfrm>
+          <a:off x="0" y="0"/>
+          <a:ext cx="0" cy="0"/>
+          <a:chOff x="0" y="0"/>
+          <a:chExt cx="0" cy="0"/>
+        </a:xfrm>
+      </p:grpSpPr>
+      <p:sp>
+        <p:nvSpPr>
+          <p:cNvPr id="2" name="Titel 1">
+            <a:extLst>
+              <a:ext uri="{FF2B5EF4-FFF2-40B4-BE49-F238E27FC236}">
+                <a16:creationId xmlns:a16="http://schemas.microsoft.com/office/drawing/2014/main" id="{58B6CE22-6A8C-E2D1-4080-1958BC60F476}"/>
+              </a:ext>
+            </a:extLst>
+          </p:cNvPr>
+          <p:cNvSpPr>
+            <a:spLocks noGrp="1"/>
+          </p:cNvSpPr>
+          <p:nvPr>
+            <p:ph type="title"/>
+          </p:nvPr>
+        </p:nvSpPr>
+        <p:spPr/>
+        <p:txBody>
+          <a:bodyPr/>
+          <a:lstStyle/>
+          <a:p>
+            <a:r>
+              <a:rPr lang="de-DE" dirty="0"/>
+              <a:t>Arbeit mit Python</a:t>
+            </a:r>
+          </a:p>
+        </p:txBody>
+      </p:sp>
+      <p:sp>
+        <p:nvSpPr>
+          <p:cNvPr id="3" name="Inhaltsplatzhalter 2">
+            <a:extLst>
+              <a:ext uri="{FF2B5EF4-FFF2-40B4-BE49-F238E27FC236}">
+                <a16:creationId xmlns:a16="http://schemas.microsoft.com/office/drawing/2014/main" id="{C1C574DE-B214-80AD-F25E-4190690C7E04}"/>
+              </a:ext>
+            </a:extLst>
+          </p:cNvPr>
+          <p:cNvSpPr>
+            <a:spLocks noGrp="1"/>
+          </p:cNvSpPr>
+          <p:nvPr>
+            <p:ph idx="1"/>
+          </p:nvPr>
+        </p:nvSpPr>
+        <p:spPr>
+          <a:xfrm>
+            <a:off x="818713" y="2358474"/>
+            <a:ext cx="10554574" cy="3636511"/>
+          </a:xfrm>
+        </p:spPr>
+        <p:txBody>
+          <a:bodyPr/>
+          <a:lstStyle/>
+          <a:p>
+            <a:r>
+              <a:rPr lang="de-DE" dirty="0"/>
+              <a:t>Code schreiben &amp; Ausführen</a:t>
+            </a:r>
+          </a:p>
+          <a:p>
+            <a:pPr lvl="1"/>
+            <a:r>
+              <a:rPr lang="de-DE" dirty="0"/>
+              <a:t>Interaktiver Modus</a:t>
+            </a:r>
+          </a:p>
+          <a:p>
+            <a:pPr lvl="1"/>
+            <a:r>
+              <a:rPr lang="de-DE" dirty="0"/>
+              <a:t>Ausführen von Dateien</a:t>
+            </a:r>
+          </a:p>
+          <a:p>
+            <a:pPr lvl="2"/>
+            <a:r>
+              <a:rPr lang="de-DE" dirty="0"/>
+              <a:t>Schreiben in IDE/ Editor</a:t>
+            </a:r>
+          </a:p>
+          <a:p>
+            <a:pPr lvl="2"/>
+            <a:r>
+              <a:rPr lang="de-DE" dirty="0"/>
+              <a:t>Speichern &amp; Ausführen der </a:t>
+            </a:r>
+            <a:r>
+              <a:rPr lang="de-DE" dirty="0">
+                <a:solidFill>
+                  <a:schemeClr val="accent1"/>
+                </a:solidFill>
+              </a:rPr>
+              <a:t>.</a:t>
+            </a:r>
+            <a:r>
+              <a:rPr lang="de-DE" dirty="0" err="1">
+                <a:solidFill>
+                  <a:schemeClr val="accent1"/>
+                </a:solidFill>
+              </a:rPr>
+              <a:t>py</a:t>
+            </a:r>
+            <a:r>
+              <a:rPr lang="de-DE" dirty="0">
+                <a:solidFill>
+                  <a:schemeClr val="accent1"/>
+                </a:solidFill>
+              </a:rPr>
+              <a:t> </a:t>
+            </a:r>
+            <a:r>
+              <a:rPr lang="de-DE" dirty="0"/>
+              <a:t>Datei</a:t>
+            </a:r>
+          </a:p>
+          <a:p>
+            <a:r>
+              <a:rPr lang="de-DE" dirty="0"/>
+              <a:t>Syntax</a:t>
+            </a:r>
+          </a:p>
+          <a:p>
+            <a:pPr lvl="1"/>
+            <a:r>
+              <a:rPr lang="de-DE" dirty="0"/>
+              <a:t>Einrückungen</a:t>
+            </a:r>
+          </a:p>
+          <a:p>
             <a:pPr lvl="1"/>
             <a:r>
               <a:rPr lang="de-DE" dirty="0"/>
@@ -6578,7 +7138,7 @@
 </p:sld>
 </file>
 
-<file path=ppt/slides/slide12.xml><?xml version="1.0" encoding="utf-8"?>
+<file path=ppt/slides/slide14.xml><?xml version="1.0" encoding="utf-8"?>
 <p:sld xmlns:a="http://schemas.openxmlformats.org/drawingml/2006/main" xmlns:r="http://schemas.openxmlformats.org/officeDocument/2006/relationships" xmlns:p="http://schemas.openxmlformats.org/presentationml/2006/main">
   <p:cSld>
     <p:spTree>
@@ -7362,7 +7922,7 @@
 </p:sld>
 </file>
 
-<file path=ppt/slides/slide13.xml><?xml version="1.0" encoding="utf-8"?>
+<file path=ppt/slides/slide15.xml><?xml version="1.0" encoding="utf-8"?>
 <p:sld xmlns:a="http://schemas.openxmlformats.org/drawingml/2006/main" xmlns:r="http://schemas.openxmlformats.org/officeDocument/2006/relationships" xmlns:p="http://schemas.openxmlformats.org/presentationml/2006/main">
   <p:cSld>
     <p:spTree>
@@ -8943,2893 +9503,6 @@
     <p:extLst>
       <p:ext uri="{BB962C8B-B14F-4D97-AF65-F5344CB8AC3E}">
         <p14:creationId xmlns:p14="http://schemas.microsoft.com/office/powerpoint/2010/main" val="2239660474"/>
-      </p:ext>
-    </p:extLst>
-  </p:cSld>
-  <p:clrMapOvr>
-    <a:masterClrMapping/>
-  </p:clrMapOvr>
-  <p:timing>
-    <p:tnLst>
-      <p:par>
-        <p:cTn id="1" dur="indefinite" restart="never" nodeType="tmRoot">
-          <p:childTnLst>
-            <p:seq concurrent="1" nextAc="seek">
-              <p:cTn id="2" dur="indefinite" nodeType="mainSeq">
-                <p:childTnLst>
-                  <p:par>
-                    <p:cTn id="3" fill="hold">
-                      <p:stCondLst>
-                        <p:cond delay="indefinite"/>
-                      </p:stCondLst>
-                      <p:childTnLst>
-                        <p:par>
-                          <p:cTn id="4" fill="hold">
-                            <p:stCondLst>
-                              <p:cond delay="0"/>
-                            </p:stCondLst>
-                            <p:childTnLst>
-                              <p:par>
-                                <p:cTn id="5" presetID="1" presetClass="entr" presetSubtype="0" fill="hold" grpId="0" nodeType="clickEffect">
-                                  <p:stCondLst>
-                                    <p:cond delay="0"/>
-                                  </p:stCondLst>
-                                  <p:childTnLst>
-                                    <p:set>
-                                      <p:cBhvr>
-                                        <p:cTn id="6" dur="1" fill="hold">
-                                          <p:stCondLst>
-                                            <p:cond delay="0"/>
-                                          </p:stCondLst>
-                                        </p:cTn>
-                                        <p:tgtEl>
-                                          <p:spTgt spid="3"/>
-                                        </p:tgtEl>
-                                        <p:attrNameLst>
-                                          <p:attrName>style.visibility</p:attrName>
-                                        </p:attrNameLst>
-                                      </p:cBhvr>
-                                      <p:to>
-                                        <p:strVal val="visible"/>
-                                      </p:to>
-                                    </p:set>
-                                  </p:childTnLst>
-                                </p:cTn>
-                              </p:par>
-                            </p:childTnLst>
-                          </p:cTn>
-                        </p:par>
-                      </p:childTnLst>
-                    </p:cTn>
-                  </p:par>
-                  <p:par>
-                    <p:cTn id="7" fill="hold">
-                      <p:stCondLst>
-                        <p:cond delay="indefinite"/>
-                      </p:stCondLst>
-                      <p:childTnLst>
-                        <p:par>
-                          <p:cTn id="8" fill="hold">
-                            <p:stCondLst>
-                              <p:cond delay="0"/>
-                            </p:stCondLst>
-                            <p:childTnLst>
-                              <p:par>
-                                <p:cTn id="9" presetID="1" presetClass="exit" presetSubtype="0" fill="hold" grpId="1" nodeType="clickEffect">
-                                  <p:stCondLst>
-                                    <p:cond delay="0"/>
-                                  </p:stCondLst>
-                                  <p:childTnLst>
-                                    <p:set>
-                                      <p:cBhvr>
-                                        <p:cTn id="10" dur="1" fill="hold">
-                                          <p:stCondLst>
-                                            <p:cond delay="0"/>
-                                          </p:stCondLst>
-                                        </p:cTn>
-                                        <p:tgtEl>
-                                          <p:spTgt spid="3"/>
-                                        </p:tgtEl>
-                                        <p:attrNameLst>
-                                          <p:attrName>style.visibility</p:attrName>
-                                        </p:attrNameLst>
-                                      </p:cBhvr>
-                                      <p:to>
-                                        <p:strVal val="hidden"/>
-                                      </p:to>
-                                    </p:set>
-                                  </p:childTnLst>
-                                </p:cTn>
-                              </p:par>
-                            </p:childTnLst>
-                          </p:cTn>
-                        </p:par>
-                      </p:childTnLst>
-                    </p:cTn>
-                  </p:par>
-                </p:childTnLst>
-              </p:cTn>
-              <p:prevCondLst>
-                <p:cond evt="onPrev" delay="0">
-                  <p:tgtEl>
-                    <p:sldTgt/>
-                  </p:tgtEl>
-                </p:cond>
-              </p:prevCondLst>
-              <p:nextCondLst>
-                <p:cond evt="onNext" delay="0">
-                  <p:tgtEl>
-                    <p:sldTgt/>
-                  </p:tgtEl>
-                </p:cond>
-              </p:nextCondLst>
-            </p:seq>
-          </p:childTnLst>
-        </p:cTn>
-      </p:par>
-    </p:tnLst>
-    <p:bldLst>
-      <p:bldP spid="3" grpId="0" animBg="1"/>
-      <p:bldP spid="3" grpId="1" animBg="1"/>
-    </p:bldLst>
-  </p:timing>
-</p:sld>
-</file>
-
-<file path=ppt/slides/slide14.xml><?xml version="1.0" encoding="utf-8"?>
-<p:sld xmlns:a="http://schemas.openxmlformats.org/drawingml/2006/main" xmlns:r="http://schemas.openxmlformats.org/officeDocument/2006/relationships" xmlns:p="http://schemas.openxmlformats.org/presentationml/2006/main">
-  <p:cSld>
-    <p:spTree>
-      <p:nvGrpSpPr>
-        <p:cNvPr id="1" name=""/>
-        <p:cNvGrpSpPr/>
-        <p:nvPr/>
-      </p:nvGrpSpPr>
-      <p:grpSpPr>
-        <a:xfrm>
-          <a:off x="0" y="0"/>
-          <a:ext cx="0" cy="0"/>
-          <a:chOff x="0" y="0"/>
-          <a:chExt cx="0" cy="0"/>
-        </a:xfrm>
-      </p:grpSpPr>
-      <p:sp>
-        <p:nvSpPr>
-          <p:cNvPr id="2" name="Titel 1">
-            <a:extLst>
-              <a:ext uri="{FF2B5EF4-FFF2-40B4-BE49-F238E27FC236}">
-                <a16:creationId xmlns:a16="http://schemas.microsoft.com/office/drawing/2014/main" id="{924638F2-44F9-0387-35BC-AA6733952E2F}"/>
-              </a:ext>
-            </a:extLst>
-          </p:cNvPr>
-          <p:cNvSpPr>
-            <a:spLocks noGrp="1"/>
-          </p:cNvSpPr>
-          <p:nvPr>
-            <p:ph type="title"/>
-          </p:nvPr>
-        </p:nvSpPr>
-        <p:spPr/>
-        <p:txBody>
-          <a:bodyPr/>
-          <a:lstStyle/>
-          <a:p>
-            <a:r>
-              <a:rPr lang="de-DE" dirty="0"/>
-              <a:t>Einfache Datenstrukturen</a:t>
-            </a:r>
-          </a:p>
-        </p:txBody>
-      </p:sp>
-      <p:graphicFrame>
-        <p:nvGraphicFramePr>
-          <p:cNvPr id="4" name="Tabelle 4">
-            <a:extLst>
-              <a:ext uri="{FF2B5EF4-FFF2-40B4-BE49-F238E27FC236}">
-                <a16:creationId xmlns:a16="http://schemas.microsoft.com/office/drawing/2014/main" id="{B47C2560-812F-375E-9734-FDB4B9C2658E}"/>
-              </a:ext>
-            </a:extLst>
-          </p:cNvPr>
-          <p:cNvGraphicFramePr>
-            <a:graphicFrameLocks noGrp="1"/>
-          </p:cNvGraphicFramePr>
-          <p:nvPr>
-            <p:ph idx="1"/>
-            <p:extLst>
-              <p:ext uri="{D42A27DB-BD31-4B8C-83A1-F6EECF244321}">
-                <p14:modId xmlns:p14="http://schemas.microsoft.com/office/powerpoint/2010/main" val="2057929446"/>
-              </p:ext>
-            </p:extLst>
-          </p:nvPr>
-        </p:nvGraphicFramePr>
-        <p:xfrm>
-          <a:off x="810000" y="2574470"/>
-          <a:ext cx="10553700" cy="3452258"/>
-        </p:xfrm>
-        <a:graphic>
-          <a:graphicData uri="http://schemas.openxmlformats.org/drawingml/2006/table">
-            <a:tbl>
-              <a:tblPr firstRow="1" bandRow="1">
-                <a:tableStyleId>{17292A2E-F333-43FB-9621-5CBBE7FDCDCB}</a:tableStyleId>
-              </a:tblPr>
-              <a:tblGrid>
-                <a:gridCol w="2110740">
-                  <a:extLst>
-                    <a:ext uri="{9D8B030D-6E8A-4147-A177-3AD203B41FA5}">
-                      <a16:colId xmlns:a16="http://schemas.microsoft.com/office/drawing/2014/main" val="3154879884"/>
-                    </a:ext>
-                  </a:extLst>
-                </a:gridCol>
-                <a:gridCol w="2110740">
-                  <a:extLst>
-                    <a:ext uri="{9D8B030D-6E8A-4147-A177-3AD203B41FA5}">
-                      <a16:colId xmlns:a16="http://schemas.microsoft.com/office/drawing/2014/main" val="2768790688"/>
-                    </a:ext>
-                  </a:extLst>
-                </a:gridCol>
-                <a:gridCol w="2110740">
-                  <a:extLst>
-                    <a:ext uri="{9D8B030D-6E8A-4147-A177-3AD203B41FA5}">
-                      <a16:colId xmlns:a16="http://schemas.microsoft.com/office/drawing/2014/main" val="632190215"/>
-                    </a:ext>
-                  </a:extLst>
-                </a:gridCol>
-                <a:gridCol w="2110740">
-                  <a:extLst>
-                    <a:ext uri="{9D8B030D-6E8A-4147-A177-3AD203B41FA5}">
-                      <a16:colId xmlns:a16="http://schemas.microsoft.com/office/drawing/2014/main" val="981659422"/>
-                    </a:ext>
-                  </a:extLst>
-                </a:gridCol>
-                <a:gridCol w="2110740">
-                  <a:extLst>
-                    <a:ext uri="{9D8B030D-6E8A-4147-A177-3AD203B41FA5}">
-                      <a16:colId xmlns:a16="http://schemas.microsoft.com/office/drawing/2014/main" val="727473629"/>
-                    </a:ext>
-                  </a:extLst>
-                </a:gridCol>
-              </a:tblGrid>
-              <a:tr h="410476">
-                <a:tc>
-                  <a:txBody>
-                    <a:bodyPr/>
-                    <a:lstStyle/>
-                    <a:p>
-                      <a:pPr algn="l"/>
-                      <a:endParaRPr lang="de-DE" dirty="0"/>
-                    </a:p>
-                  </a:txBody>
-                  <a:tcPr anchor="ctr">
-                    <a:lnL w="9525" cap="rnd" cmpd="sng" algn="ctr">
-                      <a:noFill/>
-                      <a:prstDash val="solid"/>
-                    </a:lnL>
-                    <a:lnR w="12700" cap="flat" cmpd="sng" algn="ctr">
-                      <a:solidFill>
-                        <a:schemeClr val="accent4"/>
-                      </a:solidFill>
-                      <a:prstDash val="solid"/>
-                      <a:round/>
-                      <a:headEnd type="none" w="med" len="med"/>
-                      <a:tailEnd type="none" w="med" len="med"/>
-                    </a:lnR>
-                    <a:lnT w="9525" cap="rnd" cmpd="sng" algn="ctr">
-                      <a:noFill/>
-                      <a:prstDash val="solid"/>
-                    </a:lnT>
-                    <a:lnB w="12700" cap="flat" cmpd="sng" algn="ctr">
-                      <a:solidFill>
-                        <a:schemeClr val="accent4"/>
-                      </a:solidFill>
-                      <a:prstDash val="solid"/>
-                      <a:round/>
-                      <a:headEnd type="none" w="med" len="med"/>
-                      <a:tailEnd type="none" w="med" len="med"/>
-                    </a:lnB>
-                    <a:noFill/>
-                  </a:tcPr>
-                </a:tc>
-                <a:tc>
-                  <a:txBody>
-                    <a:bodyPr/>
-                    <a:lstStyle/>
-                    <a:p>
-                      <a:pPr algn="ctr"/>
-                      <a:r>
-                        <a:rPr lang="de-DE" dirty="0"/>
-                        <a:t>Liste</a:t>
-                      </a:r>
-                    </a:p>
-                  </a:txBody>
-                  <a:tcPr anchor="ctr">
-                    <a:lnL w="12700" cap="flat" cmpd="sng" algn="ctr">
-                      <a:solidFill>
-                        <a:schemeClr val="accent4"/>
-                      </a:solidFill>
-                      <a:prstDash val="solid"/>
-                      <a:round/>
-                      <a:headEnd type="none" w="med" len="med"/>
-                      <a:tailEnd type="none" w="med" len="med"/>
-                    </a:lnL>
-                    <a:lnR w="12700" cap="flat" cmpd="sng" algn="ctr">
-                      <a:solidFill>
-                        <a:schemeClr val="accent4"/>
-                      </a:solidFill>
-                      <a:prstDash val="solid"/>
-                      <a:round/>
-                      <a:headEnd type="none" w="med" len="med"/>
-                      <a:tailEnd type="none" w="med" len="med"/>
-                    </a:lnR>
-                  </a:tcPr>
-                </a:tc>
-                <a:tc>
-                  <a:txBody>
-                    <a:bodyPr/>
-                    <a:lstStyle/>
-                    <a:p>
-                      <a:pPr algn="ctr"/>
-                      <a:r>
-                        <a:rPr lang="de-DE" dirty="0"/>
-                        <a:t>Tupel</a:t>
-                      </a:r>
-                    </a:p>
-                  </a:txBody>
-                  <a:tcPr anchor="ctr">
-                    <a:lnL w="12700" cap="flat" cmpd="sng" algn="ctr">
-                      <a:solidFill>
-                        <a:schemeClr val="accent4"/>
-                      </a:solidFill>
-                      <a:prstDash val="solid"/>
-                      <a:round/>
-                      <a:headEnd type="none" w="med" len="med"/>
-                      <a:tailEnd type="none" w="med" len="med"/>
-                    </a:lnL>
-                    <a:lnR w="12700" cap="flat" cmpd="sng" algn="ctr">
-                      <a:solidFill>
-                        <a:schemeClr val="accent4"/>
-                      </a:solidFill>
-                      <a:prstDash val="solid"/>
-                      <a:round/>
-                      <a:headEnd type="none" w="med" len="med"/>
-                      <a:tailEnd type="none" w="med" len="med"/>
-                    </a:lnR>
-                  </a:tcPr>
-                </a:tc>
-                <a:tc>
-                  <a:txBody>
-                    <a:bodyPr/>
-                    <a:lstStyle/>
-                    <a:p>
-                      <a:pPr algn="ctr"/>
-                      <a:endParaRPr lang="de-DE" dirty="0"/>
-                    </a:p>
-                  </a:txBody>
-                  <a:tcPr anchor="ctr">
-                    <a:lnL w="12700" cap="flat" cmpd="sng" algn="ctr">
-                      <a:solidFill>
-                        <a:schemeClr val="accent4"/>
-                      </a:solidFill>
-                      <a:prstDash val="solid"/>
-                      <a:round/>
-                      <a:headEnd type="none" w="med" len="med"/>
-                      <a:tailEnd type="none" w="med" len="med"/>
-                    </a:lnL>
-                    <a:lnR w="12700" cap="flat" cmpd="sng" algn="ctr">
-                      <a:solidFill>
-                        <a:schemeClr val="accent4"/>
-                      </a:solidFill>
-                      <a:prstDash val="solid"/>
-                      <a:round/>
-                      <a:headEnd type="none" w="med" len="med"/>
-                      <a:tailEnd type="none" w="med" len="med"/>
-                    </a:lnR>
-                  </a:tcPr>
-                </a:tc>
-                <a:tc>
-                  <a:txBody>
-                    <a:bodyPr/>
-                    <a:lstStyle/>
-                    <a:p>
-                      <a:pPr algn="ctr"/>
-                      <a:endParaRPr lang="de-DE" dirty="0"/>
-                    </a:p>
-                  </a:txBody>
-                  <a:tcPr anchor="ctr">
-                    <a:lnL w="12700" cap="flat" cmpd="sng" algn="ctr">
-                      <a:solidFill>
-                        <a:schemeClr val="accent4"/>
-                      </a:solidFill>
-                      <a:prstDash val="solid"/>
-                      <a:round/>
-                      <a:headEnd type="none" w="med" len="med"/>
-                      <a:tailEnd type="none" w="med" len="med"/>
-                    </a:lnL>
-                  </a:tcPr>
-                </a:tc>
-                <a:extLst>
-                  <a:ext uri="{0D108BD9-81ED-4DB2-BD59-A6C34878D82A}">
-                    <a16:rowId xmlns:a16="http://schemas.microsoft.com/office/drawing/2014/main" val="122875342"/>
-                  </a:ext>
-                </a:extLst>
-              </a:tr>
-              <a:tr h="531220">
-                <a:tc>
-                  <a:txBody>
-                    <a:bodyPr/>
-                    <a:lstStyle/>
-                    <a:p>
-                      <a:pPr algn="l"/>
-                      <a:r>
-                        <a:rPr lang="de-DE" dirty="0"/>
-                        <a:t>Änderbar?</a:t>
-                      </a:r>
-                    </a:p>
-                  </a:txBody>
-                  <a:tcPr anchor="ctr">
-                    <a:lnR w="12700" cap="flat" cmpd="sng" algn="ctr">
-                      <a:solidFill>
-                        <a:schemeClr val="accent4"/>
-                      </a:solidFill>
-                      <a:prstDash val="solid"/>
-                      <a:round/>
-                      <a:headEnd type="none" w="med" len="med"/>
-                      <a:tailEnd type="none" w="med" len="med"/>
-                    </a:lnR>
-                    <a:lnT w="12700" cap="flat" cmpd="sng" algn="ctr">
-                      <a:solidFill>
-                        <a:schemeClr val="accent4"/>
-                      </a:solidFill>
-                      <a:prstDash val="solid"/>
-                      <a:round/>
-                      <a:headEnd type="none" w="med" len="med"/>
-                      <a:tailEnd type="none" w="med" len="med"/>
-                    </a:lnT>
-                  </a:tcPr>
-                </a:tc>
-                <a:tc>
-                  <a:txBody>
-                    <a:bodyPr/>
-                    <a:lstStyle/>
-                    <a:p>
-                      <a:pPr algn="ctr"/>
-                      <a:r>
-                        <a:rPr lang="de-DE" dirty="0"/>
-                        <a:t>✅</a:t>
-                      </a:r>
-                    </a:p>
-                  </a:txBody>
-                  <a:tcPr anchor="ctr">
-                    <a:lnL w="12700" cap="flat" cmpd="sng" algn="ctr">
-                      <a:solidFill>
-                        <a:schemeClr val="accent4"/>
-                      </a:solidFill>
-                      <a:prstDash val="solid"/>
-                      <a:round/>
-                      <a:headEnd type="none" w="med" len="med"/>
-                      <a:tailEnd type="none" w="med" len="med"/>
-                    </a:lnL>
-                    <a:lnR w="12700" cap="flat" cmpd="sng" algn="ctr">
-                      <a:solidFill>
-                        <a:schemeClr val="accent4"/>
-                      </a:solidFill>
-                      <a:prstDash val="solid"/>
-                      <a:round/>
-                      <a:headEnd type="none" w="med" len="med"/>
-                      <a:tailEnd type="none" w="med" len="med"/>
-                    </a:lnR>
-                  </a:tcPr>
-                </a:tc>
-                <a:tc>
-                  <a:txBody>
-                    <a:bodyPr/>
-                    <a:lstStyle/>
-                    <a:p>
-                      <a:pPr algn="ctr"/>
-                      <a:r>
-                        <a:rPr lang="de-DE" dirty="0"/>
-                        <a:t>❌</a:t>
-                      </a:r>
-                    </a:p>
-                  </a:txBody>
-                  <a:tcPr anchor="ctr">
-                    <a:lnL w="12700" cap="flat" cmpd="sng" algn="ctr">
-                      <a:solidFill>
-                        <a:schemeClr val="accent4"/>
-                      </a:solidFill>
-                      <a:prstDash val="solid"/>
-                      <a:round/>
-                      <a:headEnd type="none" w="med" len="med"/>
-                      <a:tailEnd type="none" w="med" len="med"/>
-                    </a:lnL>
-                    <a:lnR w="12700" cap="flat" cmpd="sng" algn="ctr">
-                      <a:solidFill>
-                        <a:schemeClr val="accent4"/>
-                      </a:solidFill>
-                      <a:prstDash val="solid"/>
-                      <a:round/>
-                      <a:headEnd type="none" w="med" len="med"/>
-                      <a:tailEnd type="none" w="med" len="med"/>
-                    </a:lnR>
-                  </a:tcPr>
-                </a:tc>
-                <a:tc>
-                  <a:txBody>
-                    <a:bodyPr/>
-                    <a:lstStyle/>
-                    <a:p>
-                      <a:pPr algn="ctr"/>
-                      <a:endParaRPr lang="de-DE" dirty="0"/>
-                    </a:p>
-                  </a:txBody>
-                  <a:tcPr anchor="ctr">
-                    <a:lnL w="12700" cap="flat" cmpd="sng" algn="ctr">
-                      <a:solidFill>
-                        <a:schemeClr val="accent4"/>
-                      </a:solidFill>
-                      <a:prstDash val="solid"/>
-                      <a:round/>
-                      <a:headEnd type="none" w="med" len="med"/>
-                      <a:tailEnd type="none" w="med" len="med"/>
-                    </a:lnL>
-                    <a:lnR w="12700" cap="flat" cmpd="sng" algn="ctr">
-                      <a:solidFill>
-                        <a:schemeClr val="accent4"/>
-                      </a:solidFill>
-                      <a:prstDash val="solid"/>
-                      <a:round/>
-                      <a:headEnd type="none" w="med" len="med"/>
-                      <a:tailEnd type="none" w="med" len="med"/>
-                    </a:lnR>
-                  </a:tcPr>
-                </a:tc>
-                <a:tc>
-                  <a:txBody>
-                    <a:bodyPr/>
-                    <a:lstStyle/>
-                    <a:p>
-                      <a:pPr marL="0" marR="0" lvl="0" indent="0" algn="ctr" defTabSz="457200" rtl="0" eaLnBrk="1" fontAlgn="auto" latinLnBrk="0" hangingPunct="1">
-                        <a:lnSpc>
-                          <a:spcPct val="100000"/>
-                        </a:lnSpc>
-                        <a:spcBef>
-                          <a:spcPts val="0"/>
-                        </a:spcBef>
-                        <a:spcAft>
-                          <a:spcPts val="0"/>
-                        </a:spcAft>
-                        <a:buClrTx/>
-                        <a:buSzTx/>
-                        <a:buFontTx/>
-                        <a:buNone/>
-                        <a:tabLst/>
-                        <a:defRPr/>
-                      </a:pPr>
-                      <a:endParaRPr lang="de-DE" dirty="0"/>
-                    </a:p>
-                  </a:txBody>
-                  <a:tcPr anchor="ctr">
-                    <a:lnL w="12700" cap="flat" cmpd="sng" algn="ctr">
-                      <a:solidFill>
-                        <a:schemeClr val="accent4"/>
-                      </a:solidFill>
-                      <a:prstDash val="solid"/>
-                      <a:round/>
-                      <a:headEnd type="none" w="med" len="med"/>
-                      <a:tailEnd type="none" w="med" len="med"/>
-                    </a:lnL>
-                  </a:tcPr>
-                </a:tc>
-                <a:extLst>
-                  <a:ext uri="{0D108BD9-81ED-4DB2-BD59-A6C34878D82A}">
-                    <a16:rowId xmlns:a16="http://schemas.microsoft.com/office/drawing/2014/main" val="3313786660"/>
-                  </a:ext>
-                </a:extLst>
-              </a:tr>
-              <a:tr h="531220">
-                <a:tc>
-                  <a:txBody>
-                    <a:bodyPr/>
-                    <a:lstStyle/>
-                    <a:p>
-                      <a:pPr algn="l"/>
-                      <a:r>
-                        <a:rPr lang="de-DE" dirty="0"/>
-                        <a:t>Duplikate?</a:t>
-                      </a:r>
-                    </a:p>
-                  </a:txBody>
-                  <a:tcPr anchor="ctr">
-                    <a:lnR w="12700" cap="flat" cmpd="sng" algn="ctr">
-                      <a:solidFill>
-                        <a:schemeClr val="accent4"/>
-                      </a:solidFill>
-                      <a:prstDash val="solid"/>
-                      <a:round/>
-                      <a:headEnd type="none" w="med" len="med"/>
-                      <a:tailEnd type="none" w="med" len="med"/>
-                    </a:lnR>
-                  </a:tcPr>
-                </a:tc>
-                <a:tc>
-                  <a:txBody>
-                    <a:bodyPr/>
-                    <a:lstStyle/>
-                    <a:p>
-                      <a:pPr marL="0" marR="0" lvl="0" indent="0" algn="ctr" defTabSz="457200" rtl="0" eaLnBrk="1" fontAlgn="auto" latinLnBrk="0" hangingPunct="1">
-                        <a:lnSpc>
-                          <a:spcPct val="100000"/>
-                        </a:lnSpc>
-                        <a:spcBef>
-                          <a:spcPts val="0"/>
-                        </a:spcBef>
-                        <a:spcAft>
-                          <a:spcPts val="0"/>
-                        </a:spcAft>
-                        <a:buClrTx/>
-                        <a:buSzTx/>
-                        <a:buFontTx/>
-                        <a:buNone/>
-                        <a:tabLst/>
-                        <a:defRPr/>
-                      </a:pPr>
-                      <a:r>
-                        <a:rPr lang="de-DE" dirty="0"/>
-                        <a:t>✅</a:t>
-                      </a:r>
-                    </a:p>
-                  </a:txBody>
-                  <a:tcPr anchor="ctr">
-                    <a:lnL w="12700" cap="flat" cmpd="sng" algn="ctr">
-                      <a:solidFill>
-                        <a:schemeClr val="accent4"/>
-                      </a:solidFill>
-                      <a:prstDash val="solid"/>
-                      <a:round/>
-                      <a:headEnd type="none" w="med" len="med"/>
-                      <a:tailEnd type="none" w="med" len="med"/>
-                    </a:lnL>
-                    <a:lnR w="12700" cap="flat" cmpd="sng" algn="ctr">
-                      <a:solidFill>
-                        <a:schemeClr val="accent4"/>
-                      </a:solidFill>
-                      <a:prstDash val="solid"/>
-                      <a:round/>
-                      <a:headEnd type="none" w="med" len="med"/>
-                      <a:tailEnd type="none" w="med" len="med"/>
-                    </a:lnR>
-                  </a:tcPr>
-                </a:tc>
-                <a:tc>
-                  <a:txBody>
-                    <a:bodyPr/>
-                    <a:lstStyle/>
-                    <a:p>
-                      <a:pPr marL="0" marR="0" lvl="0" indent="0" algn="ctr" defTabSz="457200" rtl="0" eaLnBrk="1" fontAlgn="auto" latinLnBrk="0" hangingPunct="1">
-                        <a:lnSpc>
-                          <a:spcPct val="100000"/>
-                        </a:lnSpc>
-                        <a:spcBef>
-                          <a:spcPts val="0"/>
-                        </a:spcBef>
-                        <a:spcAft>
-                          <a:spcPts val="0"/>
-                        </a:spcAft>
-                        <a:buClrTx/>
-                        <a:buSzTx/>
-                        <a:buFontTx/>
-                        <a:buNone/>
-                        <a:tabLst/>
-                        <a:defRPr/>
-                      </a:pPr>
-                      <a:r>
-                        <a:rPr lang="de-DE" dirty="0"/>
-                        <a:t>✅</a:t>
-                      </a:r>
-                    </a:p>
-                  </a:txBody>
-                  <a:tcPr anchor="ctr">
-                    <a:lnL w="12700" cap="flat" cmpd="sng" algn="ctr">
-                      <a:solidFill>
-                        <a:schemeClr val="accent4"/>
-                      </a:solidFill>
-                      <a:prstDash val="solid"/>
-                      <a:round/>
-                      <a:headEnd type="none" w="med" len="med"/>
-                      <a:tailEnd type="none" w="med" len="med"/>
-                    </a:lnL>
-                    <a:lnR w="12700" cap="flat" cmpd="sng" algn="ctr">
-                      <a:solidFill>
-                        <a:schemeClr val="accent4"/>
-                      </a:solidFill>
-                      <a:prstDash val="solid"/>
-                      <a:round/>
-                      <a:headEnd type="none" w="med" len="med"/>
-                      <a:tailEnd type="none" w="med" len="med"/>
-                    </a:lnR>
-                  </a:tcPr>
-                </a:tc>
-                <a:tc>
-                  <a:txBody>
-                    <a:bodyPr/>
-                    <a:lstStyle/>
-                    <a:p>
-                      <a:pPr algn="ctr"/>
-                      <a:endParaRPr lang="de-DE" dirty="0"/>
-                    </a:p>
-                  </a:txBody>
-                  <a:tcPr anchor="ctr">
-                    <a:lnL w="12700" cap="flat" cmpd="sng" algn="ctr">
-                      <a:solidFill>
-                        <a:schemeClr val="accent4"/>
-                      </a:solidFill>
-                      <a:prstDash val="solid"/>
-                      <a:round/>
-                      <a:headEnd type="none" w="med" len="med"/>
-                      <a:tailEnd type="none" w="med" len="med"/>
-                    </a:lnL>
-                    <a:lnR w="12700" cap="flat" cmpd="sng" algn="ctr">
-                      <a:solidFill>
-                        <a:schemeClr val="accent4"/>
-                      </a:solidFill>
-                      <a:prstDash val="solid"/>
-                      <a:round/>
-                      <a:headEnd type="none" w="med" len="med"/>
-                      <a:tailEnd type="none" w="med" len="med"/>
-                    </a:lnR>
-                  </a:tcPr>
-                </a:tc>
-                <a:tc>
-                  <a:txBody>
-                    <a:bodyPr/>
-                    <a:lstStyle/>
-                    <a:p>
-                      <a:pPr marL="0" marR="0" lvl="0" indent="0" algn="ctr" defTabSz="457200" rtl="0" eaLnBrk="1" fontAlgn="auto" latinLnBrk="0" hangingPunct="1">
-                        <a:lnSpc>
-                          <a:spcPct val="100000"/>
-                        </a:lnSpc>
-                        <a:spcBef>
-                          <a:spcPts val="0"/>
-                        </a:spcBef>
-                        <a:spcAft>
-                          <a:spcPts val="0"/>
-                        </a:spcAft>
-                        <a:buClrTx/>
-                        <a:buSzTx/>
-                        <a:buFontTx/>
-                        <a:buNone/>
-                        <a:tabLst/>
-                        <a:defRPr/>
-                      </a:pPr>
-                      <a:endParaRPr lang="de-DE" dirty="0"/>
-                    </a:p>
-                  </a:txBody>
-                  <a:tcPr anchor="ctr">
-                    <a:lnL w="12700" cap="flat" cmpd="sng" algn="ctr">
-                      <a:solidFill>
-                        <a:schemeClr val="accent4"/>
-                      </a:solidFill>
-                      <a:prstDash val="solid"/>
-                      <a:round/>
-                      <a:headEnd type="none" w="med" len="med"/>
-                      <a:tailEnd type="none" w="med" len="med"/>
-                    </a:lnL>
-                  </a:tcPr>
-                </a:tc>
-                <a:extLst>
-                  <a:ext uri="{0D108BD9-81ED-4DB2-BD59-A6C34878D82A}">
-                    <a16:rowId xmlns:a16="http://schemas.microsoft.com/office/drawing/2014/main" val="2151897338"/>
-                  </a:ext>
-                </a:extLst>
-              </a:tr>
-              <a:tr h="916902">
-                <a:tc>
-                  <a:txBody>
-                    <a:bodyPr/>
-                    <a:lstStyle/>
-                    <a:p>
-                      <a:pPr algn="l"/>
-                      <a:r>
-                        <a:rPr lang="de-DE" dirty="0"/>
-                        <a:t>Geordnet?</a:t>
-                      </a:r>
-                    </a:p>
-                  </a:txBody>
-                  <a:tcPr anchor="ctr">
-                    <a:lnR w="12700" cap="flat" cmpd="sng" algn="ctr">
-                      <a:solidFill>
-                        <a:schemeClr val="accent4"/>
-                      </a:solidFill>
-                      <a:prstDash val="solid"/>
-                      <a:round/>
-                      <a:headEnd type="none" w="med" len="med"/>
-                      <a:tailEnd type="none" w="med" len="med"/>
-                    </a:lnR>
-                  </a:tcPr>
-                </a:tc>
-                <a:tc>
-                  <a:txBody>
-                    <a:bodyPr/>
-                    <a:lstStyle/>
-                    <a:p>
-                      <a:pPr marL="0" marR="0" lvl="0" indent="0" algn="ctr" defTabSz="457200" rtl="0" eaLnBrk="1" fontAlgn="auto" latinLnBrk="0" hangingPunct="1">
-                        <a:lnSpc>
-                          <a:spcPct val="100000"/>
-                        </a:lnSpc>
-                        <a:spcBef>
-                          <a:spcPts val="0"/>
-                        </a:spcBef>
-                        <a:spcAft>
-                          <a:spcPts val="0"/>
-                        </a:spcAft>
-                        <a:buClrTx/>
-                        <a:buSzTx/>
-                        <a:buFontTx/>
-                        <a:buNone/>
-                        <a:tabLst/>
-                        <a:defRPr/>
-                      </a:pPr>
-                      <a:r>
-                        <a:rPr lang="de-DE" dirty="0"/>
-                        <a:t>✅</a:t>
-                      </a:r>
-                    </a:p>
-                  </a:txBody>
-                  <a:tcPr anchor="ctr">
-                    <a:lnL w="12700" cap="flat" cmpd="sng" algn="ctr">
-                      <a:solidFill>
-                        <a:schemeClr val="accent4"/>
-                      </a:solidFill>
-                      <a:prstDash val="solid"/>
-                      <a:round/>
-                      <a:headEnd type="none" w="med" len="med"/>
-                      <a:tailEnd type="none" w="med" len="med"/>
-                    </a:lnL>
-                    <a:lnR w="12700" cap="flat" cmpd="sng" algn="ctr">
-                      <a:solidFill>
-                        <a:schemeClr val="accent4"/>
-                      </a:solidFill>
-                      <a:prstDash val="solid"/>
-                      <a:round/>
-                      <a:headEnd type="none" w="med" len="med"/>
-                      <a:tailEnd type="none" w="med" len="med"/>
-                    </a:lnR>
-                  </a:tcPr>
-                </a:tc>
-                <a:tc>
-                  <a:txBody>
-                    <a:bodyPr/>
-                    <a:lstStyle/>
-                    <a:p>
-                      <a:pPr marL="0" marR="0" lvl="0" indent="0" algn="ctr" defTabSz="457200" rtl="0" eaLnBrk="1" fontAlgn="auto" latinLnBrk="0" hangingPunct="1">
-                        <a:lnSpc>
-                          <a:spcPct val="100000"/>
-                        </a:lnSpc>
-                        <a:spcBef>
-                          <a:spcPts val="0"/>
-                        </a:spcBef>
-                        <a:spcAft>
-                          <a:spcPts val="0"/>
-                        </a:spcAft>
-                        <a:buClrTx/>
-                        <a:buSzTx/>
-                        <a:buFontTx/>
-                        <a:buNone/>
-                        <a:tabLst/>
-                        <a:defRPr/>
-                      </a:pPr>
-                      <a:r>
-                        <a:rPr lang="de-DE" dirty="0"/>
-                        <a:t>✅</a:t>
-                      </a:r>
-                    </a:p>
-                  </a:txBody>
-                  <a:tcPr anchor="ctr">
-                    <a:lnL w="12700" cap="flat" cmpd="sng" algn="ctr">
-                      <a:solidFill>
-                        <a:schemeClr val="accent4"/>
-                      </a:solidFill>
-                      <a:prstDash val="solid"/>
-                      <a:round/>
-                      <a:headEnd type="none" w="med" len="med"/>
-                      <a:tailEnd type="none" w="med" len="med"/>
-                    </a:lnL>
-                    <a:lnR w="12700" cap="flat" cmpd="sng" algn="ctr">
-                      <a:solidFill>
-                        <a:schemeClr val="accent4"/>
-                      </a:solidFill>
-                      <a:prstDash val="solid"/>
-                      <a:round/>
-                      <a:headEnd type="none" w="med" len="med"/>
-                      <a:tailEnd type="none" w="med" len="med"/>
-                    </a:lnR>
-                  </a:tcPr>
-                </a:tc>
-                <a:tc>
-                  <a:txBody>
-                    <a:bodyPr/>
-                    <a:lstStyle/>
-                    <a:p>
-                      <a:pPr algn="ctr"/>
-                      <a:endParaRPr lang="de-DE" dirty="0"/>
-                    </a:p>
-                  </a:txBody>
-                  <a:tcPr anchor="ctr">
-                    <a:lnL w="12700" cap="flat" cmpd="sng" algn="ctr">
-                      <a:solidFill>
-                        <a:schemeClr val="accent4"/>
-                      </a:solidFill>
-                      <a:prstDash val="solid"/>
-                      <a:round/>
-                      <a:headEnd type="none" w="med" len="med"/>
-                      <a:tailEnd type="none" w="med" len="med"/>
-                    </a:lnL>
-                    <a:lnR w="12700" cap="flat" cmpd="sng" algn="ctr">
-                      <a:solidFill>
-                        <a:schemeClr val="accent4"/>
-                      </a:solidFill>
-                      <a:prstDash val="solid"/>
-                      <a:round/>
-                      <a:headEnd type="none" w="med" len="med"/>
-                      <a:tailEnd type="none" w="med" len="med"/>
-                    </a:lnR>
-                  </a:tcPr>
-                </a:tc>
-                <a:tc>
-                  <a:txBody>
-                    <a:bodyPr/>
-                    <a:lstStyle/>
-                    <a:p>
-                      <a:pPr marL="0" marR="0" lvl="0" indent="0" algn="ctr" defTabSz="457200" rtl="0" eaLnBrk="1" fontAlgn="auto" latinLnBrk="0" hangingPunct="1">
-                        <a:lnSpc>
-                          <a:spcPct val="100000"/>
-                        </a:lnSpc>
-                        <a:spcBef>
-                          <a:spcPts val="0"/>
-                        </a:spcBef>
-                        <a:spcAft>
-                          <a:spcPts val="0"/>
-                        </a:spcAft>
-                        <a:buClrTx/>
-                        <a:buSzTx/>
-                        <a:buFontTx/>
-                        <a:buNone/>
-                        <a:tabLst/>
-                        <a:defRPr/>
-                      </a:pPr>
-                      <a:endParaRPr lang="de-DE" dirty="0"/>
-                    </a:p>
-                  </a:txBody>
-                  <a:tcPr anchor="ctr">
-                    <a:lnL w="12700" cap="flat" cmpd="sng" algn="ctr">
-                      <a:solidFill>
-                        <a:schemeClr val="accent4"/>
-                      </a:solidFill>
-                      <a:prstDash val="solid"/>
-                      <a:round/>
-                      <a:headEnd type="none" w="med" len="med"/>
-                      <a:tailEnd type="none" w="med" len="med"/>
-                    </a:lnL>
-                  </a:tcPr>
-                </a:tc>
-                <a:extLst>
-                  <a:ext uri="{0D108BD9-81ED-4DB2-BD59-A6C34878D82A}">
-                    <a16:rowId xmlns:a16="http://schemas.microsoft.com/office/drawing/2014/main" val="555583047"/>
-                  </a:ext>
-                </a:extLst>
-              </a:tr>
-              <a:tr h="531220">
-                <a:tc>
-                  <a:txBody>
-                    <a:bodyPr/>
-                    <a:lstStyle/>
-                    <a:p>
-                      <a:pPr algn="l"/>
-                      <a:r>
-                        <a:rPr lang="de-DE" dirty="0"/>
-                        <a:t>Keys?</a:t>
-                      </a:r>
-                    </a:p>
-                  </a:txBody>
-                  <a:tcPr anchor="ctr">
-                    <a:lnR w="12700" cap="flat" cmpd="sng" algn="ctr">
-                      <a:solidFill>
-                        <a:schemeClr val="accent4"/>
-                      </a:solidFill>
-                      <a:prstDash val="solid"/>
-                      <a:round/>
-                      <a:headEnd type="none" w="med" len="med"/>
-                      <a:tailEnd type="none" w="med" len="med"/>
-                    </a:lnR>
-                  </a:tcPr>
-                </a:tc>
-                <a:tc>
-                  <a:txBody>
-                    <a:bodyPr/>
-                    <a:lstStyle/>
-                    <a:p>
-                      <a:pPr algn="ctr"/>
-                      <a:r>
-                        <a:rPr lang="de-DE" dirty="0"/>
-                        <a:t>❌</a:t>
-                      </a:r>
-                    </a:p>
-                  </a:txBody>
-                  <a:tcPr anchor="ctr">
-                    <a:lnL w="12700" cap="flat" cmpd="sng" algn="ctr">
-                      <a:solidFill>
-                        <a:schemeClr val="accent4"/>
-                      </a:solidFill>
-                      <a:prstDash val="solid"/>
-                      <a:round/>
-                      <a:headEnd type="none" w="med" len="med"/>
-                      <a:tailEnd type="none" w="med" len="med"/>
-                    </a:lnL>
-                    <a:lnR w="12700" cap="flat" cmpd="sng" algn="ctr">
-                      <a:solidFill>
-                        <a:schemeClr val="accent4"/>
-                      </a:solidFill>
-                      <a:prstDash val="solid"/>
-                      <a:round/>
-                      <a:headEnd type="none" w="med" len="med"/>
-                      <a:tailEnd type="none" w="med" len="med"/>
-                    </a:lnR>
-                  </a:tcPr>
-                </a:tc>
-                <a:tc>
-                  <a:txBody>
-                    <a:bodyPr/>
-                    <a:lstStyle/>
-                    <a:p>
-                      <a:pPr algn="ctr"/>
-                      <a:r>
-                        <a:rPr lang="de-DE" dirty="0"/>
-                        <a:t>❌</a:t>
-                      </a:r>
-                    </a:p>
-                  </a:txBody>
-                  <a:tcPr anchor="ctr">
-                    <a:lnL w="12700" cap="flat" cmpd="sng" algn="ctr">
-                      <a:solidFill>
-                        <a:schemeClr val="accent4"/>
-                      </a:solidFill>
-                      <a:prstDash val="solid"/>
-                      <a:round/>
-                      <a:headEnd type="none" w="med" len="med"/>
-                      <a:tailEnd type="none" w="med" len="med"/>
-                    </a:lnL>
-                    <a:lnR w="12700" cap="flat" cmpd="sng" algn="ctr">
-                      <a:solidFill>
-                        <a:schemeClr val="accent4"/>
-                      </a:solidFill>
-                      <a:prstDash val="solid"/>
-                      <a:round/>
-                      <a:headEnd type="none" w="med" len="med"/>
-                      <a:tailEnd type="none" w="med" len="med"/>
-                    </a:lnR>
-                  </a:tcPr>
-                </a:tc>
-                <a:tc>
-                  <a:txBody>
-                    <a:bodyPr/>
-                    <a:lstStyle/>
-                    <a:p>
-                      <a:pPr algn="ctr"/>
-                      <a:endParaRPr lang="de-DE" dirty="0"/>
-                    </a:p>
-                  </a:txBody>
-                  <a:tcPr anchor="ctr">
-                    <a:lnL w="12700" cap="flat" cmpd="sng" algn="ctr">
-                      <a:solidFill>
-                        <a:schemeClr val="accent4"/>
-                      </a:solidFill>
-                      <a:prstDash val="solid"/>
-                      <a:round/>
-                      <a:headEnd type="none" w="med" len="med"/>
-                      <a:tailEnd type="none" w="med" len="med"/>
-                    </a:lnL>
-                    <a:lnR w="12700" cap="flat" cmpd="sng" algn="ctr">
-                      <a:solidFill>
-                        <a:schemeClr val="accent4"/>
-                      </a:solidFill>
-                      <a:prstDash val="solid"/>
-                      <a:round/>
-                      <a:headEnd type="none" w="med" len="med"/>
-                      <a:tailEnd type="none" w="med" len="med"/>
-                    </a:lnR>
-                  </a:tcPr>
-                </a:tc>
-                <a:tc>
-                  <a:txBody>
-                    <a:bodyPr/>
-                    <a:lstStyle/>
-                    <a:p>
-                      <a:pPr marL="0" marR="0" lvl="0" indent="0" algn="ctr" defTabSz="457200" rtl="0" eaLnBrk="1" fontAlgn="auto" latinLnBrk="0" hangingPunct="1">
-                        <a:lnSpc>
-                          <a:spcPct val="100000"/>
-                        </a:lnSpc>
-                        <a:spcBef>
-                          <a:spcPts val="0"/>
-                        </a:spcBef>
-                        <a:spcAft>
-                          <a:spcPts val="0"/>
-                        </a:spcAft>
-                        <a:buClrTx/>
-                        <a:buSzTx/>
-                        <a:buFontTx/>
-                        <a:buNone/>
-                        <a:tabLst/>
-                        <a:defRPr/>
-                      </a:pPr>
-                      <a:endParaRPr lang="de-DE" dirty="0"/>
-                    </a:p>
-                  </a:txBody>
-                  <a:tcPr anchor="ctr">
-                    <a:lnL w="12700" cap="flat" cmpd="sng" algn="ctr">
-                      <a:solidFill>
-                        <a:schemeClr val="accent4"/>
-                      </a:solidFill>
-                      <a:prstDash val="solid"/>
-                      <a:round/>
-                      <a:headEnd type="none" w="med" len="med"/>
-                      <a:tailEnd type="none" w="med" len="med"/>
-                    </a:lnL>
-                  </a:tcPr>
-                </a:tc>
-                <a:extLst>
-                  <a:ext uri="{0D108BD9-81ED-4DB2-BD59-A6C34878D82A}">
-                    <a16:rowId xmlns:a16="http://schemas.microsoft.com/office/drawing/2014/main" val="3836793035"/>
-                  </a:ext>
-                </a:extLst>
-              </a:tr>
-              <a:tr h="531220">
-                <a:tc>
-                  <a:txBody>
-                    <a:bodyPr/>
-                    <a:lstStyle/>
-                    <a:p>
-                      <a:pPr algn="l"/>
-                      <a:endParaRPr lang="de-DE" dirty="0"/>
-                    </a:p>
-                  </a:txBody>
-                  <a:tcPr anchor="ctr">
-                    <a:lnR w="12700" cap="flat" cmpd="sng" algn="ctr">
-                      <a:solidFill>
-                        <a:schemeClr val="accent4"/>
-                      </a:solidFill>
-                      <a:prstDash val="solid"/>
-                      <a:round/>
-                      <a:headEnd type="none" w="med" len="med"/>
-                      <a:tailEnd type="none" w="med" len="med"/>
-                    </a:lnR>
-                  </a:tcPr>
-                </a:tc>
-                <a:tc>
-                  <a:txBody>
-                    <a:bodyPr/>
-                    <a:lstStyle/>
-                    <a:p>
-                      <a:pPr algn="ctr"/>
-                      <a:r>
-                        <a:rPr lang="de-DE" dirty="0" err="1"/>
-                        <a:t>list</a:t>
-                      </a:r>
-                      <a:r>
-                        <a:rPr lang="de-DE" dirty="0"/>
-                        <a:t> = [ ]</a:t>
-                      </a:r>
-                    </a:p>
-                  </a:txBody>
-                  <a:tcPr anchor="ctr">
-                    <a:lnL w="12700" cap="flat" cmpd="sng" algn="ctr">
-                      <a:solidFill>
-                        <a:schemeClr val="accent4"/>
-                      </a:solidFill>
-                      <a:prstDash val="solid"/>
-                      <a:round/>
-                      <a:headEnd type="none" w="med" len="med"/>
-                      <a:tailEnd type="none" w="med" len="med"/>
-                    </a:lnL>
-                    <a:lnR w="12700" cap="flat" cmpd="sng" algn="ctr">
-                      <a:solidFill>
-                        <a:schemeClr val="accent4"/>
-                      </a:solidFill>
-                      <a:prstDash val="solid"/>
-                      <a:round/>
-                      <a:headEnd type="none" w="med" len="med"/>
-                      <a:tailEnd type="none" w="med" len="med"/>
-                    </a:lnR>
-                  </a:tcPr>
-                </a:tc>
-                <a:tc>
-                  <a:txBody>
-                    <a:bodyPr/>
-                    <a:lstStyle/>
-                    <a:p>
-                      <a:pPr algn="ctr"/>
-                      <a:r>
-                        <a:rPr lang="de-DE" dirty="0" err="1"/>
-                        <a:t>tuple</a:t>
-                      </a:r>
-                      <a:r>
-                        <a:rPr lang="de-DE" dirty="0"/>
-                        <a:t> = ( )</a:t>
-                      </a:r>
-                    </a:p>
-                  </a:txBody>
-                  <a:tcPr anchor="ctr">
-                    <a:lnL w="12700" cap="flat" cmpd="sng" algn="ctr">
-                      <a:solidFill>
-                        <a:schemeClr val="accent4"/>
-                      </a:solidFill>
-                      <a:prstDash val="solid"/>
-                      <a:round/>
-                      <a:headEnd type="none" w="med" len="med"/>
-                      <a:tailEnd type="none" w="med" len="med"/>
-                    </a:lnL>
-                    <a:lnR w="12700" cap="flat" cmpd="sng" algn="ctr">
-                      <a:solidFill>
-                        <a:schemeClr val="accent4"/>
-                      </a:solidFill>
-                      <a:prstDash val="solid"/>
-                      <a:round/>
-                      <a:headEnd type="none" w="med" len="med"/>
-                      <a:tailEnd type="none" w="med" len="med"/>
-                    </a:lnR>
-                  </a:tcPr>
-                </a:tc>
-                <a:tc>
-                  <a:txBody>
-                    <a:bodyPr/>
-                    <a:lstStyle/>
-                    <a:p>
-                      <a:pPr algn="ctr"/>
-                      <a:endParaRPr lang="de-DE" dirty="0"/>
-                    </a:p>
-                  </a:txBody>
-                  <a:tcPr anchor="ctr">
-                    <a:lnL w="12700" cap="flat" cmpd="sng" algn="ctr">
-                      <a:solidFill>
-                        <a:schemeClr val="accent4"/>
-                      </a:solidFill>
-                      <a:prstDash val="solid"/>
-                      <a:round/>
-                      <a:headEnd type="none" w="med" len="med"/>
-                      <a:tailEnd type="none" w="med" len="med"/>
-                    </a:lnL>
-                    <a:lnR w="12700" cap="flat" cmpd="sng" algn="ctr">
-                      <a:solidFill>
-                        <a:schemeClr val="accent4"/>
-                      </a:solidFill>
-                      <a:prstDash val="solid"/>
-                      <a:round/>
-                      <a:headEnd type="none" w="med" len="med"/>
-                      <a:tailEnd type="none" w="med" len="med"/>
-                    </a:lnR>
-                  </a:tcPr>
-                </a:tc>
-                <a:tc>
-                  <a:txBody>
-                    <a:bodyPr/>
-                    <a:lstStyle/>
-                    <a:p>
-                      <a:pPr algn="ctr"/>
-                      <a:endParaRPr lang="de-DE" dirty="0"/>
-                    </a:p>
-                  </a:txBody>
-                  <a:tcPr anchor="ctr">
-                    <a:lnL w="12700" cap="flat" cmpd="sng" algn="ctr">
-                      <a:solidFill>
-                        <a:schemeClr val="accent4"/>
-                      </a:solidFill>
-                      <a:prstDash val="solid"/>
-                      <a:round/>
-                      <a:headEnd type="none" w="med" len="med"/>
-                      <a:tailEnd type="none" w="med" len="med"/>
-                    </a:lnL>
-                  </a:tcPr>
-                </a:tc>
-                <a:extLst>
-                  <a:ext uri="{0D108BD9-81ED-4DB2-BD59-A6C34878D82A}">
-                    <a16:rowId xmlns:a16="http://schemas.microsoft.com/office/drawing/2014/main" val="2815062303"/>
-                  </a:ext>
-                </a:extLst>
-              </a:tr>
-            </a:tbl>
-          </a:graphicData>
-        </a:graphic>
-      </p:graphicFrame>
-    </p:spTree>
-    <p:extLst>
-      <p:ext uri="{BB962C8B-B14F-4D97-AF65-F5344CB8AC3E}">
-        <p14:creationId xmlns:p14="http://schemas.microsoft.com/office/powerpoint/2010/main" val="2397868881"/>
-      </p:ext>
-    </p:extLst>
-  </p:cSld>
-  <p:clrMapOvr>
-    <a:masterClrMapping/>
-  </p:clrMapOvr>
-</p:sld>
-</file>
-
-<file path=ppt/slides/slide15.xml><?xml version="1.0" encoding="utf-8"?>
-<p:sld xmlns:a="http://schemas.openxmlformats.org/drawingml/2006/main" xmlns:r="http://schemas.openxmlformats.org/officeDocument/2006/relationships" xmlns:p="http://schemas.openxmlformats.org/presentationml/2006/main">
-  <p:cSld>
-    <p:spTree>
-      <p:nvGrpSpPr>
-        <p:cNvPr id="1" name=""/>
-        <p:cNvGrpSpPr/>
-        <p:nvPr/>
-      </p:nvGrpSpPr>
-      <p:grpSpPr>
-        <a:xfrm>
-          <a:off x="0" y="0"/>
-          <a:ext cx="0" cy="0"/>
-          <a:chOff x="0" y="0"/>
-          <a:chExt cx="0" cy="0"/>
-        </a:xfrm>
-      </p:grpSpPr>
-      <p:sp>
-        <p:nvSpPr>
-          <p:cNvPr id="2" name="Titel 1">
-            <a:extLst>
-              <a:ext uri="{FF2B5EF4-FFF2-40B4-BE49-F238E27FC236}">
-                <a16:creationId xmlns:a16="http://schemas.microsoft.com/office/drawing/2014/main" id="{924638F2-44F9-0387-35BC-AA6733952E2F}"/>
-              </a:ext>
-            </a:extLst>
-          </p:cNvPr>
-          <p:cNvSpPr>
-            <a:spLocks noGrp="1"/>
-          </p:cNvSpPr>
-          <p:nvPr>
-            <p:ph type="title"/>
-          </p:nvPr>
-        </p:nvSpPr>
-        <p:spPr/>
-        <p:txBody>
-          <a:bodyPr/>
-          <a:lstStyle/>
-          <a:p>
-            <a:r>
-              <a:rPr lang="de-DE" dirty="0"/>
-              <a:t>Einfache Datenstrukturen</a:t>
-            </a:r>
-          </a:p>
-        </p:txBody>
-      </p:sp>
-      <p:graphicFrame>
-        <p:nvGraphicFramePr>
-          <p:cNvPr id="4" name="Tabelle 4">
-            <a:extLst>
-              <a:ext uri="{FF2B5EF4-FFF2-40B4-BE49-F238E27FC236}">
-                <a16:creationId xmlns:a16="http://schemas.microsoft.com/office/drawing/2014/main" id="{B47C2560-812F-375E-9734-FDB4B9C2658E}"/>
-              </a:ext>
-            </a:extLst>
-          </p:cNvPr>
-          <p:cNvGraphicFramePr>
-            <a:graphicFrameLocks noGrp="1"/>
-          </p:cNvGraphicFramePr>
-          <p:nvPr>
-            <p:ph idx="1"/>
-            <p:extLst>
-              <p:ext uri="{D42A27DB-BD31-4B8C-83A1-F6EECF244321}">
-                <p14:modId xmlns:p14="http://schemas.microsoft.com/office/powerpoint/2010/main" val="1653153576"/>
-              </p:ext>
-            </p:extLst>
-          </p:nvPr>
-        </p:nvGraphicFramePr>
-        <p:xfrm>
-          <a:off x="810000" y="2574470"/>
-          <a:ext cx="10553700" cy="3452258"/>
-        </p:xfrm>
-        <a:graphic>
-          <a:graphicData uri="http://schemas.openxmlformats.org/drawingml/2006/table">
-            <a:tbl>
-              <a:tblPr firstRow="1" bandRow="1">
-                <a:tableStyleId>{17292A2E-F333-43FB-9621-5CBBE7FDCDCB}</a:tableStyleId>
-              </a:tblPr>
-              <a:tblGrid>
-                <a:gridCol w="2110740">
-                  <a:extLst>
-                    <a:ext uri="{9D8B030D-6E8A-4147-A177-3AD203B41FA5}">
-                      <a16:colId xmlns:a16="http://schemas.microsoft.com/office/drawing/2014/main" val="3154879884"/>
-                    </a:ext>
-                  </a:extLst>
-                </a:gridCol>
-                <a:gridCol w="2110740">
-                  <a:extLst>
-                    <a:ext uri="{9D8B030D-6E8A-4147-A177-3AD203B41FA5}">
-                      <a16:colId xmlns:a16="http://schemas.microsoft.com/office/drawing/2014/main" val="2768790688"/>
-                    </a:ext>
-                  </a:extLst>
-                </a:gridCol>
-                <a:gridCol w="2110740">
-                  <a:extLst>
-                    <a:ext uri="{9D8B030D-6E8A-4147-A177-3AD203B41FA5}">
-                      <a16:colId xmlns:a16="http://schemas.microsoft.com/office/drawing/2014/main" val="632190215"/>
-                    </a:ext>
-                  </a:extLst>
-                </a:gridCol>
-                <a:gridCol w="2110740">
-                  <a:extLst>
-                    <a:ext uri="{9D8B030D-6E8A-4147-A177-3AD203B41FA5}">
-                      <a16:colId xmlns:a16="http://schemas.microsoft.com/office/drawing/2014/main" val="981659422"/>
-                    </a:ext>
-                  </a:extLst>
-                </a:gridCol>
-                <a:gridCol w="2110740">
-                  <a:extLst>
-                    <a:ext uri="{9D8B030D-6E8A-4147-A177-3AD203B41FA5}">
-                      <a16:colId xmlns:a16="http://schemas.microsoft.com/office/drawing/2014/main" val="727473629"/>
-                    </a:ext>
-                  </a:extLst>
-                </a:gridCol>
-              </a:tblGrid>
-              <a:tr h="410476">
-                <a:tc>
-                  <a:txBody>
-                    <a:bodyPr/>
-                    <a:lstStyle/>
-                    <a:p>
-                      <a:pPr algn="l"/>
-                      <a:endParaRPr lang="de-DE" dirty="0"/>
-                    </a:p>
-                  </a:txBody>
-                  <a:tcPr anchor="ctr">
-                    <a:lnL w="9525" cap="rnd" cmpd="sng" algn="ctr">
-                      <a:noFill/>
-                      <a:prstDash val="solid"/>
-                    </a:lnL>
-                    <a:lnR w="12700" cap="flat" cmpd="sng" algn="ctr">
-                      <a:solidFill>
-                        <a:schemeClr val="accent4"/>
-                      </a:solidFill>
-                      <a:prstDash val="solid"/>
-                      <a:round/>
-                      <a:headEnd type="none" w="med" len="med"/>
-                      <a:tailEnd type="none" w="med" len="med"/>
-                    </a:lnR>
-                    <a:lnT w="9525" cap="rnd" cmpd="sng" algn="ctr">
-                      <a:noFill/>
-                      <a:prstDash val="solid"/>
-                    </a:lnT>
-                    <a:lnB w="12700" cap="flat" cmpd="sng" algn="ctr">
-                      <a:solidFill>
-                        <a:schemeClr val="accent4"/>
-                      </a:solidFill>
-                      <a:prstDash val="solid"/>
-                      <a:round/>
-                      <a:headEnd type="none" w="med" len="med"/>
-                      <a:tailEnd type="none" w="med" len="med"/>
-                    </a:lnB>
-                    <a:noFill/>
-                  </a:tcPr>
-                </a:tc>
-                <a:tc>
-                  <a:txBody>
-                    <a:bodyPr/>
-                    <a:lstStyle/>
-                    <a:p>
-                      <a:pPr algn="ctr"/>
-                      <a:r>
-                        <a:rPr lang="de-DE" dirty="0"/>
-                        <a:t>Liste</a:t>
-                      </a:r>
-                    </a:p>
-                  </a:txBody>
-                  <a:tcPr anchor="ctr">
-                    <a:lnL w="12700" cap="flat" cmpd="sng" algn="ctr">
-                      <a:solidFill>
-                        <a:schemeClr val="accent4"/>
-                      </a:solidFill>
-                      <a:prstDash val="solid"/>
-                      <a:round/>
-                      <a:headEnd type="none" w="med" len="med"/>
-                      <a:tailEnd type="none" w="med" len="med"/>
-                    </a:lnL>
-                    <a:lnR w="12700" cap="flat" cmpd="sng" algn="ctr">
-                      <a:solidFill>
-                        <a:schemeClr val="accent4"/>
-                      </a:solidFill>
-                      <a:prstDash val="solid"/>
-                      <a:round/>
-                      <a:headEnd type="none" w="med" len="med"/>
-                      <a:tailEnd type="none" w="med" len="med"/>
-                    </a:lnR>
-                  </a:tcPr>
-                </a:tc>
-                <a:tc>
-                  <a:txBody>
-                    <a:bodyPr/>
-                    <a:lstStyle/>
-                    <a:p>
-                      <a:pPr algn="ctr"/>
-                      <a:r>
-                        <a:rPr lang="de-DE" dirty="0"/>
-                        <a:t>Tupel</a:t>
-                      </a:r>
-                    </a:p>
-                  </a:txBody>
-                  <a:tcPr anchor="ctr">
-                    <a:lnL w="12700" cap="flat" cmpd="sng" algn="ctr">
-                      <a:solidFill>
-                        <a:schemeClr val="accent4"/>
-                      </a:solidFill>
-                      <a:prstDash val="solid"/>
-                      <a:round/>
-                      <a:headEnd type="none" w="med" len="med"/>
-                      <a:tailEnd type="none" w="med" len="med"/>
-                    </a:lnL>
-                    <a:lnR w="12700" cap="flat" cmpd="sng" algn="ctr">
-                      <a:solidFill>
-                        <a:schemeClr val="accent4"/>
-                      </a:solidFill>
-                      <a:prstDash val="solid"/>
-                      <a:round/>
-                      <a:headEnd type="none" w="med" len="med"/>
-                      <a:tailEnd type="none" w="med" len="med"/>
-                    </a:lnR>
-                  </a:tcPr>
-                </a:tc>
-                <a:tc>
-                  <a:txBody>
-                    <a:bodyPr/>
-                    <a:lstStyle/>
-                    <a:p>
-                      <a:pPr algn="ctr"/>
-                      <a:r>
-                        <a:rPr lang="de-DE" dirty="0"/>
-                        <a:t>Set</a:t>
-                      </a:r>
-                    </a:p>
-                  </a:txBody>
-                  <a:tcPr anchor="ctr">
-                    <a:lnL w="12700" cap="flat" cmpd="sng" algn="ctr">
-                      <a:solidFill>
-                        <a:schemeClr val="accent4"/>
-                      </a:solidFill>
-                      <a:prstDash val="solid"/>
-                      <a:round/>
-                      <a:headEnd type="none" w="med" len="med"/>
-                      <a:tailEnd type="none" w="med" len="med"/>
-                    </a:lnL>
-                    <a:lnR w="12700" cap="flat" cmpd="sng" algn="ctr">
-                      <a:solidFill>
-                        <a:schemeClr val="accent4"/>
-                      </a:solidFill>
-                      <a:prstDash val="solid"/>
-                      <a:round/>
-                      <a:headEnd type="none" w="med" len="med"/>
-                      <a:tailEnd type="none" w="med" len="med"/>
-                    </a:lnR>
-                  </a:tcPr>
-                </a:tc>
-                <a:tc>
-                  <a:txBody>
-                    <a:bodyPr/>
-                    <a:lstStyle/>
-                    <a:p>
-                      <a:pPr algn="ctr"/>
-                      <a:endParaRPr lang="de-DE" dirty="0"/>
-                    </a:p>
-                  </a:txBody>
-                  <a:tcPr anchor="ctr">
-                    <a:lnL w="12700" cap="flat" cmpd="sng" algn="ctr">
-                      <a:solidFill>
-                        <a:schemeClr val="accent4"/>
-                      </a:solidFill>
-                      <a:prstDash val="solid"/>
-                      <a:round/>
-                      <a:headEnd type="none" w="med" len="med"/>
-                      <a:tailEnd type="none" w="med" len="med"/>
-                    </a:lnL>
-                  </a:tcPr>
-                </a:tc>
-                <a:extLst>
-                  <a:ext uri="{0D108BD9-81ED-4DB2-BD59-A6C34878D82A}">
-                    <a16:rowId xmlns:a16="http://schemas.microsoft.com/office/drawing/2014/main" val="122875342"/>
-                  </a:ext>
-                </a:extLst>
-              </a:tr>
-              <a:tr h="531220">
-                <a:tc>
-                  <a:txBody>
-                    <a:bodyPr/>
-                    <a:lstStyle/>
-                    <a:p>
-                      <a:pPr algn="l"/>
-                      <a:r>
-                        <a:rPr lang="de-DE" dirty="0"/>
-                        <a:t>Änderbar?</a:t>
-                      </a:r>
-                    </a:p>
-                  </a:txBody>
-                  <a:tcPr anchor="ctr">
-                    <a:lnR w="12700" cap="flat" cmpd="sng" algn="ctr">
-                      <a:solidFill>
-                        <a:schemeClr val="accent4"/>
-                      </a:solidFill>
-                      <a:prstDash val="solid"/>
-                      <a:round/>
-                      <a:headEnd type="none" w="med" len="med"/>
-                      <a:tailEnd type="none" w="med" len="med"/>
-                    </a:lnR>
-                    <a:lnT w="12700" cap="flat" cmpd="sng" algn="ctr">
-                      <a:solidFill>
-                        <a:schemeClr val="accent4"/>
-                      </a:solidFill>
-                      <a:prstDash val="solid"/>
-                      <a:round/>
-                      <a:headEnd type="none" w="med" len="med"/>
-                      <a:tailEnd type="none" w="med" len="med"/>
-                    </a:lnT>
-                  </a:tcPr>
-                </a:tc>
-                <a:tc>
-                  <a:txBody>
-                    <a:bodyPr/>
-                    <a:lstStyle/>
-                    <a:p>
-                      <a:pPr algn="ctr"/>
-                      <a:r>
-                        <a:rPr lang="de-DE" dirty="0"/>
-                        <a:t>✅</a:t>
-                      </a:r>
-                    </a:p>
-                  </a:txBody>
-                  <a:tcPr anchor="ctr">
-                    <a:lnL w="12700" cap="flat" cmpd="sng" algn="ctr">
-                      <a:solidFill>
-                        <a:schemeClr val="accent4"/>
-                      </a:solidFill>
-                      <a:prstDash val="solid"/>
-                      <a:round/>
-                      <a:headEnd type="none" w="med" len="med"/>
-                      <a:tailEnd type="none" w="med" len="med"/>
-                    </a:lnL>
-                    <a:lnR w="12700" cap="flat" cmpd="sng" algn="ctr">
-                      <a:solidFill>
-                        <a:schemeClr val="accent4"/>
-                      </a:solidFill>
-                      <a:prstDash val="solid"/>
-                      <a:round/>
-                      <a:headEnd type="none" w="med" len="med"/>
-                      <a:tailEnd type="none" w="med" len="med"/>
-                    </a:lnR>
-                  </a:tcPr>
-                </a:tc>
-                <a:tc>
-                  <a:txBody>
-                    <a:bodyPr/>
-                    <a:lstStyle/>
-                    <a:p>
-                      <a:pPr algn="ctr"/>
-                      <a:r>
-                        <a:rPr lang="de-DE" dirty="0"/>
-                        <a:t>❌</a:t>
-                      </a:r>
-                    </a:p>
-                  </a:txBody>
-                  <a:tcPr anchor="ctr">
-                    <a:lnL w="12700" cap="flat" cmpd="sng" algn="ctr">
-                      <a:solidFill>
-                        <a:schemeClr val="accent4"/>
-                      </a:solidFill>
-                      <a:prstDash val="solid"/>
-                      <a:round/>
-                      <a:headEnd type="none" w="med" len="med"/>
-                      <a:tailEnd type="none" w="med" len="med"/>
-                    </a:lnL>
-                    <a:lnR w="12700" cap="flat" cmpd="sng" algn="ctr">
-                      <a:solidFill>
-                        <a:schemeClr val="accent4"/>
-                      </a:solidFill>
-                      <a:prstDash val="solid"/>
-                      <a:round/>
-                      <a:headEnd type="none" w="med" len="med"/>
-                      <a:tailEnd type="none" w="med" len="med"/>
-                    </a:lnR>
-                  </a:tcPr>
-                </a:tc>
-                <a:tc>
-                  <a:txBody>
-                    <a:bodyPr/>
-                    <a:lstStyle/>
-                    <a:p>
-                      <a:pPr algn="ctr"/>
-                      <a:r>
-                        <a:rPr lang="de-DE" dirty="0"/>
-                        <a:t>❌</a:t>
-                      </a:r>
-                    </a:p>
-                  </a:txBody>
-                  <a:tcPr anchor="ctr">
-                    <a:lnL w="12700" cap="flat" cmpd="sng" algn="ctr">
-                      <a:solidFill>
-                        <a:schemeClr val="accent4"/>
-                      </a:solidFill>
-                      <a:prstDash val="solid"/>
-                      <a:round/>
-                      <a:headEnd type="none" w="med" len="med"/>
-                      <a:tailEnd type="none" w="med" len="med"/>
-                    </a:lnL>
-                    <a:lnR w="12700" cap="flat" cmpd="sng" algn="ctr">
-                      <a:solidFill>
-                        <a:schemeClr val="accent4"/>
-                      </a:solidFill>
-                      <a:prstDash val="solid"/>
-                      <a:round/>
-                      <a:headEnd type="none" w="med" len="med"/>
-                      <a:tailEnd type="none" w="med" len="med"/>
-                    </a:lnR>
-                  </a:tcPr>
-                </a:tc>
-                <a:tc>
-                  <a:txBody>
-                    <a:bodyPr/>
-                    <a:lstStyle/>
-                    <a:p>
-                      <a:pPr marL="0" marR="0" lvl="0" indent="0" algn="ctr" defTabSz="457200" rtl="0" eaLnBrk="1" fontAlgn="auto" latinLnBrk="0" hangingPunct="1">
-                        <a:lnSpc>
-                          <a:spcPct val="100000"/>
-                        </a:lnSpc>
-                        <a:spcBef>
-                          <a:spcPts val="0"/>
-                        </a:spcBef>
-                        <a:spcAft>
-                          <a:spcPts val="0"/>
-                        </a:spcAft>
-                        <a:buClrTx/>
-                        <a:buSzTx/>
-                        <a:buFontTx/>
-                        <a:buNone/>
-                        <a:tabLst/>
-                        <a:defRPr/>
-                      </a:pPr>
-                      <a:endParaRPr lang="de-DE" dirty="0"/>
-                    </a:p>
-                  </a:txBody>
-                  <a:tcPr anchor="ctr">
-                    <a:lnL w="12700" cap="flat" cmpd="sng" algn="ctr">
-                      <a:solidFill>
-                        <a:schemeClr val="accent4"/>
-                      </a:solidFill>
-                      <a:prstDash val="solid"/>
-                      <a:round/>
-                      <a:headEnd type="none" w="med" len="med"/>
-                      <a:tailEnd type="none" w="med" len="med"/>
-                    </a:lnL>
-                  </a:tcPr>
-                </a:tc>
-                <a:extLst>
-                  <a:ext uri="{0D108BD9-81ED-4DB2-BD59-A6C34878D82A}">
-                    <a16:rowId xmlns:a16="http://schemas.microsoft.com/office/drawing/2014/main" val="3313786660"/>
-                  </a:ext>
-                </a:extLst>
-              </a:tr>
-              <a:tr h="531220">
-                <a:tc>
-                  <a:txBody>
-                    <a:bodyPr/>
-                    <a:lstStyle/>
-                    <a:p>
-                      <a:pPr algn="l"/>
-                      <a:r>
-                        <a:rPr lang="de-DE" dirty="0"/>
-                        <a:t>Duplikate?</a:t>
-                      </a:r>
-                    </a:p>
-                  </a:txBody>
-                  <a:tcPr anchor="ctr">
-                    <a:lnR w="12700" cap="flat" cmpd="sng" algn="ctr">
-                      <a:solidFill>
-                        <a:schemeClr val="accent4"/>
-                      </a:solidFill>
-                      <a:prstDash val="solid"/>
-                      <a:round/>
-                      <a:headEnd type="none" w="med" len="med"/>
-                      <a:tailEnd type="none" w="med" len="med"/>
-                    </a:lnR>
-                  </a:tcPr>
-                </a:tc>
-                <a:tc>
-                  <a:txBody>
-                    <a:bodyPr/>
-                    <a:lstStyle/>
-                    <a:p>
-                      <a:pPr marL="0" marR="0" lvl="0" indent="0" algn="ctr" defTabSz="457200" rtl="0" eaLnBrk="1" fontAlgn="auto" latinLnBrk="0" hangingPunct="1">
-                        <a:lnSpc>
-                          <a:spcPct val="100000"/>
-                        </a:lnSpc>
-                        <a:spcBef>
-                          <a:spcPts val="0"/>
-                        </a:spcBef>
-                        <a:spcAft>
-                          <a:spcPts val="0"/>
-                        </a:spcAft>
-                        <a:buClrTx/>
-                        <a:buSzTx/>
-                        <a:buFontTx/>
-                        <a:buNone/>
-                        <a:tabLst/>
-                        <a:defRPr/>
-                      </a:pPr>
-                      <a:r>
-                        <a:rPr lang="de-DE" dirty="0"/>
-                        <a:t>✅</a:t>
-                      </a:r>
-                    </a:p>
-                  </a:txBody>
-                  <a:tcPr anchor="ctr">
-                    <a:lnL w="12700" cap="flat" cmpd="sng" algn="ctr">
-                      <a:solidFill>
-                        <a:schemeClr val="accent4"/>
-                      </a:solidFill>
-                      <a:prstDash val="solid"/>
-                      <a:round/>
-                      <a:headEnd type="none" w="med" len="med"/>
-                      <a:tailEnd type="none" w="med" len="med"/>
-                    </a:lnL>
-                    <a:lnR w="12700" cap="flat" cmpd="sng" algn="ctr">
-                      <a:solidFill>
-                        <a:schemeClr val="accent4"/>
-                      </a:solidFill>
-                      <a:prstDash val="solid"/>
-                      <a:round/>
-                      <a:headEnd type="none" w="med" len="med"/>
-                      <a:tailEnd type="none" w="med" len="med"/>
-                    </a:lnR>
-                  </a:tcPr>
-                </a:tc>
-                <a:tc>
-                  <a:txBody>
-                    <a:bodyPr/>
-                    <a:lstStyle/>
-                    <a:p>
-                      <a:pPr marL="0" marR="0" lvl="0" indent="0" algn="ctr" defTabSz="457200" rtl="0" eaLnBrk="1" fontAlgn="auto" latinLnBrk="0" hangingPunct="1">
-                        <a:lnSpc>
-                          <a:spcPct val="100000"/>
-                        </a:lnSpc>
-                        <a:spcBef>
-                          <a:spcPts val="0"/>
-                        </a:spcBef>
-                        <a:spcAft>
-                          <a:spcPts val="0"/>
-                        </a:spcAft>
-                        <a:buClrTx/>
-                        <a:buSzTx/>
-                        <a:buFontTx/>
-                        <a:buNone/>
-                        <a:tabLst/>
-                        <a:defRPr/>
-                      </a:pPr>
-                      <a:r>
-                        <a:rPr lang="de-DE" dirty="0"/>
-                        <a:t>✅</a:t>
-                      </a:r>
-                    </a:p>
-                  </a:txBody>
-                  <a:tcPr anchor="ctr">
-                    <a:lnL w="12700" cap="flat" cmpd="sng" algn="ctr">
-                      <a:solidFill>
-                        <a:schemeClr val="accent4"/>
-                      </a:solidFill>
-                      <a:prstDash val="solid"/>
-                      <a:round/>
-                      <a:headEnd type="none" w="med" len="med"/>
-                      <a:tailEnd type="none" w="med" len="med"/>
-                    </a:lnL>
-                    <a:lnR w="12700" cap="flat" cmpd="sng" algn="ctr">
-                      <a:solidFill>
-                        <a:schemeClr val="accent4"/>
-                      </a:solidFill>
-                      <a:prstDash val="solid"/>
-                      <a:round/>
-                      <a:headEnd type="none" w="med" len="med"/>
-                      <a:tailEnd type="none" w="med" len="med"/>
-                    </a:lnR>
-                  </a:tcPr>
-                </a:tc>
-                <a:tc>
-                  <a:txBody>
-                    <a:bodyPr/>
-                    <a:lstStyle/>
-                    <a:p>
-                      <a:pPr algn="ctr"/>
-                      <a:r>
-                        <a:rPr lang="de-DE" dirty="0"/>
-                        <a:t>❌</a:t>
-                      </a:r>
-                    </a:p>
-                  </a:txBody>
-                  <a:tcPr anchor="ctr">
-                    <a:lnL w="12700" cap="flat" cmpd="sng" algn="ctr">
-                      <a:solidFill>
-                        <a:schemeClr val="accent4"/>
-                      </a:solidFill>
-                      <a:prstDash val="solid"/>
-                      <a:round/>
-                      <a:headEnd type="none" w="med" len="med"/>
-                      <a:tailEnd type="none" w="med" len="med"/>
-                    </a:lnL>
-                    <a:lnR w="12700" cap="flat" cmpd="sng" algn="ctr">
-                      <a:solidFill>
-                        <a:schemeClr val="accent4"/>
-                      </a:solidFill>
-                      <a:prstDash val="solid"/>
-                      <a:round/>
-                      <a:headEnd type="none" w="med" len="med"/>
-                      <a:tailEnd type="none" w="med" len="med"/>
-                    </a:lnR>
-                  </a:tcPr>
-                </a:tc>
-                <a:tc>
-                  <a:txBody>
-                    <a:bodyPr/>
-                    <a:lstStyle/>
-                    <a:p>
-                      <a:pPr marL="0" marR="0" lvl="0" indent="0" algn="ctr" defTabSz="457200" rtl="0" eaLnBrk="1" fontAlgn="auto" latinLnBrk="0" hangingPunct="1">
-                        <a:lnSpc>
-                          <a:spcPct val="100000"/>
-                        </a:lnSpc>
-                        <a:spcBef>
-                          <a:spcPts val="0"/>
-                        </a:spcBef>
-                        <a:spcAft>
-                          <a:spcPts val="0"/>
-                        </a:spcAft>
-                        <a:buClrTx/>
-                        <a:buSzTx/>
-                        <a:buFontTx/>
-                        <a:buNone/>
-                        <a:tabLst/>
-                        <a:defRPr/>
-                      </a:pPr>
-                      <a:endParaRPr lang="de-DE" dirty="0"/>
-                    </a:p>
-                  </a:txBody>
-                  <a:tcPr anchor="ctr">
-                    <a:lnL w="12700" cap="flat" cmpd="sng" algn="ctr">
-                      <a:solidFill>
-                        <a:schemeClr val="accent4"/>
-                      </a:solidFill>
-                      <a:prstDash val="solid"/>
-                      <a:round/>
-                      <a:headEnd type="none" w="med" len="med"/>
-                      <a:tailEnd type="none" w="med" len="med"/>
-                    </a:lnL>
-                  </a:tcPr>
-                </a:tc>
-                <a:extLst>
-                  <a:ext uri="{0D108BD9-81ED-4DB2-BD59-A6C34878D82A}">
-                    <a16:rowId xmlns:a16="http://schemas.microsoft.com/office/drawing/2014/main" val="2151897338"/>
-                  </a:ext>
-                </a:extLst>
-              </a:tr>
-              <a:tr h="916902">
-                <a:tc>
-                  <a:txBody>
-                    <a:bodyPr/>
-                    <a:lstStyle/>
-                    <a:p>
-                      <a:pPr algn="l"/>
-                      <a:r>
-                        <a:rPr lang="de-DE" dirty="0"/>
-                        <a:t>Geordnet?</a:t>
-                      </a:r>
-                    </a:p>
-                  </a:txBody>
-                  <a:tcPr anchor="ctr">
-                    <a:lnR w="12700" cap="flat" cmpd="sng" algn="ctr">
-                      <a:solidFill>
-                        <a:schemeClr val="accent4"/>
-                      </a:solidFill>
-                      <a:prstDash val="solid"/>
-                      <a:round/>
-                      <a:headEnd type="none" w="med" len="med"/>
-                      <a:tailEnd type="none" w="med" len="med"/>
-                    </a:lnR>
-                  </a:tcPr>
-                </a:tc>
-                <a:tc>
-                  <a:txBody>
-                    <a:bodyPr/>
-                    <a:lstStyle/>
-                    <a:p>
-                      <a:pPr marL="0" marR="0" lvl="0" indent="0" algn="ctr" defTabSz="457200" rtl="0" eaLnBrk="1" fontAlgn="auto" latinLnBrk="0" hangingPunct="1">
-                        <a:lnSpc>
-                          <a:spcPct val="100000"/>
-                        </a:lnSpc>
-                        <a:spcBef>
-                          <a:spcPts val="0"/>
-                        </a:spcBef>
-                        <a:spcAft>
-                          <a:spcPts val="0"/>
-                        </a:spcAft>
-                        <a:buClrTx/>
-                        <a:buSzTx/>
-                        <a:buFontTx/>
-                        <a:buNone/>
-                        <a:tabLst/>
-                        <a:defRPr/>
-                      </a:pPr>
-                      <a:r>
-                        <a:rPr lang="de-DE" dirty="0"/>
-                        <a:t>✅</a:t>
-                      </a:r>
-                    </a:p>
-                  </a:txBody>
-                  <a:tcPr anchor="ctr">
-                    <a:lnL w="12700" cap="flat" cmpd="sng" algn="ctr">
-                      <a:solidFill>
-                        <a:schemeClr val="accent4"/>
-                      </a:solidFill>
-                      <a:prstDash val="solid"/>
-                      <a:round/>
-                      <a:headEnd type="none" w="med" len="med"/>
-                      <a:tailEnd type="none" w="med" len="med"/>
-                    </a:lnL>
-                    <a:lnR w="12700" cap="flat" cmpd="sng" algn="ctr">
-                      <a:solidFill>
-                        <a:schemeClr val="accent4"/>
-                      </a:solidFill>
-                      <a:prstDash val="solid"/>
-                      <a:round/>
-                      <a:headEnd type="none" w="med" len="med"/>
-                      <a:tailEnd type="none" w="med" len="med"/>
-                    </a:lnR>
-                  </a:tcPr>
-                </a:tc>
-                <a:tc>
-                  <a:txBody>
-                    <a:bodyPr/>
-                    <a:lstStyle/>
-                    <a:p>
-                      <a:pPr marL="0" marR="0" lvl="0" indent="0" algn="ctr" defTabSz="457200" rtl="0" eaLnBrk="1" fontAlgn="auto" latinLnBrk="0" hangingPunct="1">
-                        <a:lnSpc>
-                          <a:spcPct val="100000"/>
-                        </a:lnSpc>
-                        <a:spcBef>
-                          <a:spcPts val="0"/>
-                        </a:spcBef>
-                        <a:spcAft>
-                          <a:spcPts val="0"/>
-                        </a:spcAft>
-                        <a:buClrTx/>
-                        <a:buSzTx/>
-                        <a:buFontTx/>
-                        <a:buNone/>
-                        <a:tabLst/>
-                        <a:defRPr/>
-                      </a:pPr>
-                      <a:r>
-                        <a:rPr lang="de-DE" dirty="0"/>
-                        <a:t>✅</a:t>
-                      </a:r>
-                    </a:p>
-                  </a:txBody>
-                  <a:tcPr anchor="ctr">
-                    <a:lnL w="12700" cap="flat" cmpd="sng" algn="ctr">
-                      <a:solidFill>
-                        <a:schemeClr val="accent4"/>
-                      </a:solidFill>
-                      <a:prstDash val="solid"/>
-                      <a:round/>
-                      <a:headEnd type="none" w="med" len="med"/>
-                      <a:tailEnd type="none" w="med" len="med"/>
-                    </a:lnL>
-                    <a:lnR w="12700" cap="flat" cmpd="sng" algn="ctr">
-                      <a:solidFill>
-                        <a:schemeClr val="accent4"/>
-                      </a:solidFill>
-                      <a:prstDash val="solid"/>
-                      <a:round/>
-                      <a:headEnd type="none" w="med" len="med"/>
-                      <a:tailEnd type="none" w="med" len="med"/>
-                    </a:lnR>
-                  </a:tcPr>
-                </a:tc>
-                <a:tc>
-                  <a:txBody>
-                    <a:bodyPr/>
-                    <a:lstStyle/>
-                    <a:p>
-                      <a:pPr algn="ctr"/>
-                      <a:r>
-                        <a:rPr lang="de-DE" dirty="0"/>
-                        <a:t>❌</a:t>
-                      </a:r>
-                    </a:p>
-                  </a:txBody>
-                  <a:tcPr anchor="ctr">
-                    <a:lnL w="12700" cap="flat" cmpd="sng" algn="ctr">
-                      <a:solidFill>
-                        <a:schemeClr val="accent4"/>
-                      </a:solidFill>
-                      <a:prstDash val="solid"/>
-                      <a:round/>
-                      <a:headEnd type="none" w="med" len="med"/>
-                      <a:tailEnd type="none" w="med" len="med"/>
-                    </a:lnL>
-                    <a:lnR w="12700" cap="flat" cmpd="sng" algn="ctr">
-                      <a:solidFill>
-                        <a:schemeClr val="accent4"/>
-                      </a:solidFill>
-                      <a:prstDash val="solid"/>
-                      <a:round/>
-                      <a:headEnd type="none" w="med" len="med"/>
-                      <a:tailEnd type="none" w="med" len="med"/>
-                    </a:lnR>
-                  </a:tcPr>
-                </a:tc>
-                <a:tc>
-                  <a:txBody>
-                    <a:bodyPr/>
-                    <a:lstStyle/>
-                    <a:p>
-                      <a:pPr marL="0" marR="0" lvl="0" indent="0" algn="ctr" defTabSz="457200" rtl="0" eaLnBrk="1" fontAlgn="auto" latinLnBrk="0" hangingPunct="1">
-                        <a:lnSpc>
-                          <a:spcPct val="100000"/>
-                        </a:lnSpc>
-                        <a:spcBef>
-                          <a:spcPts val="0"/>
-                        </a:spcBef>
-                        <a:spcAft>
-                          <a:spcPts val="0"/>
-                        </a:spcAft>
-                        <a:buClrTx/>
-                        <a:buSzTx/>
-                        <a:buFontTx/>
-                        <a:buNone/>
-                        <a:tabLst/>
-                        <a:defRPr/>
-                      </a:pPr>
-                      <a:endParaRPr lang="de-DE" dirty="0"/>
-                    </a:p>
-                  </a:txBody>
-                  <a:tcPr anchor="ctr">
-                    <a:lnL w="12700" cap="flat" cmpd="sng" algn="ctr">
-                      <a:solidFill>
-                        <a:schemeClr val="accent4"/>
-                      </a:solidFill>
-                      <a:prstDash val="solid"/>
-                      <a:round/>
-                      <a:headEnd type="none" w="med" len="med"/>
-                      <a:tailEnd type="none" w="med" len="med"/>
-                    </a:lnL>
-                  </a:tcPr>
-                </a:tc>
-                <a:extLst>
-                  <a:ext uri="{0D108BD9-81ED-4DB2-BD59-A6C34878D82A}">
-                    <a16:rowId xmlns:a16="http://schemas.microsoft.com/office/drawing/2014/main" val="555583047"/>
-                  </a:ext>
-                </a:extLst>
-              </a:tr>
-              <a:tr h="531220">
-                <a:tc>
-                  <a:txBody>
-                    <a:bodyPr/>
-                    <a:lstStyle/>
-                    <a:p>
-                      <a:pPr algn="l"/>
-                      <a:r>
-                        <a:rPr lang="de-DE" dirty="0"/>
-                        <a:t>Keys?</a:t>
-                      </a:r>
-                    </a:p>
-                  </a:txBody>
-                  <a:tcPr anchor="ctr">
-                    <a:lnR w="12700" cap="flat" cmpd="sng" algn="ctr">
-                      <a:solidFill>
-                        <a:schemeClr val="accent4"/>
-                      </a:solidFill>
-                      <a:prstDash val="solid"/>
-                      <a:round/>
-                      <a:headEnd type="none" w="med" len="med"/>
-                      <a:tailEnd type="none" w="med" len="med"/>
-                    </a:lnR>
-                  </a:tcPr>
-                </a:tc>
-                <a:tc>
-                  <a:txBody>
-                    <a:bodyPr/>
-                    <a:lstStyle/>
-                    <a:p>
-                      <a:pPr algn="ctr"/>
-                      <a:r>
-                        <a:rPr lang="de-DE" dirty="0"/>
-                        <a:t>❌</a:t>
-                      </a:r>
-                    </a:p>
-                  </a:txBody>
-                  <a:tcPr anchor="ctr">
-                    <a:lnL w="12700" cap="flat" cmpd="sng" algn="ctr">
-                      <a:solidFill>
-                        <a:schemeClr val="accent4"/>
-                      </a:solidFill>
-                      <a:prstDash val="solid"/>
-                      <a:round/>
-                      <a:headEnd type="none" w="med" len="med"/>
-                      <a:tailEnd type="none" w="med" len="med"/>
-                    </a:lnL>
-                    <a:lnR w="12700" cap="flat" cmpd="sng" algn="ctr">
-                      <a:solidFill>
-                        <a:schemeClr val="accent4"/>
-                      </a:solidFill>
-                      <a:prstDash val="solid"/>
-                      <a:round/>
-                      <a:headEnd type="none" w="med" len="med"/>
-                      <a:tailEnd type="none" w="med" len="med"/>
-                    </a:lnR>
-                  </a:tcPr>
-                </a:tc>
-                <a:tc>
-                  <a:txBody>
-                    <a:bodyPr/>
-                    <a:lstStyle/>
-                    <a:p>
-                      <a:pPr algn="ctr"/>
-                      <a:r>
-                        <a:rPr lang="de-DE" dirty="0"/>
-                        <a:t>❌</a:t>
-                      </a:r>
-                    </a:p>
-                  </a:txBody>
-                  <a:tcPr anchor="ctr">
-                    <a:lnL w="12700" cap="flat" cmpd="sng" algn="ctr">
-                      <a:solidFill>
-                        <a:schemeClr val="accent4"/>
-                      </a:solidFill>
-                      <a:prstDash val="solid"/>
-                      <a:round/>
-                      <a:headEnd type="none" w="med" len="med"/>
-                      <a:tailEnd type="none" w="med" len="med"/>
-                    </a:lnL>
-                    <a:lnR w="12700" cap="flat" cmpd="sng" algn="ctr">
-                      <a:solidFill>
-                        <a:schemeClr val="accent4"/>
-                      </a:solidFill>
-                      <a:prstDash val="solid"/>
-                      <a:round/>
-                      <a:headEnd type="none" w="med" len="med"/>
-                      <a:tailEnd type="none" w="med" len="med"/>
-                    </a:lnR>
-                  </a:tcPr>
-                </a:tc>
-                <a:tc>
-                  <a:txBody>
-                    <a:bodyPr/>
-                    <a:lstStyle/>
-                    <a:p>
-                      <a:pPr algn="ctr"/>
-                      <a:r>
-                        <a:rPr lang="de-DE" dirty="0"/>
-                        <a:t>❌</a:t>
-                      </a:r>
-                    </a:p>
-                  </a:txBody>
-                  <a:tcPr anchor="ctr">
-                    <a:lnL w="12700" cap="flat" cmpd="sng" algn="ctr">
-                      <a:solidFill>
-                        <a:schemeClr val="accent4"/>
-                      </a:solidFill>
-                      <a:prstDash val="solid"/>
-                      <a:round/>
-                      <a:headEnd type="none" w="med" len="med"/>
-                      <a:tailEnd type="none" w="med" len="med"/>
-                    </a:lnL>
-                    <a:lnR w="12700" cap="flat" cmpd="sng" algn="ctr">
-                      <a:solidFill>
-                        <a:schemeClr val="accent4"/>
-                      </a:solidFill>
-                      <a:prstDash val="solid"/>
-                      <a:round/>
-                      <a:headEnd type="none" w="med" len="med"/>
-                      <a:tailEnd type="none" w="med" len="med"/>
-                    </a:lnR>
-                  </a:tcPr>
-                </a:tc>
-                <a:tc>
-                  <a:txBody>
-                    <a:bodyPr/>
-                    <a:lstStyle/>
-                    <a:p>
-                      <a:pPr marL="0" marR="0" lvl="0" indent="0" algn="ctr" defTabSz="457200" rtl="0" eaLnBrk="1" fontAlgn="auto" latinLnBrk="0" hangingPunct="1">
-                        <a:lnSpc>
-                          <a:spcPct val="100000"/>
-                        </a:lnSpc>
-                        <a:spcBef>
-                          <a:spcPts val="0"/>
-                        </a:spcBef>
-                        <a:spcAft>
-                          <a:spcPts val="0"/>
-                        </a:spcAft>
-                        <a:buClrTx/>
-                        <a:buSzTx/>
-                        <a:buFontTx/>
-                        <a:buNone/>
-                        <a:tabLst/>
-                        <a:defRPr/>
-                      </a:pPr>
-                      <a:endParaRPr lang="de-DE" dirty="0"/>
-                    </a:p>
-                  </a:txBody>
-                  <a:tcPr anchor="ctr">
-                    <a:lnL w="12700" cap="flat" cmpd="sng" algn="ctr">
-                      <a:solidFill>
-                        <a:schemeClr val="accent4"/>
-                      </a:solidFill>
-                      <a:prstDash val="solid"/>
-                      <a:round/>
-                      <a:headEnd type="none" w="med" len="med"/>
-                      <a:tailEnd type="none" w="med" len="med"/>
-                    </a:lnL>
-                  </a:tcPr>
-                </a:tc>
-                <a:extLst>
-                  <a:ext uri="{0D108BD9-81ED-4DB2-BD59-A6C34878D82A}">
-                    <a16:rowId xmlns:a16="http://schemas.microsoft.com/office/drawing/2014/main" val="3836793035"/>
-                  </a:ext>
-                </a:extLst>
-              </a:tr>
-              <a:tr h="531220">
-                <a:tc>
-                  <a:txBody>
-                    <a:bodyPr/>
-                    <a:lstStyle/>
-                    <a:p>
-                      <a:pPr algn="l"/>
-                      <a:endParaRPr lang="de-DE" dirty="0"/>
-                    </a:p>
-                  </a:txBody>
-                  <a:tcPr anchor="ctr">
-                    <a:lnR w="12700" cap="flat" cmpd="sng" algn="ctr">
-                      <a:solidFill>
-                        <a:schemeClr val="accent4"/>
-                      </a:solidFill>
-                      <a:prstDash val="solid"/>
-                      <a:round/>
-                      <a:headEnd type="none" w="med" len="med"/>
-                      <a:tailEnd type="none" w="med" len="med"/>
-                    </a:lnR>
-                  </a:tcPr>
-                </a:tc>
-                <a:tc>
-                  <a:txBody>
-                    <a:bodyPr/>
-                    <a:lstStyle/>
-                    <a:p>
-                      <a:pPr algn="ctr"/>
-                      <a:r>
-                        <a:rPr lang="de-DE" dirty="0" err="1"/>
-                        <a:t>list</a:t>
-                      </a:r>
-                      <a:r>
-                        <a:rPr lang="de-DE" dirty="0"/>
-                        <a:t> = [ ]</a:t>
-                      </a:r>
-                    </a:p>
-                  </a:txBody>
-                  <a:tcPr anchor="ctr">
-                    <a:lnL w="12700" cap="flat" cmpd="sng" algn="ctr">
-                      <a:solidFill>
-                        <a:schemeClr val="accent4"/>
-                      </a:solidFill>
-                      <a:prstDash val="solid"/>
-                      <a:round/>
-                      <a:headEnd type="none" w="med" len="med"/>
-                      <a:tailEnd type="none" w="med" len="med"/>
-                    </a:lnL>
-                    <a:lnR w="12700" cap="flat" cmpd="sng" algn="ctr">
-                      <a:solidFill>
-                        <a:schemeClr val="accent4"/>
-                      </a:solidFill>
-                      <a:prstDash val="solid"/>
-                      <a:round/>
-                      <a:headEnd type="none" w="med" len="med"/>
-                      <a:tailEnd type="none" w="med" len="med"/>
-                    </a:lnR>
-                  </a:tcPr>
-                </a:tc>
-                <a:tc>
-                  <a:txBody>
-                    <a:bodyPr/>
-                    <a:lstStyle/>
-                    <a:p>
-                      <a:pPr algn="ctr"/>
-                      <a:r>
-                        <a:rPr lang="de-DE" dirty="0" err="1"/>
-                        <a:t>tuple</a:t>
-                      </a:r>
-                      <a:r>
-                        <a:rPr lang="de-DE" dirty="0"/>
-                        <a:t> = ( )</a:t>
-                      </a:r>
-                    </a:p>
-                  </a:txBody>
-                  <a:tcPr anchor="ctr">
-                    <a:lnL w="12700" cap="flat" cmpd="sng" algn="ctr">
-                      <a:solidFill>
-                        <a:schemeClr val="accent4"/>
-                      </a:solidFill>
-                      <a:prstDash val="solid"/>
-                      <a:round/>
-                      <a:headEnd type="none" w="med" len="med"/>
-                      <a:tailEnd type="none" w="med" len="med"/>
-                    </a:lnL>
-                    <a:lnR w="12700" cap="flat" cmpd="sng" algn="ctr">
-                      <a:solidFill>
-                        <a:schemeClr val="accent4"/>
-                      </a:solidFill>
-                      <a:prstDash val="solid"/>
-                      <a:round/>
-                      <a:headEnd type="none" w="med" len="med"/>
-                      <a:tailEnd type="none" w="med" len="med"/>
-                    </a:lnR>
-                  </a:tcPr>
-                </a:tc>
-                <a:tc>
-                  <a:txBody>
-                    <a:bodyPr/>
-                    <a:lstStyle/>
-                    <a:p>
-                      <a:pPr algn="ctr"/>
-                      <a:r>
-                        <a:rPr lang="de-DE" dirty="0" err="1"/>
-                        <a:t>set</a:t>
-                      </a:r>
-                      <a:r>
-                        <a:rPr lang="de-DE" dirty="0"/>
-                        <a:t> = { }</a:t>
-                      </a:r>
-                    </a:p>
-                  </a:txBody>
-                  <a:tcPr anchor="ctr">
-                    <a:lnL w="12700" cap="flat" cmpd="sng" algn="ctr">
-                      <a:solidFill>
-                        <a:schemeClr val="accent4"/>
-                      </a:solidFill>
-                      <a:prstDash val="solid"/>
-                      <a:round/>
-                      <a:headEnd type="none" w="med" len="med"/>
-                      <a:tailEnd type="none" w="med" len="med"/>
-                    </a:lnL>
-                    <a:lnR w="12700" cap="flat" cmpd="sng" algn="ctr">
-                      <a:solidFill>
-                        <a:schemeClr val="accent4"/>
-                      </a:solidFill>
-                      <a:prstDash val="solid"/>
-                      <a:round/>
-                      <a:headEnd type="none" w="med" len="med"/>
-                      <a:tailEnd type="none" w="med" len="med"/>
-                    </a:lnR>
-                  </a:tcPr>
-                </a:tc>
-                <a:tc>
-                  <a:txBody>
-                    <a:bodyPr/>
-                    <a:lstStyle/>
-                    <a:p>
-                      <a:pPr algn="ctr"/>
-                      <a:endParaRPr lang="de-DE" dirty="0"/>
-                    </a:p>
-                  </a:txBody>
-                  <a:tcPr anchor="ctr">
-                    <a:lnL w="12700" cap="flat" cmpd="sng" algn="ctr">
-                      <a:solidFill>
-                        <a:schemeClr val="accent4"/>
-                      </a:solidFill>
-                      <a:prstDash val="solid"/>
-                      <a:round/>
-                      <a:headEnd type="none" w="med" len="med"/>
-                      <a:tailEnd type="none" w="med" len="med"/>
-                    </a:lnL>
-                  </a:tcPr>
-                </a:tc>
-                <a:extLst>
-                  <a:ext uri="{0D108BD9-81ED-4DB2-BD59-A6C34878D82A}">
-                    <a16:rowId xmlns:a16="http://schemas.microsoft.com/office/drawing/2014/main" val="2815062303"/>
-                  </a:ext>
-                </a:extLst>
-              </a:tr>
-            </a:tbl>
-          </a:graphicData>
-        </a:graphic>
-      </p:graphicFrame>
-      <p:sp>
-        <p:nvSpPr>
-          <p:cNvPr id="3" name="Textfeld 2">
-            <a:extLst>
-              <a:ext uri="{FF2B5EF4-FFF2-40B4-BE49-F238E27FC236}">
-                <a16:creationId xmlns:a16="http://schemas.microsoft.com/office/drawing/2014/main" id="{B3BED04A-FFC8-3256-E1F6-604F2E4091EB}"/>
-              </a:ext>
-            </a:extLst>
-          </p:cNvPr>
-          <p:cNvSpPr txBox="1"/>
-          <p:nvPr/>
-        </p:nvSpPr>
-        <p:spPr>
-          <a:xfrm>
-            <a:off x="2867892" y="3025269"/>
-            <a:ext cx="8514106" cy="3168000"/>
-          </a:xfrm>
-          <a:prstGeom prst="rect">
-            <a:avLst/>
-          </a:prstGeom>
-          <a:solidFill>
-            <a:schemeClr val="bg2"/>
-          </a:solidFill>
-        </p:spPr>
-        <p:txBody>
-          <a:bodyPr wrap="square" numCol="2" rtlCol="0">
-            <a:spAutoFit/>
-          </a:bodyPr>
-          <a:lstStyle/>
-          <a:p>
-            <a:pPr lvl="3"/>
-            <a:endParaRPr lang="de-DE" dirty="0"/>
-          </a:p>
-          <a:p>
-            <a:r>
-              <a:rPr lang="de-DE" dirty="0">
-                <a:solidFill>
-                  <a:schemeClr val="accent1"/>
-                </a:solidFill>
-              </a:rPr>
-              <a:t>  </a:t>
-            </a:r>
-          </a:p>
-          <a:p>
-            <a:r>
-              <a:rPr lang="de-DE" dirty="0">
-                <a:solidFill>
-                  <a:schemeClr val="accent1"/>
-                </a:solidFill>
-              </a:rPr>
-              <a:t>  </a:t>
-            </a:r>
-            <a:r>
-              <a:rPr lang="de-DE" dirty="0" err="1">
-                <a:solidFill>
-                  <a:schemeClr val="accent1"/>
-                </a:solidFill>
-              </a:rPr>
-              <a:t>add</a:t>
-            </a:r>
-            <a:r>
-              <a:rPr lang="de-DE" dirty="0">
-                <a:solidFill>
-                  <a:schemeClr val="accent1"/>
-                </a:solidFill>
-              </a:rPr>
-              <a:t>( </a:t>
-            </a:r>
-            <a:r>
-              <a:rPr lang="de-DE" dirty="0" err="1">
-                <a:solidFill>
-                  <a:schemeClr val="bg1">
-                    <a:lumMod val="50000"/>
-                    <a:lumOff val="50000"/>
-                  </a:schemeClr>
-                </a:solidFill>
-              </a:rPr>
-              <a:t>element</a:t>
-            </a:r>
-            <a:r>
-              <a:rPr lang="de-DE" dirty="0">
-                <a:solidFill>
-                  <a:schemeClr val="accent1"/>
-                </a:solidFill>
-              </a:rPr>
-              <a:t> )</a:t>
-            </a:r>
-          </a:p>
-          <a:p>
-            <a:endParaRPr lang="de-DE" dirty="0">
-              <a:solidFill>
-                <a:schemeClr val="accent1"/>
-              </a:solidFill>
-            </a:endParaRPr>
-          </a:p>
-          <a:p>
-            <a:r>
-              <a:rPr lang="de-DE" dirty="0">
-                <a:solidFill>
-                  <a:schemeClr val="accent1"/>
-                </a:solidFill>
-              </a:rPr>
-              <a:t>  </a:t>
-            </a:r>
-            <a:r>
-              <a:rPr lang="de-DE" dirty="0" err="1">
-                <a:solidFill>
-                  <a:schemeClr val="accent1"/>
-                </a:solidFill>
-              </a:rPr>
-              <a:t>remove</a:t>
-            </a:r>
-            <a:r>
-              <a:rPr lang="de-DE" dirty="0">
-                <a:solidFill>
-                  <a:schemeClr val="accent1"/>
-                </a:solidFill>
-              </a:rPr>
-              <a:t>(</a:t>
-            </a:r>
-            <a:r>
-              <a:rPr lang="de-DE" dirty="0" err="1">
-                <a:solidFill>
-                  <a:schemeClr val="bg1">
-                    <a:lumMod val="50000"/>
-                    <a:lumOff val="50000"/>
-                  </a:schemeClr>
-                </a:solidFill>
-              </a:rPr>
-              <a:t>element</a:t>
-            </a:r>
-            <a:r>
-              <a:rPr lang="de-DE" dirty="0">
-                <a:solidFill>
-                  <a:schemeClr val="accent1"/>
-                </a:solidFill>
-              </a:rPr>
-              <a:t>)</a:t>
-            </a:r>
-          </a:p>
-          <a:p>
-            <a:r>
-              <a:rPr lang="de-DE" dirty="0">
-                <a:solidFill>
-                  <a:schemeClr val="accent1"/>
-                </a:solidFill>
-              </a:rPr>
-              <a:t>  </a:t>
-            </a:r>
-          </a:p>
-          <a:p>
-            <a:r>
-              <a:rPr lang="de-DE" dirty="0">
-                <a:solidFill>
-                  <a:schemeClr val="accent1"/>
-                </a:solidFill>
-              </a:rPr>
-              <a:t>  </a:t>
-            </a:r>
-            <a:r>
-              <a:rPr lang="de-DE" dirty="0" err="1">
-                <a:solidFill>
-                  <a:schemeClr val="accent1"/>
-                </a:solidFill>
-              </a:rPr>
-              <a:t>discard</a:t>
-            </a:r>
-            <a:r>
-              <a:rPr lang="de-DE" dirty="0">
-                <a:solidFill>
-                  <a:schemeClr val="accent1"/>
-                </a:solidFill>
-              </a:rPr>
-              <a:t>( </a:t>
-            </a:r>
-            <a:r>
-              <a:rPr lang="de-DE" dirty="0" err="1">
-                <a:solidFill>
-                  <a:schemeClr val="bg1">
-                    <a:lumMod val="50000"/>
-                    <a:lumOff val="50000"/>
-                  </a:schemeClr>
-                </a:solidFill>
-              </a:rPr>
-              <a:t>element</a:t>
-            </a:r>
-            <a:r>
-              <a:rPr lang="de-DE" dirty="0">
-                <a:solidFill>
-                  <a:schemeClr val="accent1"/>
-                </a:solidFill>
-              </a:rPr>
-              <a:t> )</a:t>
-            </a:r>
-          </a:p>
-          <a:p>
-            <a:r>
-              <a:rPr lang="de-DE" dirty="0">
-                <a:solidFill>
-                  <a:schemeClr val="accent1"/>
-                </a:solidFill>
-              </a:rPr>
-              <a:t> </a:t>
-            </a:r>
-          </a:p>
-          <a:p>
-            <a:r>
-              <a:rPr lang="de-DE" dirty="0">
-                <a:solidFill>
-                  <a:schemeClr val="accent1"/>
-                </a:solidFill>
-              </a:rPr>
-              <a:t>  </a:t>
-            </a:r>
-            <a:r>
-              <a:rPr lang="de-DE" dirty="0" err="1">
-                <a:solidFill>
-                  <a:schemeClr val="accent1"/>
-                </a:solidFill>
-              </a:rPr>
-              <a:t>pop</a:t>
-            </a:r>
-            <a:r>
-              <a:rPr lang="de-DE" dirty="0">
-                <a:solidFill>
-                  <a:schemeClr val="accent1"/>
-                </a:solidFill>
-              </a:rPr>
-              <a:t>( </a:t>
-            </a:r>
-            <a:r>
-              <a:rPr lang="de-DE" dirty="0" err="1">
-                <a:solidFill>
-                  <a:schemeClr val="bg1">
-                    <a:lumMod val="50000"/>
-                    <a:lumOff val="50000"/>
-                  </a:schemeClr>
-                </a:solidFill>
-              </a:rPr>
-              <a:t>index</a:t>
-            </a:r>
-            <a:r>
-              <a:rPr lang="de-DE" dirty="0">
-                <a:solidFill>
-                  <a:schemeClr val="accent1"/>
-                </a:solidFill>
-              </a:rPr>
-              <a:t> )</a:t>
-            </a:r>
-          </a:p>
-          <a:p>
-            <a:endParaRPr lang="de-DE" dirty="0"/>
-          </a:p>
-          <a:p>
-            <a:endParaRPr lang="de-DE" dirty="0">
-              <a:solidFill>
-                <a:schemeClr val="accent1"/>
-              </a:solidFill>
-            </a:endParaRPr>
-          </a:p>
-          <a:p>
-            <a:endParaRPr lang="de-DE" dirty="0">
-              <a:solidFill>
-                <a:schemeClr val="accent1"/>
-              </a:solidFill>
-            </a:endParaRPr>
-          </a:p>
-          <a:p>
-            <a:endParaRPr lang="de-DE" dirty="0">
-              <a:solidFill>
-                <a:schemeClr val="accent1"/>
-              </a:solidFill>
-            </a:endParaRPr>
-          </a:p>
-          <a:p>
-            <a:endParaRPr lang="de-DE" dirty="0">
-              <a:solidFill>
-                <a:schemeClr val="accent1"/>
-              </a:solidFill>
-            </a:endParaRPr>
-          </a:p>
-          <a:p>
-            <a:r>
-              <a:rPr lang="de-DE" dirty="0" err="1">
-                <a:solidFill>
-                  <a:schemeClr val="accent1"/>
-                </a:solidFill>
-              </a:rPr>
-              <a:t>diference</a:t>
-            </a:r>
-            <a:r>
-              <a:rPr lang="de-DE" dirty="0">
-                <a:solidFill>
-                  <a:schemeClr val="accent1"/>
-                </a:solidFill>
-              </a:rPr>
-              <a:t>( </a:t>
-            </a:r>
-            <a:r>
-              <a:rPr lang="de-DE" dirty="0" err="1">
-                <a:solidFill>
-                  <a:schemeClr val="bg1">
-                    <a:lumMod val="50000"/>
-                    <a:lumOff val="50000"/>
-                  </a:schemeClr>
-                </a:solidFill>
-              </a:rPr>
-              <a:t>set</a:t>
-            </a:r>
-            <a:r>
-              <a:rPr lang="de-DE" dirty="0">
-                <a:solidFill>
-                  <a:schemeClr val="accent1"/>
-                </a:solidFill>
-              </a:rPr>
-              <a:t> )</a:t>
-            </a:r>
-          </a:p>
-          <a:p>
-            <a:endParaRPr lang="de-DE" dirty="0">
-              <a:solidFill>
-                <a:schemeClr val="accent1"/>
-              </a:solidFill>
-            </a:endParaRPr>
-          </a:p>
-          <a:p>
-            <a:r>
-              <a:rPr lang="de-DE" dirty="0" err="1">
-                <a:solidFill>
-                  <a:schemeClr val="accent1"/>
-                </a:solidFill>
-              </a:rPr>
-              <a:t>clear</a:t>
-            </a:r>
-            <a:r>
-              <a:rPr lang="de-DE" dirty="0">
-                <a:solidFill>
-                  <a:schemeClr val="accent1"/>
-                </a:solidFill>
-              </a:rPr>
-              <a:t>()</a:t>
-            </a:r>
-          </a:p>
-          <a:p>
-            <a:endParaRPr lang="de-DE" dirty="0">
-              <a:solidFill>
-                <a:schemeClr val="accent1"/>
-              </a:solidFill>
-            </a:endParaRPr>
-          </a:p>
-          <a:p>
-            <a:r>
-              <a:rPr lang="de-DE" dirty="0">
-                <a:solidFill>
-                  <a:schemeClr val="accent1"/>
-                </a:solidFill>
-              </a:rPr>
-              <a:t>update( </a:t>
-            </a:r>
-            <a:r>
-              <a:rPr lang="de-DE" dirty="0" err="1">
-                <a:solidFill>
-                  <a:schemeClr val="bg1">
-                    <a:lumMod val="50000"/>
-                    <a:lumOff val="50000"/>
-                  </a:schemeClr>
-                </a:solidFill>
-              </a:rPr>
-              <a:t>set</a:t>
-            </a:r>
-            <a:r>
-              <a:rPr lang="de-DE" dirty="0">
-                <a:solidFill>
-                  <a:schemeClr val="accent1"/>
-                </a:solidFill>
-              </a:rPr>
-              <a:t> )</a:t>
-            </a:r>
-          </a:p>
-          <a:p>
-            <a:endParaRPr lang="de-DE" dirty="0">
-              <a:solidFill>
-                <a:schemeClr val="accent1"/>
-              </a:solidFill>
-            </a:endParaRPr>
-          </a:p>
-          <a:p>
-            <a:endParaRPr lang="de-DE" dirty="0"/>
-          </a:p>
-        </p:txBody>
-      </p:sp>
-    </p:spTree>
-    <p:extLst>
-      <p:ext uri="{BB962C8B-B14F-4D97-AF65-F5344CB8AC3E}">
-        <p14:creationId xmlns:p14="http://schemas.microsoft.com/office/powerpoint/2010/main" val="2271711897"/>
       </p:ext>
     </p:extLst>
   </p:cSld>
@@ -12024,6 +9697,2893 @@
             <p:ph idx="1"/>
             <p:extLst>
               <p:ext uri="{D42A27DB-BD31-4B8C-83A1-F6EECF244321}">
+                <p14:modId xmlns:p14="http://schemas.microsoft.com/office/powerpoint/2010/main" val="2057929446"/>
+              </p:ext>
+            </p:extLst>
+          </p:nvPr>
+        </p:nvGraphicFramePr>
+        <p:xfrm>
+          <a:off x="810000" y="2574470"/>
+          <a:ext cx="10553700" cy="3452258"/>
+        </p:xfrm>
+        <a:graphic>
+          <a:graphicData uri="http://schemas.openxmlformats.org/drawingml/2006/table">
+            <a:tbl>
+              <a:tblPr firstRow="1" bandRow="1">
+                <a:tableStyleId>{17292A2E-F333-43FB-9621-5CBBE7FDCDCB}</a:tableStyleId>
+              </a:tblPr>
+              <a:tblGrid>
+                <a:gridCol w="2110740">
+                  <a:extLst>
+                    <a:ext uri="{9D8B030D-6E8A-4147-A177-3AD203B41FA5}">
+                      <a16:colId xmlns:a16="http://schemas.microsoft.com/office/drawing/2014/main" val="3154879884"/>
+                    </a:ext>
+                  </a:extLst>
+                </a:gridCol>
+                <a:gridCol w="2110740">
+                  <a:extLst>
+                    <a:ext uri="{9D8B030D-6E8A-4147-A177-3AD203B41FA5}">
+                      <a16:colId xmlns:a16="http://schemas.microsoft.com/office/drawing/2014/main" val="2768790688"/>
+                    </a:ext>
+                  </a:extLst>
+                </a:gridCol>
+                <a:gridCol w="2110740">
+                  <a:extLst>
+                    <a:ext uri="{9D8B030D-6E8A-4147-A177-3AD203B41FA5}">
+                      <a16:colId xmlns:a16="http://schemas.microsoft.com/office/drawing/2014/main" val="632190215"/>
+                    </a:ext>
+                  </a:extLst>
+                </a:gridCol>
+                <a:gridCol w="2110740">
+                  <a:extLst>
+                    <a:ext uri="{9D8B030D-6E8A-4147-A177-3AD203B41FA5}">
+                      <a16:colId xmlns:a16="http://schemas.microsoft.com/office/drawing/2014/main" val="981659422"/>
+                    </a:ext>
+                  </a:extLst>
+                </a:gridCol>
+                <a:gridCol w="2110740">
+                  <a:extLst>
+                    <a:ext uri="{9D8B030D-6E8A-4147-A177-3AD203B41FA5}">
+                      <a16:colId xmlns:a16="http://schemas.microsoft.com/office/drawing/2014/main" val="727473629"/>
+                    </a:ext>
+                  </a:extLst>
+                </a:gridCol>
+              </a:tblGrid>
+              <a:tr h="410476">
+                <a:tc>
+                  <a:txBody>
+                    <a:bodyPr/>
+                    <a:lstStyle/>
+                    <a:p>
+                      <a:pPr algn="l"/>
+                      <a:endParaRPr lang="de-DE" dirty="0"/>
+                    </a:p>
+                  </a:txBody>
+                  <a:tcPr anchor="ctr">
+                    <a:lnL w="9525" cap="rnd" cmpd="sng" algn="ctr">
+                      <a:noFill/>
+                      <a:prstDash val="solid"/>
+                    </a:lnL>
+                    <a:lnR w="12700" cap="flat" cmpd="sng" algn="ctr">
+                      <a:solidFill>
+                        <a:schemeClr val="accent4"/>
+                      </a:solidFill>
+                      <a:prstDash val="solid"/>
+                      <a:round/>
+                      <a:headEnd type="none" w="med" len="med"/>
+                      <a:tailEnd type="none" w="med" len="med"/>
+                    </a:lnR>
+                    <a:lnT w="9525" cap="rnd" cmpd="sng" algn="ctr">
+                      <a:noFill/>
+                      <a:prstDash val="solid"/>
+                    </a:lnT>
+                    <a:lnB w="12700" cap="flat" cmpd="sng" algn="ctr">
+                      <a:solidFill>
+                        <a:schemeClr val="accent4"/>
+                      </a:solidFill>
+                      <a:prstDash val="solid"/>
+                      <a:round/>
+                      <a:headEnd type="none" w="med" len="med"/>
+                      <a:tailEnd type="none" w="med" len="med"/>
+                    </a:lnB>
+                    <a:noFill/>
+                  </a:tcPr>
+                </a:tc>
+                <a:tc>
+                  <a:txBody>
+                    <a:bodyPr/>
+                    <a:lstStyle/>
+                    <a:p>
+                      <a:pPr algn="ctr"/>
+                      <a:r>
+                        <a:rPr lang="de-DE" dirty="0"/>
+                        <a:t>Liste</a:t>
+                      </a:r>
+                    </a:p>
+                  </a:txBody>
+                  <a:tcPr anchor="ctr">
+                    <a:lnL w="12700" cap="flat" cmpd="sng" algn="ctr">
+                      <a:solidFill>
+                        <a:schemeClr val="accent4"/>
+                      </a:solidFill>
+                      <a:prstDash val="solid"/>
+                      <a:round/>
+                      <a:headEnd type="none" w="med" len="med"/>
+                      <a:tailEnd type="none" w="med" len="med"/>
+                    </a:lnL>
+                    <a:lnR w="12700" cap="flat" cmpd="sng" algn="ctr">
+                      <a:solidFill>
+                        <a:schemeClr val="accent4"/>
+                      </a:solidFill>
+                      <a:prstDash val="solid"/>
+                      <a:round/>
+                      <a:headEnd type="none" w="med" len="med"/>
+                      <a:tailEnd type="none" w="med" len="med"/>
+                    </a:lnR>
+                  </a:tcPr>
+                </a:tc>
+                <a:tc>
+                  <a:txBody>
+                    <a:bodyPr/>
+                    <a:lstStyle/>
+                    <a:p>
+                      <a:pPr algn="ctr"/>
+                      <a:r>
+                        <a:rPr lang="de-DE" dirty="0"/>
+                        <a:t>Tupel</a:t>
+                      </a:r>
+                    </a:p>
+                  </a:txBody>
+                  <a:tcPr anchor="ctr">
+                    <a:lnL w="12700" cap="flat" cmpd="sng" algn="ctr">
+                      <a:solidFill>
+                        <a:schemeClr val="accent4"/>
+                      </a:solidFill>
+                      <a:prstDash val="solid"/>
+                      <a:round/>
+                      <a:headEnd type="none" w="med" len="med"/>
+                      <a:tailEnd type="none" w="med" len="med"/>
+                    </a:lnL>
+                    <a:lnR w="12700" cap="flat" cmpd="sng" algn="ctr">
+                      <a:solidFill>
+                        <a:schemeClr val="accent4"/>
+                      </a:solidFill>
+                      <a:prstDash val="solid"/>
+                      <a:round/>
+                      <a:headEnd type="none" w="med" len="med"/>
+                      <a:tailEnd type="none" w="med" len="med"/>
+                    </a:lnR>
+                  </a:tcPr>
+                </a:tc>
+                <a:tc>
+                  <a:txBody>
+                    <a:bodyPr/>
+                    <a:lstStyle/>
+                    <a:p>
+                      <a:pPr algn="ctr"/>
+                      <a:endParaRPr lang="de-DE" dirty="0"/>
+                    </a:p>
+                  </a:txBody>
+                  <a:tcPr anchor="ctr">
+                    <a:lnL w="12700" cap="flat" cmpd="sng" algn="ctr">
+                      <a:solidFill>
+                        <a:schemeClr val="accent4"/>
+                      </a:solidFill>
+                      <a:prstDash val="solid"/>
+                      <a:round/>
+                      <a:headEnd type="none" w="med" len="med"/>
+                      <a:tailEnd type="none" w="med" len="med"/>
+                    </a:lnL>
+                    <a:lnR w="12700" cap="flat" cmpd="sng" algn="ctr">
+                      <a:solidFill>
+                        <a:schemeClr val="accent4"/>
+                      </a:solidFill>
+                      <a:prstDash val="solid"/>
+                      <a:round/>
+                      <a:headEnd type="none" w="med" len="med"/>
+                      <a:tailEnd type="none" w="med" len="med"/>
+                    </a:lnR>
+                  </a:tcPr>
+                </a:tc>
+                <a:tc>
+                  <a:txBody>
+                    <a:bodyPr/>
+                    <a:lstStyle/>
+                    <a:p>
+                      <a:pPr algn="ctr"/>
+                      <a:endParaRPr lang="de-DE" dirty="0"/>
+                    </a:p>
+                  </a:txBody>
+                  <a:tcPr anchor="ctr">
+                    <a:lnL w="12700" cap="flat" cmpd="sng" algn="ctr">
+                      <a:solidFill>
+                        <a:schemeClr val="accent4"/>
+                      </a:solidFill>
+                      <a:prstDash val="solid"/>
+                      <a:round/>
+                      <a:headEnd type="none" w="med" len="med"/>
+                      <a:tailEnd type="none" w="med" len="med"/>
+                    </a:lnL>
+                  </a:tcPr>
+                </a:tc>
+                <a:extLst>
+                  <a:ext uri="{0D108BD9-81ED-4DB2-BD59-A6C34878D82A}">
+                    <a16:rowId xmlns:a16="http://schemas.microsoft.com/office/drawing/2014/main" val="122875342"/>
+                  </a:ext>
+                </a:extLst>
+              </a:tr>
+              <a:tr h="531220">
+                <a:tc>
+                  <a:txBody>
+                    <a:bodyPr/>
+                    <a:lstStyle/>
+                    <a:p>
+                      <a:pPr algn="l"/>
+                      <a:r>
+                        <a:rPr lang="de-DE" dirty="0"/>
+                        <a:t>Änderbar?</a:t>
+                      </a:r>
+                    </a:p>
+                  </a:txBody>
+                  <a:tcPr anchor="ctr">
+                    <a:lnR w="12700" cap="flat" cmpd="sng" algn="ctr">
+                      <a:solidFill>
+                        <a:schemeClr val="accent4"/>
+                      </a:solidFill>
+                      <a:prstDash val="solid"/>
+                      <a:round/>
+                      <a:headEnd type="none" w="med" len="med"/>
+                      <a:tailEnd type="none" w="med" len="med"/>
+                    </a:lnR>
+                    <a:lnT w="12700" cap="flat" cmpd="sng" algn="ctr">
+                      <a:solidFill>
+                        <a:schemeClr val="accent4"/>
+                      </a:solidFill>
+                      <a:prstDash val="solid"/>
+                      <a:round/>
+                      <a:headEnd type="none" w="med" len="med"/>
+                      <a:tailEnd type="none" w="med" len="med"/>
+                    </a:lnT>
+                  </a:tcPr>
+                </a:tc>
+                <a:tc>
+                  <a:txBody>
+                    <a:bodyPr/>
+                    <a:lstStyle/>
+                    <a:p>
+                      <a:pPr algn="ctr"/>
+                      <a:r>
+                        <a:rPr lang="de-DE" dirty="0"/>
+                        <a:t>✅</a:t>
+                      </a:r>
+                    </a:p>
+                  </a:txBody>
+                  <a:tcPr anchor="ctr">
+                    <a:lnL w="12700" cap="flat" cmpd="sng" algn="ctr">
+                      <a:solidFill>
+                        <a:schemeClr val="accent4"/>
+                      </a:solidFill>
+                      <a:prstDash val="solid"/>
+                      <a:round/>
+                      <a:headEnd type="none" w="med" len="med"/>
+                      <a:tailEnd type="none" w="med" len="med"/>
+                    </a:lnL>
+                    <a:lnR w="12700" cap="flat" cmpd="sng" algn="ctr">
+                      <a:solidFill>
+                        <a:schemeClr val="accent4"/>
+                      </a:solidFill>
+                      <a:prstDash val="solid"/>
+                      <a:round/>
+                      <a:headEnd type="none" w="med" len="med"/>
+                      <a:tailEnd type="none" w="med" len="med"/>
+                    </a:lnR>
+                  </a:tcPr>
+                </a:tc>
+                <a:tc>
+                  <a:txBody>
+                    <a:bodyPr/>
+                    <a:lstStyle/>
+                    <a:p>
+                      <a:pPr algn="ctr"/>
+                      <a:r>
+                        <a:rPr lang="de-DE" dirty="0"/>
+                        <a:t>❌</a:t>
+                      </a:r>
+                    </a:p>
+                  </a:txBody>
+                  <a:tcPr anchor="ctr">
+                    <a:lnL w="12700" cap="flat" cmpd="sng" algn="ctr">
+                      <a:solidFill>
+                        <a:schemeClr val="accent4"/>
+                      </a:solidFill>
+                      <a:prstDash val="solid"/>
+                      <a:round/>
+                      <a:headEnd type="none" w="med" len="med"/>
+                      <a:tailEnd type="none" w="med" len="med"/>
+                    </a:lnL>
+                    <a:lnR w="12700" cap="flat" cmpd="sng" algn="ctr">
+                      <a:solidFill>
+                        <a:schemeClr val="accent4"/>
+                      </a:solidFill>
+                      <a:prstDash val="solid"/>
+                      <a:round/>
+                      <a:headEnd type="none" w="med" len="med"/>
+                      <a:tailEnd type="none" w="med" len="med"/>
+                    </a:lnR>
+                  </a:tcPr>
+                </a:tc>
+                <a:tc>
+                  <a:txBody>
+                    <a:bodyPr/>
+                    <a:lstStyle/>
+                    <a:p>
+                      <a:pPr algn="ctr"/>
+                      <a:endParaRPr lang="de-DE" dirty="0"/>
+                    </a:p>
+                  </a:txBody>
+                  <a:tcPr anchor="ctr">
+                    <a:lnL w="12700" cap="flat" cmpd="sng" algn="ctr">
+                      <a:solidFill>
+                        <a:schemeClr val="accent4"/>
+                      </a:solidFill>
+                      <a:prstDash val="solid"/>
+                      <a:round/>
+                      <a:headEnd type="none" w="med" len="med"/>
+                      <a:tailEnd type="none" w="med" len="med"/>
+                    </a:lnL>
+                    <a:lnR w="12700" cap="flat" cmpd="sng" algn="ctr">
+                      <a:solidFill>
+                        <a:schemeClr val="accent4"/>
+                      </a:solidFill>
+                      <a:prstDash val="solid"/>
+                      <a:round/>
+                      <a:headEnd type="none" w="med" len="med"/>
+                      <a:tailEnd type="none" w="med" len="med"/>
+                    </a:lnR>
+                  </a:tcPr>
+                </a:tc>
+                <a:tc>
+                  <a:txBody>
+                    <a:bodyPr/>
+                    <a:lstStyle/>
+                    <a:p>
+                      <a:pPr marL="0" marR="0" lvl="0" indent="0" algn="ctr" defTabSz="457200" rtl="0" eaLnBrk="1" fontAlgn="auto" latinLnBrk="0" hangingPunct="1">
+                        <a:lnSpc>
+                          <a:spcPct val="100000"/>
+                        </a:lnSpc>
+                        <a:spcBef>
+                          <a:spcPts val="0"/>
+                        </a:spcBef>
+                        <a:spcAft>
+                          <a:spcPts val="0"/>
+                        </a:spcAft>
+                        <a:buClrTx/>
+                        <a:buSzTx/>
+                        <a:buFontTx/>
+                        <a:buNone/>
+                        <a:tabLst/>
+                        <a:defRPr/>
+                      </a:pPr>
+                      <a:endParaRPr lang="de-DE" dirty="0"/>
+                    </a:p>
+                  </a:txBody>
+                  <a:tcPr anchor="ctr">
+                    <a:lnL w="12700" cap="flat" cmpd="sng" algn="ctr">
+                      <a:solidFill>
+                        <a:schemeClr val="accent4"/>
+                      </a:solidFill>
+                      <a:prstDash val="solid"/>
+                      <a:round/>
+                      <a:headEnd type="none" w="med" len="med"/>
+                      <a:tailEnd type="none" w="med" len="med"/>
+                    </a:lnL>
+                  </a:tcPr>
+                </a:tc>
+                <a:extLst>
+                  <a:ext uri="{0D108BD9-81ED-4DB2-BD59-A6C34878D82A}">
+                    <a16:rowId xmlns:a16="http://schemas.microsoft.com/office/drawing/2014/main" val="3313786660"/>
+                  </a:ext>
+                </a:extLst>
+              </a:tr>
+              <a:tr h="531220">
+                <a:tc>
+                  <a:txBody>
+                    <a:bodyPr/>
+                    <a:lstStyle/>
+                    <a:p>
+                      <a:pPr algn="l"/>
+                      <a:r>
+                        <a:rPr lang="de-DE" dirty="0"/>
+                        <a:t>Duplikate?</a:t>
+                      </a:r>
+                    </a:p>
+                  </a:txBody>
+                  <a:tcPr anchor="ctr">
+                    <a:lnR w="12700" cap="flat" cmpd="sng" algn="ctr">
+                      <a:solidFill>
+                        <a:schemeClr val="accent4"/>
+                      </a:solidFill>
+                      <a:prstDash val="solid"/>
+                      <a:round/>
+                      <a:headEnd type="none" w="med" len="med"/>
+                      <a:tailEnd type="none" w="med" len="med"/>
+                    </a:lnR>
+                  </a:tcPr>
+                </a:tc>
+                <a:tc>
+                  <a:txBody>
+                    <a:bodyPr/>
+                    <a:lstStyle/>
+                    <a:p>
+                      <a:pPr marL="0" marR="0" lvl="0" indent="0" algn="ctr" defTabSz="457200" rtl="0" eaLnBrk="1" fontAlgn="auto" latinLnBrk="0" hangingPunct="1">
+                        <a:lnSpc>
+                          <a:spcPct val="100000"/>
+                        </a:lnSpc>
+                        <a:spcBef>
+                          <a:spcPts val="0"/>
+                        </a:spcBef>
+                        <a:spcAft>
+                          <a:spcPts val="0"/>
+                        </a:spcAft>
+                        <a:buClrTx/>
+                        <a:buSzTx/>
+                        <a:buFontTx/>
+                        <a:buNone/>
+                        <a:tabLst/>
+                        <a:defRPr/>
+                      </a:pPr>
+                      <a:r>
+                        <a:rPr lang="de-DE" dirty="0"/>
+                        <a:t>✅</a:t>
+                      </a:r>
+                    </a:p>
+                  </a:txBody>
+                  <a:tcPr anchor="ctr">
+                    <a:lnL w="12700" cap="flat" cmpd="sng" algn="ctr">
+                      <a:solidFill>
+                        <a:schemeClr val="accent4"/>
+                      </a:solidFill>
+                      <a:prstDash val="solid"/>
+                      <a:round/>
+                      <a:headEnd type="none" w="med" len="med"/>
+                      <a:tailEnd type="none" w="med" len="med"/>
+                    </a:lnL>
+                    <a:lnR w="12700" cap="flat" cmpd="sng" algn="ctr">
+                      <a:solidFill>
+                        <a:schemeClr val="accent4"/>
+                      </a:solidFill>
+                      <a:prstDash val="solid"/>
+                      <a:round/>
+                      <a:headEnd type="none" w="med" len="med"/>
+                      <a:tailEnd type="none" w="med" len="med"/>
+                    </a:lnR>
+                  </a:tcPr>
+                </a:tc>
+                <a:tc>
+                  <a:txBody>
+                    <a:bodyPr/>
+                    <a:lstStyle/>
+                    <a:p>
+                      <a:pPr marL="0" marR="0" lvl="0" indent="0" algn="ctr" defTabSz="457200" rtl="0" eaLnBrk="1" fontAlgn="auto" latinLnBrk="0" hangingPunct="1">
+                        <a:lnSpc>
+                          <a:spcPct val="100000"/>
+                        </a:lnSpc>
+                        <a:spcBef>
+                          <a:spcPts val="0"/>
+                        </a:spcBef>
+                        <a:spcAft>
+                          <a:spcPts val="0"/>
+                        </a:spcAft>
+                        <a:buClrTx/>
+                        <a:buSzTx/>
+                        <a:buFontTx/>
+                        <a:buNone/>
+                        <a:tabLst/>
+                        <a:defRPr/>
+                      </a:pPr>
+                      <a:r>
+                        <a:rPr lang="de-DE" dirty="0"/>
+                        <a:t>✅</a:t>
+                      </a:r>
+                    </a:p>
+                  </a:txBody>
+                  <a:tcPr anchor="ctr">
+                    <a:lnL w="12700" cap="flat" cmpd="sng" algn="ctr">
+                      <a:solidFill>
+                        <a:schemeClr val="accent4"/>
+                      </a:solidFill>
+                      <a:prstDash val="solid"/>
+                      <a:round/>
+                      <a:headEnd type="none" w="med" len="med"/>
+                      <a:tailEnd type="none" w="med" len="med"/>
+                    </a:lnL>
+                    <a:lnR w="12700" cap="flat" cmpd="sng" algn="ctr">
+                      <a:solidFill>
+                        <a:schemeClr val="accent4"/>
+                      </a:solidFill>
+                      <a:prstDash val="solid"/>
+                      <a:round/>
+                      <a:headEnd type="none" w="med" len="med"/>
+                      <a:tailEnd type="none" w="med" len="med"/>
+                    </a:lnR>
+                  </a:tcPr>
+                </a:tc>
+                <a:tc>
+                  <a:txBody>
+                    <a:bodyPr/>
+                    <a:lstStyle/>
+                    <a:p>
+                      <a:pPr algn="ctr"/>
+                      <a:endParaRPr lang="de-DE" dirty="0"/>
+                    </a:p>
+                  </a:txBody>
+                  <a:tcPr anchor="ctr">
+                    <a:lnL w="12700" cap="flat" cmpd="sng" algn="ctr">
+                      <a:solidFill>
+                        <a:schemeClr val="accent4"/>
+                      </a:solidFill>
+                      <a:prstDash val="solid"/>
+                      <a:round/>
+                      <a:headEnd type="none" w="med" len="med"/>
+                      <a:tailEnd type="none" w="med" len="med"/>
+                    </a:lnL>
+                    <a:lnR w="12700" cap="flat" cmpd="sng" algn="ctr">
+                      <a:solidFill>
+                        <a:schemeClr val="accent4"/>
+                      </a:solidFill>
+                      <a:prstDash val="solid"/>
+                      <a:round/>
+                      <a:headEnd type="none" w="med" len="med"/>
+                      <a:tailEnd type="none" w="med" len="med"/>
+                    </a:lnR>
+                  </a:tcPr>
+                </a:tc>
+                <a:tc>
+                  <a:txBody>
+                    <a:bodyPr/>
+                    <a:lstStyle/>
+                    <a:p>
+                      <a:pPr marL="0" marR="0" lvl="0" indent="0" algn="ctr" defTabSz="457200" rtl="0" eaLnBrk="1" fontAlgn="auto" latinLnBrk="0" hangingPunct="1">
+                        <a:lnSpc>
+                          <a:spcPct val="100000"/>
+                        </a:lnSpc>
+                        <a:spcBef>
+                          <a:spcPts val="0"/>
+                        </a:spcBef>
+                        <a:spcAft>
+                          <a:spcPts val="0"/>
+                        </a:spcAft>
+                        <a:buClrTx/>
+                        <a:buSzTx/>
+                        <a:buFontTx/>
+                        <a:buNone/>
+                        <a:tabLst/>
+                        <a:defRPr/>
+                      </a:pPr>
+                      <a:endParaRPr lang="de-DE" dirty="0"/>
+                    </a:p>
+                  </a:txBody>
+                  <a:tcPr anchor="ctr">
+                    <a:lnL w="12700" cap="flat" cmpd="sng" algn="ctr">
+                      <a:solidFill>
+                        <a:schemeClr val="accent4"/>
+                      </a:solidFill>
+                      <a:prstDash val="solid"/>
+                      <a:round/>
+                      <a:headEnd type="none" w="med" len="med"/>
+                      <a:tailEnd type="none" w="med" len="med"/>
+                    </a:lnL>
+                  </a:tcPr>
+                </a:tc>
+                <a:extLst>
+                  <a:ext uri="{0D108BD9-81ED-4DB2-BD59-A6C34878D82A}">
+                    <a16:rowId xmlns:a16="http://schemas.microsoft.com/office/drawing/2014/main" val="2151897338"/>
+                  </a:ext>
+                </a:extLst>
+              </a:tr>
+              <a:tr h="916902">
+                <a:tc>
+                  <a:txBody>
+                    <a:bodyPr/>
+                    <a:lstStyle/>
+                    <a:p>
+                      <a:pPr algn="l"/>
+                      <a:r>
+                        <a:rPr lang="de-DE" dirty="0"/>
+                        <a:t>Geordnet?</a:t>
+                      </a:r>
+                    </a:p>
+                  </a:txBody>
+                  <a:tcPr anchor="ctr">
+                    <a:lnR w="12700" cap="flat" cmpd="sng" algn="ctr">
+                      <a:solidFill>
+                        <a:schemeClr val="accent4"/>
+                      </a:solidFill>
+                      <a:prstDash val="solid"/>
+                      <a:round/>
+                      <a:headEnd type="none" w="med" len="med"/>
+                      <a:tailEnd type="none" w="med" len="med"/>
+                    </a:lnR>
+                  </a:tcPr>
+                </a:tc>
+                <a:tc>
+                  <a:txBody>
+                    <a:bodyPr/>
+                    <a:lstStyle/>
+                    <a:p>
+                      <a:pPr marL="0" marR="0" lvl="0" indent="0" algn="ctr" defTabSz="457200" rtl="0" eaLnBrk="1" fontAlgn="auto" latinLnBrk="0" hangingPunct="1">
+                        <a:lnSpc>
+                          <a:spcPct val="100000"/>
+                        </a:lnSpc>
+                        <a:spcBef>
+                          <a:spcPts val="0"/>
+                        </a:spcBef>
+                        <a:spcAft>
+                          <a:spcPts val="0"/>
+                        </a:spcAft>
+                        <a:buClrTx/>
+                        <a:buSzTx/>
+                        <a:buFontTx/>
+                        <a:buNone/>
+                        <a:tabLst/>
+                        <a:defRPr/>
+                      </a:pPr>
+                      <a:r>
+                        <a:rPr lang="de-DE" dirty="0"/>
+                        <a:t>✅</a:t>
+                      </a:r>
+                    </a:p>
+                  </a:txBody>
+                  <a:tcPr anchor="ctr">
+                    <a:lnL w="12700" cap="flat" cmpd="sng" algn="ctr">
+                      <a:solidFill>
+                        <a:schemeClr val="accent4"/>
+                      </a:solidFill>
+                      <a:prstDash val="solid"/>
+                      <a:round/>
+                      <a:headEnd type="none" w="med" len="med"/>
+                      <a:tailEnd type="none" w="med" len="med"/>
+                    </a:lnL>
+                    <a:lnR w="12700" cap="flat" cmpd="sng" algn="ctr">
+                      <a:solidFill>
+                        <a:schemeClr val="accent4"/>
+                      </a:solidFill>
+                      <a:prstDash val="solid"/>
+                      <a:round/>
+                      <a:headEnd type="none" w="med" len="med"/>
+                      <a:tailEnd type="none" w="med" len="med"/>
+                    </a:lnR>
+                  </a:tcPr>
+                </a:tc>
+                <a:tc>
+                  <a:txBody>
+                    <a:bodyPr/>
+                    <a:lstStyle/>
+                    <a:p>
+                      <a:pPr marL="0" marR="0" lvl="0" indent="0" algn="ctr" defTabSz="457200" rtl="0" eaLnBrk="1" fontAlgn="auto" latinLnBrk="0" hangingPunct="1">
+                        <a:lnSpc>
+                          <a:spcPct val="100000"/>
+                        </a:lnSpc>
+                        <a:spcBef>
+                          <a:spcPts val="0"/>
+                        </a:spcBef>
+                        <a:spcAft>
+                          <a:spcPts val="0"/>
+                        </a:spcAft>
+                        <a:buClrTx/>
+                        <a:buSzTx/>
+                        <a:buFontTx/>
+                        <a:buNone/>
+                        <a:tabLst/>
+                        <a:defRPr/>
+                      </a:pPr>
+                      <a:r>
+                        <a:rPr lang="de-DE" dirty="0"/>
+                        <a:t>✅</a:t>
+                      </a:r>
+                    </a:p>
+                  </a:txBody>
+                  <a:tcPr anchor="ctr">
+                    <a:lnL w="12700" cap="flat" cmpd="sng" algn="ctr">
+                      <a:solidFill>
+                        <a:schemeClr val="accent4"/>
+                      </a:solidFill>
+                      <a:prstDash val="solid"/>
+                      <a:round/>
+                      <a:headEnd type="none" w="med" len="med"/>
+                      <a:tailEnd type="none" w="med" len="med"/>
+                    </a:lnL>
+                    <a:lnR w="12700" cap="flat" cmpd="sng" algn="ctr">
+                      <a:solidFill>
+                        <a:schemeClr val="accent4"/>
+                      </a:solidFill>
+                      <a:prstDash val="solid"/>
+                      <a:round/>
+                      <a:headEnd type="none" w="med" len="med"/>
+                      <a:tailEnd type="none" w="med" len="med"/>
+                    </a:lnR>
+                  </a:tcPr>
+                </a:tc>
+                <a:tc>
+                  <a:txBody>
+                    <a:bodyPr/>
+                    <a:lstStyle/>
+                    <a:p>
+                      <a:pPr algn="ctr"/>
+                      <a:endParaRPr lang="de-DE" dirty="0"/>
+                    </a:p>
+                  </a:txBody>
+                  <a:tcPr anchor="ctr">
+                    <a:lnL w="12700" cap="flat" cmpd="sng" algn="ctr">
+                      <a:solidFill>
+                        <a:schemeClr val="accent4"/>
+                      </a:solidFill>
+                      <a:prstDash val="solid"/>
+                      <a:round/>
+                      <a:headEnd type="none" w="med" len="med"/>
+                      <a:tailEnd type="none" w="med" len="med"/>
+                    </a:lnL>
+                    <a:lnR w="12700" cap="flat" cmpd="sng" algn="ctr">
+                      <a:solidFill>
+                        <a:schemeClr val="accent4"/>
+                      </a:solidFill>
+                      <a:prstDash val="solid"/>
+                      <a:round/>
+                      <a:headEnd type="none" w="med" len="med"/>
+                      <a:tailEnd type="none" w="med" len="med"/>
+                    </a:lnR>
+                  </a:tcPr>
+                </a:tc>
+                <a:tc>
+                  <a:txBody>
+                    <a:bodyPr/>
+                    <a:lstStyle/>
+                    <a:p>
+                      <a:pPr marL="0" marR="0" lvl="0" indent="0" algn="ctr" defTabSz="457200" rtl="0" eaLnBrk="1" fontAlgn="auto" latinLnBrk="0" hangingPunct="1">
+                        <a:lnSpc>
+                          <a:spcPct val="100000"/>
+                        </a:lnSpc>
+                        <a:spcBef>
+                          <a:spcPts val="0"/>
+                        </a:spcBef>
+                        <a:spcAft>
+                          <a:spcPts val="0"/>
+                        </a:spcAft>
+                        <a:buClrTx/>
+                        <a:buSzTx/>
+                        <a:buFontTx/>
+                        <a:buNone/>
+                        <a:tabLst/>
+                        <a:defRPr/>
+                      </a:pPr>
+                      <a:endParaRPr lang="de-DE" dirty="0"/>
+                    </a:p>
+                  </a:txBody>
+                  <a:tcPr anchor="ctr">
+                    <a:lnL w="12700" cap="flat" cmpd="sng" algn="ctr">
+                      <a:solidFill>
+                        <a:schemeClr val="accent4"/>
+                      </a:solidFill>
+                      <a:prstDash val="solid"/>
+                      <a:round/>
+                      <a:headEnd type="none" w="med" len="med"/>
+                      <a:tailEnd type="none" w="med" len="med"/>
+                    </a:lnL>
+                  </a:tcPr>
+                </a:tc>
+                <a:extLst>
+                  <a:ext uri="{0D108BD9-81ED-4DB2-BD59-A6C34878D82A}">
+                    <a16:rowId xmlns:a16="http://schemas.microsoft.com/office/drawing/2014/main" val="555583047"/>
+                  </a:ext>
+                </a:extLst>
+              </a:tr>
+              <a:tr h="531220">
+                <a:tc>
+                  <a:txBody>
+                    <a:bodyPr/>
+                    <a:lstStyle/>
+                    <a:p>
+                      <a:pPr algn="l"/>
+                      <a:r>
+                        <a:rPr lang="de-DE" dirty="0"/>
+                        <a:t>Keys?</a:t>
+                      </a:r>
+                    </a:p>
+                  </a:txBody>
+                  <a:tcPr anchor="ctr">
+                    <a:lnR w="12700" cap="flat" cmpd="sng" algn="ctr">
+                      <a:solidFill>
+                        <a:schemeClr val="accent4"/>
+                      </a:solidFill>
+                      <a:prstDash val="solid"/>
+                      <a:round/>
+                      <a:headEnd type="none" w="med" len="med"/>
+                      <a:tailEnd type="none" w="med" len="med"/>
+                    </a:lnR>
+                  </a:tcPr>
+                </a:tc>
+                <a:tc>
+                  <a:txBody>
+                    <a:bodyPr/>
+                    <a:lstStyle/>
+                    <a:p>
+                      <a:pPr algn="ctr"/>
+                      <a:r>
+                        <a:rPr lang="de-DE" dirty="0"/>
+                        <a:t>❌</a:t>
+                      </a:r>
+                    </a:p>
+                  </a:txBody>
+                  <a:tcPr anchor="ctr">
+                    <a:lnL w="12700" cap="flat" cmpd="sng" algn="ctr">
+                      <a:solidFill>
+                        <a:schemeClr val="accent4"/>
+                      </a:solidFill>
+                      <a:prstDash val="solid"/>
+                      <a:round/>
+                      <a:headEnd type="none" w="med" len="med"/>
+                      <a:tailEnd type="none" w="med" len="med"/>
+                    </a:lnL>
+                    <a:lnR w="12700" cap="flat" cmpd="sng" algn="ctr">
+                      <a:solidFill>
+                        <a:schemeClr val="accent4"/>
+                      </a:solidFill>
+                      <a:prstDash val="solid"/>
+                      <a:round/>
+                      <a:headEnd type="none" w="med" len="med"/>
+                      <a:tailEnd type="none" w="med" len="med"/>
+                    </a:lnR>
+                  </a:tcPr>
+                </a:tc>
+                <a:tc>
+                  <a:txBody>
+                    <a:bodyPr/>
+                    <a:lstStyle/>
+                    <a:p>
+                      <a:pPr algn="ctr"/>
+                      <a:r>
+                        <a:rPr lang="de-DE" dirty="0"/>
+                        <a:t>❌</a:t>
+                      </a:r>
+                    </a:p>
+                  </a:txBody>
+                  <a:tcPr anchor="ctr">
+                    <a:lnL w="12700" cap="flat" cmpd="sng" algn="ctr">
+                      <a:solidFill>
+                        <a:schemeClr val="accent4"/>
+                      </a:solidFill>
+                      <a:prstDash val="solid"/>
+                      <a:round/>
+                      <a:headEnd type="none" w="med" len="med"/>
+                      <a:tailEnd type="none" w="med" len="med"/>
+                    </a:lnL>
+                    <a:lnR w="12700" cap="flat" cmpd="sng" algn="ctr">
+                      <a:solidFill>
+                        <a:schemeClr val="accent4"/>
+                      </a:solidFill>
+                      <a:prstDash val="solid"/>
+                      <a:round/>
+                      <a:headEnd type="none" w="med" len="med"/>
+                      <a:tailEnd type="none" w="med" len="med"/>
+                    </a:lnR>
+                  </a:tcPr>
+                </a:tc>
+                <a:tc>
+                  <a:txBody>
+                    <a:bodyPr/>
+                    <a:lstStyle/>
+                    <a:p>
+                      <a:pPr algn="ctr"/>
+                      <a:endParaRPr lang="de-DE" dirty="0"/>
+                    </a:p>
+                  </a:txBody>
+                  <a:tcPr anchor="ctr">
+                    <a:lnL w="12700" cap="flat" cmpd="sng" algn="ctr">
+                      <a:solidFill>
+                        <a:schemeClr val="accent4"/>
+                      </a:solidFill>
+                      <a:prstDash val="solid"/>
+                      <a:round/>
+                      <a:headEnd type="none" w="med" len="med"/>
+                      <a:tailEnd type="none" w="med" len="med"/>
+                    </a:lnL>
+                    <a:lnR w="12700" cap="flat" cmpd="sng" algn="ctr">
+                      <a:solidFill>
+                        <a:schemeClr val="accent4"/>
+                      </a:solidFill>
+                      <a:prstDash val="solid"/>
+                      <a:round/>
+                      <a:headEnd type="none" w="med" len="med"/>
+                      <a:tailEnd type="none" w="med" len="med"/>
+                    </a:lnR>
+                  </a:tcPr>
+                </a:tc>
+                <a:tc>
+                  <a:txBody>
+                    <a:bodyPr/>
+                    <a:lstStyle/>
+                    <a:p>
+                      <a:pPr marL="0" marR="0" lvl="0" indent="0" algn="ctr" defTabSz="457200" rtl="0" eaLnBrk="1" fontAlgn="auto" latinLnBrk="0" hangingPunct="1">
+                        <a:lnSpc>
+                          <a:spcPct val="100000"/>
+                        </a:lnSpc>
+                        <a:spcBef>
+                          <a:spcPts val="0"/>
+                        </a:spcBef>
+                        <a:spcAft>
+                          <a:spcPts val="0"/>
+                        </a:spcAft>
+                        <a:buClrTx/>
+                        <a:buSzTx/>
+                        <a:buFontTx/>
+                        <a:buNone/>
+                        <a:tabLst/>
+                        <a:defRPr/>
+                      </a:pPr>
+                      <a:endParaRPr lang="de-DE" dirty="0"/>
+                    </a:p>
+                  </a:txBody>
+                  <a:tcPr anchor="ctr">
+                    <a:lnL w="12700" cap="flat" cmpd="sng" algn="ctr">
+                      <a:solidFill>
+                        <a:schemeClr val="accent4"/>
+                      </a:solidFill>
+                      <a:prstDash val="solid"/>
+                      <a:round/>
+                      <a:headEnd type="none" w="med" len="med"/>
+                      <a:tailEnd type="none" w="med" len="med"/>
+                    </a:lnL>
+                  </a:tcPr>
+                </a:tc>
+                <a:extLst>
+                  <a:ext uri="{0D108BD9-81ED-4DB2-BD59-A6C34878D82A}">
+                    <a16:rowId xmlns:a16="http://schemas.microsoft.com/office/drawing/2014/main" val="3836793035"/>
+                  </a:ext>
+                </a:extLst>
+              </a:tr>
+              <a:tr h="531220">
+                <a:tc>
+                  <a:txBody>
+                    <a:bodyPr/>
+                    <a:lstStyle/>
+                    <a:p>
+                      <a:pPr algn="l"/>
+                      <a:endParaRPr lang="de-DE" dirty="0"/>
+                    </a:p>
+                  </a:txBody>
+                  <a:tcPr anchor="ctr">
+                    <a:lnR w="12700" cap="flat" cmpd="sng" algn="ctr">
+                      <a:solidFill>
+                        <a:schemeClr val="accent4"/>
+                      </a:solidFill>
+                      <a:prstDash val="solid"/>
+                      <a:round/>
+                      <a:headEnd type="none" w="med" len="med"/>
+                      <a:tailEnd type="none" w="med" len="med"/>
+                    </a:lnR>
+                  </a:tcPr>
+                </a:tc>
+                <a:tc>
+                  <a:txBody>
+                    <a:bodyPr/>
+                    <a:lstStyle/>
+                    <a:p>
+                      <a:pPr algn="ctr"/>
+                      <a:r>
+                        <a:rPr lang="de-DE" dirty="0" err="1"/>
+                        <a:t>list</a:t>
+                      </a:r>
+                      <a:r>
+                        <a:rPr lang="de-DE" dirty="0"/>
+                        <a:t> = [ ]</a:t>
+                      </a:r>
+                    </a:p>
+                  </a:txBody>
+                  <a:tcPr anchor="ctr">
+                    <a:lnL w="12700" cap="flat" cmpd="sng" algn="ctr">
+                      <a:solidFill>
+                        <a:schemeClr val="accent4"/>
+                      </a:solidFill>
+                      <a:prstDash val="solid"/>
+                      <a:round/>
+                      <a:headEnd type="none" w="med" len="med"/>
+                      <a:tailEnd type="none" w="med" len="med"/>
+                    </a:lnL>
+                    <a:lnR w="12700" cap="flat" cmpd="sng" algn="ctr">
+                      <a:solidFill>
+                        <a:schemeClr val="accent4"/>
+                      </a:solidFill>
+                      <a:prstDash val="solid"/>
+                      <a:round/>
+                      <a:headEnd type="none" w="med" len="med"/>
+                      <a:tailEnd type="none" w="med" len="med"/>
+                    </a:lnR>
+                  </a:tcPr>
+                </a:tc>
+                <a:tc>
+                  <a:txBody>
+                    <a:bodyPr/>
+                    <a:lstStyle/>
+                    <a:p>
+                      <a:pPr algn="ctr"/>
+                      <a:r>
+                        <a:rPr lang="de-DE" dirty="0" err="1"/>
+                        <a:t>tuple</a:t>
+                      </a:r>
+                      <a:r>
+                        <a:rPr lang="de-DE" dirty="0"/>
+                        <a:t> = ( )</a:t>
+                      </a:r>
+                    </a:p>
+                  </a:txBody>
+                  <a:tcPr anchor="ctr">
+                    <a:lnL w="12700" cap="flat" cmpd="sng" algn="ctr">
+                      <a:solidFill>
+                        <a:schemeClr val="accent4"/>
+                      </a:solidFill>
+                      <a:prstDash val="solid"/>
+                      <a:round/>
+                      <a:headEnd type="none" w="med" len="med"/>
+                      <a:tailEnd type="none" w="med" len="med"/>
+                    </a:lnL>
+                    <a:lnR w="12700" cap="flat" cmpd="sng" algn="ctr">
+                      <a:solidFill>
+                        <a:schemeClr val="accent4"/>
+                      </a:solidFill>
+                      <a:prstDash val="solid"/>
+                      <a:round/>
+                      <a:headEnd type="none" w="med" len="med"/>
+                      <a:tailEnd type="none" w="med" len="med"/>
+                    </a:lnR>
+                  </a:tcPr>
+                </a:tc>
+                <a:tc>
+                  <a:txBody>
+                    <a:bodyPr/>
+                    <a:lstStyle/>
+                    <a:p>
+                      <a:pPr algn="ctr"/>
+                      <a:endParaRPr lang="de-DE" dirty="0"/>
+                    </a:p>
+                  </a:txBody>
+                  <a:tcPr anchor="ctr">
+                    <a:lnL w="12700" cap="flat" cmpd="sng" algn="ctr">
+                      <a:solidFill>
+                        <a:schemeClr val="accent4"/>
+                      </a:solidFill>
+                      <a:prstDash val="solid"/>
+                      <a:round/>
+                      <a:headEnd type="none" w="med" len="med"/>
+                      <a:tailEnd type="none" w="med" len="med"/>
+                    </a:lnL>
+                    <a:lnR w="12700" cap="flat" cmpd="sng" algn="ctr">
+                      <a:solidFill>
+                        <a:schemeClr val="accent4"/>
+                      </a:solidFill>
+                      <a:prstDash val="solid"/>
+                      <a:round/>
+                      <a:headEnd type="none" w="med" len="med"/>
+                      <a:tailEnd type="none" w="med" len="med"/>
+                    </a:lnR>
+                  </a:tcPr>
+                </a:tc>
+                <a:tc>
+                  <a:txBody>
+                    <a:bodyPr/>
+                    <a:lstStyle/>
+                    <a:p>
+                      <a:pPr algn="ctr"/>
+                      <a:endParaRPr lang="de-DE" dirty="0"/>
+                    </a:p>
+                  </a:txBody>
+                  <a:tcPr anchor="ctr">
+                    <a:lnL w="12700" cap="flat" cmpd="sng" algn="ctr">
+                      <a:solidFill>
+                        <a:schemeClr val="accent4"/>
+                      </a:solidFill>
+                      <a:prstDash val="solid"/>
+                      <a:round/>
+                      <a:headEnd type="none" w="med" len="med"/>
+                      <a:tailEnd type="none" w="med" len="med"/>
+                    </a:lnL>
+                  </a:tcPr>
+                </a:tc>
+                <a:extLst>
+                  <a:ext uri="{0D108BD9-81ED-4DB2-BD59-A6C34878D82A}">
+                    <a16:rowId xmlns:a16="http://schemas.microsoft.com/office/drawing/2014/main" val="2815062303"/>
+                  </a:ext>
+                </a:extLst>
+              </a:tr>
+            </a:tbl>
+          </a:graphicData>
+        </a:graphic>
+      </p:graphicFrame>
+    </p:spTree>
+    <p:extLst>
+      <p:ext uri="{BB962C8B-B14F-4D97-AF65-F5344CB8AC3E}">
+        <p14:creationId xmlns:p14="http://schemas.microsoft.com/office/powerpoint/2010/main" val="2397868881"/>
+      </p:ext>
+    </p:extLst>
+  </p:cSld>
+  <p:clrMapOvr>
+    <a:masterClrMapping/>
+  </p:clrMapOvr>
+</p:sld>
+</file>
+
+<file path=ppt/slides/slide17.xml><?xml version="1.0" encoding="utf-8"?>
+<p:sld xmlns:a="http://schemas.openxmlformats.org/drawingml/2006/main" xmlns:r="http://schemas.openxmlformats.org/officeDocument/2006/relationships" xmlns:p="http://schemas.openxmlformats.org/presentationml/2006/main">
+  <p:cSld>
+    <p:spTree>
+      <p:nvGrpSpPr>
+        <p:cNvPr id="1" name=""/>
+        <p:cNvGrpSpPr/>
+        <p:nvPr/>
+      </p:nvGrpSpPr>
+      <p:grpSpPr>
+        <a:xfrm>
+          <a:off x="0" y="0"/>
+          <a:ext cx="0" cy="0"/>
+          <a:chOff x="0" y="0"/>
+          <a:chExt cx="0" cy="0"/>
+        </a:xfrm>
+      </p:grpSpPr>
+      <p:sp>
+        <p:nvSpPr>
+          <p:cNvPr id="2" name="Titel 1">
+            <a:extLst>
+              <a:ext uri="{FF2B5EF4-FFF2-40B4-BE49-F238E27FC236}">
+                <a16:creationId xmlns:a16="http://schemas.microsoft.com/office/drawing/2014/main" id="{924638F2-44F9-0387-35BC-AA6733952E2F}"/>
+              </a:ext>
+            </a:extLst>
+          </p:cNvPr>
+          <p:cNvSpPr>
+            <a:spLocks noGrp="1"/>
+          </p:cNvSpPr>
+          <p:nvPr>
+            <p:ph type="title"/>
+          </p:nvPr>
+        </p:nvSpPr>
+        <p:spPr/>
+        <p:txBody>
+          <a:bodyPr/>
+          <a:lstStyle/>
+          <a:p>
+            <a:r>
+              <a:rPr lang="de-DE" dirty="0"/>
+              <a:t>Einfache Datenstrukturen</a:t>
+            </a:r>
+          </a:p>
+        </p:txBody>
+      </p:sp>
+      <p:graphicFrame>
+        <p:nvGraphicFramePr>
+          <p:cNvPr id="4" name="Tabelle 4">
+            <a:extLst>
+              <a:ext uri="{FF2B5EF4-FFF2-40B4-BE49-F238E27FC236}">
+                <a16:creationId xmlns:a16="http://schemas.microsoft.com/office/drawing/2014/main" id="{B47C2560-812F-375E-9734-FDB4B9C2658E}"/>
+              </a:ext>
+            </a:extLst>
+          </p:cNvPr>
+          <p:cNvGraphicFramePr>
+            <a:graphicFrameLocks noGrp="1"/>
+          </p:cNvGraphicFramePr>
+          <p:nvPr>
+            <p:ph idx="1"/>
+            <p:extLst>
+              <p:ext uri="{D42A27DB-BD31-4B8C-83A1-F6EECF244321}">
+                <p14:modId xmlns:p14="http://schemas.microsoft.com/office/powerpoint/2010/main" val="1653153576"/>
+              </p:ext>
+            </p:extLst>
+          </p:nvPr>
+        </p:nvGraphicFramePr>
+        <p:xfrm>
+          <a:off x="810000" y="2574470"/>
+          <a:ext cx="10553700" cy="3452258"/>
+        </p:xfrm>
+        <a:graphic>
+          <a:graphicData uri="http://schemas.openxmlformats.org/drawingml/2006/table">
+            <a:tbl>
+              <a:tblPr firstRow="1" bandRow="1">
+                <a:tableStyleId>{17292A2E-F333-43FB-9621-5CBBE7FDCDCB}</a:tableStyleId>
+              </a:tblPr>
+              <a:tblGrid>
+                <a:gridCol w="2110740">
+                  <a:extLst>
+                    <a:ext uri="{9D8B030D-6E8A-4147-A177-3AD203B41FA5}">
+                      <a16:colId xmlns:a16="http://schemas.microsoft.com/office/drawing/2014/main" val="3154879884"/>
+                    </a:ext>
+                  </a:extLst>
+                </a:gridCol>
+                <a:gridCol w="2110740">
+                  <a:extLst>
+                    <a:ext uri="{9D8B030D-6E8A-4147-A177-3AD203B41FA5}">
+                      <a16:colId xmlns:a16="http://schemas.microsoft.com/office/drawing/2014/main" val="2768790688"/>
+                    </a:ext>
+                  </a:extLst>
+                </a:gridCol>
+                <a:gridCol w="2110740">
+                  <a:extLst>
+                    <a:ext uri="{9D8B030D-6E8A-4147-A177-3AD203B41FA5}">
+                      <a16:colId xmlns:a16="http://schemas.microsoft.com/office/drawing/2014/main" val="632190215"/>
+                    </a:ext>
+                  </a:extLst>
+                </a:gridCol>
+                <a:gridCol w="2110740">
+                  <a:extLst>
+                    <a:ext uri="{9D8B030D-6E8A-4147-A177-3AD203B41FA5}">
+                      <a16:colId xmlns:a16="http://schemas.microsoft.com/office/drawing/2014/main" val="981659422"/>
+                    </a:ext>
+                  </a:extLst>
+                </a:gridCol>
+                <a:gridCol w="2110740">
+                  <a:extLst>
+                    <a:ext uri="{9D8B030D-6E8A-4147-A177-3AD203B41FA5}">
+                      <a16:colId xmlns:a16="http://schemas.microsoft.com/office/drawing/2014/main" val="727473629"/>
+                    </a:ext>
+                  </a:extLst>
+                </a:gridCol>
+              </a:tblGrid>
+              <a:tr h="410476">
+                <a:tc>
+                  <a:txBody>
+                    <a:bodyPr/>
+                    <a:lstStyle/>
+                    <a:p>
+                      <a:pPr algn="l"/>
+                      <a:endParaRPr lang="de-DE" dirty="0"/>
+                    </a:p>
+                  </a:txBody>
+                  <a:tcPr anchor="ctr">
+                    <a:lnL w="9525" cap="rnd" cmpd="sng" algn="ctr">
+                      <a:noFill/>
+                      <a:prstDash val="solid"/>
+                    </a:lnL>
+                    <a:lnR w="12700" cap="flat" cmpd="sng" algn="ctr">
+                      <a:solidFill>
+                        <a:schemeClr val="accent4"/>
+                      </a:solidFill>
+                      <a:prstDash val="solid"/>
+                      <a:round/>
+                      <a:headEnd type="none" w="med" len="med"/>
+                      <a:tailEnd type="none" w="med" len="med"/>
+                    </a:lnR>
+                    <a:lnT w="9525" cap="rnd" cmpd="sng" algn="ctr">
+                      <a:noFill/>
+                      <a:prstDash val="solid"/>
+                    </a:lnT>
+                    <a:lnB w="12700" cap="flat" cmpd="sng" algn="ctr">
+                      <a:solidFill>
+                        <a:schemeClr val="accent4"/>
+                      </a:solidFill>
+                      <a:prstDash val="solid"/>
+                      <a:round/>
+                      <a:headEnd type="none" w="med" len="med"/>
+                      <a:tailEnd type="none" w="med" len="med"/>
+                    </a:lnB>
+                    <a:noFill/>
+                  </a:tcPr>
+                </a:tc>
+                <a:tc>
+                  <a:txBody>
+                    <a:bodyPr/>
+                    <a:lstStyle/>
+                    <a:p>
+                      <a:pPr algn="ctr"/>
+                      <a:r>
+                        <a:rPr lang="de-DE" dirty="0"/>
+                        <a:t>Liste</a:t>
+                      </a:r>
+                    </a:p>
+                  </a:txBody>
+                  <a:tcPr anchor="ctr">
+                    <a:lnL w="12700" cap="flat" cmpd="sng" algn="ctr">
+                      <a:solidFill>
+                        <a:schemeClr val="accent4"/>
+                      </a:solidFill>
+                      <a:prstDash val="solid"/>
+                      <a:round/>
+                      <a:headEnd type="none" w="med" len="med"/>
+                      <a:tailEnd type="none" w="med" len="med"/>
+                    </a:lnL>
+                    <a:lnR w="12700" cap="flat" cmpd="sng" algn="ctr">
+                      <a:solidFill>
+                        <a:schemeClr val="accent4"/>
+                      </a:solidFill>
+                      <a:prstDash val="solid"/>
+                      <a:round/>
+                      <a:headEnd type="none" w="med" len="med"/>
+                      <a:tailEnd type="none" w="med" len="med"/>
+                    </a:lnR>
+                  </a:tcPr>
+                </a:tc>
+                <a:tc>
+                  <a:txBody>
+                    <a:bodyPr/>
+                    <a:lstStyle/>
+                    <a:p>
+                      <a:pPr algn="ctr"/>
+                      <a:r>
+                        <a:rPr lang="de-DE" dirty="0"/>
+                        <a:t>Tupel</a:t>
+                      </a:r>
+                    </a:p>
+                  </a:txBody>
+                  <a:tcPr anchor="ctr">
+                    <a:lnL w="12700" cap="flat" cmpd="sng" algn="ctr">
+                      <a:solidFill>
+                        <a:schemeClr val="accent4"/>
+                      </a:solidFill>
+                      <a:prstDash val="solid"/>
+                      <a:round/>
+                      <a:headEnd type="none" w="med" len="med"/>
+                      <a:tailEnd type="none" w="med" len="med"/>
+                    </a:lnL>
+                    <a:lnR w="12700" cap="flat" cmpd="sng" algn="ctr">
+                      <a:solidFill>
+                        <a:schemeClr val="accent4"/>
+                      </a:solidFill>
+                      <a:prstDash val="solid"/>
+                      <a:round/>
+                      <a:headEnd type="none" w="med" len="med"/>
+                      <a:tailEnd type="none" w="med" len="med"/>
+                    </a:lnR>
+                  </a:tcPr>
+                </a:tc>
+                <a:tc>
+                  <a:txBody>
+                    <a:bodyPr/>
+                    <a:lstStyle/>
+                    <a:p>
+                      <a:pPr algn="ctr"/>
+                      <a:r>
+                        <a:rPr lang="de-DE" dirty="0"/>
+                        <a:t>Set</a:t>
+                      </a:r>
+                    </a:p>
+                  </a:txBody>
+                  <a:tcPr anchor="ctr">
+                    <a:lnL w="12700" cap="flat" cmpd="sng" algn="ctr">
+                      <a:solidFill>
+                        <a:schemeClr val="accent4"/>
+                      </a:solidFill>
+                      <a:prstDash val="solid"/>
+                      <a:round/>
+                      <a:headEnd type="none" w="med" len="med"/>
+                      <a:tailEnd type="none" w="med" len="med"/>
+                    </a:lnL>
+                    <a:lnR w="12700" cap="flat" cmpd="sng" algn="ctr">
+                      <a:solidFill>
+                        <a:schemeClr val="accent4"/>
+                      </a:solidFill>
+                      <a:prstDash val="solid"/>
+                      <a:round/>
+                      <a:headEnd type="none" w="med" len="med"/>
+                      <a:tailEnd type="none" w="med" len="med"/>
+                    </a:lnR>
+                  </a:tcPr>
+                </a:tc>
+                <a:tc>
+                  <a:txBody>
+                    <a:bodyPr/>
+                    <a:lstStyle/>
+                    <a:p>
+                      <a:pPr algn="ctr"/>
+                      <a:endParaRPr lang="de-DE" dirty="0"/>
+                    </a:p>
+                  </a:txBody>
+                  <a:tcPr anchor="ctr">
+                    <a:lnL w="12700" cap="flat" cmpd="sng" algn="ctr">
+                      <a:solidFill>
+                        <a:schemeClr val="accent4"/>
+                      </a:solidFill>
+                      <a:prstDash val="solid"/>
+                      <a:round/>
+                      <a:headEnd type="none" w="med" len="med"/>
+                      <a:tailEnd type="none" w="med" len="med"/>
+                    </a:lnL>
+                  </a:tcPr>
+                </a:tc>
+                <a:extLst>
+                  <a:ext uri="{0D108BD9-81ED-4DB2-BD59-A6C34878D82A}">
+                    <a16:rowId xmlns:a16="http://schemas.microsoft.com/office/drawing/2014/main" val="122875342"/>
+                  </a:ext>
+                </a:extLst>
+              </a:tr>
+              <a:tr h="531220">
+                <a:tc>
+                  <a:txBody>
+                    <a:bodyPr/>
+                    <a:lstStyle/>
+                    <a:p>
+                      <a:pPr algn="l"/>
+                      <a:r>
+                        <a:rPr lang="de-DE" dirty="0"/>
+                        <a:t>Änderbar?</a:t>
+                      </a:r>
+                    </a:p>
+                  </a:txBody>
+                  <a:tcPr anchor="ctr">
+                    <a:lnR w="12700" cap="flat" cmpd="sng" algn="ctr">
+                      <a:solidFill>
+                        <a:schemeClr val="accent4"/>
+                      </a:solidFill>
+                      <a:prstDash val="solid"/>
+                      <a:round/>
+                      <a:headEnd type="none" w="med" len="med"/>
+                      <a:tailEnd type="none" w="med" len="med"/>
+                    </a:lnR>
+                    <a:lnT w="12700" cap="flat" cmpd="sng" algn="ctr">
+                      <a:solidFill>
+                        <a:schemeClr val="accent4"/>
+                      </a:solidFill>
+                      <a:prstDash val="solid"/>
+                      <a:round/>
+                      <a:headEnd type="none" w="med" len="med"/>
+                      <a:tailEnd type="none" w="med" len="med"/>
+                    </a:lnT>
+                  </a:tcPr>
+                </a:tc>
+                <a:tc>
+                  <a:txBody>
+                    <a:bodyPr/>
+                    <a:lstStyle/>
+                    <a:p>
+                      <a:pPr algn="ctr"/>
+                      <a:r>
+                        <a:rPr lang="de-DE" dirty="0"/>
+                        <a:t>✅</a:t>
+                      </a:r>
+                    </a:p>
+                  </a:txBody>
+                  <a:tcPr anchor="ctr">
+                    <a:lnL w="12700" cap="flat" cmpd="sng" algn="ctr">
+                      <a:solidFill>
+                        <a:schemeClr val="accent4"/>
+                      </a:solidFill>
+                      <a:prstDash val="solid"/>
+                      <a:round/>
+                      <a:headEnd type="none" w="med" len="med"/>
+                      <a:tailEnd type="none" w="med" len="med"/>
+                    </a:lnL>
+                    <a:lnR w="12700" cap="flat" cmpd="sng" algn="ctr">
+                      <a:solidFill>
+                        <a:schemeClr val="accent4"/>
+                      </a:solidFill>
+                      <a:prstDash val="solid"/>
+                      <a:round/>
+                      <a:headEnd type="none" w="med" len="med"/>
+                      <a:tailEnd type="none" w="med" len="med"/>
+                    </a:lnR>
+                  </a:tcPr>
+                </a:tc>
+                <a:tc>
+                  <a:txBody>
+                    <a:bodyPr/>
+                    <a:lstStyle/>
+                    <a:p>
+                      <a:pPr algn="ctr"/>
+                      <a:r>
+                        <a:rPr lang="de-DE" dirty="0"/>
+                        <a:t>❌</a:t>
+                      </a:r>
+                    </a:p>
+                  </a:txBody>
+                  <a:tcPr anchor="ctr">
+                    <a:lnL w="12700" cap="flat" cmpd="sng" algn="ctr">
+                      <a:solidFill>
+                        <a:schemeClr val="accent4"/>
+                      </a:solidFill>
+                      <a:prstDash val="solid"/>
+                      <a:round/>
+                      <a:headEnd type="none" w="med" len="med"/>
+                      <a:tailEnd type="none" w="med" len="med"/>
+                    </a:lnL>
+                    <a:lnR w="12700" cap="flat" cmpd="sng" algn="ctr">
+                      <a:solidFill>
+                        <a:schemeClr val="accent4"/>
+                      </a:solidFill>
+                      <a:prstDash val="solid"/>
+                      <a:round/>
+                      <a:headEnd type="none" w="med" len="med"/>
+                      <a:tailEnd type="none" w="med" len="med"/>
+                    </a:lnR>
+                  </a:tcPr>
+                </a:tc>
+                <a:tc>
+                  <a:txBody>
+                    <a:bodyPr/>
+                    <a:lstStyle/>
+                    <a:p>
+                      <a:pPr algn="ctr"/>
+                      <a:r>
+                        <a:rPr lang="de-DE" dirty="0"/>
+                        <a:t>❌</a:t>
+                      </a:r>
+                    </a:p>
+                  </a:txBody>
+                  <a:tcPr anchor="ctr">
+                    <a:lnL w="12700" cap="flat" cmpd="sng" algn="ctr">
+                      <a:solidFill>
+                        <a:schemeClr val="accent4"/>
+                      </a:solidFill>
+                      <a:prstDash val="solid"/>
+                      <a:round/>
+                      <a:headEnd type="none" w="med" len="med"/>
+                      <a:tailEnd type="none" w="med" len="med"/>
+                    </a:lnL>
+                    <a:lnR w="12700" cap="flat" cmpd="sng" algn="ctr">
+                      <a:solidFill>
+                        <a:schemeClr val="accent4"/>
+                      </a:solidFill>
+                      <a:prstDash val="solid"/>
+                      <a:round/>
+                      <a:headEnd type="none" w="med" len="med"/>
+                      <a:tailEnd type="none" w="med" len="med"/>
+                    </a:lnR>
+                  </a:tcPr>
+                </a:tc>
+                <a:tc>
+                  <a:txBody>
+                    <a:bodyPr/>
+                    <a:lstStyle/>
+                    <a:p>
+                      <a:pPr marL="0" marR="0" lvl="0" indent="0" algn="ctr" defTabSz="457200" rtl="0" eaLnBrk="1" fontAlgn="auto" latinLnBrk="0" hangingPunct="1">
+                        <a:lnSpc>
+                          <a:spcPct val="100000"/>
+                        </a:lnSpc>
+                        <a:spcBef>
+                          <a:spcPts val="0"/>
+                        </a:spcBef>
+                        <a:spcAft>
+                          <a:spcPts val="0"/>
+                        </a:spcAft>
+                        <a:buClrTx/>
+                        <a:buSzTx/>
+                        <a:buFontTx/>
+                        <a:buNone/>
+                        <a:tabLst/>
+                        <a:defRPr/>
+                      </a:pPr>
+                      <a:endParaRPr lang="de-DE" dirty="0"/>
+                    </a:p>
+                  </a:txBody>
+                  <a:tcPr anchor="ctr">
+                    <a:lnL w="12700" cap="flat" cmpd="sng" algn="ctr">
+                      <a:solidFill>
+                        <a:schemeClr val="accent4"/>
+                      </a:solidFill>
+                      <a:prstDash val="solid"/>
+                      <a:round/>
+                      <a:headEnd type="none" w="med" len="med"/>
+                      <a:tailEnd type="none" w="med" len="med"/>
+                    </a:lnL>
+                  </a:tcPr>
+                </a:tc>
+                <a:extLst>
+                  <a:ext uri="{0D108BD9-81ED-4DB2-BD59-A6C34878D82A}">
+                    <a16:rowId xmlns:a16="http://schemas.microsoft.com/office/drawing/2014/main" val="3313786660"/>
+                  </a:ext>
+                </a:extLst>
+              </a:tr>
+              <a:tr h="531220">
+                <a:tc>
+                  <a:txBody>
+                    <a:bodyPr/>
+                    <a:lstStyle/>
+                    <a:p>
+                      <a:pPr algn="l"/>
+                      <a:r>
+                        <a:rPr lang="de-DE" dirty="0"/>
+                        <a:t>Duplikate?</a:t>
+                      </a:r>
+                    </a:p>
+                  </a:txBody>
+                  <a:tcPr anchor="ctr">
+                    <a:lnR w="12700" cap="flat" cmpd="sng" algn="ctr">
+                      <a:solidFill>
+                        <a:schemeClr val="accent4"/>
+                      </a:solidFill>
+                      <a:prstDash val="solid"/>
+                      <a:round/>
+                      <a:headEnd type="none" w="med" len="med"/>
+                      <a:tailEnd type="none" w="med" len="med"/>
+                    </a:lnR>
+                  </a:tcPr>
+                </a:tc>
+                <a:tc>
+                  <a:txBody>
+                    <a:bodyPr/>
+                    <a:lstStyle/>
+                    <a:p>
+                      <a:pPr marL="0" marR="0" lvl="0" indent="0" algn="ctr" defTabSz="457200" rtl="0" eaLnBrk="1" fontAlgn="auto" latinLnBrk="0" hangingPunct="1">
+                        <a:lnSpc>
+                          <a:spcPct val="100000"/>
+                        </a:lnSpc>
+                        <a:spcBef>
+                          <a:spcPts val="0"/>
+                        </a:spcBef>
+                        <a:spcAft>
+                          <a:spcPts val="0"/>
+                        </a:spcAft>
+                        <a:buClrTx/>
+                        <a:buSzTx/>
+                        <a:buFontTx/>
+                        <a:buNone/>
+                        <a:tabLst/>
+                        <a:defRPr/>
+                      </a:pPr>
+                      <a:r>
+                        <a:rPr lang="de-DE" dirty="0"/>
+                        <a:t>✅</a:t>
+                      </a:r>
+                    </a:p>
+                  </a:txBody>
+                  <a:tcPr anchor="ctr">
+                    <a:lnL w="12700" cap="flat" cmpd="sng" algn="ctr">
+                      <a:solidFill>
+                        <a:schemeClr val="accent4"/>
+                      </a:solidFill>
+                      <a:prstDash val="solid"/>
+                      <a:round/>
+                      <a:headEnd type="none" w="med" len="med"/>
+                      <a:tailEnd type="none" w="med" len="med"/>
+                    </a:lnL>
+                    <a:lnR w="12700" cap="flat" cmpd="sng" algn="ctr">
+                      <a:solidFill>
+                        <a:schemeClr val="accent4"/>
+                      </a:solidFill>
+                      <a:prstDash val="solid"/>
+                      <a:round/>
+                      <a:headEnd type="none" w="med" len="med"/>
+                      <a:tailEnd type="none" w="med" len="med"/>
+                    </a:lnR>
+                  </a:tcPr>
+                </a:tc>
+                <a:tc>
+                  <a:txBody>
+                    <a:bodyPr/>
+                    <a:lstStyle/>
+                    <a:p>
+                      <a:pPr marL="0" marR="0" lvl="0" indent="0" algn="ctr" defTabSz="457200" rtl="0" eaLnBrk="1" fontAlgn="auto" latinLnBrk="0" hangingPunct="1">
+                        <a:lnSpc>
+                          <a:spcPct val="100000"/>
+                        </a:lnSpc>
+                        <a:spcBef>
+                          <a:spcPts val="0"/>
+                        </a:spcBef>
+                        <a:spcAft>
+                          <a:spcPts val="0"/>
+                        </a:spcAft>
+                        <a:buClrTx/>
+                        <a:buSzTx/>
+                        <a:buFontTx/>
+                        <a:buNone/>
+                        <a:tabLst/>
+                        <a:defRPr/>
+                      </a:pPr>
+                      <a:r>
+                        <a:rPr lang="de-DE" dirty="0"/>
+                        <a:t>✅</a:t>
+                      </a:r>
+                    </a:p>
+                  </a:txBody>
+                  <a:tcPr anchor="ctr">
+                    <a:lnL w="12700" cap="flat" cmpd="sng" algn="ctr">
+                      <a:solidFill>
+                        <a:schemeClr val="accent4"/>
+                      </a:solidFill>
+                      <a:prstDash val="solid"/>
+                      <a:round/>
+                      <a:headEnd type="none" w="med" len="med"/>
+                      <a:tailEnd type="none" w="med" len="med"/>
+                    </a:lnL>
+                    <a:lnR w="12700" cap="flat" cmpd="sng" algn="ctr">
+                      <a:solidFill>
+                        <a:schemeClr val="accent4"/>
+                      </a:solidFill>
+                      <a:prstDash val="solid"/>
+                      <a:round/>
+                      <a:headEnd type="none" w="med" len="med"/>
+                      <a:tailEnd type="none" w="med" len="med"/>
+                    </a:lnR>
+                  </a:tcPr>
+                </a:tc>
+                <a:tc>
+                  <a:txBody>
+                    <a:bodyPr/>
+                    <a:lstStyle/>
+                    <a:p>
+                      <a:pPr algn="ctr"/>
+                      <a:r>
+                        <a:rPr lang="de-DE" dirty="0"/>
+                        <a:t>❌</a:t>
+                      </a:r>
+                    </a:p>
+                  </a:txBody>
+                  <a:tcPr anchor="ctr">
+                    <a:lnL w="12700" cap="flat" cmpd="sng" algn="ctr">
+                      <a:solidFill>
+                        <a:schemeClr val="accent4"/>
+                      </a:solidFill>
+                      <a:prstDash val="solid"/>
+                      <a:round/>
+                      <a:headEnd type="none" w="med" len="med"/>
+                      <a:tailEnd type="none" w="med" len="med"/>
+                    </a:lnL>
+                    <a:lnR w="12700" cap="flat" cmpd="sng" algn="ctr">
+                      <a:solidFill>
+                        <a:schemeClr val="accent4"/>
+                      </a:solidFill>
+                      <a:prstDash val="solid"/>
+                      <a:round/>
+                      <a:headEnd type="none" w="med" len="med"/>
+                      <a:tailEnd type="none" w="med" len="med"/>
+                    </a:lnR>
+                  </a:tcPr>
+                </a:tc>
+                <a:tc>
+                  <a:txBody>
+                    <a:bodyPr/>
+                    <a:lstStyle/>
+                    <a:p>
+                      <a:pPr marL="0" marR="0" lvl="0" indent="0" algn="ctr" defTabSz="457200" rtl="0" eaLnBrk="1" fontAlgn="auto" latinLnBrk="0" hangingPunct="1">
+                        <a:lnSpc>
+                          <a:spcPct val="100000"/>
+                        </a:lnSpc>
+                        <a:spcBef>
+                          <a:spcPts val="0"/>
+                        </a:spcBef>
+                        <a:spcAft>
+                          <a:spcPts val="0"/>
+                        </a:spcAft>
+                        <a:buClrTx/>
+                        <a:buSzTx/>
+                        <a:buFontTx/>
+                        <a:buNone/>
+                        <a:tabLst/>
+                        <a:defRPr/>
+                      </a:pPr>
+                      <a:endParaRPr lang="de-DE" dirty="0"/>
+                    </a:p>
+                  </a:txBody>
+                  <a:tcPr anchor="ctr">
+                    <a:lnL w="12700" cap="flat" cmpd="sng" algn="ctr">
+                      <a:solidFill>
+                        <a:schemeClr val="accent4"/>
+                      </a:solidFill>
+                      <a:prstDash val="solid"/>
+                      <a:round/>
+                      <a:headEnd type="none" w="med" len="med"/>
+                      <a:tailEnd type="none" w="med" len="med"/>
+                    </a:lnL>
+                  </a:tcPr>
+                </a:tc>
+                <a:extLst>
+                  <a:ext uri="{0D108BD9-81ED-4DB2-BD59-A6C34878D82A}">
+                    <a16:rowId xmlns:a16="http://schemas.microsoft.com/office/drawing/2014/main" val="2151897338"/>
+                  </a:ext>
+                </a:extLst>
+              </a:tr>
+              <a:tr h="916902">
+                <a:tc>
+                  <a:txBody>
+                    <a:bodyPr/>
+                    <a:lstStyle/>
+                    <a:p>
+                      <a:pPr algn="l"/>
+                      <a:r>
+                        <a:rPr lang="de-DE" dirty="0"/>
+                        <a:t>Geordnet?</a:t>
+                      </a:r>
+                    </a:p>
+                  </a:txBody>
+                  <a:tcPr anchor="ctr">
+                    <a:lnR w="12700" cap="flat" cmpd="sng" algn="ctr">
+                      <a:solidFill>
+                        <a:schemeClr val="accent4"/>
+                      </a:solidFill>
+                      <a:prstDash val="solid"/>
+                      <a:round/>
+                      <a:headEnd type="none" w="med" len="med"/>
+                      <a:tailEnd type="none" w="med" len="med"/>
+                    </a:lnR>
+                  </a:tcPr>
+                </a:tc>
+                <a:tc>
+                  <a:txBody>
+                    <a:bodyPr/>
+                    <a:lstStyle/>
+                    <a:p>
+                      <a:pPr marL="0" marR="0" lvl="0" indent="0" algn="ctr" defTabSz="457200" rtl="0" eaLnBrk="1" fontAlgn="auto" latinLnBrk="0" hangingPunct="1">
+                        <a:lnSpc>
+                          <a:spcPct val="100000"/>
+                        </a:lnSpc>
+                        <a:spcBef>
+                          <a:spcPts val="0"/>
+                        </a:spcBef>
+                        <a:spcAft>
+                          <a:spcPts val="0"/>
+                        </a:spcAft>
+                        <a:buClrTx/>
+                        <a:buSzTx/>
+                        <a:buFontTx/>
+                        <a:buNone/>
+                        <a:tabLst/>
+                        <a:defRPr/>
+                      </a:pPr>
+                      <a:r>
+                        <a:rPr lang="de-DE" dirty="0"/>
+                        <a:t>✅</a:t>
+                      </a:r>
+                    </a:p>
+                  </a:txBody>
+                  <a:tcPr anchor="ctr">
+                    <a:lnL w="12700" cap="flat" cmpd="sng" algn="ctr">
+                      <a:solidFill>
+                        <a:schemeClr val="accent4"/>
+                      </a:solidFill>
+                      <a:prstDash val="solid"/>
+                      <a:round/>
+                      <a:headEnd type="none" w="med" len="med"/>
+                      <a:tailEnd type="none" w="med" len="med"/>
+                    </a:lnL>
+                    <a:lnR w="12700" cap="flat" cmpd="sng" algn="ctr">
+                      <a:solidFill>
+                        <a:schemeClr val="accent4"/>
+                      </a:solidFill>
+                      <a:prstDash val="solid"/>
+                      <a:round/>
+                      <a:headEnd type="none" w="med" len="med"/>
+                      <a:tailEnd type="none" w="med" len="med"/>
+                    </a:lnR>
+                  </a:tcPr>
+                </a:tc>
+                <a:tc>
+                  <a:txBody>
+                    <a:bodyPr/>
+                    <a:lstStyle/>
+                    <a:p>
+                      <a:pPr marL="0" marR="0" lvl="0" indent="0" algn="ctr" defTabSz="457200" rtl="0" eaLnBrk="1" fontAlgn="auto" latinLnBrk="0" hangingPunct="1">
+                        <a:lnSpc>
+                          <a:spcPct val="100000"/>
+                        </a:lnSpc>
+                        <a:spcBef>
+                          <a:spcPts val="0"/>
+                        </a:spcBef>
+                        <a:spcAft>
+                          <a:spcPts val="0"/>
+                        </a:spcAft>
+                        <a:buClrTx/>
+                        <a:buSzTx/>
+                        <a:buFontTx/>
+                        <a:buNone/>
+                        <a:tabLst/>
+                        <a:defRPr/>
+                      </a:pPr>
+                      <a:r>
+                        <a:rPr lang="de-DE" dirty="0"/>
+                        <a:t>✅</a:t>
+                      </a:r>
+                    </a:p>
+                  </a:txBody>
+                  <a:tcPr anchor="ctr">
+                    <a:lnL w="12700" cap="flat" cmpd="sng" algn="ctr">
+                      <a:solidFill>
+                        <a:schemeClr val="accent4"/>
+                      </a:solidFill>
+                      <a:prstDash val="solid"/>
+                      <a:round/>
+                      <a:headEnd type="none" w="med" len="med"/>
+                      <a:tailEnd type="none" w="med" len="med"/>
+                    </a:lnL>
+                    <a:lnR w="12700" cap="flat" cmpd="sng" algn="ctr">
+                      <a:solidFill>
+                        <a:schemeClr val="accent4"/>
+                      </a:solidFill>
+                      <a:prstDash val="solid"/>
+                      <a:round/>
+                      <a:headEnd type="none" w="med" len="med"/>
+                      <a:tailEnd type="none" w="med" len="med"/>
+                    </a:lnR>
+                  </a:tcPr>
+                </a:tc>
+                <a:tc>
+                  <a:txBody>
+                    <a:bodyPr/>
+                    <a:lstStyle/>
+                    <a:p>
+                      <a:pPr algn="ctr"/>
+                      <a:r>
+                        <a:rPr lang="de-DE" dirty="0"/>
+                        <a:t>❌</a:t>
+                      </a:r>
+                    </a:p>
+                  </a:txBody>
+                  <a:tcPr anchor="ctr">
+                    <a:lnL w="12700" cap="flat" cmpd="sng" algn="ctr">
+                      <a:solidFill>
+                        <a:schemeClr val="accent4"/>
+                      </a:solidFill>
+                      <a:prstDash val="solid"/>
+                      <a:round/>
+                      <a:headEnd type="none" w="med" len="med"/>
+                      <a:tailEnd type="none" w="med" len="med"/>
+                    </a:lnL>
+                    <a:lnR w="12700" cap="flat" cmpd="sng" algn="ctr">
+                      <a:solidFill>
+                        <a:schemeClr val="accent4"/>
+                      </a:solidFill>
+                      <a:prstDash val="solid"/>
+                      <a:round/>
+                      <a:headEnd type="none" w="med" len="med"/>
+                      <a:tailEnd type="none" w="med" len="med"/>
+                    </a:lnR>
+                  </a:tcPr>
+                </a:tc>
+                <a:tc>
+                  <a:txBody>
+                    <a:bodyPr/>
+                    <a:lstStyle/>
+                    <a:p>
+                      <a:pPr marL="0" marR="0" lvl="0" indent="0" algn="ctr" defTabSz="457200" rtl="0" eaLnBrk="1" fontAlgn="auto" latinLnBrk="0" hangingPunct="1">
+                        <a:lnSpc>
+                          <a:spcPct val="100000"/>
+                        </a:lnSpc>
+                        <a:spcBef>
+                          <a:spcPts val="0"/>
+                        </a:spcBef>
+                        <a:spcAft>
+                          <a:spcPts val="0"/>
+                        </a:spcAft>
+                        <a:buClrTx/>
+                        <a:buSzTx/>
+                        <a:buFontTx/>
+                        <a:buNone/>
+                        <a:tabLst/>
+                        <a:defRPr/>
+                      </a:pPr>
+                      <a:endParaRPr lang="de-DE" dirty="0"/>
+                    </a:p>
+                  </a:txBody>
+                  <a:tcPr anchor="ctr">
+                    <a:lnL w="12700" cap="flat" cmpd="sng" algn="ctr">
+                      <a:solidFill>
+                        <a:schemeClr val="accent4"/>
+                      </a:solidFill>
+                      <a:prstDash val="solid"/>
+                      <a:round/>
+                      <a:headEnd type="none" w="med" len="med"/>
+                      <a:tailEnd type="none" w="med" len="med"/>
+                    </a:lnL>
+                  </a:tcPr>
+                </a:tc>
+                <a:extLst>
+                  <a:ext uri="{0D108BD9-81ED-4DB2-BD59-A6C34878D82A}">
+                    <a16:rowId xmlns:a16="http://schemas.microsoft.com/office/drawing/2014/main" val="555583047"/>
+                  </a:ext>
+                </a:extLst>
+              </a:tr>
+              <a:tr h="531220">
+                <a:tc>
+                  <a:txBody>
+                    <a:bodyPr/>
+                    <a:lstStyle/>
+                    <a:p>
+                      <a:pPr algn="l"/>
+                      <a:r>
+                        <a:rPr lang="de-DE" dirty="0"/>
+                        <a:t>Keys?</a:t>
+                      </a:r>
+                    </a:p>
+                  </a:txBody>
+                  <a:tcPr anchor="ctr">
+                    <a:lnR w="12700" cap="flat" cmpd="sng" algn="ctr">
+                      <a:solidFill>
+                        <a:schemeClr val="accent4"/>
+                      </a:solidFill>
+                      <a:prstDash val="solid"/>
+                      <a:round/>
+                      <a:headEnd type="none" w="med" len="med"/>
+                      <a:tailEnd type="none" w="med" len="med"/>
+                    </a:lnR>
+                  </a:tcPr>
+                </a:tc>
+                <a:tc>
+                  <a:txBody>
+                    <a:bodyPr/>
+                    <a:lstStyle/>
+                    <a:p>
+                      <a:pPr algn="ctr"/>
+                      <a:r>
+                        <a:rPr lang="de-DE" dirty="0"/>
+                        <a:t>❌</a:t>
+                      </a:r>
+                    </a:p>
+                  </a:txBody>
+                  <a:tcPr anchor="ctr">
+                    <a:lnL w="12700" cap="flat" cmpd="sng" algn="ctr">
+                      <a:solidFill>
+                        <a:schemeClr val="accent4"/>
+                      </a:solidFill>
+                      <a:prstDash val="solid"/>
+                      <a:round/>
+                      <a:headEnd type="none" w="med" len="med"/>
+                      <a:tailEnd type="none" w="med" len="med"/>
+                    </a:lnL>
+                    <a:lnR w="12700" cap="flat" cmpd="sng" algn="ctr">
+                      <a:solidFill>
+                        <a:schemeClr val="accent4"/>
+                      </a:solidFill>
+                      <a:prstDash val="solid"/>
+                      <a:round/>
+                      <a:headEnd type="none" w="med" len="med"/>
+                      <a:tailEnd type="none" w="med" len="med"/>
+                    </a:lnR>
+                  </a:tcPr>
+                </a:tc>
+                <a:tc>
+                  <a:txBody>
+                    <a:bodyPr/>
+                    <a:lstStyle/>
+                    <a:p>
+                      <a:pPr algn="ctr"/>
+                      <a:r>
+                        <a:rPr lang="de-DE" dirty="0"/>
+                        <a:t>❌</a:t>
+                      </a:r>
+                    </a:p>
+                  </a:txBody>
+                  <a:tcPr anchor="ctr">
+                    <a:lnL w="12700" cap="flat" cmpd="sng" algn="ctr">
+                      <a:solidFill>
+                        <a:schemeClr val="accent4"/>
+                      </a:solidFill>
+                      <a:prstDash val="solid"/>
+                      <a:round/>
+                      <a:headEnd type="none" w="med" len="med"/>
+                      <a:tailEnd type="none" w="med" len="med"/>
+                    </a:lnL>
+                    <a:lnR w="12700" cap="flat" cmpd="sng" algn="ctr">
+                      <a:solidFill>
+                        <a:schemeClr val="accent4"/>
+                      </a:solidFill>
+                      <a:prstDash val="solid"/>
+                      <a:round/>
+                      <a:headEnd type="none" w="med" len="med"/>
+                      <a:tailEnd type="none" w="med" len="med"/>
+                    </a:lnR>
+                  </a:tcPr>
+                </a:tc>
+                <a:tc>
+                  <a:txBody>
+                    <a:bodyPr/>
+                    <a:lstStyle/>
+                    <a:p>
+                      <a:pPr algn="ctr"/>
+                      <a:r>
+                        <a:rPr lang="de-DE" dirty="0"/>
+                        <a:t>❌</a:t>
+                      </a:r>
+                    </a:p>
+                  </a:txBody>
+                  <a:tcPr anchor="ctr">
+                    <a:lnL w="12700" cap="flat" cmpd="sng" algn="ctr">
+                      <a:solidFill>
+                        <a:schemeClr val="accent4"/>
+                      </a:solidFill>
+                      <a:prstDash val="solid"/>
+                      <a:round/>
+                      <a:headEnd type="none" w="med" len="med"/>
+                      <a:tailEnd type="none" w="med" len="med"/>
+                    </a:lnL>
+                    <a:lnR w="12700" cap="flat" cmpd="sng" algn="ctr">
+                      <a:solidFill>
+                        <a:schemeClr val="accent4"/>
+                      </a:solidFill>
+                      <a:prstDash val="solid"/>
+                      <a:round/>
+                      <a:headEnd type="none" w="med" len="med"/>
+                      <a:tailEnd type="none" w="med" len="med"/>
+                    </a:lnR>
+                  </a:tcPr>
+                </a:tc>
+                <a:tc>
+                  <a:txBody>
+                    <a:bodyPr/>
+                    <a:lstStyle/>
+                    <a:p>
+                      <a:pPr marL="0" marR="0" lvl="0" indent="0" algn="ctr" defTabSz="457200" rtl="0" eaLnBrk="1" fontAlgn="auto" latinLnBrk="0" hangingPunct="1">
+                        <a:lnSpc>
+                          <a:spcPct val="100000"/>
+                        </a:lnSpc>
+                        <a:spcBef>
+                          <a:spcPts val="0"/>
+                        </a:spcBef>
+                        <a:spcAft>
+                          <a:spcPts val="0"/>
+                        </a:spcAft>
+                        <a:buClrTx/>
+                        <a:buSzTx/>
+                        <a:buFontTx/>
+                        <a:buNone/>
+                        <a:tabLst/>
+                        <a:defRPr/>
+                      </a:pPr>
+                      <a:endParaRPr lang="de-DE" dirty="0"/>
+                    </a:p>
+                  </a:txBody>
+                  <a:tcPr anchor="ctr">
+                    <a:lnL w="12700" cap="flat" cmpd="sng" algn="ctr">
+                      <a:solidFill>
+                        <a:schemeClr val="accent4"/>
+                      </a:solidFill>
+                      <a:prstDash val="solid"/>
+                      <a:round/>
+                      <a:headEnd type="none" w="med" len="med"/>
+                      <a:tailEnd type="none" w="med" len="med"/>
+                    </a:lnL>
+                  </a:tcPr>
+                </a:tc>
+                <a:extLst>
+                  <a:ext uri="{0D108BD9-81ED-4DB2-BD59-A6C34878D82A}">
+                    <a16:rowId xmlns:a16="http://schemas.microsoft.com/office/drawing/2014/main" val="3836793035"/>
+                  </a:ext>
+                </a:extLst>
+              </a:tr>
+              <a:tr h="531220">
+                <a:tc>
+                  <a:txBody>
+                    <a:bodyPr/>
+                    <a:lstStyle/>
+                    <a:p>
+                      <a:pPr algn="l"/>
+                      <a:endParaRPr lang="de-DE" dirty="0"/>
+                    </a:p>
+                  </a:txBody>
+                  <a:tcPr anchor="ctr">
+                    <a:lnR w="12700" cap="flat" cmpd="sng" algn="ctr">
+                      <a:solidFill>
+                        <a:schemeClr val="accent4"/>
+                      </a:solidFill>
+                      <a:prstDash val="solid"/>
+                      <a:round/>
+                      <a:headEnd type="none" w="med" len="med"/>
+                      <a:tailEnd type="none" w="med" len="med"/>
+                    </a:lnR>
+                  </a:tcPr>
+                </a:tc>
+                <a:tc>
+                  <a:txBody>
+                    <a:bodyPr/>
+                    <a:lstStyle/>
+                    <a:p>
+                      <a:pPr algn="ctr"/>
+                      <a:r>
+                        <a:rPr lang="de-DE" dirty="0" err="1"/>
+                        <a:t>list</a:t>
+                      </a:r>
+                      <a:r>
+                        <a:rPr lang="de-DE" dirty="0"/>
+                        <a:t> = [ ]</a:t>
+                      </a:r>
+                    </a:p>
+                  </a:txBody>
+                  <a:tcPr anchor="ctr">
+                    <a:lnL w="12700" cap="flat" cmpd="sng" algn="ctr">
+                      <a:solidFill>
+                        <a:schemeClr val="accent4"/>
+                      </a:solidFill>
+                      <a:prstDash val="solid"/>
+                      <a:round/>
+                      <a:headEnd type="none" w="med" len="med"/>
+                      <a:tailEnd type="none" w="med" len="med"/>
+                    </a:lnL>
+                    <a:lnR w="12700" cap="flat" cmpd="sng" algn="ctr">
+                      <a:solidFill>
+                        <a:schemeClr val="accent4"/>
+                      </a:solidFill>
+                      <a:prstDash val="solid"/>
+                      <a:round/>
+                      <a:headEnd type="none" w="med" len="med"/>
+                      <a:tailEnd type="none" w="med" len="med"/>
+                    </a:lnR>
+                  </a:tcPr>
+                </a:tc>
+                <a:tc>
+                  <a:txBody>
+                    <a:bodyPr/>
+                    <a:lstStyle/>
+                    <a:p>
+                      <a:pPr algn="ctr"/>
+                      <a:r>
+                        <a:rPr lang="de-DE" dirty="0" err="1"/>
+                        <a:t>tuple</a:t>
+                      </a:r>
+                      <a:r>
+                        <a:rPr lang="de-DE" dirty="0"/>
+                        <a:t> = ( )</a:t>
+                      </a:r>
+                    </a:p>
+                  </a:txBody>
+                  <a:tcPr anchor="ctr">
+                    <a:lnL w="12700" cap="flat" cmpd="sng" algn="ctr">
+                      <a:solidFill>
+                        <a:schemeClr val="accent4"/>
+                      </a:solidFill>
+                      <a:prstDash val="solid"/>
+                      <a:round/>
+                      <a:headEnd type="none" w="med" len="med"/>
+                      <a:tailEnd type="none" w="med" len="med"/>
+                    </a:lnL>
+                    <a:lnR w="12700" cap="flat" cmpd="sng" algn="ctr">
+                      <a:solidFill>
+                        <a:schemeClr val="accent4"/>
+                      </a:solidFill>
+                      <a:prstDash val="solid"/>
+                      <a:round/>
+                      <a:headEnd type="none" w="med" len="med"/>
+                      <a:tailEnd type="none" w="med" len="med"/>
+                    </a:lnR>
+                  </a:tcPr>
+                </a:tc>
+                <a:tc>
+                  <a:txBody>
+                    <a:bodyPr/>
+                    <a:lstStyle/>
+                    <a:p>
+                      <a:pPr algn="ctr"/>
+                      <a:r>
+                        <a:rPr lang="de-DE" dirty="0" err="1"/>
+                        <a:t>set</a:t>
+                      </a:r>
+                      <a:r>
+                        <a:rPr lang="de-DE" dirty="0"/>
+                        <a:t> = { }</a:t>
+                      </a:r>
+                    </a:p>
+                  </a:txBody>
+                  <a:tcPr anchor="ctr">
+                    <a:lnL w="12700" cap="flat" cmpd="sng" algn="ctr">
+                      <a:solidFill>
+                        <a:schemeClr val="accent4"/>
+                      </a:solidFill>
+                      <a:prstDash val="solid"/>
+                      <a:round/>
+                      <a:headEnd type="none" w="med" len="med"/>
+                      <a:tailEnd type="none" w="med" len="med"/>
+                    </a:lnL>
+                    <a:lnR w="12700" cap="flat" cmpd="sng" algn="ctr">
+                      <a:solidFill>
+                        <a:schemeClr val="accent4"/>
+                      </a:solidFill>
+                      <a:prstDash val="solid"/>
+                      <a:round/>
+                      <a:headEnd type="none" w="med" len="med"/>
+                      <a:tailEnd type="none" w="med" len="med"/>
+                    </a:lnR>
+                  </a:tcPr>
+                </a:tc>
+                <a:tc>
+                  <a:txBody>
+                    <a:bodyPr/>
+                    <a:lstStyle/>
+                    <a:p>
+                      <a:pPr algn="ctr"/>
+                      <a:endParaRPr lang="de-DE" dirty="0"/>
+                    </a:p>
+                  </a:txBody>
+                  <a:tcPr anchor="ctr">
+                    <a:lnL w="12700" cap="flat" cmpd="sng" algn="ctr">
+                      <a:solidFill>
+                        <a:schemeClr val="accent4"/>
+                      </a:solidFill>
+                      <a:prstDash val="solid"/>
+                      <a:round/>
+                      <a:headEnd type="none" w="med" len="med"/>
+                      <a:tailEnd type="none" w="med" len="med"/>
+                    </a:lnL>
+                  </a:tcPr>
+                </a:tc>
+                <a:extLst>
+                  <a:ext uri="{0D108BD9-81ED-4DB2-BD59-A6C34878D82A}">
+                    <a16:rowId xmlns:a16="http://schemas.microsoft.com/office/drawing/2014/main" val="2815062303"/>
+                  </a:ext>
+                </a:extLst>
+              </a:tr>
+            </a:tbl>
+          </a:graphicData>
+        </a:graphic>
+      </p:graphicFrame>
+      <p:sp>
+        <p:nvSpPr>
+          <p:cNvPr id="3" name="Textfeld 2">
+            <a:extLst>
+              <a:ext uri="{FF2B5EF4-FFF2-40B4-BE49-F238E27FC236}">
+                <a16:creationId xmlns:a16="http://schemas.microsoft.com/office/drawing/2014/main" id="{B3BED04A-FFC8-3256-E1F6-604F2E4091EB}"/>
+              </a:ext>
+            </a:extLst>
+          </p:cNvPr>
+          <p:cNvSpPr txBox="1"/>
+          <p:nvPr/>
+        </p:nvSpPr>
+        <p:spPr>
+          <a:xfrm>
+            <a:off x="2867892" y="3025269"/>
+            <a:ext cx="8514106" cy="3168000"/>
+          </a:xfrm>
+          <a:prstGeom prst="rect">
+            <a:avLst/>
+          </a:prstGeom>
+          <a:solidFill>
+            <a:schemeClr val="bg2"/>
+          </a:solidFill>
+        </p:spPr>
+        <p:txBody>
+          <a:bodyPr wrap="square" numCol="2" rtlCol="0">
+            <a:spAutoFit/>
+          </a:bodyPr>
+          <a:lstStyle/>
+          <a:p>
+            <a:pPr lvl="3"/>
+            <a:endParaRPr lang="de-DE" dirty="0"/>
+          </a:p>
+          <a:p>
+            <a:r>
+              <a:rPr lang="de-DE" dirty="0">
+                <a:solidFill>
+                  <a:schemeClr val="accent1"/>
+                </a:solidFill>
+              </a:rPr>
+              <a:t>  </a:t>
+            </a:r>
+          </a:p>
+          <a:p>
+            <a:r>
+              <a:rPr lang="de-DE" dirty="0">
+                <a:solidFill>
+                  <a:schemeClr val="accent1"/>
+                </a:solidFill>
+              </a:rPr>
+              <a:t>  </a:t>
+            </a:r>
+            <a:r>
+              <a:rPr lang="de-DE" dirty="0" err="1">
+                <a:solidFill>
+                  <a:schemeClr val="accent1"/>
+                </a:solidFill>
+              </a:rPr>
+              <a:t>add</a:t>
+            </a:r>
+            <a:r>
+              <a:rPr lang="de-DE" dirty="0">
+                <a:solidFill>
+                  <a:schemeClr val="accent1"/>
+                </a:solidFill>
+              </a:rPr>
+              <a:t>( </a:t>
+            </a:r>
+            <a:r>
+              <a:rPr lang="de-DE" dirty="0" err="1">
+                <a:solidFill>
+                  <a:schemeClr val="bg1">
+                    <a:lumMod val="50000"/>
+                    <a:lumOff val="50000"/>
+                  </a:schemeClr>
+                </a:solidFill>
+              </a:rPr>
+              <a:t>element</a:t>
+            </a:r>
+            <a:r>
+              <a:rPr lang="de-DE" dirty="0">
+                <a:solidFill>
+                  <a:schemeClr val="accent1"/>
+                </a:solidFill>
+              </a:rPr>
+              <a:t> )</a:t>
+            </a:r>
+          </a:p>
+          <a:p>
+            <a:endParaRPr lang="de-DE" dirty="0">
+              <a:solidFill>
+                <a:schemeClr val="accent1"/>
+              </a:solidFill>
+            </a:endParaRPr>
+          </a:p>
+          <a:p>
+            <a:r>
+              <a:rPr lang="de-DE" dirty="0">
+                <a:solidFill>
+                  <a:schemeClr val="accent1"/>
+                </a:solidFill>
+              </a:rPr>
+              <a:t>  </a:t>
+            </a:r>
+            <a:r>
+              <a:rPr lang="de-DE" dirty="0" err="1">
+                <a:solidFill>
+                  <a:schemeClr val="accent1"/>
+                </a:solidFill>
+              </a:rPr>
+              <a:t>remove</a:t>
+            </a:r>
+            <a:r>
+              <a:rPr lang="de-DE" dirty="0">
+                <a:solidFill>
+                  <a:schemeClr val="accent1"/>
+                </a:solidFill>
+              </a:rPr>
+              <a:t>(</a:t>
+            </a:r>
+            <a:r>
+              <a:rPr lang="de-DE" dirty="0" err="1">
+                <a:solidFill>
+                  <a:schemeClr val="bg1">
+                    <a:lumMod val="50000"/>
+                    <a:lumOff val="50000"/>
+                  </a:schemeClr>
+                </a:solidFill>
+              </a:rPr>
+              <a:t>element</a:t>
+            </a:r>
+            <a:r>
+              <a:rPr lang="de-DE" dirty="0">
+                <a:solidFill>
+                  <a:schemeClr val="accent1"/>
+                </a:solidFill>
+              </a:rPr>
+              <a:t>)</a:t>
+            </a:r>
+          </a:p>
+          <a:p>
+            <a:r>
+              <a:rPr lang="de-DE" dirty="0">
+                <a:solidFill>
+                  <a:schemeClr val="accent1"/>
+                </a:solidFill>
+              </a:rPr>
+              <a:t>  </a:t>
+            </a:r>
+          </a:p>
+          <a:p>
+            <a:r>
+              <a:rPr lang="de-DE" dirty="0">
+                <a:solidFill>
+                  <a:schemeClr val="accent1"/>
+                </a:solidFill>
+              </a:rPr>
+              <a:t>  </a:t>
+            </a:r>
+            <a:r>
+              <a:rPr lang="de-DE" dirty="0" err="1">
+                <a:solidFill>
+                  <a:schemeClr val="accent1"/>
+                </a:solidFill>
+              </a:rPr>
+              <a:t>discard</a:t>
+            </a:r>
+            <a:r>
+              <a:rPr lang="de-DE" dirty="0">
+                <a:solidFill>
+                  <a:schemeClr val="accent1"/>
+                </a:solidFill>
+              </a:rPr>
+              <a:t>( </a:t>
+            </a:r>
+            <a:r>
+              <a:rPr lang="de-DE" dirty="0" err="1">
+                <a:solidFill>
+                  <a:schemeClr val="bg1">
+                    <a:lumMod val="50000"/>
+                    <a:lumOff val="50000"/>
+                  </a:schemeClr>
+                </a:solidFill>
+              </a:rPr>
+              <a:t>element</a:t>
+            </a:r>
+            <a:r>
+              <a:rPr lang="de-DE" dirty="0">
+                <a:solidFill>
+                  <a:schemeClr val="accent1"/>
+                </a:solidFill>
+              </a:rPr>
+              <a:t> )</a:t>
+            </a:r>
+          </a:p>
+          <a:p>
+            <a:r>
+              <a:rPr lang="de-DE" dirty="0">
+                <a:solidFill>
+                  <a:schemeClr val="accent1"/>
+                </a:solidFill>
+              </a:rPr>
+              <a:t> </a:t>
+            </a:r>
+          </a:p>
+          <a:p>
+            <a:r>
+              <a:rPr lang="de-DE" dirty="0">
+                <a:solidFill>
+                  <a:schemeClr val="accent1"/>
+                </a:solidFill>
+              </a:rPr>
+              <a:t>  </a:t>
+            </a:r>
+            <a:r>
+              <a:rPr lang="de-DE" dirty="0" err="1">
+                <a:solidFill>
+                  <a:schemeClr val="accent1"/>
+                </a:solidFill>
+              </a:rPr>
+              <a:t>pop</a:t>
+            </a:r>
+            <a:r>
+              <a:rPr lang="de-DE" dirty="0">
+                <a:solidFill>
+                  <a:schemeClr val="accent1"/>
+                </a:solidFill>
+              </a:rPr>
+              <a:t>( </a:t>
+            </a:r>
+            <a:r>
+              <a:rPr lang="de-DE" dirty="0" err="1">
+                <a:solidFill>
+                  <a:schemeClr val="bg1">
+                    <a:lumMod val="50000"/>
+                    <a:lumOff val="50000"/>
+                  </a:schemeClr>
+                </a:solidFill>
+              </a:rPr>
+              <a:t>index</a:t>
+            </a:r>
+            <a:r>
+              <a:rPr lang="de-DE" dirty="0">
+                <a:solidFill>
+                  <a:schemeClr val="accent1"/>
+                </a:solidFill>
+              </a:rPr>
+              <a:t> )</a:t>
+            </a:r>
+          </a:p>
+          <a:p>
+            <a:endParaRPr lang="de-DE" dirty="0"/>
+          </a:p>
+          <a:p>
+            <a:endParaRPr lang="de-DE" dirty="0">
+              <a:solidFill>
+                <a:schemeClr val="accent1"/>
+              </a:solidFill>
+            </a:endParaRPr>
+          </a:p>
+          <a:p>
+            <a:endParaRPr lang="de-DE" dirty="0">
+              <a:solidFill>
+                <a:schemeClr val="accent1"/>
+              </a:solidFill>
+            </a:endParaRPr>
+          </a:p>
+          <a:p>
+            <a:endParaRPr lang="de-DE" dirty="0">
+              <a:solidFill>
+                <a:schemeClr val="accent1"/>
+              </a:solidFill>
+            </a:endParaRPr>
+          </a:p>
+          <a:p>
+            <a:endParaRPr lang="de-DE" dirty="0">
+              <a:solidFill>
+                <a:schemeClr val="accent1"/>
+              </a:solidFill>
+            </a:endParaRPr>
+          </a:p>
+          <a:p>
+            <a:r>
+              <a:rPr lang="de-DE" dirty="0" err="1">
+                <a:solidFill>
+                  <a:schemeClr val="accent1"/>
+                </a:solidFill>
+              </a:rPr>
+              <a:t>diference</a:t>
+            </a:r>
+            <a:r>
+              <a:rPr lang="de-DE" dirty="0">
+                <a:solidFill>
+                  <a:schemeClr val="accent1"/>
+                </a:solidFill>
+              </a:rPr>
+              <a:t>( </a:t>
+            </a:r>
+            <a:r>
+              <a:rPr lang="de-DE" dirty="0" err="1">
+                <a:solidFill>
+                  <a:schemeClr val="bg1">
+                    <a:lumMod val="50000"/>
+                    <a:lumOff val="50000"/>
+                  </a:schemeClr>
+                </a:solidFill>
+              </a:rPr>
+              <a:t>set</a:t>
+            </a:r>
+            <a:r>
+              <a:rPr lang="de-DE" dirty="0">
+                <a:solidFill>
+                  <a:schemeClr val="accent1"/>
+                </a:solidFill>
+              </a:rPr>
+              <a:t> )</a:t>
+            </a:r>
+          </a:p>
+          <a:p>
+            <a:endParaRPr lang="de-DE" dirty="0">
+              <a:solidFill>
+                <a:schemeClr val="accent1"/>
+              </a:solidFill>
+            </a:endParaRPr>
+          </a:p>
+          <a:p>
+            <a:r>
+              <a:rPr lang="de-DE" dirty="0" err="1">
+                <a:solidFill>
+                  <a:schemeClr val="accent1"/>
+                </a:solidFill>
+              </a:rPr>
+              <a:t>clear</a:t>
+            </a:r>
+            <a:r>
+              <a:rPr lang="de-DE" dirty="0">
+                <a:solidFill>
+                  <a:schemeClr val="accent1"/>
+                </a:solidFill>
+              </a:rPr>
+              <a:t>()</a:t>
+            </a:r>
+          </a:p>
+          <a:p>
+            <a:endParaRPr lang="de-DE" dirty="0">
+              <a:solidFill>
+                <a:schemeClr val="accent1"/>
+              </a:solidFill>
+            </a:endParaRPr>
+          </a:p>
+          <a:p>
+            <a:r>
+              <a:rPr lang="de-DE" dirty="0">
+                <a:solidFill>
+                  <a:schemeClr val="accent1"/>
+                </a:solidFill>
+              </a:rPr>
+              <a:t>update( </a:t>
+            </a:r>
+            <a:r>
+              <a:rPr lang="de-DE" dirty="0" err="1">
+                <a:solidFill>
+                  <a:schemeClr val="bg1">
+                    <a:lumMod val="50000"/>
+                    <a:lumOff val="50000"/>
+                  </a:schemeClr>
+                </a:solidFill>
+              </a:rPr>
+              <a:t>set</a:t>
+            </a:r>
+            <a:r>
+              <a:rPr lang="de-DE" dirty="0">
+                <a:solidFill>
+                  <a:schemeClr val="accent1"/>
+                </a:solidFill>
+              </a:rPr>
+              <a:t> )</a:t>
+            </a:r>
+          </a:p>
+          <a:p>
+            <a:endParaRPr lang="de-DE" dirty="0">
+              <a:solidFill>
+                <a:schemeClr val="accent1"/>
+              </a:solidFill>
+            </a:endParaRPr>
+          </a:p>
+          <a:p>
+            <a:endParaRPr lang="de-DE" dirty="0"/>
+          </a:p>
+        </p:txBody>
+      </p:sp>
+    </p:spTree>
+    <p:extLst>
+      <p:ext uri="{BB962C8B-B14F-4D97-AF65-F5344CB8AC3E}">
+        <p14:creationId xmlns:p14="http://schemas.microsoft.com/office/powerpoint/2010/main" val="2271711897"/>
+      </p:ext>
+    </p:extLst>
+  </p:cSld>
+  <p:clrMapOvr>
+    <a:masterClrMapping/>
+  </p:clrMapOvr>
+  <p:timing>
+    <p:tnLst>
+      <p:par>
+        <p:cTn id="1" dur="indefinite" restart="never" nodeType="tmRoot">
+          <p:childTnLst>
+            <p:seq concurrent="1" nextAc="seek">
+              <p:cTn id="2" dur="indefinite" nodeType="mainSeq">
+                <p:childTnLst>
+                  <p:par>
+                    <p:cTn id="3" fill="hold">
+                      <p:stCondLst>
+                        <p:cond delay="indefinite"/>
+                      </p:stCondLst>
+                      <p:childTnLst>
+                        <p:par>
+                          <p:cTn id="4" fill="hold">
+                            <p:stCondLst>
+                              <p:cond delay="0"/>
+                            </p:stCondLst>
+                            <p:childTnLst>
+                              <p:par>
+                                <p:cTn id="5" presetID="1" presetClass="entr" presetSubtype="0" fill="hold" grpId="0" nodeType="clickEffect">
+                                  <p:stCondLst>
+                                    <p:cond delay="0"/>
+                                  </p:stCondLst>
+                                  <p:childTnLst>
+                                    <p:set>
+                                      <p:cBhvr>
+                                        <p:cTn id="6" dur="1" fill="hold">
+                                          <p:stCondLst>
+                                            <p:cond delay="0"/>
+                                          </p:stCondLst>
+                                        </p:cTn>
+                                        <p:tgtEl>
+                                          <p:spTgt spid="3"/>
+                                        </p:tgtEl>
+                                        <p:attrNameLst>
+                                          <p:attrName>style.visibility</p:attrName>
+                                        </p:attrNameLst>
+                                      </p:cBhvr>
+                                      <p:to>
+                                        <p:strVal val="visible"/>
+                                      </p:to>
+                                    </p:set>
+                                  </p:childTnLst>
+                                </p:cTn>
+                              </p:par>
+                            </p:childTnLst>
+                          </p:cTn>
+                        </p:par>
+                      </p:childTnLst>
+                    </p:cTn>
+                  </p:par>
+                  <p:par>
+                    <p:cTn id="7" fill="hold">
+                      <p:stCondLst>
+                        <p:cond delay="indefinite"/>
+                      </p:stCondLst>
+                      <p:childTnLst>
+                        <p:par>
+                          <p:cTn id="8" fill="hold">
+                            <p:stCondLst>
+                              <p:cond delay="0"/>
+                            </p:stCondLst>
+                            <p:childTnLst>
+                              <p:par>
+                                <p:cTn id="9" presetID="1" presetClass="exit" presetSubtype="0" fill="hold" grpId="1" nodeType="clickEffect">
+                                  <p:stCondLst>
+                                    <p:cond delay="0"/>
+                                  </p:stCondLst>
+                                  <p:childTnLst>
+                                    <p:set>
+                                      <p:cBhvr>
+                                        <p:cTn id="10" dur="1" fill="hold">
+                                          <p:stCondLst>
+                                            <p:cond delay="0"/>
+                                          </p:stCondLst>
+                                        </p:cTn>
+                                        <p:tgtEl>
+                                          <p:spTgt spid="3"/>
+                                        </p:tgtEl>
+                                        <p:attrNameLst>
+                                          <p:attrName>style.visibility</p:attrName>
+                                        </p:attrNameLst>
+                                      </p:cBhvr>
+                                      <p:to>
+                                        <p:strVal val="hidden"/>
+                                      </p:to>
+                                    </p:set>
+                                  </p:childTnLst>
+                                </p:cTn>
+                              </p:par>
+                            </p:childTnLst>
+                          </p:cTn>
+                        </p:par>
+                      </p:childTnLst>
+                    </p:cTn>
+                  </p:par>
+                </p:childTnLst>
+              </p:cTn>
+              <p:prevCondLst>
+                <p:cond evt="onPrev" delay="0">
+                  <p:tgtEl>
+                    <p:sldTgt/>
+                  </p:tgtEl>
+                </p:cond>
+              </p:prevCondLst>
+              <p:nextCondLst>
+                <p:cond evt="onNext" delay="0">
+                  <p:tgtEl>
+                    <p:sldTgt/>
+                  </p:tgtEl>
+                </p:cond>
+              </p:nextCondLst>
+            </p:seq>
+          </p:childTnLst>
+        </p:cTn>
+      </p:par>
+    </p:tnLst>
+    <p:bldLst>
+      <p:bldP spid="3" grpId="0" animBg="1"/>
+      <p:bldP spid="3" grpId="1" animBg="1"/>
+    </p:bldLst>
+  </p:timing>
+</p:sld>
+</file>
+
+<file path=ppt/slides/slide18.xml><?xml version="1.0" encoding="utf-8"?>
+<p:sld xmlns:a="http://schemas.openxmlformats.org/drawingml/2006/main" xmlns:r="http://schemas.openxmlformats.org/officeDocument/2006/relationships" xmlns:p="http://schemas.openxmlformats.org/presentationml/2006/main">
+  <p:cSld>
+    <p:spTree>
+      <p:nvGrpSpPr>
+        <p:cNvPr id="1" name=""/>
+        <p:cNvGrpSpPr/>
+        <p:nvPr/>
+      </p:nvGrpSpPr>
+      <p:grpSpPr>
+        <a:xfrm>
+          <a:off x="0" y="0"/>
+          <a:ext cx="0" cy="0"/>
+          <a:chOff x="0" y="0"/>
+          <a:chExt cx="0" cy="0"/>
+        </a:xfrm>
+      </p:grpSpPr>
+      <p:sp>
+        <p:nvSpPr>
+          <p:cNvPr id="2" name="Titel 1">
+            <a:extLst>
+              <a:ext uri="{FF2B5EF4-FFF2-40B4-BE49-F238E27FC236}">
+                <a16:creationId xmlns:a16="http://schemas.microsoft.com/office/drawing/2014/main" id="{924638F2-44F9-0387-35BC-AA6733952E2F}"/>
+              </a:ext>
+            </a:extLst>
+          </p:cNvPr>
+          <p:cNvSpPr>
+            <a:spLocks noGrp="1"/>
+          </p:cNvSpPr>
+          <p:nvPr>
+            <p:ph type="title"/>
+          </p:nvPr>
+        </p:nvSpPr>
+        <p:spPr/>
+        <p:txBody>
+          <a:bodyPr/>
+          <a:lstStyle/>
+          <a:p>
+            <a:r>
+              <a:rPr lang="de-DE" dirty="0"/>
+              <a:t>Einfache Datenstrukturen</a:t>
+            </a:r>
+          </a:p>
+        </p:txBody>
+      </p:sp>
+      <p:graphicFrame>
+        <p:nvGraphicFramePr>
+          <p:cNvPr id="4" name="Tabelle 4">
+            <a:extLst>
+              <a:ext uri="{FF2B5EF4-FFF2-40B4-BE49-F238E27FC236}">
+                <a16:creationId xmlns:a16="http://schemas.microsoft.com/office/drawing/2014/main" id="{B47C2560-812F-375E-9734-FDB4B9C2658E}"/>
+              </a:ext>
+            </a:extLst>
+          </p:cNvPr>
+          <p:cNvGraphicFramePr>
+            <a:graphicFrameLocks noGrp="1"/>
+          </p:cNvGraphicFramePr>
+          <p:nvPr>
+            <p:ph idx="1"/>
+            <p:extLst>
+              <p:ext uri="{D42A27DB-BD31-4B8C-83A1-F6EECF244321}">
                 <p14:modId xmlns:p14="http://schemas.microsoft.com/office/powerpoint/2010/main" val="498365229"/>
               </p:ext>
             </p:extLst>
@@ -13691,7 +14251,7 @@
 </p:sld>
 </file>
 
-<file path=ppt/slides/slide17.xml><?xml version="1.0" encoding="utf-8"?>
+<file path=ppt/slides/slide19.xml><?xml version="1.0" encoding="utf-8"?>
 <p:sld xmlns:a="http://schemas.openxmlformats.org/drawingml/2006/main" xmlns:r="http://schemas.openxmlformats.org/officeDocument/2006/relationships" xmlns:p="http://schemas.openxmlformats.org/presentationml/2006/main">
   <p:cSld>
     <p:spTree>
@@ -14934,7 +15494,150 @@
 </p:sld>
 </file>
 
-<file path=ppt/slides/slide18.xml><?xml version="1.0" encoding="utf-8"?>
+<file path=ppt/slides/slide2.xml><?xml version="1.0" encoding="utf-8"?>
+<p:sld xmlns:a="http://schemas.openxmlformats.org/drawingml/2006/main" xmlns:r="http://schemas.openxmlformats.org/officeDocument/2006/relationships" xmlns:p="http://schemas.openxmlformats.org/presentationml/2006/main">
+  <p:cSld>
+    <p:spTree>
+      <p:nvGrpSpPr>
+        <p:cNvPr id="1" name=""/>
+        <p:cNvGrpSpPr/>
+        <p:nvPr/>
+      </p:nvGrpSpPr>
+      <p:grpSpPr>
+        <a:xfrm>
+          <a:off x="0" y="0"/>
+          <a:ext cx="0" cy="0"/>
+          <a:chOff x="0" y="0"/>
+          <a:chExt cx="0" cy="0"/>
+        </a:xfrm>
+      </p:grpSpPr>
+      <p:sp>
+        <p:nvSpPr>
+          <p:cNvPr id="2" name="Titel 1">
+            <a:extLst>
+              <a:ext uri="{FF2B5EF4-FFF2-40B4-BE49-F238E27FC236}">
+                <a16:creationId xmlns:a16="http://schemas.microsoft.com/office/drawing/2014/main" id="{6FFB258F-243E-052E-55F7-F143C0297E05}"/>
+              </a:ext>
+            </a:extLst>
+          </p:cNvPr>
+          <p:cNvSpPr>
+            <a:spLocks noGrp="1"/>
+          </p:cNvSpPr>
+          <p:nvPr>
+            <p:ph type="title"/>
+          </p:nvPr>
+        </p:nvSpPr>
+        <p:spPr/>
+        <p:txBody>
+          <a:bodyPr/>
+          <a:lstStyle/>
+          <a:p>
+            <a:r>
+              <a:rPr lang="de-DE" dirty="0"/>
+              <a:t>First </a:t>
+            </a:r>
+            <a:r>
+              <a:rPr lang="de-DE" dirty="0" err="1"/>
+              <a:t>things</a:t>
+            </a:r>
+            <a:r>
+              <a:rPr lang="de-DE" dirty="0"/>
+              <a:t> </a:t>
+            </a:r>
+            <a:r>
+              <a:rPr lang="de-DE" dirty="0" err="1"/>
+              <a:t>first</a:t>
+            </a:r>
+            <a:endParaRPr lang="de-DE" dirty="0"/>
+          </a:p>
+        </p:txBody>
+      </p:sp>
+      <p:sp>
+        <p:nvSpPr>
+          <p:cNvPr id="3" name="Inhaltsplatzhalter 2">
+            <a:extLst>
+              <a:ext uri="{FF2B5EF4-FFF2-40B4-BE49-F238E27FC236}">
+                <a16:creationId xmlns:a16="http://schemas.microsoft.com/office/drawing/2014/main" id="{AB763E77-7B36-F275-90A2-C0A979AB2593}"/>
+              </a:ext>
+            </a:extLst>
+          </p:cNvPr>
+          <p:cNvSpPr>
+            <a:spLocks noGrp="1"/>
+          </p:cNvSpPr>
+          <p:nvPr>
+            <p:ph idx="1"/>
+          </p:nvPr>
+        </p:nvSpPr>
+        <p:spPr/>
+        <p:txBody>
+          <a:bodyPr/>
+          <a:lstStyle/>
+          <a:p>
+            <a:r>
+              <a:rPr lang="de-DE" dirty="0"/>
+              <a:t>Kontakt:</a:t>
+            </a:r>
+          </a:p>
+          <a:p>
+            <a:pPr lvl="1"/>
+            <a:r>
+              <a:rPr lang="de-DE" dirty="0"/>
+              <a:t>Anna: </a:t>
+            </a:r>
+            <a:r>
+              <a:rPr lang="de-DE" dirty="0">
+                <a:hlinkClick r:id="rId2"/>
+              </a:rPr>
+              <a:t>anna-maria.bothin@mailbox.tu-dresden.de</a:t>
+            </a:r>
+            <a:endParaRPr lang="de-DE" dirty="0"/>
+          </a:p>
+          <a:p>
+            <a:pPr lvl="1"/>
+            <a:r>
+              <a:rPr lang="de-DE" dirty="0"/>
+              <a:t>Elia: </a:t>
+            </a:r>
+            <a:r>
+              <a:rPr lang="de-DE" dirty="0">
+                <a:hlinkClick r:id="rId3"/>
+              </a:rPr>
+              <a:t>elia.ruehle@mailbox.tu-dresden.de</a:t>
+            </a:r>
+            <a:endParaRPr lang="de-DE" dirty="0"/>
+          </a:p>
+          <a:p>
+            <a:r>
+              <a:rPr lang="de-DE" dirty="0"/>
+              <a:t>Wir haben ein paar Fragen an euch:</a:t>
+            </a:r>
+          </a:p>
+          <a:p>
+            <a:pPr lvl="1"/>
+            <a:r>
+              <a:rPr lang="de-DE" dirty="0">
+                <a:hlinkClick r:id="rId4"/>
+              </a:rPr>
+              <a:t>https://www.mentimeter.com/app/presentation/algx5rq91hss9y5j4b7pz8zv6opxeysw/bxf2n4qwufvb/edit</a:t>
+            </a:r>
+            <a:endParaRPr lang="de-DE" dirty="0"/>
+          </a:p>
+        </p:txBody>
+      </p:sp>
+    </p:spTree>
+    <p:extLst>
+      <p:ext uri="{BB962C8B-B14F-4D97-AF65-F5344CB8AC3E}">
+        <p14:creationId xmlns:p14="http://schemas.microsoft.com/office/powerpoint/2010/main" val="1250276065"/>
+      </p:ext>
+    </p:extLst>
+  </p:cSld>
+  <p:clrMapOvr>
+    <a:masterClrMapping/>
+  </p:clrMapOvr>
+</p:sld>
+</file>
+
+<file path=ppt/slides/slide20.xml><?xml version="1.0" encoding="utf-8"?>
 <p:sld xmlns:a="http://schemas.openxmlformats.org/drawingml/2006/main" xmlns:r="http://schemas.openxmlformats.org/officeDocument/2006/relationships" xmlns:p="http://schemas.openxmlformats.org/presentationml/2006/main">
   <p:cSld>
     <p:spTree>
@@ -15032,6 +15735,22 @@
               <a:rPr lang="de-DE" dirty="0"/>
               <a:t>alternativer Code möglich</a:t>
             </a:r>
+          </a:p>
+          <a:p>
+            <a:pPr lvl="1"/>
+            <a:r>
+              <a:rPr lang="de-DE"/>
+              <a:t>„pass“ </a:t>
+            </a:r>
+            <a:r>
+              <a:rPr lang="de-DE" dirty="0"/>
+              <a:t>falls </a:t>
+            </a:r>
+            <a:r>
+              <a:rPr lang="de-DE"/>
+              <a:t>nichts passieren soll</a:t>
+            </a:r>
+            <a:endParaRPr lang="de-DE" dirty="0"/>
           </a:p>
           <a:p>
             <a:pPr lvl="1"/>
@@ -15387,7 +16106,7 @@
 </p:sld>
 </file>
 
-<file path=ppt/slides/slide19.xml><?xml version="1.0" encoding="utf-8"?>
+<file path=ppt/slides/slide21.xml><?xml version="1.0" encoding="utf-8"?>
 <p:sld xmlns:a="http://schemas.openxmlformats.org/drawingml/2006/main" xmlns:r="http://schemas.openxmlformats.org/officeDocument/2006/relationships" xmlns:p="http://schemas.openxmlformats.org/presentationml/2006/main">
   <p:cSld>
     <p:spTree>
@@ -15714,150 +16433,7 @@
 </p:sld>
 </file>
 
-<file path=ppt/slides/slide2.xml><?xml version="1.0" encoding="utf-8"?>
-<p:sld xmlns:a="http://schemas.openxmlformats.org/drawingml/2006/main" xmlns:r="http://schemas.openxmlformats.org/officeDocument/2006/relationships" xmlns:p="http://schemas.openxmlformats.org/presentationml/2006/main">
-  <p:cSld>
-    <p:spTree>
-      <p:nvGrpSpPr>
-        <p:cNvPr id="1" name=""/>
-        <p:cNvGrpSpPr/>
-        <p:nvPr/>
-      </p:nvGrpSpPr>
-      <p:grpSpPr>
-        <a:xfrm>
-          <a:off x="0" y="0"/>
-          <a:ext cx="0" cy="0"/>
-          <a:chOff x="0" y="0"/>
-          <a:chExt cx="0" cy="0"/>
-        </a:xfrm>
-      </p:grpSpPr>
-      <p:sp>
-        <p:nvSpPr>
-          <p:cNvPr id="2" name="Titel 1">
-            <a:extLst>
-              <a:ext uri="{FF2B5EF4-FFF2-40B4-BE49-F238E27FC236}">
-                <a16:creationId xmlns:a16="http://schemas.microsoft.com/office/drawing/2014/main" id="{6FFB258F-243E-052E-55F7-F143C0297E05}"/>
-              </a:ext>
-            </a:extLst>
-          </p:cNvPr>
-          <p:cNvSpPr>
-            <a:spLocks noGrp="1"/>
-          </p:cNvSpPr>
-          <p:nvPr>
-            <p:ph type="title"/>
-          </p:nvPr>
-        </p:nvSpPr>
-        <p:spPr/>
-        <p:txBody>
-          <a:bodyPr/>
-          <a:lstStyle/>
-          <a:p>
-            <a:r>
-              <a:rPr lang="de-DE" dirty="0"/>
-              <a:t>First </a:t>
-            </a:r>
-            <a:r>
-              <a:rPr lang="de-DE" dirty="0" err="1"/>
-              <a:t>things</a:t>
-            </a:r>
-            <a:r>
-              <a:rPr lang="de-DE" dirty="0"/>
-              <a:t> </a:t>
-            </a:r>
-            <a:r>
-              <a:rPr lang="de-DE" dirty="0" err="1"/>
-              <a:t>first</a:t>
-            </a:r>
-            <a:endParaRPr lang="de-DE" dirty="0"/>
-          </a:p>
-        </p:txBody>
-      </p:sp>
-      <p:sp>
-        <p:nvSpPr>
-          <p:cNvPr id="3" name="Inhaltsplatzhalter 2">
-            <a:extLst>
-              <a:ext uri="{FF2B5EF4-FFF2-40B4-BE49-F238E27FC236}">
-                <a16:creationId xmlns:a16="http://schemas.microsoft.com/office/drawing/2014/main" id="{AB763E77-7B36-F275-90A2-C0A979AB2593}"/>
-              </a:ext>
-            </a:extLst>
-          </p:cNvPr>
-          <p:cNvSpPr>
-            <a:spLocks noGrp="1"/>
-          </p:cNvSpPr>
-          <p:nvPr>
-            <p:ph idx="1"/>
-          </p:nvPr>
-        </p:nvSpPr>
-        <p:spPr/>
-        <p:txBody>
-          <a:bodyPr/>
-          <a:lstStyle/>
-          <a:p>
-            <a:r>
-              <a:rPr lang="de-DE" dirty="0"/>
-              <a:t>Kontakt:</a:t>
-            </a:r>
-          </a:p>
-          <a:p>
-            <a:pPr lvl="1"/>
-            <a:r>
-              <a:rPr lang="de-DE" dirty="0"/>
-              <a:t>Anna: </a:t>
-            </a:r>
-            <a:r>
-              <a:rPr lang="de-DE" dirty="0">
-                <a:hlinkClick r:id="rId2"/>
-              </a:rPr>
-              <a:t>anna-maria.bothin@mailbox.tu-dresden.de</a:t>
-            </a:r>
-            <a:endParaRPr lang="de-DE" dirty="0"/>
-          </a:p>
-          <a:p>
-            <a:pPr lvl="1"/>
-            <a:r>
-              <a:rPr lang="de-DE" dirty="0"/>
-              <a:t>Elia: </a:t>
-            </a:r>
-            <a:r>
-              <a:rPr lang="de-DE" dirty="0">
-                <a:hlinkClick r:id="rId3"/>
-              </a:rPr>
-              <a:t>elia.ruehle@mailbox.tu-dresden.de</a:t>
-            </a:r>
-            <a:endParaRPr lang="de-DE" dirty="0"/>
-          </a:p>
-          <a:p>
-            <a:r>
-              <a:rPr lang="de-DE" dirty="0"/>
-              <a:t>Wir haben ein paar Fragen an euch:</a:t>
-            </a:r>
-          </a:p>
-          <a:p>
-            <a:pPr lvl="1"/>
-            <a:r>
-              <a:rPr lang="de-DE" dirty="0">
-                <a:hlinkClick r:id="rId4"/>
-              </a:rPr>
-              <a:t>https://www.mentimeter.com/app/presentation/algx5rq91hss9y5j4b7pz8zv6opxeysw/bxf2n4qwufvb/edit</a:t>
-            </a:r>
-            <a:endParaRPr lang="de-DE" dirty="0"/>
-          </a:p>
-        </p:txBody>
-      </p:sp>
-    </p:spTree>
-    <p:extLst>
-      <p:ext uri="{BB962C8B-B14F-4D97-AF65-F5344CB8AC3E}">
-        <p14:creationId xmlns:p14="http://schemas.microsoft.com/office/powerpoint/2010/main" val="1250276065"/>
-      </p:ext>
-    </p:extLst>
-  </p:cSld>
-  <p:clrMapOvr>
-    <a:masterClrMapping/>
-  </p:clrMapOvr>
-</p:sld>
-</file>
-
-<file path=ppt/slides/slide20.xml><?xml version="1.0" encoding="utf-8"?>
+<file path=ppt/slides/slide22.xml><?xml version="1.0" encoding="utf-8"?>
 <p:sld xmlns:a="http://schemas.openxmlformats.org/drawingml/2006/main" xmlns:r="http://schemas.openxmlformats.org/officeDocument/2006/relationships" xmlns:p="http://schemas.openxmlformats.org/presentationml/2006/main">
   <p:cSld>
     <p:spTree>
@@ -16214,7 +16790,7 @@
 </p:sld>
 </file>
 
-<file path=ppt/slides/slide21.xml><?xml version="1.0" encoding="utf-8"?>
+<file path=ppt/slides/slide23.xml><?xml version="1.0" encoding="utf-8"?>
 <p:sld xmlns:a="http://schemas.openxmlformats.org/drawingml/2006/main" xmlns:r="http://schemas.openxmlformats.org/officeDocument/2006/relationships" xmlns:p="http://schemas.openxmlformats.org/presentationml/2006/main">
   <p:cSld>
     <p:spTree>
@@ -16303,7 +16879,53 @@
             <a:pPr lvl="1"/>
             <a:r>
               <a:rPr lang="de-DE" dirty="0"/>
-              <a:t>TO BE CONTINUED</a:t>
+              <a:t>Vereinfacht </a:t>
+            </a:r>
+            <a:r>
+              <a:rPr lang="de-DE" dirty="0" err="1"/>
+              <a:t>Fallunterschiedungen</a:t>
+            </a:r>
+            <a:endParaRPr lang="de-DE" dirty="0"/>
+          </a:p>
+          <a:p>
+            <a:pPr lvl="1"/>
+            <a:r>
+              <a:rPr lang="de-DE" dirty="0"/>
+              <a:t>keine </a:t>
+            </a:r>
+            <a:r>
+              <a:rPr lang="de-DE" dirty="0" err="1"/>
+              <a:t>Notwemdigkeit</a:t>
+            </a:r>
+            <a:r>
+              <a:rPr lang="de-DE" dirty="0"/>
+              <a:t> mehr für viele </a:t>
+            </a:r>
+            <a:br>
+              <a:rPr lang="de-DE" dirty="0"/>
+            </a:br>
+            <a:r>
+              <a:rPr lang="de-DE" dirty="0" err="1"/>
+              <a:t>if</a:t>
+            </a:r>
+            <a:r>
+              <a:rPr lang="de-DE" dirty="0"/>
+              <a:t> und </a:t>
+            </a:r>
+            <a:r>
+              <a:rPr lang="de-DE" dirty="0" err="1"/>
+              <a:t>elif</a:t>
+            </a:r>
+            <a:r>
+              <a:rPr lang="de-DE" dirty="0"/>
+              <a:t> –Abfragen</a:t>
+            </a:r>
+          </a:p>
+          <a:p>
+            <a:pPr lvl="1"/>
+            <a:r>
+              <a:rPr lang="de-DE" dirty="0"/>
+              <a:t>seit Python 3.10 nutzbar</a:t>
             </a:r>
           </a:p>
           <a:p>
@@ -16385,15 +17007,7 @@
                   <a:schemeClr val="accent1"/>
                 </a:solidFill>
               </a:rPr>
-              <a:t> </a:t>
-            </a:r>
-            <a:r>
-              <a:rPr lang="de-DE" b="1" dirty="0" err="1">
-                <a:solidFill>
-                  <a:schemeClr val="accent1"/>
-                </a:solidFill>
-              </a:rPr>
-              <a:t>for</a:t>
+              <a:t> match</a:t>
             </a:r>
             <a:r>
               <a:rPr lang="de-DE" dirty="0">
@@ -16404,40 +17018,14 @@
               <a:t> </a:t>
             </a:r>
             <a:r>
-              <a:rPr lang="de-DE" i="1" dirty="0">
+              <a:rPr lang="de-DE" i="1" dirty="0" err="1">
                 <a:solidFill>
                   <a:schemeClr val="tx1">
                     <a:lumMod val="65000"/>
                   </a:schemeClr>
                 </a:solidFill>
               </a:rPr>
-              <a:t>x </a:t>
-            </a:r>
-            <a:r>
-              <a:rPr lang="de-DE" b="1" dirty="0">
-                <a:solidFill>
-                  <a:schemeClr val="accent1"/>
-                </a:solidFill>
-              </a:rPr>
-              <a:t>in </a:t>
-            </a:r>
-            <a:r>
-              <a:rPr lang="de-DE" i="1" dirty="0" err="1">
-                <a:solidFill>
-                  <a:schemeClr val="tx1">
-                    <a:lumMod val="65000"/>
-                  </a:schemeClr>
-                </a:solidFill>
-              </a:rPr>
-              <a:t>iterable</a:t>
-            </a:r>
-            <a:r>
-              <a:rPr lang="de-DE" dirty="0">
-                <a:solidFill>
-                  <a:schemeClr val="accent1"/>
-                </a:solidFill>
-              </a:rPr>
-              <a:t> </a:t>
+              <a:t>var</a:t>
             </a:r>
             <a:r>
               <a:rPr lang="de-DE" b="1" dirty="0">
@@ -16461,17 +17049,27 @@
                   <a:schemeClr val="accent1"/>
                 </a:solidFill>
               </a:rPr>
-              <a:t>   	             </a:t>
-            </a:r>
-            <a:r>
-              <a:rPr lang="de-DE" i="1" dirty="0" err="1">
-                <a:solidFill>
-                  <a:schemeClr val="tx1">
-                    <a:lumMod val="65000"/>
-                  </a:schemeClr>
+              <a:t>   	 </a:t>
+            </a:r>
+            <a:r>
+              <a:rPr lang="de-DE" b="1" dirty="0" err="1">
+                <a:solidFill>
+                  <a:schemeClr val="accent1"/>
                 </a:solidFill>
               </a:rPr>
-              <a:t>statement</a:t>
+              <a:t>case</a:t>
+            </a:r>
+            <a:r>
+              <a:rPr lang="de-DE" b="1" dirty="0"/>
+              <a:t> ... :</a:t>
+            </a:r>
+            <a:r>
+              <a:rPr lang="de-DE" i="1" dirty="0">
+                <a:solidFill>
+                  <a:schemeClr val="accent1"/>
+                </a:solidFill>
+              </a:rPr>
+              <a:t>   </a:t>
             </a:r>
             <a:endParaRPr lang="de-DE" i="1" dirty="0">
               <a:solidFill>
@@ -16500,6 +17098,36 @@
           </a:p>
         </p:txBody>
       </p:sp>
+      <p:pic>
+        <p:nvPicPr>
+          <p:cNvPr id="5" name="Grafik 4" descr="Ein Bild, das Text enthält.&#10;&#10;Automatisch generierte Beschreibung">
+            <a:extLst>
+              <a:ext uri="{FF2B5EF4-FFF2-40B4-BE49-F238E27FC236}">
+                <a16:creationId xmlns:a16="http://schemas.microsoft.com/office/drawing/2014/main" id="{C9B3AD2C-FDB1-6DC7-DCA6-9F11DD69EE1F}"/>
+              </a:ext>
+            </a:extLst>
+          </p:cNvPr>
+          <p:cNvPicPr>
+            <a:picLocks noChangeAspect="1"/>
+          </p:cNvPicPr>
+          <p:nvPr/>
+        </p:nvPicPr>
+        <p:blipFill>
+          <a:blip r:embed="rId2"/>
+          <a:stretch>
+            <a:fillRect/>
+          </a:stretch>
+        </p:blipFill>
+        <p:spPr>
+          <a:xfrm>
+            <a:off x="6370245" y="4468821"/>
+            <a:ext cx="4348165" cy="1941991"/>
+          </a:xfrm>
+          <a:prstGeom prst="rect">
+            <a:avLst/>
+          </a:prstGeom>
+        </p:spPr>
+      </p:pic>
     </p:spTree>
     <p:extLst>
       <p:ext uri="{BB962C8B-B14F-4D97-AF65-F5344CB8AC3E}">
@@ -16513,7 +17141,7 @@
 </p:sld>
 </file>
 
-<file path=ppt/slides/slide22.xml><?xml version="1.0" encoding="utf-8"?>
+<file path=ppt/slides/slide24.xml><?xml version="1.0" encoding="utf-8"?>
 <p:sld xmlns:a="http://schemas.openxmlformats.org/drawingml/2006/main" xmlns:r="http://schemas.openxmlformats.org/officeDocument/2006/relationships" xmlns:p="http://schemas.openxmlformats.org/presentationml/2006/main">
   <p:cSld>
     <p:spTree>
@@ -16993,36 +17621,41 @@
           <a:p>
             <a:r>
               <a:rPr lang="de-DE" dirty="0"/>
-              <a:t>Installation</a:t>
+              <a:t>Installation - Windows</a:t>
             </a:r>
           </a:p>
         </p:txBody>
       </p:sp>
-      <p:sp>
-        <p:nvSpPr>
-          <p:cNvPr id="3" name="Inhaltsplatzhalter 2">
+      <p:pic>
+        <p:nvPicPr>
+          <p:cNvPr id="5" name="Grafik 4" descr="Ein Bild, das Text enthält.&#10;&#10;Automatisch generierte Beschreibung">
             <a:extLst>
               <a:ext uri="{FF2B5EF4-FFF2-40B4-BE49-F238E27FC236}">
-                <a16:creationId xmlns:a16="http://schemas.microsoft.com/office/drawing/2014/main" id="{B043F3ED-48BF-B833-F4F0-575A891C2F91}"/>
+                <a16:creationId xmlns:a16="http://schemas.microsoft.com/office/drawing/2014/main" id="{06111613-7DBC-C86D-0585-4C17328FB1A1}"/>
               </a:ext>
             </a:extLst>
           </p:cNvPr>
-          <p:cNvSpPr>
-            <a:spLocks noGrp="1"/>
-          </p:cNvSpPr>
-          <p:nvPr>
-            <p:ph idx="1"/>
-          </p:nvPr>
-        </p:nvSpPr>
-        <p:spPr/>
-        <p:txBody>
-          <a:bodyPr/>
-          <a:lstStyle/>
-          <a:p>
-            <a:endParaRPr lang="de-DE"/>
-          </a:p>
-        </p:txBody>
-      </p:sp>
+          <p:cNvPicPr>
+            <a:picLocks noChangeAspect="1"/>
+          </p:cNvPicPr>
+          <p:nvPr/>
+        </p:nvPicPr>
+        <p:blipFill>
+          <a:blip r:embed="rId2"/>
+          <a:stretch>
+            <a:fillRect/>
+          </a:stretch>
+        </p:blipFill>
+        <p:spPr>
+          <a:xfrm>
+            <a:off x="2403230" y="2396288"/>
+            <a:ext cx="7385538" cy="4122160"/>
+          </a:xfrm>
+          <a:prstGeom prst="rect">
+            <a:avLst/>
+          </a:prstGeom>
+        </p:spPr>
+      </p:pic>
     </p:spTree>
     <p:extLst>
       <p:ext uri="{BB962C8B-B14F-4D97-AF65-F5344CB8AC3E}">
@@ -17037,6 +17670,182 @@
 </file>
 
 <file path=ppt/slides/slide7.xml><?xml version="1.0" encoding="utf-8"?>
+<p:sld xmlns:a="http://schemas.openxmlformats.org/drawingml/2006/main" xmlns:r="http://schemas.openxmlformats.org/officeDocument/2006/relationships" xmlns:p="http://schemas.openxmlformats.org/presentationml/2006/main">
+  <p:cSld>
+    <p:spTree>
+      <p:nvGrpSpPr>
+        <p:cNvPr id="1" name=""/>
+        <p:cNvGrpSpPr/>
+        <p:nvPr/>
+      </p:nvGrpSpPr>
+      <p:grpSpPr>
+        <a:xfrm>
+          <a:off x="0" y="0"/>
+          <a:ext cx="0" cy="0"/>
+          <a:chOff x="0" y="0"/>
+          <a:chExt cx="0" cy="0"/>
+        </a:xfrm>
+      </p:grpSpPr>
+      <p:sp>
+        <p:nvSpPr>
+          <p:cNvPr id="2" name="Titel 1">
+            <a:extLst>
+              <a:ext uri="{FF2B5EF4-FFF2-40B4-BE49-F238E27FC236}">
+                <a16:creationId xmlns:a16="http://schemas.microsoft.com/office/drawing/2014/main" id="{0778FEB7-0611-CB60-2754-1D2C044E692B}"/>
+              </a:ext>
+            </a:extLst>
+          </p:cNvPr>
+          <p:cNvSpPr>
+            <a:spLocks noGrp="1"/>
+          </p:cNvSpPr>
+          <p:nvPr>
+            <p:ph type="title"/>
+          </p:nvPr>
+        </p:nvSpPr>
+        <p:spPr/>
+        <p:txBody>
+          <a:bodyPr/>
+          <a:lstStyle/>
+          <a:p>
+            <a:r>
+              <a:rPr lang="de-DE" dirty="0"/>
+              <a:t>Installation - MacOS</a:t>
+            </a:r>
+          </a:p>
+        </p:txBody>
+      </p:sp>
+      <p:pic>
+        <p:nvPicPr>
+          <p:cNvPr id="5" name="Grafik 4" descr="Ein Bild, das Text enthält.&#10;&#10;Automatisch generierte Beschreibung">
+            <a:extLst>
+              <a:ext uri="{FF2B5EF4-FFF2-40B4-BE49-F238E27FC236}">
+                <a16:creationId xmlns:a16="http://schemas.microsoft.com/office/drawing/2014/main" id="{2F994D0B-C739-1B7D-2240-EE3ED80096C5}"/>
+              </a:ext>
+            </a:extLst>
+          </p:cNvPr>
+          <p:cNvPicPr>
+            <a:picLocks noChangeAspect="1"/>
+          </p:cNvPicPr>
+          <p:nvPr/>
+        </p:nvPicPr>
+        <p:blipFill>
+          <a:blip r:embed="rId2"/>
+          <a:stretch>
+            <a:fillRect/>
+          </a:stretch>
+        </p:blipFill>
+        <p:spPr>
+          <a:xfrm>
+            <a:off x="2449973" y="2321169"/>
+            <a:ext cx="7292052" cy="4431323"/>
+          </a:xfrm>
+          <a:prstGeom prst="rect">
+            <a:avLst/>
+          </a:prstGeom>
+        </p:spPr>
+      </p:pic>
+    </p:spTree>
+    <p:extLst>
+      <p:ext uri="{BB962C8B-B14F-4D97-AF65-F5344CB8AC3E}">
+        <p14:creationId xmlns:p14="http://schemas.microsoft.com/office/powerpoint/2010/main" val="561098728"/>
+      </p:ext>
+    </p:extLst>
+  </p:cSld>
+  <p:clrMapOvr>
+    <a:masterClrMapping/>
+  </p:clrMapOvr>
+</p:sld>
+</file>
+
+<file path=ppt/slides/slide8.xml><?xml version="1.0" encoding="utf-8"?>
+<p:sld xmlns:a="http://schemas.openxmlformats.org/drawingml/2006/main" xmlns:r="http://schemas.openxmlformats.org/officeDocument/2006/relationships" xmlns:p="http://schemas.openxmlformats.org/presentationml/2006/main">
+  <p:cSld>
+    <p:spTree>
+      <p:nvGrpSpPr>
+        <p:cNvPr id="1" name=""/>
+        <p:cNvGrpSpPr/>
+        <p:nvPr/>
+      </p:nvGrpSpPr>
+      <p:grpSpPr>
+        <a:xfrm>
+          <a:off x="0" y="0"/>
+          <a:ext cx="0" cy="0"/>
+          <a:chOff x="0" y="0"/>
+          <a:chExt cx="0" cy="0"/>
+        </a:xfrm>
+      </p:grpSpPr>
+      <p:sp>
+        <p:nvSpPr>
+          <p:cNvPr id="2" name="Titel 1">
+            <a:extLst>
+              <a:ext uri="{FF2B5EF4-FFF2-40B4-BE49-F238E27FC236}">
+                <a16:creationId xmlns:a16="http://schemas.microsoft.com/office/drawing/2014/main" id="{2C6E1275-0755-9CD5-2B92-30E63B13252D}"/>
+              </a:ext>
+            </a:extLst>
+          </p:cNvPr>
+          <p:cNvSpPr>
+            <a:spLocks noGrp="1"/>
+          </p:cNvSpPr>
+          <p:nvPr>
+            <p:ph type="title"/>
+          </p:nvPr>
+        </p:nvSpPr>
+        <p:spPr/>
+        <p:txBody>
+          <a:bodyPr/>
+          <a:lstStyle/>
+          <a:p>
+            <a:r>
+              <a:rPr lang="de-DE" dirty="0"/>
+              <a:t>Installation – Linux</a:t>
+            </a:r>
+          </a:p>
+        </p:txBody>
+      </p:sp>
+      <p:pic>
+        <p:nvPicPr>
+          <p:cNvPr id="5" name="Grafik 4">
+            <a:extLst>
+              <a:ext uri="{FF2B5EF4-FFF2-40B4-BE49-F238E27FC236}">
+                <a16:creationId xmlns:a16="http://schemas.microsoft.com/office/drawing/2014/main" id="{92AA7274-9B9D-7957-802D-2F44A3C32EB0}"/>
+              </a:ext>
+            </a:extLst>
+          </p:cNvPr>
+          <p:cNvPicPr>
+            <a:picLocks noChangeAspect="1"/>
+          </p:cNvPicPr>
+          <p:nvPr/>
+        </p:nvPicPr>
+        <p:blipFill>
+          <a:blip r:embed="rId2"/>
+          <a:stretch>
+            <a:fillRect/>
+          </a:stretch>
+        </p:blipFill>
+        <p:spPr>
+          <a:xfrm>
+            <a:off x="2209799" y="2960198"/>
+            <a:ext cx="7772400" cy="2947377"/>
+          </a:xfrm>
+          <a:prstGeom prst="rect">
+            <a:avLst/>
+          </a:prstGeom>
+        </p:spPr>
+      </p:pic>
+    </p:spTree>
+    <p:extLst>
+      <p:ext uri="{BB962C8B-B14F-4D97-AF65-F5344CB8AC3E}">
+        <p14:creationId xmlns:p14="http://schemas.microsoft.com/office/powerpoint/2010/main" val="3819821888"/>
+      </p:ext>
+    </p:extLst>
+  </p:cSld>
+  <p:clrMapOvr>
+    <a:masterClrMapping/>
+  </p:clrMapOvr>
+</p:sld>
+</file>
+
+<file path=ppt/slides/slide9.xml><?xml version="1.0" encoding="utf-8"?>
 <p:sld xmlns:a="http://schemas.openxmlformats.org/drawingml/2006/main" xmlns:r="http://schemas.openxmlformats.org/officeDocument/2006/relationships" xmlns:p="http://schemas.openxmlformats.org/presentationml/2006/main">
   <p:cSld>
     <p:spTree>
@@ -17595,556 +18404,6 @@
       </p:par>
     </p:tnLst>
   </p:timing>
-</p:sld>
-</file>
-
-<file path=ppt/slides/slide8.xml><?xml version="1.0" encoding="utf-8"?>
-<p:sld xmlns:a="http://schemas.openxmlformats.org/drawingml/2006/main" xmlns:r="http://schemas.openxmlformats.org/officeDocument/2006/relationships" xmlns:p="http://schemas.openxmlformats.org/presentationml/2006/main">
-  <p:cSld>
-    <p:spTree>
-      <p:nvGrpSpPr>
-        <p:cNvPr id="1" name=""/>
-        <p:cNvGrpSpPr/>
-        <p:nvPr/>
-      </p:nvGrpSpPr>
-      <p:grpSpPr>
-        <a:xfrm>
-          <a:off x="0" y="0"/>
-          <a:ext cx="0" cy="0"/>
-          <a:chOff x="0" y="0"/>
-          <a:chExt cx="0" cy="0"/>
-        </a:xfrm>
-      </p:grpSpPr>
-      <p:sp>
-        <p:nvSpPr>
-          <p:cNvPr id="2" name="Titel 1">
-            <a:extLst>
-              <a:ext uri="{FF2B5EF4-FFF2-40B4-BE49-F238E27FC236}">
-                <a16:creationId xmlns:a16="http://schemas.microsoft.com/office/drawing/2014/main" id="{58B6CE22-6A8C-E2D1-4080-1958BC60F476}"/>
-              </a:ext>
-            </a:extLst>
-          </p:cNvPr>
-          <p:cNvSpPr>
-            <a:spLocks noGrp="1"/>
-          </p:cNvSpPr>
-          <p:nvPr>
-            <p:ph type="title"/>
-          </p:nvPr>
-        </p:nvSpPr>
-        <p:spPr/>
-        <p:txBody>
-          <a:bodyPr/>
-          <a:lstStyle/>
-          <a:p>
-            <a:r>
-              <a:rPr lang="de-DE" dirty="0"/>
-              <a:t>Arbeit mit Python</a:t>
-            </a:r>
-          </a:p>
-        </p:txBody>
-      </p:sp>
-      <p:sp>
-        <p:nvSpPr>
-          <p:cNvPr id="3" name="Inhaltsplatzhalter 2">
-            <a:extLst>
-              <a:ext uri="{FF2B5EF4-FFF2-40B4-BE49-F238E27FC236}">
-                <a16:creationId xmlns:a16="http://schemas.microsoft.com/office/drawing/2014/main" id="{C1C574DE-B214-80AD-F25E-4190690C7E04}"/>
-              </a:ext>
-            </a:extLst>
-          </p:cNvPr>
-          <p:cNvSpPr>
-            <a:spLocks noGrp="1"/>
-          </p:cNvSpPr>
-          <p:nvPr>
-            <p:ph idx="1"/>
-          </p:nvPr>
-        </p:nvSpPr>
-        <p:spPr>
-          <a:xfrm>
-            <a:off x="818713" y="2358474"/>
-            <a:ext cx="10554574" cy="3636511"/>
-          </a:xfrm>
-        </p:spPr>
-        <p:txBody>
-          <a:bodyPr/>
-          <a:lstStyle/>
-          <a:p>
-            <a:r>
-              <a:rPr lang="de-DE" dirty="0"/>
-              <a:t>Code schreiben &amp; Ausführen</a:t>
-            </a:r>
-          </a:p>
-          <a:p>
-            <a:pPr lvl="1"/>
-            <a:r>
-              <a:rPr lang="de-DE" dirty="0"/>
-              <a:t>Interaktiver Modus</a:t>
-            </a:r>
-          </a:p>
-          <a:p>
-            <a:pPr lvl="1"/>
-            <a:r>
-              <a:rPr lang="de-DE" dirty="0"/>
-              <a:t>Ausführen von Dateien</a:t>
-            </a:r>
-          </a:p>
-          <a:p>
-            <a:pPr lvl="2"/>
-            <a:r>
-              <a:rPr lang="de-DE" dirty="0"/>
-              <a:t>Schreiben in IDE/ Editor</a:t>
-            </a:r>
-          </a:p>
-          <a:p>
-            <a:pPr lvl="2"/>
-            <a:r>
-              <a:rPr lang="de-DE" dirty="0"/>
-              <a:t>Speichern &amp; Ausführen der </a:t>
-            </a:r>
-            <a:r>
-              <a:rPr lang="de-DE" dirty="0">
-                <a:solidFill>
-                  <a:schemeClr val="accent1"/>
-                </a:solidFill>
-              </a:rPr>
-              <a:t>.</a:t>
-            </a:r>
-            <a:r>
-              <a:rPr lang="de-DE" dirty="0" err="1">
-                <a:solidFill>
-                  <a:schemeClr val="accent1"/>
-                </a:solidFill>
-              </a:rPr>
-              <a:t>py</a:t>
-            </a:r>
-            <a:r>
-              <a:rPr lang="de-DE" dirty="0">
-                <a:solidFill>
-                  <a:schemeClr val="accent1"/>
-                </a:solidFill>
-              </a:rPr>
-              <a:t> </a:t>
-            </a:r>
-            <a:r>
-              <a:rPr lang="de-DE" dirty="0"/>
-              <a:t>Datei</a:t>
-            </a:r>
-          </a:p>
-          <a:p>
-            <a:pPr marL="457200" lvl="1" indent="0">
-              <a:buNone/>
-            </a:pPr>
-            <a:endParaRPr lang="de-DE" sz="2000" dirty="0"/>
-          </a:p>
-          <a:p>
-            <a:pPr marL="457200" lvl="1" indent="0">
-              <a:buNone/>
-            </a:pPr>
-            <a:endParaRPr lang="de-DE" dirty="0"/>
-          </a:p>
-          <a:p>
-            <a:pPr marL="457200" lvl="1" indent="0">
-              <a:buNone/>
-            </a:pPr>
-            <a:endParaRPr lang="de-DE" dirty="0"/>
-          </a:p>
-        </p:txBody>
-      </p:sp>
-    </p:spTree>
-    <p:extLst>
-      <p:ext uri="{BB962C8B-B14F-4D97-AF65-F5344CB8AC3E}">
-        <p14:creationId xmlns:p14="http://schemas.microsoft.com/office/powerpoint/2010/main" val="646178345"/>
-      </p:ext>
-    </p:extLst>
-  </p:cSld>
-  <p:clrMapOvr>
-    <a:masterClrMapping/>
-  </p:clrMapOvr>
-</p:sld>
-</file>
-
-<file path=ppt/slides/slide9.xml><?xml version="1.0" encoding="utf-8"?>
-<p:sld xmlns:a="http://schemas.openxmlformats.org/drawingml/2006/main" xmlns:r="http://schemas.openxmlformats.org/officeDocument/2006/relationships" xmlns:p="http://schemas.openxmlformats.org/presentationml/2006/main">
-  <p:cSld>
-    <p:spTree>
-      <p:nvGrpSpPr>
-        <p:cNvPr id="1" name=""/>
-        <p:cNvGrpSpPr/>
-        <p:nvPr/>
-      </p:nvGrpSpPr>
-      <p:grpSpPr>
-        <a:xfrm>
-          <a:off x="0" y="0"/>
-          <a:ext cx="0" cy="0"/>
-          <a:chOff x="0" y="0"/>
-          <a:chExt cx="0" cy="0"/>
-        </a:xfrm>
-      </p:grpSpPr>
-      <p:sp>
-        <p:nvSpPr>
-          <p:cNvPr id="2" name="Titel 1">
-            <a:extLst>
-              <a:ext uri="{FF2B5EF4-FFF2-40B4-BE49-F238E27FC236}">
-                <a16:creationId xmlns:a16="http://schemas.microsoft.com/office/drawing/2014/main" id="{58B6CE22-6A8C-E2D1-4080-1958BC60F476}"/>
-              </a:ext>
-            </a:extLst>
-          </p:cNvPr>
-          <p:cNvSpPr>
-            <a:spLocks noGrp="1"/>
-          </p:cNvSpPr>
-          <p:nvPr>
-            <p:ph type="title"/>
-          </p:nvPr>
-        </p:nvSpPr>
-        <p:spPr/>
-        <p:txBody>
-          <a:bodyPr/>
-          <a:lstStyle/>
-          <a:p>
-            <a:r>
-              <a:rPr lang="de-DE" dirty="0"/>
-              <a:t>Arbeit mit Python</a:t>
-            </a:r>
-          </a:p>
-        </p:txBody>
-      </p:sp>
-      <p:sp>
-        <p:nvSpPr>
-          <p:cNvPr id="3" name="Inhaltsplatzhalter 2">
-            <a:extLst>
-              <a:ext uri="{FF2B5EF4-FFF2-40B4-BE49-F238E27FC236}">
-                <a16:creationId xmlns:a16="http://schemas.microsoft.com/office/drawing/2014/main" id="{C1C574DE-B214-80AD-F25E-4190690C7E04}"/>
-              </a:ext>
-            </a:extLst>
-          </p:cNvPr>
-          <p:cNvSpPr>
-            <a:spLocks noGrp="1"/>
-          </p:cNvSpPr>
-          <p:nvPr>
-            <p:ph idx="1"/>
-          </p:nvPr>
-        </p:nvSpPr>
-        <p:spPr>
-          <a:xfrm>
-            <a:off x="818713" y="2358474"/>
-            <a:ext cx="10554574" cy="3636511"/>
-          </a:xfrm>
-        </p:spPr>
-        <p:txBody>
-          <a:bodyPr/>
-          <a:lstStyle/>
-          <a:p>
-            <a:r>
-              <a:rPr lang="de-DE" dirty="0"/>
-              <a:t>Code schreiben &amp; Ausführen</a:t>
-            </a:r>
-          </a:p>
-          <a:p>
-            <a:pPr lvl="1"/>
-            <a:r>
-              <a:rPr lang="de-DE" dirty="0"/>
-              <a:t>Interaktiver Modus</a:t>
-            </a:r>
-          </a:p>
-          <a:p>
-            <a:pPr lvl="1"/>
-            <a:r>
-              <a:rPr lang="de-DE" dirty="0"/>
-              <a:t>Ausführen von Dateien</a:t>
-            </a:r>
-          </a:p>
-          <a:p>
-            <a:pPr lvl="2"/>
-            <a:r>
-              <a:rPr lang="de-DE" dirty="0"/>
-              <a:t>Schreiben in IDE/ Editor</a:t>
-            </a:r>
-          </a:p>
-          <a:p>
-            <a:pPr lvl="2"/>
-            <a:r>
-              <a:rPr lang="de-DE" dirty="0"/>
-              <a:t>Speichern &amp; Ausführen der </a:t>
-            </a:r>
-            <a:r>
-              <a:rPr lang="de-DE" dirty="0">
-                <a:solidFill>
-                  <a:schemeClr val="accent1"/>
-                </a:solidFill>
-              </a:rPr>
-              <a:t>.</a:t>
-            </a:r>
-            <a:r>
-              <a:rPr lang="de-DE" dirty="0" err="1">
-                <a:solidFill>
-                  <a:schemeClr val="accent1"/>
-                </a:solidFill>
-              </a:rPr>
-              <a:t>py</a:t>
-            </a:r>
-            <a:r>
-              <a:rPr lang="de-DE" dirty="0">
-                <a:solidFill>
-                  <a:schemeClr val="accent1"/>
-                </a:solidFill>
-              </a:rPr>
-              <a:t> </a:t>
-            </a:r>
-            <a:r>
-              <a:rPr lang="de-DE" dirty="0"/>
-              <a:t>Datei</a:t>
-            </a:r>
-          </a:p>
-          <a:p>
-            <a:r>
-              <a:rPr lang="de-DE" dirty="0"/>
-              <a:t>Syntax</a:t>
-            </a:r>
-          </a:p>
-          <a:p>
-            <a:pPr lvl="1"/>
-            <a:r>
-              <a:rPr lang="de-DE" dirty="0"/>
-              <a:t>Einrückungen</a:t>
-            </a:r>
-          </a:p>
-          <a:p>
-            <a:pPr marL="457200" lvl="1" indent="0">
-              <a:buNone/>
-            </a:pPr>
-            <a:endParaRPr lang="de-DE" dirty="0"/>
-          </a:p>
-        </p:txBody>
-      </p:sp>
-      <p:grpSp>
-        <p:nvGrpSpPr>
-          <p:cNvPr id="12" name="Gruppieren 11">
-            <a:extLst>
-              <a:ext uri="{FF2B5EF4-FFF2-40B4-BE49-F238E27FC236}">
-                <a16:creationId xmlns:a16="http://schemas.microsoft.com/office/drawing/2014/main" id="{ECDF8225-083E-9F46-D149-6EA603F19C82}"/>
-              </a:ext>
-            </a:extLst>
-          </p:cNvPr>
-          <p:cNvGrpSpPr/>
-          <p:nvPr/>
-        </p:nvGrpSpPr>
-        <p:grpSpPr>
-          <a:xfrm>
-            <a:off x="6095999" y="3211529"/>
-            <a:ext cx="4978400" cy="1930400"/>
-            <a:chOff x="6095999" y="3211529"/>
-            <a:chExt cx="4978400" cy="1930400"/>
-          </a:xfrm>
-        </p:grpSpPr>
-        <p:pic>
-          <p:nvPicPr>
-            <p:cNvPr id="5" name="Grafik 4">
-              <a:extLst>
-                <a:ext uri="{FF2B5EF4-FFF2-40B4-BE49-F238E27FC236}">
-                  <a16:creationId xmlns:a16="http://schemas.microsoft.com/office/drawing/2014/main" id="{C72CC728-8BA3-0AA8-AAC5-8E2E27439187}"/>
-                </a:ext>
-              </a:extLst>
-            </p:cNvPr>
-            <p:cNvPicPr>
-              <a:picLocks noChangeAspect="1"/>
-            </p:cNvPicPr>
-            <p:nvPr/>
-          </p:nvPicPr>
-          <p:blipFill>
-            <a:blip r:embed="rId2"/>
-            <a:stretch>
-              <a:fillRect/>
-            </a:stretch>
-          </p:blipFill>
-          <p:spPr>
-            <a:xfrm>
-              <a:off x="6095999" y="3211529"/>
-              <a:ext cx="4978400" cy="1930400"/>
-            </a:xfrm>
-            <a:prstGeom prst="rect">
-              <a:avLst/>
-            </a:prstGeom>
-          </p:spPr>
-        </p:pic>
-        <p:grpSp>
-          <p:nvGrpSpPr>
-            <p:cNvPr id="11" name="Gruppieren 10">
-              <a:extLst>
-                <a:ext uri="{FF2B5EF4-FFF2-40B4-BE49-F238E27FC236}">
-                  <a16:creationId xmlns:a16="http://schemas.microsoft.com/office/drawing/2014/main" id="{03B60ACF-55FE-5802-DE77-7AD35092AC78}"/>
-                </a:ext>
-              </a:extLst>
-            </p:cNvPr>
-            <p:cNvGrpSpPr/>
-            <p:nvPr/>
-          </p:nvGrpSpPr>
-          <p:grpSpPr>
-            <a:xfrm>
-              <a:off x="6524096" y="3540706"/>
-              <a:ext cx="729049" cy="1290223"/>
-              <a:chOff x="6524096" y="3540706"/>
-              <a:chExt cx="729049" cy="1290223"/>
-            </a:xfrm>
-          </p:grpSpPr>
-          <p:sp>
-            <p:nvSpPr>
-              <p:cNvPr id="6" name="Pfeil nach rechts 5">
-                <a:extLst>
-                  <a:ext uri="{FF2B5EF4-FFF2-40B4-BE49-F238E27FC236}">
-                    <a16:creationId xmlns:a16="http://schemas.microsoft.com/office/drawing/2014/main" id="{27FF68B8-8E23-1908-02D6-119C99E8F830}"/>
-                  </a:ext>
-                </a:extLst>
-              </p:cNvPr>
-              <p:cNvSpPr/>
-              <p:nvPr/>
-            </p:nvSpPr>
-            <p:spPr>
-              <a:xfrm>
-                <a:off x="6524096" y="3540706"/>
-                <a:ext cx="729049" cy="196987"/>
-              </a:xfrm>
-              <a:prstGeom prst="rightArrow">
-                <a:avLst>
-                  <a:gd name="adj1" fmla="val 50000"/>
-                  <a:gd name="adj2" fmla="val 87810"/>
-                </a:avLst>
-              </a:prstGeom>
-            </p:spPr>
-            <p:style>
-              <a:lnRef idx="2">
-                <a:schemeClr val="accent1">
-                  <a:shade val="50000"/>
-                </a:schemeClr>
-              </a:lnRef>
-              <a:fillRef idx="1">
-                <a:schemeClr val="accent1"/>
-              </a:fillRef>
-              <a:effectRef idx="0">
-                <a:schemeClr val="accent1"/>
-              </a:effectRef>
-              <a:fontRef idx="minor">
-                <a:schemeClr val="lt1"/>
-              </a:fontRef>
-            </p:style>
-            <p:txBody>
-              <a:bodyPr rtlCol="0" anchor="ctr"/>
-              <a:lstStyle/>
-              <a:p>
-                <a:pPr algn="ctr"/>
-                <a:endParaRPr lang="de-DE"/>
-              </a:p>
-            </p:txBody>
-          </p:sp>
-          <p:sp>
-            <p:nvSpPr>
-              <p:cNvPr id="9" name="Pfeil nach rechts 8">
-                <a:extLst>
-                  <a:ext uri="{FF2B5EF4-FFF2-40B4-BE49-F238E27FC236}">
-                    <a16:creationId xmlns:a16="http://schemas.microsoft.com/office/drawing/2014/main" id="{71757150-7F23-E46D-C4D2-1D5B9071D169}"/>
-                  </a:ext>
-                </a:extLst>
-              </p:cNvPr>
-              <p:cNvSpPr/>
-              <p:nvPr/>
-            </p:nvSpPr>
-            <p:spPr>
-              <a:xfrm>
-                <a:off x="6524096" y="4087324"/>
-                <a:ext cx="729049" cy="196987"/>
-              </a:xfrm>
-              <a:prstGeom prst="rightArrow">
-                <a:avLst>
-                  <a:gd name="adj1" fmla="val 50000"/>
-                  <a:gd name="adj2" fmla="val 87810"/>
-                </a:avLst>
-              </a:prstGeom>
-            </p:spPr>
-            <p:style>
-              <a:lnRef idx="2">
-                <a:schemeClr val="accent1">
-                  <a:shade val="50000"/>
-                </a:schemeClr>
-              </a:lnRef>
-              <a:fillRef idx="1">
-                <a:schemeClr val="accent1"/>
-              </a:fillRef>
-              <a:effectRef idx="0">
-                <a:schemeClr val="accent1"/>
-              </a:effectRef>
-              <a:fontRef idx="minor">
-                <a:schemeClr val="lt1"/>
-              </a:fontRef>
-            </p:style>
-            <p:txBody>
-              <a:bodyPr rtlCol="0" anchor="ctr"/>
-              <a:lstStyle/>
-              <a:p>
-                <a:pPr algn="ctr"/>
-                <a:endParaRPr lang="de-DE"/>
-              </a:p>
-            </p:txBody>
-          </p:sp>
-          <p:sp>
-            <p:nvSpPr>
-              <p:cNvPr id="10" name="Pfeil nach rechts 9">
-                <a:extLst>
-                  <a:ext uri="{FF2B5EF4-FFF2-40B4-BE49-F238E27FC236}">
-                    <a16:creationId xmlns:a16="http://schemas.microsoft.com/office/drawing/2014/main" id="{F2C295B5-B68E-C7E5-6E9B-5A4C8C710D4A}"/>
-                  </a:ext>
-                </a:extLst>
-              </p:cNvPr>
-              <p:cNvSpPr/>
-              <p:nvPr/>
-            </p:nvSpPr>
-            <p:spPr>
-              <a:xfrm>
-                <a:off x="6524096" y="4633942"/>
-                <a:ext cx="729049" cy="196987"/>
-              </a:xfrm>
-              <a:prstGeom prst="rightArrow">
-                <a:avLst>
-                  <a:gd name="adj1" fmla="val 50000"/>
-                  <a:gd name="adj2" fmla="val 87810"/>
-                </a:avLst>
-              </a:prstGeom>
-            </p:spPr>
-            <p:style>
-              <a:lnRef idx="2">
-                <a:schemeClr val="accent1">
-                  <a:shade val="50000"/>
-                </a:schemeClr>
-              </a:lnRef>
-              <a:fillRef idx="1">
-                <a:schemeClr val="accent1"/>
-              </a:fillRef>
-              <a:effectRef idx="0">
-                <a:schemeClr val="accent1"/>
-              </a:effectRef>
-              <a:fontRef idx="minor">
-                <a:schemeClr val="lt1"/>
-              </a:fontRef>
-            </p:style>
-            <p:txBody>
-              <a:bodyPr rtlCol="0" anchor="ctr"/>
-              <a:lstStyle/>
-              <a:p>
-                <a:pPr algn="ctr"/>
-                <a:endParaRPr lang="de-DE"/>
-              </a:p>
-            </p:txBody>
-          </p:sp>
-        </p:grpSp>
-      </p:grpSp>
-    </p:spTree>
-    <p:extLst>
-      <p:ext uri="{BB962C8B-B14F-4D97-AF65-F5344CB8AC3E}">
-        <p14:creationId xmlns:p14="http://schemas.microsoft.com/office/powerpoint/2010/main" val="4030372907"/>
-      </p:ext>
-    </p:extLst>
-  </p:cSld>
-  <p:clrMapOvr>
-    <a:masterClrMapping/>
-  </p:clrMapOvr>
 </p:sld>
 </file>
 

--- a/presentations/LESSON_1.pptx
+++ b/presentations/LESSON_1.pptx
@@ -5,7 +5,7 @@
     <p:sldMasterId id="2147483648" r:id="rId1"/>
   </p:sldMasterIdLst>
   <p:notesMasterIdLst>
-    <p:notesMasterId r:id="rId26"/>
+    <p:notesMasterId r:id="rId23"/>
   </p:notesMasterIdLst>
   <p:sldIdLst>
     <p:sldId id="256" r:id="rId2"/>
@@ -14,24 +14,21 @@
     <p:sldId id="259" r:id="rId5"/>
     <p:sldId id="260" r:id="rId6"/>
     <p:sldId id="261" r:id="rId7"/>
-    <p:sldId id="278" r:id="rId8"/>
-    <p:sldId id="279" r:id="rId9"/>
-    <p:sldId id="262" r:id="rId10"/>
-    <p:sldId id="269" r:id="rId11"/>
-    <p:sldId id="267" r:id="rId12"/>
-    <p:sldId id="268" r:id="rId13"/>
-    <p:sldId id="270" r:id="rId14"/>
-    <p:sldId id="263" r:id="rId15"/>
-    <p:sldId id="271" r:id="rId16"/>
-    <p:sldId id="272" r:id="rId17"/>
-    <p:sldId id="273" r:id="rId18"/>
-    <p:sldId id="264" r:id="rId19"/>
-    <p:sldId id="274" r:id="rId20"/>
-    <p:sldId id="265" r:id="rId21"/>
-    <p:sldId id="275" r:id="rId22"/>
-    <p:sldId id="276" r:id="rId23"/>
-    <p:sldId id="277" r:id="rId24"/>
-    <p:sldId id="266" r:id="rId25"/>
+    <p:sldId id="262" r:id="rId8"/>
+    <p:sldId id="269" r:id="rId9"/>
+    <p:sldId id="267" r:id="rId10"/>
+    <p:sldId id="268" r:id="rId11"/>
+    <p:sldId id="270" r:id="rId12"/>
+    <p:sldId id="263" r:id="rId13"/>
+    <p:sldId id="271" r:id="rId14"/>
+    <p:sldId id="272" r:id="rId15"/>
+    <p:sldId id="273" r:id="rId16"/>
+    <p:sldId id="264" r:id="rId17"/>
+    <p:sldId id="274" r:id="rId18"/>
+    <p:sldId id="265" r:id="rId19"/>
+    <p:sldId id="275" r:id="rId20"/>
+    <p:sldId id="276" r:id="rId21"/>
+    <p:sldId id="277" r:id="rId22"/>
   </p:sldIdLst>
   <p:sldSz cx="12192000" cy="6858000"/>
   <p:notesSz cx="6858000" cy="9144000"/>
@@ -130,14 +127,6 @@
       </a:defRPr>
     </a:lvl9pPr>
   </p:defaultTextStyle>
-  <p:extLst>
-    <p:ext uri="{EFAFB233-063F-42B5-8137-9DF3F51BA10A}">
-      <p15:sldGuideLst xmlns:p15="http://schemas.microsoft.com/office/powerpoint/2012/main"/>
-    </p:ext>
-    <p:ext uri="{2D200454-40CA-4A62-9FC3-DE9A4176ACB9}">
-      <p15:notesGuideLst xmlns:p15="http://schemas.microsoft.com/office/powerpoint/2012/main"/>
-    </p:ext>
-  </p:extLst>
 </p:presentation>
 </file>
 
@@ -555,7 +544,7 @@
           <a:p>
             <a:fld id="{24A1D414-D7BE-3945-871B-73D36434F3EE}" type="slidenum">
               <a:rPr lang="de-DE" smtClean="0"/>
-              <a:t>15</a:t>
+              <a:t>13</a:t>
             </a:fld>
             <a:endParaRPr lang="de-DE"/>
           </a:p>
@@ -639,7 +628,7 @@
           <a:p>
             <a:fld id="{24A1D414-D7BE-3945-871B-73D36434F3EE}" type="slidenum">
               <a:rPr lang="de-DE" smtClean="0"/>
-              <a:t>16</a:t>
+              <a:t>14</a:t>
             </a:fld>
             <a:endParaRPr lang="de-DE"/>
           </a:p>
@@ -723,7 +712,7 @@
           <a:p>
             <a:fld id="{24A1D414-D7BE-3945-871B-73D36434F3EE}" type="slidenum">
               <a:rPr lang="de-DE" smtClean="0"/>
-              <a:t>17</a:t>
+              <a:t>15</a:t>
             </a:fld>
             <a:endParaRPr lang="de-DE"/>
           </a:p>
@@ -807,7 +796,7 @@
           <a:p>
             <a:fld id="{24A1D414-D7BE-3945-871B-73D36434F3EE}" type="slidenum">
               <a:rPr lang="de-DE" smtClean="0"/>
-              <a:t>18</a:t>
+              <a:t>16</a:t>
             </a:fld>
             <a:endParaRPr lang="de-DE"/>
           </a:p>
@@ -891,7 +880,7 @@
           <a:p>
             <a:fld id="{24A1D414-D7BE-3945-871B-73D36434F3EE}" type="slidenum">
               <a:rPr lang="de-DE" smtClean="0"/>
-              <a:t>19</a:t>
+              <a:t>17</a:t>
             </a:fld>
             <a:endParaRPr lang="de-DE"/>
           </a:p>
@@ -6350,29 +6339,61 @@
             </a:r>
           </a:p>
           <a:p>
-            <a:pPr marL="457200" lvl="1" indent="0">
-              <a:buNone/>
-            </a:pPr>
-            <a:endParaRPr lang="de-DE" sz="2000" dirty="0"/>
-          </a:p>
-          <a:p>
-            <a:pPr marL="457200" lvl="1" indent="0">
-              <a:buNone/>
-            </a:pPr>
-            <a:endParaRPr lang="de-DE" dirty="0"/>
-          </a:p>
-          <a:p>
-            <a:pPr marL="457200" lvl="1" indent="0">
-              <a:buNone/>
-            </a:pPr>
-            <a:endParaRPr lang="de-DE" dirty="0"/>
+            <a:r>
+              <a:rPr lang="de-DE" dirty="0"/>
+              <a:t>Syntax</a:t>
+            </a:r>
+          </a:p>
+          <a:p>
+            <a:pPr lvl="1"/>
+            <a:r>
+              <a:rPr lang="de-DE" dirty="0"/>
+              <a:t>Einrückungen</a:t>
+            </a:r>
+          </a:p>
+          <a:p>
+            <a:pPr lvl="1"/>
+            <a:r>
+              <a:rPr lang="de-DE" dirty="0"/>
+              <a:t>Kommentare</a:t>
+            </a:r>
           </a:p>
         </p:txBody>
       </p:sp>
+      <p:pic>
+        <p:nvPicPr>
+          <p:cNvPr id="7" name="Grafik 6">
+            <a:extLst>
+              <a:ext uri="{FF2B5EF4-FFF2-40B4-BE49-F238E27FC236}">
+                <a16:creationId xmlns:a16="http://schemas.microsoft.com/office/drawing/2014/main" id="{EE757DD5-2726-2671-C330-CAA0DF18C554}"/>
+              </a:ext>
+            </a:extLst>
+          </p:cNvPr>
+          <p:cNvPicPr>
+            <a:picLocks noChangeAspect="1"/>
+          </p:cNvPicPr>
+          <p:nvPr/>
+        </p:nvPicPr>
+        <p:blipFill>
+          <a:blip r:embed="rId2"/>
+          <a:stretch>
+            <a:fillRect/>
+          </a:stretch>
+        </p:blipFill>
+        <p:spPr>
+          <a:xfrm>
+            <a:off x="6742547" y="2200242"/>
+            <a:ext cx="3786909" cy="3952973"/>
+          </a:xfrm>
+          <a:prstGeom prst="rect">
+            <a:avLst/>
+          </a:prstGeom>
+        </p:spPr>
+      </p:pic>
     </p:spTree>
     <p:extLst>
       <p:ext uri="{BB962C8B-B14F-4D97-AF65-F5344CB8AC3E}">
-        <p14:creationId xmlns:p14="http://schemas.microsoft.com/office/powerpoint/2010/main" val="646178345"/>
+        <p14:creationId xmlns:p14="http://schemas.microsoft.com/office/powerpoint/2010/main" val="690367509"/>
       </p:ext>
     </p:extLst>
   </p:cSld>
@@ -6528,588 +6549,6 @@
             </a:r>
           </a:p>
           <a:p>
-            <a:pPr marL="457200" lvl="1" indent="0">
-              <a:buNone/>
-            </a:pPr>
-            <a:endParaRPr lang="de-DE" dirty="0"/>
-          </a:p>
-        </p:txBody>
-      </p:sp>
-      <p:grpSp>
-        <p:nvGrpSpPr>
-          <p:cNvPr id="12" name="Gruppieren 11">
-            <a:extLst>
-              <a:ext uri="{FF2B5EF4-FFF2-40B4-BE49-F238E27FC236}">
-                <a16:creationId xmlns:a16="http://schemas.microsoft.com/office/drawing/2014/main" id="{ECDF8225-083E-9F46-D149-6EA603F19C82}"/>
-              </a:ext>
-            </a:extLst>
-          </p:cNvPr>
-          <p:cNvGrpSpPr/>
-          <p:nvPr/>
-        </p:nvGrpSpPr>
-        <p:grpSpPr>
-          <a:xfrm>
-            <a:off x="6095999" y="3211529"/>
-            <a:ext cx="4978400" cy="1930400"/>
-            <a:chOff x="6095999" y="3211529"/>
-            <a:chExt cx="4978400" cy="1930400"/>
-          </a:xfrm>
-        </p:grpSpPr>
-        <p:pic>
-          <p:nvPicPr>
-            <p:cNvPr id="5" name="Grafik 4">
-              <a:extLst>
-                <a:ext uri="{FF2B5EF4-FFF2-40B4-BE49-F238E27FC236}">
-                  <a16:creationId xmlns:a16="http://schemas.microsoft.com/office/drawing/2014/main" id="{C72CC728-8BA3-0AA8-AAC5-8E2E27439187}"/>
-                </a:ext>
-              </a:extLst>
-            </p:cNvPr>
-            <p:cNvPicPr>
-              <a:picLocks noChangeAspect="1"/>
-            </p:cNvPicPr>
-            <p:nvPr/>
-          </p:nvPicPr>
-          <p:blipFill>
-            <a:blip r:embed="rId2"/>
-            <a:stretch>
-              <a:fillRect/>
-            </a:stretch>
-          </p:blipFill>
-          <p:spPr>
-            <a:xfrm>
-              <a:off x="6095999" y="3211529"/>
-              <a:ext cx="4978400" cy="1930400"/>
-            </a:xfrm>
-            <a:prstGeom prst="rect">
-              <a:avLst/>
-            </a:prstGeom>
-          </p:spPr>
-        </p:pic>
-        <p:grpSp>
-          <p:nvGrpSpPr>
-            <p:cNvPr id="11" name="Gruppieren 10">
-              <a:extLst>
-                <a:ext uri="{FF2B5EF4-FFF2-40B4-BE49-F238E27FC236}">
-                  <a16:creationId xmlns:a16="http://schemas.microsoft.com/office/drawing/2014/main" id="{03B60ACF-55FE-5802-DE77-7AD35092AC78}"/>
-                </a:ext>
-              </a:extLst>
-            </p:cNvPr>
-            <p:cNvGrpSpPr/>
-            <p:nvPr/>
-          </p:nvGrpSpPr>
-          <p:grpSpPr>
-            <a:xfrm>
-              <a:off x="6524096" y="3540706"/>
-              <a:ext cx="729049" cy="1290223"/>
-              <a:chOff x="6524096" y="3540706"/>
-              <a:chExt cx="729049" cy="1290223"/>
-            </a:xfrm>
-          </p:grpSpPr>
-          <p:sp>
-            <p:nvSpPr>
-              <p:cNvPr id="6" name="Pfeil nach rechts 5">
-                <a:extLst>
-                  <a:ext uri="{FF2B5EF4-FFF2-40B4-BE49-F238E27FC236}">
-                    <a16:creationId xmlns:a16="http://schemas.microsoft.com/office/drawing/2014/main" id="{27FF68B8-8E23-1908-02D6-119C99E8F830}"/>
-                  </a:ext>
-                </a:extLst>
-              </p:cNvPr>
-              <p:cNvSpPr/>
-              <p:nvPr/>
-            </p:nvSpPr>
-            <p:spPr>
-              <a:xfrm>
-                <a:off x="6524096" y="3540706"/>
-                <a:ext cx="729049" cy="196987"/>
-              </a:xfrm>
-              <a:prstGeom prst="rightArrow">
-                <a:avLst>
-                  <a:gd name="adj1" fmla="val 50000"/>
-                  <a:gd name="adj2" fmla="val 87810"/>
-                </a:avLst>
-              </a:prstGeom>
-            </p:spPr>
-            <p:style>
-              <a:lnRef idx="2">
-                <a:schemeClr val="accent1">
-                  <a:shade val="50000"/>
-                </a:schemeClr>
-              </a:lnRef>
-              <a:fillRef idx="1">
-                <a:schemeClr val="accent1"/>
-              </a:fillRef>
-              <a:effectRef idx="0">
-                <a:schemeClr val="accent1"/>
-              </a:effectRef>
-              <a:fontRef idx="minor">
-                <a:schemeClr val="lt1"/>
-              </a:fontRef>
-            </p:style>
-            <p:txBody>
-              <a:bodyPr rtlCol="0" anchor="ctr"/>
-              <a:lstStyle/>
-              <a:p>
-                <a:pPr algn="ctr"/>
-                <a:endParaRPr lang="de-DE"/>
-              </a:p>
-            </p:txBody>
-          </p:sp>
-          <p:sp>
-            <p:nvSpPr>
-              <p:cNvPr id="9" name="Pfeil nach rechts 8">
-                <a:extLst>
-                  <a:ext uri="{FF2B5EF4-FFF2-40B4-BE49-F238E27FC236}">
-                    <a16:creationId xmlns:a16="http://schemas.microsoft.com/office/drawing/2014/main" id="{71757150-7F23-E46D-C4D2-1D5B9071D169}"/>
-                  </a:ext>
-                </a:extLst>
-              </p:cNvPr>
-              <p:cNvSpPr/>
-              <p:nvPr/>
-            </p:nvSpPr>
-            <p:spPr>
-              <a:xfrm>
-                <a:off x="6524096" y="4087324"/>
-                <a:ext cx="729049" cy="196987"/>
-              </a:xfrm>
-              <a:prstGeom prst="rightArrow">
-                <a:avLst>
-                  <a:gd name="adj1" fmla="val 50000"/>
-                  <a:gd name="adj2" fmla="val 87810"/>
-                </a:avLst>
-              </a:prstGeom>
-            </p:spPr>
-            <p:style>
-              <a:lnRef idx="2">
-                <a:schemeClr val="accent1">
-                  <a:shade val="50000"/>
-                </a:schemeClr>
-              </a:lnRef>
-              <a:fillRef idx="1">
-                <a:schemeClr val="accent1"/>
-              </a:fillRef>
-              <a:effectRef idx="0">
-                <a:schemeClr val="accent1"/>
-              </a:effectRef>
-              <a:fontRef idx="minor">
-                <a:schemeClr val="lt1"/>
-              </a:fontRef>
-            </p:style>
-            <p:txBody>
-              <a:bodyPr rtlCol="0" anchor="ctr"/>
-              <a:lstStyle/>
-              <a:p>
-                <a:pPr algn="ctr"/>
-                <a:endParaRPr lang="de-DE"/>
-              </a:p>
-            </p:txBody>
-          </p:sp>
-          <p:sp>
-            <p:nvSpPr>
-              <p:cNvPr id="10" name="Pfeil nach rechts 9">
-                <a:extLst>
-                  <a:ext uri="{FF2B5EF4-FFF2-40B4-BE49-F238E27FC236}">
-                    <a16:creationId xmlns:a16="http://schemas.microsoft.com/office/drawing/2014/main" id="{F2C295B5-B68E-C7E5-6E9B-5A4C8C710D4A}"/>
-                  </a:ext>
-                </a:extLst>
-              </p:cNvPr>
-              <p:cNvSpPr/>
-              <p:nvPr/>
-            </p:nvSpPr>
-            <p:spPr>
-              <a:xfrm>
-                <a:off x="6524096" y="4633942"/>
-                <a:ext cx="729049" cy="196987"/>
-              </a:xfrm>
-              <a:prstGeom prst="rightArrow">
-                <a:avLst>
-                  <a:gd name="adj1" fmla="val 50000"/>
-                  <a:gd name="adj2" fmla="val 87810"/>
-                </a:avLst>
-              </a:prstGeom>
-            </p:spPr>
-            <p:style>
-              <a:lnRef idx="2">
-                <a:schemeClr val="accent1">
-                  <a:shade val="50000"/>
-                </a:schemeClr>
-              </a:lnRef>
-              <a:fillRef idx="1">
-                <a:schemeClr val="accent1"/>
-              </a:fillRef>
-              <a:effectRef idx="0">
-                <a:schemeClr val="accent1"/>
-              </a:effectRef>
-              <a:fontRef idx="minor">
-                <a:schemeClr val="lt1"/>
-              </a:fontRef>
-            </p:style>
-            <p:txBody>
-              <a:bodyPr rtlCol="0" anchor="ctr"/>
-              <a:lstStyle/>
-              <a:p>
-                <a:pPr algn="ctr"/>
-                <a:endParaRPr lang="de-DE"/>
-              </a:p>
-            </p:txBody>
-          </p:sp>
-        </p:grpSp>
-      </p:grpSp>
-    </p:spTree>
-    <p:extLst>
-      <p:ext uri="{BB962C8B-B14F-4D97-AF65-F5344CB8AC3E}">
-        <p14:creationId xmlns:p14="http://schemas.microsoft.com/office/powerpoint/2010/main" val="4030372907"/>
-      </p:ext>
-    </p:extLst>
-  </p:cSld>
-  <p:clrMapOvr>
-    <a:masterClrMapping/>
-  </p:clrMapOvr>
-</p:sld>
-</file>
-
-<file path=ppt/slides/slide12.xml><?xml version="1.0" encoding="utf-8"?>
-<p:sld xmlns:a="http://schemas.openxmlformats.org/drawingml/2006/main" xmlns:r="http://schemas.openxmlformats.org/officeDocument/2006/relationships" xmlns:p="http://schemas.openxmlformats.org/presentationml/2006/main">
-  <p:cSld>
-    <p:spTree>
-      <p:nvGrpSpPr>
-        <p:cNvPr id="1" name=""/>
-        <p:cNvGrpSpPr/>
-        <p:nvPr/>
-      </p:nvGrpSpPr>
-      <p:grpSpPr>
-        <a:xfrm>
-          <a:off x="0" y="0"/>
-          <a:ext cx="0" cy="0"/>
-          <a:chOff x="0" y="0"/>
-          <a:chExt cx="0" cy="0"/>
-        </a:xfrm>
-      </p:grpSpPr>
-      <p:sp>
-        <p:nvSpPr>
-          <p:cNvPr id="2" name="Titel 1">
-            <a:extLst>
-              <a:ext uri="{FF2B5EF4-FFF2-40B4-BE49-F238E27FC236}">
-                <a16:creationId xmlns:a16="http://schemas.microsoft.com/office/drawing/2014/main" id="{58B6CE22-6A8C-E2D1-4080-1958BC60F476}"/>
-              </a:ext>
-            </a:extLst>
-          </p:cNvPr>
-          <p:cNvSpPr>
-            <a:spLocks noGrp="1"/>
-          </p:cNvSpPr>
-          <p:nvPr>
-            <p:ph type="title"/>
-          </p:nvPr>
-        </p:nvSpPr>
-        <p:spPr/>
-        <p:txBody>
-          <a:bodyPr/>
-          <a:lstStyle/>
-          <a:p>
-            <a:r>
-              <a:rPr lang="de-DE" dirty="0"/>
-              <a:t>Arbeit mit Python</a:t>
-            </a:r>
-          </a:p>
-        </p:txBody>
-      </p:sp>
-      <p:sp>
-        <p:nvSpPr>
-          <p:cNvPr id="3" name="Inhaltsplatzhalter 2">
-            <a:extLst>
-              <a:ext uri="{FF2B5EF4-FFF2-40B4-BE49-F238E27FC236}">
-                <a16:creationId xmlns:a16="http://schemas.microsoft.com/office/drawing/2014/main" id="{C1C574DE-B214-80AD-F25E-4190690C7E04}"/>
-              </a:ext>
-            </a:extLst>
-          </p:cNvPr>
-          <p:cNvSpPr>
-            <a:spLocks noGrp="1"/>
-          </p:cNvSpPr>
-          <p:nvPr>
-            <p:ph idx="1"/>
-          </p:nvPr>
-        </p:nvSpPr>
-        <p:spPr>
-          <a:xfrm>
-            <a:off x="818713" y="2358474"/>
-            <a:ext cx="10554574" cy="3636511"/>
-          </a:xfrm>
-        </p:spPr>
-        <p:txBody>
-          <a:bodyPr/>
-          <a:lstStyle/>
-          <a:p>
-            <a:r>
-              <a:rPr lang="de-DE" dirty="0"/>
-              <a:t>Code schreiben &amp; Ausführen</a:t>
-            </a:r>
-          </a:p>
-          <a:p>
-            <a:pPr lvl="1"/>
-            <a:r>
-              <a:rPr lang="de-DE" dirty="0"/>
-              <a:t>Interaktiver Modus</a:t>
-            </a:r>
-          </a:p>
-          <a:p>
-            <a:pPr lvl="1"/>
-            <a:r>
-              <a:rPr lang="de-DE" dirty="0"/>
-              <a:t>Ausführen von Dateien</a:t>
-            </a:r>
-          </a:p>
-          <a:p>
-            <a:pPr lvl="2"/>
-            <a:r>
-              <a:rPr lang="de-DE" dirty="0"/>
-              <a:t>Schreiben in IDE/ Editor</a:t>
-            </a:r>
-          </a:p>
-          <a:p>
-            <a:pPr lvl="2"/>
-            <a:r>
-              <a:rPr lang="de-DE" dirty="0"/>
-              <a:t>Speichern &amp; Ausführen der </a:t>
-            </a:r>
-            <a:r>
-              <a:rPr lang="de-DE" dirty="0">
-                <a:solidFill>
-                  <a:schemeClr val="accent1"/>
-                </a:solidFill>
-              </a:rPr>
-              <a:t>.</a:t>
-            </a:r>
-            <a:r>
-              <a:rPr lang="de-DE" dirty="0" err="1">
-                <a:solidFill>
-                  <a:schemeClr val="accent1"/>
-                </a:solidFill>
-              </a:rPr>
-              <a:t>py</a:t>
-            </a:r>
-            <a:r>
-              <a:rPr lang="de-DE" dirty="0">
-                <a:solidFill>
-                  <a:schemeClr val="accent1"/>
-                </a:solidFill>
-              </a:rPr>
-              <a:t> </a:t>
-            </a:r>
-            <a:r>
-              <a:rPr lang="de-DE" dirty="0"/>
-              <a:t>Datei</a:t>
-            </a:r>
-          </a:p>
-          <a:p>
-            <a:r>
-              <a:rPr lang="de-DE" dirty="0"/>
-              <a:t>Syntax</a:t>
-            </a:r>
-          </a:p>
-          <a:p>
-            <a:pPr lvl="1"/>
-            <a:r>
-              <a:rPr lang="de-DE" dirty="0"/>
-              <a:t>Einrückungen</a:t>
-            </a:r>
-          </a:p>
-          <a:p>
-            <a:pPr lvl="1"/>
-            <a:r>
-              <a:rPr lang="de-DE" dirty="0"/>
-              <a:t>Kommentare</a:t>
-            </a:r>
-          </a:p>
-        </p:txBody>
-      </p:sp>
-      <p:pic>
-        <p:nvPicPr>
-          <p:cNvPr id="7" name="Grafik 6">
-            <a:extLst>
-              <a:ext uri="{FF2B5EF4-FFF2-40B4-BE49-F238E27FC236}">
-                <a16:creationId xmlns:a16="http://schemas.microsoft.com/office/drawing/2014/main" id="{EE757DD5-2726-2671-C330-CAA0DF18C554}"/>
-              </a:ext>
-            </a:extLst>
-          </p:cNvPr>
-          <p:cNvPicPr>
-            <a:picLocks noChangeAspect="1"/>
-          </p:cNvPicPr>
-          <p:nvPr/>
-        </p:nvPicPr>
-        <p:blipFill>
-          <a:blip r:embed="rId2"/>
-          <a:stretch>
-            <a:fillRect/>
-          </a:stretch>
-        </p:blipFill>
-        <p:spPr>
-          <a:xfrm>
-            <a:off x="6742547" y="2200242"/>
-            <a:ext cx="3786909" cy="3952973"/>
-          </a:xfrm>
-          <a:prstGeom prst="rect">
-            <a:avLst/>
-          </a:prstGeom>
-        </p:spPr>
-      </p:pic>
-    </p:spTree>
-    <p:extLst>
-      <p:ext uri="{BB962C8B-B14F-4D97-AF65-F5344CB8AC3E}">
-        <p14:creationId xmlns:p14="http://schemas.microsoft.com/office/powerpoint/2010/main" val="690367509"/>
-      </p:ext>
-    </p:extLst>
-  </p:cSld>
-  <p:clrMapOvr>
-    <a:masterClrMapping/>
-  </p:clrMapOvr>
-</p:sld>
-</file>
-
-<file path=ppt/slides/slide13.xml><?xml version="1.0" encoding="utf-8"?>
-<p:sld xmlns:a="http://schemas.openxmlformats.org/drawingml/2006/main" xmlns:r="http://schemas.openxmlformats.org/officeDocument/2006/relationships" xmlns:p="http://schemas.openxmlformats.org/presentationml/2006/main">
-  <p:cSld>
-    <p:spTree>
-      <p:nvGrpSpPr>
-        <p:cNvPr id="1" name=""/>
-        <p:cNvGrpSpPr/>
-        <p:nvPr/>
-      </p:nvGrpSpPr>
-      <p:grpSpPr>
-        <a:xfrm>
-          <a:off x="0" y="0"/>
-          <a:ext cx="0" cy="0"/>
-          <a:chOff x="0" y="0"/>
-          <a:chExt cx="0" cy="0"/>
-        </a:xfrm>
-      </p:grpSpPr>
-      <p:sp>
-        <p:nvSpPr>
-          <p:cNvPr id="2" name="Titel 1">
-            <a:extLst>
-              <a:ext uri="{FF2B5EF4-FFF2-40B4-BE49-F238E27FC236}">
-                <a16:creationId xmlns:a16="http://schemas.microsoft.com/office/drawing/2014/main" id="{58B6CE22-6A8C-E2D1-4080-1958BC60F476}"/>
-              </a:ext>
-            </a:extLst>
-          </p:cNvPr>
-          <p:cNvSpPr>
-            <a:spLocks noGrp="1"/>
-          </p:cNvSpPr>
-          <p:nvPr>
-            <p:ph type="title"/>
-          </p:nvPr>
-        </p:nvSpPr>
-        <p:spPr/>
-        <p:txBody>
-          <a:bodyPr/>
-          <a:lstStyle/>
-          <a:p>
-            <a:r>
-              <a:rPr lang="de-DE" dirty="0"/>
-              <a:t>Arbeit mit Python</a:t>
-            </a:r>
-          </a:p>
-        </p:txBody>
-      </p:sp>
-      <p:sp>
-        <p:nvSpPr>
-          <p:cNvPr id="3" name="Inhaltsplatzhalter 2">
-            <a:extLst>
-              <a:ext uri="{FF2B5EF4-FFF2-40B4-BE49-F238E27FC236}">
-                <a16:creationId xmlns:a16="http://schemas.microsoft.com/office/drawing/2014/main" id="{C1C574DE-B214-80AD-F25E-4190690C7E04}"/>
-              </a:ext>
-            </a:extLst>
-          </p:cNvPr>
-          <p:cNvSpPr>
-            <a:spLocks noGrp="1"/>
-          </p:cNvSpPr>
-          <p:nvPr>
-            <p:ph idx="1"/>
-          </p:nvPr>
-        </p:nvSpPr>
-        <p:spPr>
-          <a:xfrm>
-            <a:off x="818713" y="2358474"/>
-            <a:ext cx="10554574" cy="3636511"/>
-          </a:xfrm>
-        </p:spPr>
-        <p:txBody>
-          <a:bodyPr/>
-          <a:lstStyle/>
-          <a:p>
-            <a:r>
-              <a:rPr lang="de-DE" dirty="0"/>
-              <a:t>Code schreiben &amp; Ausführen</a:t>
-            </a:r>
-          </a:p>
-          <a:p>
-            <a:pPr lvl="1"/>
-            <a:r>
-              <a:rPr lang="de-DE" dirty="0"/>
-              <a:t>Interaktiver Modus</a:t>
-            </a:r>
-          </a:p>
-          <a:p>
-            <a:pPr lvl="1"/>
-            <a:r>
-              <a:rPr lang="de-DE" dirty="0"/>
-              <a:t>Ausführen von Dateien</a:t>
-            </a:r>
-          </a:p>
-          <a:p>
-            <a:pPr lvl="2"/>
-            <a:r>
-              <a:rPr lang="de-DE" dirty="0"/>
-              <a:t>Schreiben in IDE/ Editor</a:t>
-            </a:r>
-          </a:p>
-          <a:p>
-            <a:pPr lvl="2"/>
-            <a:r>
-              <a:rPr lang="de-DE" dirty="0"/>
-              <a:t>Speichern &amp; Ausführen der </a:t>
-            </a:r>
-            <a:r>
-              <a:rPr lang="de-DE" dirty="0">
-                <a:solidFill>
-                  <a:schemeClr val="accent1"/>
-                </a:solidFill>
-              </a:rPr>
-              <a:t>.</a:t>
-            </a:r>
-            <a:r>
-              <a:rPr lang="de-DE" dirty="0" err="1">
-                <a:solidFill>
-                  <a:schemeClr val="accent1"/>
-                </a:solidFill>
-              </a:rPr>
-              <a:t>py</a:t>
-            </a:r>
-            <a:r>
-              <a:rPr lang="de-DE" dirty="0">
-                <a:solidFill>
-                  <a:schemeClr val="accent1"/>
-                </a:solidFill>
-              </a:rPr>
-              <a:t> </a:t>
-            </a:r>
-            <a:r>
-              <a:rPr lang="de-DE" dirty="0"/>
-              <a:t>Datei</a:t>
-            </a:r>
-          </a:p>
-          <a:p>
-            <a:r>
-              <a:rPr lang="de-DE" dirty="0"/>
-              <a:t>Syntax</a:t>
-            </a:r>
-          </a:p>
-          <a:p>
-            <a:pPr lvl="1"/>
-            <a:r>
-              <a:rPr lang="de-DE" dirty="0"/>
-              <a:t>Einrückungen</a:t>
-            </a:r>
-          </a:p>
-          <a:p>
             <a:pPr lvl="1"/>
             <a:r>
               <a:rPr lang="de-DE" dirty="0"/>
@@ -7138,7 +6577,7 @@
 </p:sld>
 </file>
 
-<file path=ppt/slides/slide14.xml><?xml version="1.0" encoding="utf-8"?>
+<file path=ppt/slides/slide12.xml><?xml version="1.0" encoding="utf-8"?>
 <p:sld xmlns:a="http://schemas.openxmlformats.org/drawingml/2006/main" xmlns:r="http://schemas.openxmlformats.org/officeDocument/2006/relationships" xmlns:p="http://schemas.openxmlformats.org/presentationml/2006/main">
   <p:cSld>
     <p:spTree>
@@ -7922,7 +7361,7 @@
 </p:sld>
 </file>
 
-<file path=ppt/slides/slide15.xml><?xml version="1.0" encoding="utf-8"?>
+<file path=ppt/slides/slide13.xml><?xml version="1.0" encoding="utf-8"?>
 <p:sld xmlns:a="http://schemas.openxmlformats.org/drawingml/2006/main" xmlns:r="http://schemas.openxmlformats.org/officeDocument/2006/relationships" xmlns:p="http://schemas.openxmlformats.org/presentationml/2006/main">
   <p:cSld>
     <p:spTree>
@@ -9503,6 +8942,2893 @@
     <p:extLst>
       <p:ext uri="{BB962C8B-B14F-4D97-AF65-F5344CB8AC3E}">
         <p14:creationId xmlns:p14="http://schemas.microsoft.com/office/powerpoint/2010/main" val="2239660474"/>
+      </p:ext>
+    </p:extLst>
+  </p:cSld>
+  <p:clrMapOvr>
+    <a:masterClrMapping/>
+  </p:clrMapOvr>
+  <p:timing>
+    <p:tnLst>
+      <p:par>
+        <p:cTn id="1" dur="indefinite" restart="never" nodeType="tmRoot">
+          <p:childTnLst>
+            <p:seq concurrent="1" nextAc="seek">
+              <p:cTn id="2" dur="indefinite" nodeType="mainSeq">
+                <p:childTnLst>
+                  <p:par>
+                    <p:cTn id="3" fill="hold">
+                      <p:stCondLst>
+                        <p:cond delay="indefinite"/>
+                      </p:stCondLst>
+                      <p:childTnLst>
+                        <p:par>
+                          <p:cTn id="4" fill="hold">
+                            <p:stCondLst>
+                              <p:cond delay="0"/>
+                            </p:stCondLst>
+                            <p:childTnLst>
+                              <p:par>
+                                <p:cTn id="5" presetID="1" presetClass="entr" presetSubtype="0" fill="hold" grpId="0" nodeType="clickEffect">
+                                  <p:stCondLst>
+                                    <p:cond delay="0"/>
+                                  </p:stCondLst>
+                                  <p:childTnLst>
+                                    <p:set>
+                                      <p:cBhvr>
+                                        <p:cTn id="6" dur="1" fill="hold">
+                                          <p:stCondLst>
+                                            <p:cond delay="0"/>
+                                          </p:stCondLst>
+                                        </p:cTn>
+                                        <p:tgtEl>
+                                          <p:spTgt spid="3"/>
+                                        </p:tgtEl>
+                                        <p:attrNameLst>
+                                          <p:attrName>style.visibility</p:attrName>
+                                        </p:attrNameLst>
+                                      </p:cBhvr>
+                                      <p:to>
+                                        <p:strVal val="visible"/>
+                                      </p:to>
+                                    </p:set>
+                                  </p:childTnLst>
+                                </p:cTn>
+                              </p:par>
+                            </p:childTnLst>
+                          </p:cTn>
+                        </p:par>
+                      </p:childTnLst>
+                    </p:cTn>
+                  </p:par>
+                  <p:par>
+                    <p:cTn id="7" fill="hold">
+                      <p:stCondLst>
+                        <p:cond delay="indefinite"/>
+                      </p:stCondLst>
+                      <p:childTnLst>
+                        <p:par>
+                          <p:cTn id="8" fill="hold">
+                            <p:stCondLst>
+                              <p:cond delay="0"/>
+                            </p:stCondLst>
+                            <p:childTnLst>
+                              <p:par>
+                                <p:cTn id="9" presetID="1" presetClass="exit" presetSubtype="0" fill="hold" grpId="1" nodeType="clickEffect">
+                                  <p:stCondLst>
+                                    <p:cond delay="0"/>
+                                  </p:stCondLst>
+                                  <p:childTnLst>
+                                    <p:set>
+                                      <p:cBhvr>
+                                        <p:cTn id="10" dur="1" fill="hold">
+                                          <p:stCondLst>
+                                            <p:cond delay="0"/>
+                                          </p:stCondLst>
+                                        </p:cTn>
+                                        <p:tgtEl>
+                                          <p:spTgt spid="3"/>
+                                        </p:tgtEl>
+                                        <p:attrNameLst>
+                                          <p:attrName>style.visibility</p:attrName>
+                                        </p:attrNameLst>
+                                      </p:cBhvr>
+                                      <p:to>
+                                        <p:strVal val="hidden"/>
+                                      </p:to>
+                                    </p:set>
+                                  </p:childTnLst>
+                                </p:cTn>
+                              </p:par>
+                            </p:childTnLst>
+                          </p:cTn>
+                        </p:par>
+                      </p:childTnLst>
+                    </p:cTn>
+                  </p:par>
+                </p:childTnLst>
+              </p:cTn>
+              <p:prevCondLst>
+                <p:cond evt="onPrev" delay="0">
+                  <p:tgtEl>
+                    <p:sldTgt/>
+                  </p:tgtEl>
+                </p:cond>
+              </p:prevCondLst>
+              <p:nextCondLst>
+                <p:cond evt="onNext" delay="0">
+                  <p:tgtEl>
+                    <p:sldTgt/>
+                  </p:tgtEl>
+                </p:cond>
+              </p:nextCondLst>
+            </p:seq>
+          </p:childTnLst>
+        </p:cTn>
+      </p:par>
+    </p:tnLst>
+    <p:bldLst>
+      <p:bldP spid="3" grpId="0" animBg="1"/>
+      <p:bldP spid="3" grpId="1" animBg="1"/>
+    </p:bldLst>
+  </p:timing>
+</p:sld>
+</file>
+
+<file path=ppt/slides/slide14.xml><?xml version="1.0" encoding="utf-8"?>
+<p:sld xmlns:a="http://schemas.openxmlformats.org/drawingml/2006/main" xmlns:r="http://schemas.openxmlformats.org/officeDocument/2006/relationships" xmlns:p="http://schemas.openxmlformats.org/presentationml/2006/main">
+  <p:cSld>
+    <p:spTree>
+      <p:nvGrpSpPr>
+        <p:cNvPr id="1" name=""/>
+        <p:cNvGrpSpPr/>
+        <p:nvPr/>
+      </p:nvGrpSpPr>
+      <p:grpSpPr>
+        <a:xfrm>
+          <a:off x="0" y="0"/>
+          <a:ext cx="0" cy="0"/>
+          <a:chOff x="0" y="0"/>
+          <a:chExt cx="0" cy="0"/>
+        </a:xfrm>
+      </p:grpSpPr>
+      <p:sp>
+        <p:nvSpPr>
+          <p:cNvPr id="2" name="Titel 1">
+            <a:extLst>
+              <a:ext uri="{FF2B5EF4-FFF2-40B4-BE49-F238E27FC236}">
+                <a16:creationId xmlns:a16="http://schemas.microsoft.com/office/drawing/2014/main" id="{924638F2-44F9-0387-35BC-AA6733952E2F}"/>
+              </a:ext>
+            </a:extLst>
+          </p:cNvPr>
+          <p:cNvSpPr>
+            <a:spLocks noGrp="1"/>
+          </p:cNvSpPr>
+          <p:nvPr>
+            <p:ph type="title"/>
+          </p:nvPr>
+        </p:nvSpPr>
+        <p:spPr/>
+        <p:txBody>
+          <a:bodyPr/>
+          <a:lstStyle/>
+          <a:p>
+            <a:r>
+              <a:rPr lang="de-DE" dirty="0"/>
+              <a:t>Einfache Datenstrukturen</a:t>
+            </a:r>
+          </a:p>
+        </p:txBody>
+      </p:sp>
+      <p:graphicFrame>
+        <p:nvGraphicFramePr>
+          <p:cNvPr id="4" name="Tabelle 4">
+            <a:extLst>
+              <a:ext uri="{FF2B5EF4-FFF2-40B4-BE49-F238E27FC236}">
+                <a16:creationId xmlns:a16="http://schemas.microsoft.com/office/drawing/2014/main" id="{B47C2560-812F-375E-9734-FDB4B9C2658E}"/>
+              </a:ext>
+            </a:extLst>
+          </p:cNvPr>
+          <p:cNvGraphicFramePr>
+            <a:graphicFrameLocks noGrp="1"/>
+          </p:cNvGraphicFramePr>
+          <p:nvPr>
+            <p:ph idx="1"/>
+            <p:extLst>
+              <p:ext uri="{D42A27DB-BD31-4B8C-83A1-F6EECF244321}">
+                <p14:modId xmlns:p14="http://schemas.microsoft.com/office/powerpoint/2010/main" val="2057929446"/>
+              </p:ext>
+            </p:extLst>
+          </p:nvPr>
+        </p:nvGraphicFramePr>
+        <p:xfrm>
+          <a:off x="810000" y="2574470"/>
+          <a:ext cx="10553700" cy="3452258"/>
+        </p:xfrm>
+        <a:graphic>
+          <a:graphicData uri="http://schemas.openxmlformats.org/drawingml/2006/table">
+            <a:tbl>
+              <a:tblPr firstRow="1" bandRow="1">
+                <a:tableStyleId>{17292A2E-F333-43FB-9621-5CBBE7FDCDCB}</a:tableStyleId>
+              </a:tblPr>
+              <a:tblGrid>
+                <a:gridCol w="2110740">
+                  <a:extLst>
+                    <a:ext uri="{9D8B030D-6E8A-4147-A177-3AD203B41FA5}">
+                      <a16:colId xmlns:a16="http://schemas.microsoft.com/office/drawing/2014/main" val="3154879884"/>
+                    </a:ext>
+                  </a:extLst>
+                </a:gridCol>
+                <a:gridCol w="2110740">
+                  <a:extLst>
+                    <a:ext uri="{9D8B030D-6E8A-4147-A177-3AD203B41FA5}">
+                      <a16:colId xmlns:a16="http://schemas.microsoft.com/office/drawing/2014/main" val="2768790688"/>
+                    </a:ext>
+                  </a:extLst>
+                </a:gridCol>
+                <a:gridCol w="2110740">
+                  <a:extLst>
+                    <a:ext uri="{9D8B030D-6E8A-4147-A177-3AD203B41FA5}">
+                      <a16:colId xmlns:a16="http://schemas.microsoft.com/office/drawing/2014/main" val="632190215"/>
+                    </a:ext>
+                  </a:extLst>
+                </a:gridCol>
+                <a:gridCol w="2110740">
+                  <a:extLst>
+                    <a:ext uri="{9D8B030D-6E8A-4147-A177-3AD203B41FA5}">
+                      <a16:colId xmlns:a16="http://schemas.microsoft.com/office/drawing/2014/main" val="981659422"/>
+                    </a:ext>
+                  </a:extLst>
+                </a:gridCol>
+                <a:gridCol w="2110740">
+                  <a:extLst>
+                    <a:ext uri="{9D8B030D-6E8A-4147-A177-3AD203B41FA5}">
+                      <a16:colId xmlns:a16="http://schemas.microsoft.com/office/drawing/2014/main" val="727473629"/>
+                    </a:ext>
+                  </a:extLst>
+                </a:gridCol>
+              </a:tblGrid>
+              <a:tr h="410476">
+                <a:tc>
+                  <a:txBody>
+                    <a:bodyPr/>
+                    <a:lstStyle/>
+                    <a:p>
+                      <a:pPr algn="l"/>
+                      <a:endParaRPr lang="de-DE" dirty="0"/>
+                    </a:p>
+                  </a:txBody>
+                  <a:tcPr anchor="ctr">
+                    <a:lnL w="9525" cap="rnd" cmpd="sng" algn="ctr">
+                      <a:noFill/>
+                      <a:prstDash val="solid"/>
+                    </a:lnL>
+                    <a:lnR w="12700" cap="flat" cmpd="sng" algn="ctr">
+                      <a:solidFill>
+                        <a:schemeClr val="accent4"/>
+                      </a:solidFill>
+                      <a:prstDash val="solid"/>
+                      <a:round/>
+                      <a:headEnd type="none" w="med" len="med"/>
+                      <a:tailEnd type="none" w="med" len="med"/>
+                    </a:lnR>
+                    <a:lnT w="9525" cap="rnd" cmpd="sng" algn="ctr">
+                      <a:noFill/>
+                      <a:prstDash val="solid"/>
+                    </a:lnT>
+                    <a:lnB w="12700" cap="flat" cmpd="sng" algn="ctr">
+                      <a:solidFill>
+                        <a:schemeClr val="accent4"/>
+                      </a:solidFill>
+                      <a:prstDash val="solid"/>
+                      <a:round/>
+                      <a:headEnd type="none" w="med" len="med"/>
+                      <a:tailEnd type="none" w="med" len="med"/>
+                    </a:lnB>
+                    <a:noFill/>
+                  </a:tcPr>
+                </a:tc>
+                <a:tc>
+                  <a:txBody>
+                    <a:bodyPr/>
+                    <a:lstStyle/>
+                    <a:p>
+                      <a:pPr algn="ctr"/>
+                      <a:r>
+                        <a:rPr lang="de-DE" dirty="0"/>
+                        <a:t>Liste</a:t>
+                      </a:r>
+                    </a:p>
+                  </a:txBody>
+                  <a:tcPr anchor="ctr">
+                    <a:lnL w="12700" cap="flat" cmpd="sng" algn="ctr">
+                      <a:solidFill>
+                        <a:schemeClr val="accent4"/>
+                      </a:solidFill>
+                      <a:prstDash val="solid"/>
+                      <a:round/>
+                      <a:headEnd type="none" w="med" len="med"/>
+                      <a:tailEnd type="none" w="med" len="med"/>
+                    </a:lnL>
+                    <a:lnR w="12700" cap="flat" cmpd="sng" algn="ctr">
+                      <a:solidFill>
+                        <a:schemeClr val="accent4"/>
+                      </a:solidFill>
+                      <a:prstDash val="solid"/>
+                      <a:round/>
+                      <a:headEnd type="none" w="med" len="med"/>
+                      <a:tailEnd type="none" w="med" len="med"/>
+                    </a:lnR>
+                  </a:tcPr>
+                </a:tc>
+                <a:tc>
+                  <a:txBody>
+                    <a:bodyPr/>
+                    <a:lstStyle/>
+                    <a:p>
+                      <a:pPr algn="ctr"/>
+                      <a:r>
+                        <a:rPr lang="de-DE" dirty="0"/>
+                        <a:t>Tupel</a:t>
+                      </a:r>
+                    </a:p>
+                  </a:txBody>
+                  <a:tcPr anchor="ctr">
+                    <a:lnL w="12700" cap="flat" cmpd="sng" algn="ctr">
+                      <a:solidFill>
+                        <a:schemeClr val="accent4"/>
+                      </a:solidFill>
+                      <a:prstDash val="solid"/>
+                      <a:round/>
+                      <a:headEnd type="none" w="med" len="med"/>
+                      <a:tailEnd type="none" w="med" len="med"/>
+                    </a:lnL>
+                    <a:lnR w="12700" cap="flat" cmpd="sng" algn="ctr">
+                      <a:solidFill>
+                        <a:schemeClr val="accent4"/>
+                      </a:solidFill>
+                      <a:prstDash val="solid"/>
+                      <a:round/>
+                      <a:headEnd type="none" w="med" len="med"/>
+                      <a:tailEnd type="none" w="med" len="med"/>
+                    </a:lnR>
+                  </a:tcPr>
+                </a:tc>
+                <a:tc>
+                  <a:txBody>
+                    <a:bodyPr/>
+                    <a:lstStyle/>
+                    <a:p>
+                      <a:pPr algn="ctr"/>
+                      <a:endParaRPr lang="de-DE" dirty="0"/>
+                    </a:p>
+                  </a:txBody>
+                  <a:tcPr anchor="ctr">
+                    <a:lnL w="12700" cap="flat" cmpd="sng" algn="ctr">
+                      <a:solidFill>
+                        <a:schemeClr val="accent4"/>
+                      </a:solidFill>
+                      <a:prstDash val="solid"/>
+                      <a:round/>
+                      <a:headEnd type="none" w="med" len="med"/>
+                      <a:tailEnd type="none" w="med" len="med"/>
+                    </a:lnL>
+                    <a:lnR w="12700" cap="flat" cmpd="sng" algn="ctr">
+                      <a:solidFill>
+                        <a:schemeClr val="accent4"/>
+                      </a:solidFill>
+                      <a:prstDash val="solid"/>
+                      <a:round/>
+                      <a:headEnd type="none" w="med" len="med"/>
+                      <a:tailEnd type="none" w="med" len="med"/>
+                    </a:lnR>
+                  </a:tcPr>
+                </a:tc>
+                <a:tc>
+                  <a:txBody>
+                    <a:bodyPr/>
+                    <a:lstStyle/>
+                    <a:p>
+                      <a:pPr algn="ctr"/>
+                      <a:endParaRPr lang="de-DE" dirty="0"/>
+                    </a:p>
+                  </a:txBody>
+                  <a:tcPr anchor="ctr">
+                    <a:lnL w="12700" cap="flat" cmpd="sng" algn="ctr">
+                      <a:solidFill>
+                        <a:schemeClr val="accent4"/>
+                      </a:solidFill>
+                      <a:prstDash val="solid"/>
+                      <a:round/>
+                      <a:headEnd type="none" w="med" len="med"/>
+                      <a:tailEnd type="none" w="med" len="med"/>
+                    </a:lnL>
+                  </a:tcPr>
+                </a:tc>
+                <a:extLst>
+                  <a:ext uri="{0D108BD9-81ED-4DB2-BD59-A6C34878D82A}">
+                    <a16:rowId xmlns:a16="http://schemas.microsoft.com/office/drawing/2014/main" val="122875342"/>
+                  </a:ext>
+                </a:extLst>
+              </a:tr>
+              <a:tr h="531220">
+                <a:tc>
+                  <a:txBody>
+                    <a:bodyPr/>
+                    <a:lstStyle/>
+                    <a:p>
+                      <a:pPr algn="l"/>
+                      <a:r>
+                        <a:rPr lang="de-DE" dirty="0"/>
+                        <a:t>Änderbar?</a:t>
+                      </a:r>
+                    </a:p>
+                  </a:txBody>
+                  <a:tcPr anchor="ctr">
+                    <a:lnR w="12700" cap="flat" cmpd="sng" algn="ctr">
+                      <a:solidFill>
+                        <a:schemeClr val="accent4"/>
+                      </a:solidFill>
+                      <a:prstDash val="solid"/>
+                      <a:round/>
+                      <a:headEnd type="none" w="med" len="med"/>
+                      <a:tailEnd type="none" w="med" len="med"/>
+                    </a:lnR>
+                    <a:lnT w="12700" cap="flat" cmpd="sng" algn="ctr">
+                      <a:solidFill>
+                        <a:schemeClr val="accent4"/>
+                      </a:solidFill>
+                      <a:prstDash val="solid"/>
+                      <a:round/>
+                      <a:headEnd type="none" w="med" len="med"/>
+                      <a:tailEnd type="none" w="med" len="med"/>
+                    </a:lnT>
+                  </a:tcPr>
+                </a:tc>
+                <a:tc>
+                  <a:txBody>
+                    <a:bodyPr/>
+                    <a:lstStyle/>
+                    <a:p>
+                      <a:pPr algn="ctr"/>
+                      <a:r>
+                        <a:rPr lang="de-DE" dirty="0"/>
+                        <a:t>✅</a:t>
+                      </a:r>
+                    </a:p>
+                  </a:txBody>
+                  <a:tcPr anchor="ctr">
+                    <a:lnL w="12700" cap="flat" cmpd="sng" algn="ctr">
+                      <a:solidFill>
+                        <a:schemeClr val="accent4"/>
+                      </a:solidFill>
+                      <a:prstDash val="solid"/>
+                      <a:round/>
+                      <a:headEnd type="none" w="med" len="med"/>
+                      <a:tailEnd type="none" w="med" len="med"/>
+                    </a:lnL>
+                    <a:lnR w="12700" cap="flat" cmpd="sng" algn="ctr">
+                      <a:solidFill>
+                        <a:schemeClr val="accent4"/>
+                      </a:solidFill>
+                      <a:prstDash val="solid"/>
+                      <a:round/>
+                      <a:headEnd type="none" w="med" len="med"/>
+                      <a:tailEnd type="none" w="med" len="med"/>
+                    </a:lnR>
+                  </a:tcPr>
+                </a:tc>
+                <a:tc>
+                  <a:txBody>
+                    <a:bodyPr/>
+                    <a:lstStyle/>
+                    <a:p>
+                      <a:pPr algn="ctr"/>
+                      <a:r>
+                        <a:rPr lang="de-DE" dirty="0"/>
+                        <a:t>❌</a:t>
+                      </a:r>
+                    </a:p>
+                  </a:txBody>
+                  <a:tcPr anchor="ctr">
+                    <a:lnL w="12700" cap="flat" cmpd="sng" algn="ctr">
+                      <a:solidFill>
+                        <a:schemeClr val="accent4"/>
+                      </a:solidFill>
+                      <a:prstDash val="solid"/>
+                      <a:round/>
+                      <a:headEnd type="none" w="med" len="med"/>
+                      <a:tailEnd type="none" w="med" len="med"/>
+                    </a:lnL>
+                    <a:lnR w="12700" cap="flat" cmpd="sng" algn="ctr">
+                      <a:solidFill>
+                        <a:schemeClr val="accent4"/>
+                      </a:solidFill>
+                      <a:prstDash val="solid"/>
+                      <a:round/>
+                      <a:headEnd type="none" w="med" len="med"/>
+                      <a:tailEnd type="none" w="med" len="med"/>
+                    </a:lnR>
+                  </a:tcPr>
+                </a:tc>
+                <a:tc>
+                  <a:txBody>
+                    <a:bodyPr/>
+                    <a:lstStyle/>
+                    <a:p>
+                      <a:pPr algn="ctr"/>
+                      <a:endParaRPr lang="de-DE" dirty="0"/>
+                    </a:p>
+                  </a:txBody>
+                  <a:tcPr anchor="ctr">
+                    <a:lnL w="12700" cap="flat" cmpd="sng" algn="ctr">
+                      <a:solidFill>
+                        <a:schemeClr val="accent4"/>
+                      </a:solidFill>
+                      <a:prstDash val="solid"/>
+                      <a:round/>
+                      <a:headEnd type="none" w="med" len="med"/>
+                      <a:tailEnd type="none" w="med" len="med"/>
+                    </a:lnL>
+                    <a:lnR w="12700" cap="flat" cmpd="sng" algn="ctr">
+                      <a:solidFill>
+                        <a:schemeClr val="accent4"/>
+                      </a:solidFill>
+                      <a:prstDash val="solid"/>
+                      <a:round/>
+                      <a:headEnd type="none" w="med" len="med"/>
+                      <a:tailEnd type="none" w="med" len="med"/>
+                    </a:lnR>
+                  </a:tcPr>
+                </a:tc>
+                <a:tc>
+                  <a:txBody>
+                    <a:bodyPr/>
+                    <a:lstStyle/>
+                    <a:p>
+                      <a:pPr marL="0" marR="0" lvl="0" indent="0" algn="ctr" defTabSz="457200" rtl="0" eaLnBrk="1" fontAlgn="auto" latinLnBrk="0" hangingPunct="1">
+                        <a:lnSpc>
+                          <a:spcPct val="100000"/>
+                        </a:lnSpc>
+                        <a:spcBef>
+                          <a:spcPts val="0"/>
+                        </a:spcBef>
+                        <a:spcAft>
+                          <a:spcPts val="0"/>
+                        </a:spcAft>
+                        <a:buClrTx/>
+                        <a:buSzTx/>
+                        <a:buFontTx/>
+                        <a:buNone/>
+                        <a:tabLst/>
+                        <a:defRPr/>
+                      </a:pPr>
+                      <a:endParaRPr lang="de-DE" dirty="0"/>
+                    </a:p>
+                  </a:txBody>
+                  <a:tcPr anchor="ctr">
+                    <a:lnL w="12700" cap="flat" cmpd="sng" algn="ctr">
+                      <a:solidFill>
+                        <a:schemeClr val="accent4"/>
+                      </a:solidFill>
+                      <a:prstDash val="solid"/>
+                      <a:round/>
+                      <a:headEnd type="none" w="med" len="med"/>
+                      <a:tailEnd type="none" w="med" len="med"/>
+                    </a:lnL>
+                  </a:tcPr>
+                </a:tc>
+                <a:extLst>
+                  <a:ext uri="{0D108BD9-81ED-4DB2-BD59-A6C34878D82A}">
+                    <a16:rowId xmlns:a16="http://schemas.microsoft.com/office/drawing/2014/main" val="3313786660"/>
+                  </a:ext>
+                </a:extLst>
+              </a:tr>
+              <a:tr h="531220">
+                <a:tc>
+                  <a:txBody>
+                    <a:bodyPr/>
+                    <a:lstStyle/>
+                    <a:p>
+                      <a:pPr algn="l"/>
+                      <a:r>
+                        <a:rPr lang="de-DE" dirty="0"/>
+                        <a:t>Duplikate?</a:t>
+                      </a:r>
+                    </a:p>
+                  </a:txBody>
+                  <a:tcPr anchor="ctr">
+                    <a:lnR w="12700" cap="flat" cmpd="sng" algn="ctr">
+                      <a:solidFill>
+                        <a:schemeClr val="accent4"/>
+                      </a:solidFill>
+                      <a:prstDash val="solid"/>
+                      <a:round/>
+                      <a:headEnd type="none" w="med" len="med"/>
+                      <a:tailEnd type="none" w="med" len="med"/>
+                    </a:lnR>
+                  </a:tcPr>
+                </a:tc>
+                <a:tc>
+                  <a:txBody>
+                    <a:bodyPr/>
+                    <a:lstStyle/>
+                    <a:p>
+                      <a:pPr marL="0" marR="0" lvl="0" indent="0" algn="ctr" defTabSz="457200" rtl="0" eaLnBrk="1" fontAlgn="auto" latinLnBrk="0" hangingPunct="1">
+                        <a:lnSpc>
+                          <a:spcPct val="100000"/>
+                        </a:lnSpc>
+                        <a:spcBef>
+                          <a:spcPts val="0"/>
+                        </a:spcBef>
+                        <a:spcAft>
+                          <a:spcPts val="0"/>
+                        </a:spcAft>
+                        <a:buClrTx/>
+                        <a:buSzTx/>
+                        <a:buFontTx/>
+                        <a:buNone/>
+                        <a:tabLst/>
+                        <a:defRPr/>
+                      </a:pPr>
+                      <a:r>
+                        <a:rPr lang="de-DE" dirty="0"/>
+                        <a:t>✅</a:t>
+                      </a:r>
+                    </a:p>
+                  </a:txBody>
+                  <a:tcPr anchor="ctr">
+                    <a:lnL w="12700" cap="flat" cmpd="sng" algn="ctr">
+                      <a:solidFill>
+                        <a:schemeClr val="accent4"/>
+                      </a:solidFill>
+                      <a:prstDash val="solid"/>
+                      <a:round/>
+                      <a:headEnd type="none" w="med" len="med"/>
+                      <a:tailEnd type="none" w="med" len="med"/>
+                    </a:lnL>
+                    <a:lnR w="12700" cap="flat" cmpd="sng" algn="ctr">
+                      <a:solidFill>
+                        <a:schemeClr val="accent4"/>
+                      </a:solidFill>
+                      <a:prstDash val="solid"/>
+                      <a:round/>
+                      <a:headEnd type="none" w="med" len="med"/>
+                      <a:tailEnd type="none" w="med" len="med"/>
+                    </a:lnR>
+                  </a:tcPr>
+                </a:tc>
+                <a:tc>
+                  <a:txBody>
+                    <a:bodyPr/>
+                    <a:lstStyle/>
+                    <a:p>
+                      <a:pPr marL="0" marR="0" lvl="0" indent="0" algn="ctr" defTabSz="457200" rtl="0" eaLnBrk="1" fontAlgn="auto" latinLnBrk="0" hangingPunct="1">
+                        <a:lnSpc>
+                          <a:spcPct val="100000"/>
+                        </a:lnSpc>
+                        <a:spcBef>
+                          <a:spcPts val="0"/>
+                        </a:spcBef>
+                        <a:spcAft>
+                          <a:spcPts val="0"/>
+                        </a:spcAft>
+                        <a:buClrTx/>
+                        <a:buSzTx/>
+                        <a:buFontTx/>
+                        <a:buNone/>
+                        <a:tabLst/>
+                        <a:defRPr/>
+                      </a:pPr>
+                      <a:r>
+                        <a:rPr lang="de-DE" dirty="0"/>
+                        <a:t>✅</a:t>
+                      </a:r>
+                    </a:p>
+                  </a:txBody>
+                  <a:tcPr anchor="ctr">
+                    <a:lnL w="12700" cap="flat" cmpd="sng" algn="ctr">
+                      <a:solidFill>
+                        <a:schemeClr val="accent4"/>
+                      </a:solidFill>
+                      <a:prstDash val="solid"/>
+                      <a:round/>
+                      <a:headEnd type="none" w="med" len="med"/>
+                      <a:tailEnd type="none" w="med" len="med"/>
+                    </a:lnL>
+                    <a:lnR w="12700" cap="flat" cmpd="sng" algn="ctr">
+                      <a:solidFill>
+                        <a:schemeClr val="accent4"/>
+                      </a:solidFill>
+                      <a:prstDash val="solid"/>
+                      <a:round/>
+                      <a:headEnd type="none" w="med" len="med"/>
+                      <a:tailEnd type="none" w="med" len="med"/>
+                    </a:lnR>
+                  </a:tcPr>
+                </a:tc>
+                <a:tc>
+                  <a:txBody>
+                    <a:bodyPr/>
+                    <a:lstStyle/>
+                    <a:p>
+                      <a:pPr algn="ctr"/>
+                      <a:endParaRPr lang="de-DE" dirty="0"/>
+                    </a:p>
+                  </a:txBody>
+                  <a:tcPr anchor="ctr">
+                    <a:lnL w="12700" cap="flat" cmpd="sng" algn="ctr">
+                      <a:solidFill>
+                        <a:schemeClr val="accent4"/>
+                      </a:solidFill>
+                      <a:prstDash val="solid"/>
+                      <a:round/>
+                      <a:headEnd type="none" w="med" len="med"/>
+                      <a:tailEnd type="none" w="med" len="med"/>
+                    </a:lnL>
+                    <a:lnR w="12700" cap="flat" cmpd="sng" algn="ctr">
+                      <a:solidFill>
+                        <a:schemeClr val="accent4"/>
+                      </a:solidFill>
+                      <a:prstDash val="solid"/>
+                      <a:round/>
+                      <a:headEnd type="none" w="med" len="med"/>
+                      <a:tailEnd type="none" w="med" len="med"/>
+                    </a:lnR>
+                  </a:tcPr>
+                </a:tc>
+                <a:tc>
+                  <a:txBody>
+                    <a:bodyPr/>
+                    <a:lstStyle/>
+                    <a:p>
+                      <a:pPr marL="0" marR="0" lvl="0" indent="0" algn="ctr" defTabSz="457200" rtl="0" eaLnBrk="1" fontAlgn="auto" latinLnBrk="0" hangingPunct="1">
+                        <a:lnSpc>
+                          <a:spcPct val="100000"/>
+                        </a:lnSpc>
+                        <a:spcBef>
+                          <a:spcPts val="0"/>
+                        </a:spcBef>
+                        <a:spcAft>
+                          <a:spcPts val="0"/>
+                        </a:spcAft>
+                        <a:buClrTx/>
+                        <a:buSzTx/>
+                        <a:buFontTx/>
+                        <a:buNone/>
+                        <a:tabLst/>
+                        <a:defRPr/>
+                      </a:pPr>
+                      <a:endParaRPr lang="de-DE" dirty="0"/>
+                    </a:p>
+                  </a:txBody>
+                  <a:tcPr anchor="ctr">
+                    <a:lnL w="12700" cap="flat" cmpd="sng" algn="ctr">
+                      <a:solidFill>
+                        <a:schemeClr val="accent4"/>
+                      </a:solidFill>
+                      <a:prstDash val="solid"/>
+                      <a:round/>
+                      <a:headEnd type="none" w="med" len="med"/>
+                      <a:tailEnd type="none" w="med" len="med"/>
+                    </a:lnL>
+                  </a:tcPr>
+                </a:tc>
+                <a:extLst>
+                  <a:ext uri="{0D108BD9-81ED-4DB2-BD59-A6C34878D82A}">
+                    <a16:rowId xmlns:a16="http://schemas.microsoft.com/office/drawing/2014/main" val="2151897338"/>
+                  </a:ext>
+                </a:extLst>
+              </a:tr>
+              <a:tr h="916902">
+                <a:tc>
+                  <a:txBody>
+                    <a:bodyPr/>
+                    <a:lstStyle/>
+                    <a:p>
+                      <a:pPr algn="l"/>
+                      <a:r>
+                        <a:rPr lang="de-DE" dirty="0"/>
+                        <a:t>Geordnet?</a:t>
+                      </a:r>
+                    </a:p>
+                  </a:txBody>
+                  <a:tcPr anchor="ctr">
+                    <a:lnR w="12700" cap="flat" cmpd="sng" algn="ctr">
+                      <a:solidFill>
+                        <a:schemeClr val="accent4"/>
+                      </a:solidFill>
+                      <a:prstDash val="solid"/>
+                      <a:round/>
+                      <a:headEnd type="none" w="med" len="med"/>
+                      <a:tailEnd type="none" w="med" len="med"/>
+                    </a:lnR>
+                  </a:tcPr>
+                </a:tc>
+                <a:tc>
+                  <a:txBody>
+                    <a:bodyPr/>
+                    <a:lstStyle/>
+                    <a:p>
+                      <a:pPr marL="0" marR="0" lvl="0" indent="0" algn="ctr" defTabSz="457200" rtl="0" eaLnBrk="1" fontAlgn="auto" latinLnBrk="0" hangingPunct="1">
+                        <a:lnSpc>
+                          <a:spcPct val="100000"/>
+                        </a:lnSpc>
+                        <a:spcBef>
+                          <a:spcPts val="0"/>
+                        </a:spcBef>
+                        <a:spcAft>
+                          <a:spcPts val="0"/>
+                        </a:spcAft>
+                        <a:buClrTx/>
+                        <a:buSzTx/>
+                        <a:buFontTx/>
+                        <a:buNone/>
+                        <a:tabLst/>
+                        <a:defRPr/>
+                      </a:pPr>
+                      <a:r>
+                        <a:rPr lang="de-DE" dirty="0"/>
+                        <a:t>✅</a:t>
+                      </a:r>
+                    </a:p>
+                  </a:txBody>
+                  <a:tcPr anchor="ctr">
+                    <a:lnL w="12700" cap="flat" cmpd="sng" algn="ctr">
+                      <a:solidFill>
+                        <a:schemeClr val="accent4"/>
+                      </a:solidFill>
+                      <a:prstDash val="solid"/>
+                      <a:round/>
+                      <a:headEnd type="none" w="med" len="med"/>
+                      <a:tailEnd type="none" w="med" len="med"/>
+                    </a:lnL>
+                    <a:lnR w="12700" cap="flat" cmpd="sng" algn="ctr">
+                      <a:solidFill>
+                        <a:schemeClr val="accent4"/>
+                      </a:solidFill>
+                      <a:prstDash val="solid"/>
+                      <a:round/>
+                      <a:headEnd type="none" w="med" len="med"/>
+                      <a:tailEnd type="none" w="med" len="med"/>
+                    </a:lnR>
+                  </a:tcPr>
+                </a:tc>
+                <a:tc>
+                  <a:txBody>
+                    <a:bodyPr/>
+                    <a:lstStyle/>
+                    <a:p>
+                      <a:pPr marL="0" marR="0" lvl="0" indent="0" algn="ctr" defTabSz="457200" rtl="0" eaLnBrk="1" fontAlgn="auto" latinLnBrk="0" hangingPunct="1">
+                        <a:lnSpc>
+                          <a:spcPct val="100000"/>
+                        </a:lnSpc>
+                        <a:spcBef>
+                          <a:spcPts val="0"/>
+                        </a:spcBef>
+                        <a:spcAft>
+                          <a:spcPts val="0"/>
+                        </a:spcAft>
+                        <a:buClrTx/>
+                        <a:buSzTx/>
+                        <a:buFontTx/>
+                        <a:buNone/>
+                        <a:tabLst/>
+                        <a:defRPr/>
+                      </a:pPr>
+                      <a:r>
+                        <a:rPr lang="de-DE" dirty="0"/>
+                        <a:t>✅</a:t>
+                      </a:r>
+                    </a:p>
+                  </a:txBody>
+                  <a:tcPr anchor="ctr">
+                    <a:lnL w="12700" cap="flat" cmpd="sng" algn="ctr">
+                      <a:solidFill>
+                        <a:schemeClr val="accent4"/>
+                      </a:solidFill>
+                      <a:prstDash val="solid"/>
+                      <a:round/>
+                      <a:headEnd type="none" w="med" len="med"/>
+                      <a:tailEnd type="none" w="med" len="med"/>
+                    </a:lnL>
+                    <a:lnR w="12700" cap="flat" cmpd="sng" algn="ctr">
+                      <a:solidFill>
+                        <a:schemeClr val="accent4"/>
+                      </a:solidFill>
+                      <a:prstDash val="solid"/>
+                      <a:round/>
+                      <a:headEnd type="none" w="med" len="med"/>
+                      <a:tailEnd type="none" w="med" len="med"/>
+                    </a:lnR>
+                  </a:tcPr>
+                </a:tc>
+                <a:tc>
+                  <a:txBody>
+                    <a:bodyPr/>
+                    <a:lstStyle/>
+                    <a:p>
+                      <a:pPr algn="ctr"/>
+                      <a:endParaRPr lang="de-DE" dirty="0"/>
+                    </a:p>
+                  </a:txBody>
+                  <a:tcPr anchor="ctr">
+                    <a:lnL w="12700" cap="flat" cmpd="sng" algn="ctr">
+                      <a:solidFill>
+                        <a:schemeClr val="accent4"/>
+                      </a:solidFill>
+                      <a:prstDash val="solid"/>
+                      <a:round/>
+                      <a:headEnd type="none" w="med" len="med"/>
+                      <a:tailEnd type="none" w="med" len="med"/>
+                    </a:lnL>
+                    <a:lnR w="12700" cap="flat" cmpd="sng" algn="ctr">
+                      <a:solidFill>
+                        <a:schemeClr val="accent4"/>
+                      </a:solidFill>
+                      <a:prstDash val="solid"/>
+                      <a:round/>
+                      <a:headEnd type="none" w="med" len="med"/>
+                      <a:tailEnd type="none" w="med" len="med"/>
+                    </a:lnR>
+                  </a:tcPr>
+                </a:tc>
+                <a:tc>
+                  <a:txBody>
+                    <a:bodyPr/>
+                    <a:lstStyle/>
+                    <a:p>
+                      <a:pPr marL="0" marR="0" lvl="0" indent="0" algn="ctr" defTabSz="457200" rtl="0" eaLnBrk="1" fontAlgn="auto" latinLnBrk="0" hangingPunct="1">
+                        <a:lnSpc>
+                          <a:spcPct val="100000"/>
+                        </a:lnSpc>
+                        <a:spcBef>
+                          <a:spcPts val="0"/>
+                        </a:spcBef>
+                        <a:spcAft>
+                          <a:spcPts val="0"/>
+                        </a:spcAft>
+                        <a:buClrTx/>
+                        <a:buSzTx/>
+                        <a:buFontTx/>
+                        <a:buNone/>
+                        <a:tabLst/>
+                        <a:defRPr/>
+                      </a:pPr>
+                      <a:endParaRPr lang="de-DE" dirty="0"/>
+                    </a:p>
+                  </a:txBody>
+                  <a:tcPr anchor="ctr">
+                    <a:lnL w="12700" cap="flat" cmpd="sng" algn="ctr">
+                      <a:solidFill>
+                        <a:schemeClr val="accent4"/>
+                      </a:solidFill>
+                      <a:prstDash val="solid"/>
+                      <a:round/>
+                      <a:headEnd type="none" w="med" len="med"/>
+                      <a:tailEnd type="none" w="med" len="med"/>
+                    </a:lnL>
+                  </a:tcPr>
+                </a:tc>
+                <a:extLst>
+                  <a:ext uri="{0D108BD9-81ED-4DB2-BD59-A6C34878D82A}">
+                    <a16:rowId xmlns:a16="http://schemas.microsoft.com/office/drawing/2014/main" val="555583047"/>
+                  </a:ext>
+                </a:extLst>
+              </a:tr>
+              <a:tr h="531220">
+                <a:tc>
+                  <a:txBody>
+                    <a:bodyPr/>
+                    <a:lstStyle/>
+                    <a:p>
+                      <a:pPr algn="l"/>
+                      <a:r>
+                        <a:rPr lang="de-DE" dirty="0"/>
+                        <a:t>Keys?</a:t>
+                      </a:r>
+                    </a:p>
+                  </a:txBody>
+                  <a:tcPr anchor="ctr">
+                    <a:lnR w="12700" cap="flat" cmpd="sng" algn="ctr">
+                      <a:solidFill>
+                        <a:schemeClr val="accent4"/>
+                      </a:solidFill>
+                      <a:prstDash val="solid"/>
+                      <a:round/>
+                      <a:headEnd type="none" w="med" len="med"/>
+                      <a:tailEnd type="none" w="med" len="med"/>
+                    </a:lnR>
+                  </a:tcPr>
+                </a:tc>
+                <a:tc>
+                  <a:txBody>
+                    <a:bodyPr/>
+                    <a:lstStyle/>
+                    <a:p>
+                      <a:pPr algn="ctr"/>
+                      <a:r>
+                        <a:rPr lang="de-DE" dirty="0"/>
+                        <a:t>❌</a:t>
+                      </a:r>
+                    </a:p>
+                  </a:txBody>
+                  <a:tcPr anchor="ctr">
+                    <a:lnL w="12700" cap="flat" cmpd="sng" algn="ctr">
+                      <a:solidFill>
+                        <a:schemeClr val="accent4"/>
+                      </a:solidFill>
+                      <a:prstDash val="solid"/>
+                      <a:round/>
+                      <a:headEnd type="none" w="med" len="med"/>
+                      <a:tailEnd type="none" w="med" len="med"/>
+                    </a:lnL>
+                    <a:lnR w="12700" cap="flat" cmpd="sng" algn="ctr">
+                      <a:solidFill>
+                        <a:schemeClr val="accent4"/>
+                      </a:solidFill>
+                      <a:prstDash val="solid"/>
+                      <a:round/>
+                      <a:headEnd type="none" w="med" len="med"/>
+                      <a:tailEnd type="none" w="med" len="med"/>
+                    </a:lnR>
+                  </a:tcPr>
+                </a:tc>
+                <a:tc>
+                  <a:txBody>
+                    <a:bodyPr/>
+                    <a:lstStyle/>
+                    <a:p>
+                      <a:pPr algn="ctr"/>
+                      <a:r>
+                        <a:rPr lang="de-DE" dirty="0"/>
+                        <a:t>❌</a:t>
+                      </a:r>
+                    </a:p>
+                  </a:txBody>
+                  <a:tcPr anchor="ctr">
+                    <a:lnL w="12700" cap="flat" cmpd="sng" algn="ctr">
+                      <a:solidFill>
+                        <a:schemeClr val="accent4"/>
+                      </a:solidFill>
+                      <a:prstDash val="solid"/>
+                      <a:round/>
+                      <a:headEnd type="none" w="med" len="med"/>
+                      <a:tailEnd type="none" w="med" len="med"/>
+                    </a:lnL>
+                    <a:lnR w="12700" cap="flat" cmpd="sng" algn="ctr">
+                      <a:solidFill>
+                        <a:schemeClr val="accent4"/>
+                      </a:solidFill>
+                      <a:prstDash val="solid"/>
+                      <a:round/>
+                      <a:headEnd type="none" w="med" len="med"/>
+                      <a:tailEnd type="none" w="med" len="med"/>
+                    </a:lnR>
+                  </a:tcPr>
+                </a:tc>
+                <a:tc>
+                  <a:txBody>
+                    <a:bodyPr/>
+                    <a:lstStyle/>
+                    <a:p>
+                      <a:pPr algn="ctr"/>
+                      <a:endParaRPr lang="de-DE" dirty="0"/>
+                    </a:p>
+                  </a:txBody>
+                  <a:tcPr anchor="ctr">
+                    <a:lnL w="12700" cap="flat" cmpd="sng" algn="ctr">
+                      <a:solidFill>
+                        <a:schemeClr val="accent4"/>
+                      </a:solidFill>
+                      <a:prstDash val="solid"/>
+                      <a:round/>
+                      <a:headEnd type="none" w="med" len="med"/>
+                      <a:tailEnd type="none" w="med" len="med"/>
+                    </a:lnL>
+                    <a:lnR w="12700" cap="flat" cmpd="sng" algn="ctr">
+                      <a:solidFill>
+                        <a:schemeClr val="accent4"/>
+                      </a:solidFill>
+                      <a:prstDash val="solid"/>
+                      <a:round/>
+                      <a:headEnd type="none" w="med" len="med"/>
+                      <a:tailEnd type="none" w="med" len="med"/>
+                    </a:lnR>
+                  </a:tcPr>
+                </a:tc>
+                <a:tc>
+                  <a:txBody>
+                    <a:bodyPr/>
+                    <a:lstStyle/>
+                    <a:p>
+                      <a:pPr marL="0" marR="0" lvl="0" indent="0" algn="ctr" defTabSz="457200" rtl="0" eaLnBrk="1" fontAlgn="auto" latinLnBrk="0" hangingPunct="1">
+                        <a:lnSpc>
+                          <a:spcPct val="100000"/>
+                        </a:lnSpc>
+                        <a:spcBef>
+                          <a:spcPts val="0"/>
+                        </a:spcBef>
+                        <a:spcAft>
+                          <a:spcPts val="0"/>
+                        </a:spcAft>
+                        <a:buClrTx/>
+                        <a:buSzTx/>
+                        <a:buFontTx/>
+                        <a:buNone/>
+                        <a:tabLst/>
+                        <a:defRPr/>
+                      </a:pPr>
+                      <a:endParaRPr lang="de-DE" dirty="0"/>
+                    </a:p>
+                  </a:txBody>
+                  <a:tcPr anchor="ctr">
+                    <a:lnL w="12700" cap="flat" cmpd="sng" algn="ctr">
+                      <a:solidFill>
+                        <a:schemeClr val="accent4"/>
+                      </a:solidFill>
+                      <a:prstDash val="solid"/>
+                      <a:round/>
+                      <a:headEnd type="none" w="med" len="med"/>
+                      <a:tailEnd type="none" w="med" len="med"/>
+                    </a:lnL>
+                  </a:tcPr>
+                </a:tc>
+                <a:extLst>
+                  <a:ext uri="{0D108BD9-81ED-4DB2-BD59-A6C34878D82A}">
+                    <a16:rowId xmlns:a16="http://schemas.microsoft.com/office/drawing/2014/main" val="3836793035"/>
+                  </a:ext>
+                </a:extLst>
+              </a:tr>
+              <a:tr h="531220">
+                <a:tc>
+                  <a:txBody>
+                    <a:bodyPr/>
+                    <a:lstStyle/>
+                    <a:p>
+                      <a:pPr algn="l"/>
+                      <a:endParaRPr lang="de-DE" dirty="0"/>
+                    </a:p>
+                  </a:txBody>
+                  <a:tcPr anchor="ctr">
+                    <a:lnR w="12700" cap="flat" cmpd="sng" algn="ctr">
+                      <a:solidFill>
+                        <a:schemeClr val="accent4"/>
+                      </a:solidFill>
+                      <a:prstDash val="solid"/>
+                      <a:round/>
+                      <a:headEnd type="none" w="med" len="med"/>
+                      <a:tailEnd type="none" w="med" len="med"/>
+                    </a:lnR>
+                  </a:tcPr>
+                </a:tc>
+                <a:tc>
+                  <a:txBody>
+                    <a:bodyPr/>
+                    <a:lstStyle/>
+                    <a:p>
+                      <a:pPr algn="ctr"/>
+                      <a:r>
+                        <a:rPr lang="de-DE" dirty="0" err="1"/>
+                        <a:t>list</a:t>
+                      </a:r>
+                      <a:r>
+                        <a:rPr lang="de-DE" dirty="0"/>
+                        <a:t> = [ ]</a:t>
+                      </a:r>
+                    </a:p>
+                  </a:txBody>
+                  <a:tcPr anchor="ctr">
+                    <a:lnL w="12700" cap="flat" cmpd="sng" algn="ctr">
+                      <a:solidFill>
+                        <a:schemeClr val="accent4"/>
+                      </a:solidFill>
+                      <a:prstDash val="solid"/>
+                      <a:round/>
+                      <a:headEnd type="none" w="med" len="med"/>
+                      <a:tailEnd type="none" w="med" len="med"/>
+                    </a:lnL>
+                    <a:lnR w="12700" cap="flat" cmpd="sng" algn="ctr">
+                      <a:solidFill>
+                        <a:schemeClr val="accent4"/>
+                      </a:solidFill>
+                      <a:prstDash val="solid"/>
+                      <a:round/>
+                      <a:headEnd type="none" w="med" len="med"/>
+                      <a:tailEnd type="none" w="med" len="med"/>
+                    </a:lnR>
+                  </a:tcPr>
+                </a:tc>
+                <a:tc>
+                  <a:txBody>
+                    <a:bodyPr/>
+                    <a:lstStyle/>
+                    <a:p>
+                      <a:pPr algn="ctr"/>
+                      <a:r>
+                        <a:rPr lang="de-DE" dirty="0" err="1"/>
+                        <a:t>tuple</a:t>
+                      </a:r>
+                      <a:r>
+                        <a:rPr lang="de-DE" dirty="0"/>
+                        <a:t> = ( )</a:t>
+                      </a:r>
+                    </a:p>
+                  </a:txBody>
+                  <a:tcPr anchor="ctr">
+                    <a:lnL w="12700" cap="flat" cmpd="sng" algn="ctr">
+                      <a:solidFill>
+                        <a:schemeClr val="accent4"/>
+                      </a:solidFill>
+                      <a:prstDash val="solid"/>
+                      <a:round/>
+                      <a:headEnd type="none" w="med" len="med"/>
+                      <a:tailEnd type="none" w="med" len="med"/>
+                    </a:lnL>
+                    <a:lnR w="12700" cap="flat" cmpd="sng" algn="ctr">
+                      <a:solidFill>
+                        <a:schemeClr val="accent4"/>
+                      </a:solidFill>
+                      <a:prstDash val="solid"/>
+                      <a:round/>
+                      <a:headEnd type="none" w="med" len="med"/>
+                      <a:tailEnd type="none" w="med" len="med"/>
+                    </a:lnR>
+                  </a:tcPr>
+                </a:tc>
+                <a:tc>
+                  <a:txBody>
+                    <a:bodyPr/>
+                    <a:lstStyle/>
+                    <a:p>
+                      <a:pPr algn="ctr"/>
+                      <a:endParaRPr lang="de-DE" dirty="0"/>
+                    </a:p>
+                  </a:txBody>
+                  <a:tcPr anchor="ctr">
+                    <a:lnL w="12700" cap="flat" cmpd="sng" algn="ctr">
+                      <a:solidFill>
+                        <a:schemeClr val="accent4"/>
+                      </a:solidFill>
+                      <a:prstDash val="solid"/>
+                      <a:round/>
+                      <a:headEnd type="none" w="med" len="med"/>
+                      <a:tailEnd type="none" w="med" len="med"/>
+                    </a:lnL>
+                    <a:lnR w="12700" cap="flat" cmpd="sng" algn="ctr">
+                      <a:solidFill>
+                        <a:schemeClr val="accent4"/>
+                      </a:solidFill>
+                      <a:prstDash val="solid"/>
+                      <a:round/>
+                      <a:headEnd type="none" w="med" len="med"/>
+                      <a:tailEnd type="none" w="med" len="med"/>
+                    </a:lnR>
+                  </a:tcPr>
+                </a:tc>
+                <a:tc>
+                  <a:txBody>
+                    <a:bodyPr/>
+                    <a:lstStyle/>
+                    <a:p>
+                      <a:pPr algn="ctr"/>
+                      <a:endParaRPr lang="de-DE" dirty="0"/>
+                    </a:p>
+                  </a:txBody>
+                  <a:tcPr anchor="ctr">
+                    <a:lnL w="12700" cap="flat" cmpd="sng" algn="ctr">
+                      <a:solidFill>
+                        <a:schemeClr val="accent4"/>
+                      </a:solidFill>
+                      <a:prstDash val="solid"/>
+                      <a:round/>
+                      <a:headEnd type="none" w="med" len="med"/>
+                      <a:tailEnd type="none" w="med" len="med"/>
+                    </a:lnL>
+                  </a:tcPr>
+                </a:tc>
+                <a:extLst>
+                  <a:ext uri="{0D108BD9-81ED-4DB2-BD59-A6C34878D82A}">
+                    <a16:rowId xmlns:a16="http://schemas.microsoft.com/office/drawing/2014/main" val="2815062303"/>
+                  </a:ext>
+                </a:extLst>
+              </a:tr>
+            </a:tbl>
+          </a:graphicData>
+        </a:graphic>
+      </p:graphicFrame>
+    </p:spTree>
+    <p:extLst>
+      <p:ext uri="{BB962C8B-B14F-4D97-AF65-F5344CB8AC3E}">
+        <p14:creationId xmlns:p14="http://schemas.microsoft.com/office/powerpoint/2010/main" val="2397868881"/>
+      </p:ext>
+    </p:extLst>
+  </p:cSld>
+  <p:clrMapOvr>
+    <a:masterClrMapping/>
+  </p:clrMapOvr>
+</p:sld>
+</file>
+
+<file path=ppt/slides/slide15.xml><?xml version="1.0" encoding="utf-8"?>
+<p:sld xmlns:a="http://schemas.openxmlformats.org/drawingml/2006/main" xmlns:r="http://schemas.openxmlformats.org/officeDocument/2006/relationships" xmlns:p="http://schemas.openxmlformats.org/presentationml/2006/main">
+  <p:cSld>
+    <p:spTree>
+      <p:nvGrpSpPr>
+        <p:cNvPr id="1" name=""/>
+        <p:cNvGrpSpPr/>
+        <p:nvPr/>
+      </p:nvGrpSpPr>
+      <p:grpSpPr>
+        <a:xfrm>
+          <a:off x="0" y="0"/>
+          <a:ext cx="0" cy="0"/>
+          <a:chOff x="0" y="0"/>
+          <a:chExt cx="0" cy="0"/>
+        </a:xfrm>
+      </p:grpSpPr>
+      <p:sp>
+        <p:nvSpPr>
+          <p:cNvPr id="2" name="Titel 1">
+            <a:extLst>
+              <a:ext uri="{FF2B5EF4-FFF2-40B4-BE49-F238E27FC236}">
+                <a16:creationId xmlns:a16="http://schemas.microsoft.com/office/drawing/2014/main" id="{924638F2-44F9-0387-35BC-AA6733952E2F}"/>
+              </a:ext>
+            </a:extLst>
+          </p:cNvPr>
+          <p:cNvSpPr>
+            <a:spLocks noGrp="1"/>
+          </p:cNvSpPr>
+          <p:nvPr>
+            <p:ph type="title"/>
+          </p:nvPr>
+        </p:nvSpPr>
+        <p:spPr/>
+        <p:txBody>
+          <a:bodyPr/>
+          <a:lstStyle/>
+          <a:p>
+            <a:r>
+              <a:rPr lang="de-DE" dirty="0"/>
+              <a:t>Einfache Datenstrukturen</a:t>
+            </a:r>
+          </a:p>
+        </p:txBody>
+      </p:sp>
+      <p:graphicFrame>
+        <p:nvGraphicFramePr>
+          <p:cNvPr id="4" name="Tabelle 4">
+            <a:extLst>
+              <a:ext uri="{FF2B5EF4-FFF2-40B4-BE49-F238E27FC236}">
+                <a16:creationId xmlns:a16="http://schemas.microsoft.com/office/drawing/2014/main" id="{B47C2560-812F-375E-9734-FDB4B9C2658E}"/>
+              </a:ext>
+            </a:extLst>
+          </p:cNvPr>
+          <p:cNvGraphicFramePr>
+            <a:graphicFrameLocks noGrp="1"/>
+          </p:cNvGraphicFramePr>
+          <p:nvPr>
+            <p:ph idx="1"/>
+            <p:extLst>
+              <p:ext uri="{D42A27DB-BD31-4B8C-83A1-F6EECF244321}">
+                <p14:modId xmlns:p14="http://schemas.microsoft.com/office/powerpoint/2010/main" val="1653153576"/>
+              </p:ext>
+            </p:extLst>
+          </p:nvPr>
+        </p:nvGraphicFramePr>
+        <p:xfrm>
+          <a:off x="810000" y="2574470"/>
+          <a:ext cx="10553700" cy="3452258"/>
+        </p:xfrm>
+        <a:graphic>
+          <a:graphicData uri="http://schemas.openxmlformats.org/drawingml/2006/table">
+            <a:tbl>
+              <a:tblPr firstRow="1" bandRow="1">
+                <a:tableStyleId>{17292A2E-F333-43FB-9621-5CBBE7FDCDCB}</a:tableStyleId>
+              </a:tblPr>
+              <a:tblGrid>
+                <a:gridCol w="2110740">
+                  <a:extLst>
+                    <a:ext uri="{9D8B030D-6E8A-4147-A177-3AD203B41FA5}">
+                      <a16:colId xmlns:a16="http://schemas.microsoft.com/office/drawing/2014/main" val="3154879884"/>
+                    </a:ext>
+                  </a:extLst>
+                </a:gridCol>
+                <a:gridCol w="2110740">
+                  <a:extLst>
+                    <a:ext uri="{9D8B030D-6E8A-4147-A177-3AD203B41FA5}">
+                      <a16:colId xmlns:a16="http://schemas.microsoft.com/office/drawing/2014/main" val="2768790688"/>
+                    </a:ext>
+                  </a:extLst>
+                </a:gridCol>
+                <a:gridCol w="2110740">
+                  <a:extLst>
+                    <a:ext uri="{9D8B030D-6E8A-4147-A177-3AD203B41FA5}">
+                      <a16:colId xmlns:a16="http://schemas.microsoft.com/office/drawing/2014/main" val="632190215"/>
+                    </a:ext>
+                  </a:extLst>
+                </a:gridCol>
+                <a:gridCol w="2110740">
+                  <a:extLst>
+                    <a:ext uri="{9D8B030D-6E8A-4147-A177-3AD203B41FA5}">
+                      <a16:colId xmlns:a16="http://schemas.microsoft.com/office/drawing/2014/main" val="981659422"/>
+                    </a:ext>
+                  </a:extLst>
+                </a:gridCol>
+                <a:gridCol w="2110740">
+                  <a:extLst>
+                    <a:ext uri="{9D8B030D-6E8A-4147-A177-3AD203B41FA5}">
+                      <a16:colId xmlns:a16="http://schemas.microsoft.com/office/drawing/2014/main" val="727473629"/>
+                    </a:ext>
+                  </a:extLst>
+                </a:gridCol>
+              </a:tblGrid>
+              <a:tr h="410476">
+                <a:tc>
+                  <a:txBody>
+                    <a:bodyPr/>
+                    <a:lstStyle/>
+                    <a:p>
+                      <a:pPr algn="l"/>
+                      <a:endParaRPr lang="de-DE" dirty="0"/>
+                    </a:p>
+                  </a:txBody>
+                  <a:tcPr anchor="ctr">
+                    <a:lnL w="9525" cap="rnd" cmpd="sng" algn="ctr">
+                      <a:noFill/>
+                      <a:prstDash val="solid"/>
+                    </a:lnL>
+                    <a:lnR w="12700" cap="flat" cmpd="sng" algn="ctr">
+                      <a:solidFill>
+                        <a:schemeClr val="accent4"/>
+                      </a:solidFill>
+                      <a:prstDash val="solid"/>
+                      <a:round/>
+                      <a:headEnd type="none" w="med" len="med"/>
+                      <a:tailEnd type="none" w="med" len="med"/>
+                    </a:lnR>
+                    <a:lnT w="9525" cap="rnd" cmpd="sng" algn="ctr">
+                      <a:noFill/>
+                      <a:prstDash val="solid"/>
+                    </a:lnT>
+                    <a:lnB w="12700" cap="flat" cmpd="sng" algn="ctr">
+                      <a:solidFill>
+                        <a:schemeClr val="accent4"/>
+                      </a:solidFill>
+                      <a:prstDash val="solid"/>
+                      <a:round/>
+                      <a:headEnd type="none" w="med" len="med"/>
+                      <a:tailEnd type="none" w="med" len="med"/>
+                    </a:lnB>
+                    <a:noFill/>
+                  </a:tcPr>
+                </a:tc>
+                <a:tc>
+                  <a:txBody>
+                    <a:bodyPr/>
+                    <a:lstStyle/>
+                    <a:p>
+                      <a:pPr algn="ctr"/>
+                      <a:r>
+                        <a:rPr lang="de-DE" dirty="0"/>
+                        <a:t>Liste</a:t>
+                      </a:r>
+                    </a:p>
+                  </a:txBody>
+                  <a:tcPr anchor="ctr">
+                    <a:lnL w="12700" cap="flat" cmpd="sng" algn="ctr">
+                      <a:solidFill>
+                        <a:schemeClr val="accent4"/>
+                      </a:solidFill>
+                      <a:prstDash val="solid"/>
+                      <a:round/>
+                      <a:headEnd type="none" w="med" len="med"/>
+                      <a:tailEnd type="none" w="med" len="med"/>
+                    </a:lnL>
+                    <a:lnR w="12700" cap="flat" cmpd="sng" algn="ctr">
+                      <a:solidFill>
+                        <a:schemeClr val="accent4"/>
+                      </a:solidFill>
+                      <a:prstDash val="solid"/>
+                      <a:round/>
+                      <a:headEnd type="none" w="med" len="med"/>
+                      <a:tailEnd type="none" w="med" len="med"/>
+                    </a:lnR>
+                  </a:tcPr>
+                </a:tc>
+                <a:tc>
+                  <a:txBody>
+                    <a:bodyPr/>
+                    <a:lstStyle/>
+                    <a:p>
+                      <a:pPr algn="ctr"/>
+                      <a:r>
+                        <a:rPr lang="de-DE" dirty="0"/>
+                        <a:t>Tupel</a:t>
+                      </a:r>
+                    </a:p>
+                  </a:txBody>
+                  <a:tcPr anchor="ctr">
+                    <a:lnL w="12700" cap="flat" cmpd="sng" algn="ctr">
+                      <a:solidFill>
+                        <a:schemeClr val="accent4"/>
+                      </a:solidFill>
+                      <a:prstDash val="solid"/>
+                      <a:round/>
+                      <a:headEnd type="none" w="med" len="med"/>
+                      <a:tailEnd type="none" w="med" len="med"/>
+                    </a:lnL>
+                    <a:lnR w="12700" cap="flat" cmpd="sng" algn="ctr">
+                      <a:solidFill>
+                        <a:schemeClr val="accent4"/>
+                      </a:solidFill>
+                      <a:prstDash val="solid"/>
+                      <a:round/>
+                      <a:headEnd type="none" w="med" len="med"/>
+                      <a:tailEnd type="none" w="med" len="med"/>
+                    </a:lnR>
+                  </a:tcPr>
+                </a:tc>
+                <a:tc>
+                  <a:txBody>
+                    <a:bodyPr/>
+                    <a:lstStyle/>
+                    <a:p>
+                      <a:pPr algn="ctr"/>
+                      <a:r>
+                        <a:rPr lang="de-DE" dirty="0"/>
+                        <a:t>Set</a:t>
+                      </a:r>
+                    </a:p>
+                  </a:txBody>
+                  <a:tcPr anchor="ctr">
+                    <a:lnL w="12700" cap="flat" cmpd="sng" algn="ctr">
+                      <a:solidFill>
+                        <a:schemeClr val="accent4"/>
+                      </a:solidFill>
+                      <a:prstDash val="solid"/>
+                      <a:round/>
+                      <a:headEnd type="none" w="med" len="med"/>
+                      <a:tailEnd type="none" w="med" len="med"/>
+                    </a:lnL>
+                    <a:lnR w="12700" cap="flat" cmpd="sng" algn="ctr">
+                      <a:solidFill>
+                        <a:schemeClr val="accent4"/>
+                      </a:solidFill>
+                      <a:prstDash val="solid"/>
+                      <a:round/>
+                      <a:headEnd type="none" w="med" len="med"/>
+                      <a:tailEnd type="none" w="med" len="med"/>
+                    </a:lnR>
+                  </a:tcPr>
+                </a:tc>
+                <a:tc>
+                  <a:txBody>
+                    <a:bodyPr/>
+                    <a:lstStyle/>
+                    <a:p>
+                      <a:pPr algn="ctr"/>
+                      <a:endParaRPr lang="de-DE" dirty="0"/>
+                    </a:p>
+                  </a:txBody>
+                  <a:tcPr anchor="ctr">
+                    <a:lnL w="12700" cap="flat" cmpd="sng" algn="ctr">
+                      <a:solidFill>
+                        <a:schemeClr val="accent4"/>
+                      </a:solidFill>
+                      <a:prstDash val="solid"/>
+                      <a:round/>
+                      <a:headEnd type="none" w="med" len="med"/>
+                      <a:tailEnd type="none" w="med" len="med"/>
+                    </a:lnL>
+                  </a:tcPr>
+                </a:tc>
+                <a:extLst>
+                  <a:ext uri="{0D108BD9-81ED-4DB2-BD59-A6C34878D82A}">
+                    <a16:rowId xmlns:a16="http://schemas.microsoft.com/office/drawing/2014/main" val="122875342"/>
+                  </a:ext>
+                </a:extLst>
+              </a:tr>
+              <a:tr h="531220">
+                <a:tc>
+                  <a:txBody>
+                    <a:bodyPr/>
+                    <a:lstStyle/>
+                    <a:p>
+                      <a:pPr algn="l"/>
+                      <a:r>
+                        <a:rPr lang="de-DE" dirty="0"/>
+                        <a:t>Änderbar?</a:t>
+                      </a:r>
+                    </a:p>
+                  </a:txBody>
+                  <a:tcPr anchor="ctr">
+                    <a:lnR w="12700" cap="flat" cmpd="sng" algn="ctr">
+                      <a:solidFill>
+                        <a:schemeClr val="accent4"/>
+                      </a:solidFill>
+                      <a:prstDash val="solid"/>
+                      <a:round/>
+                      <a:headEnd type="none" w="med" len="med"/>
+                      <a:tailEnd type="none" w="med" len="med"/>
+                    </a:lnR>
+                    <a:lnT w="12700" cap="flat" cmpd="sng" algn="ctr">
+                      <a:solidFill>
+                        <a:schemeClr val="accent4"/>
+                      </a:solidFill>
+                      <a:prstDash val="solid"/>
+                      <a:round/>
+                      <a:headEnd type="none" w="med" len="med"/>
+                      <a:tailEnd type="none" w="med" len="med"/>
+                    </a:lnT>
+                  </a:tcPr>
+                </a:tc>
+                <a:tc>
+                  <a:txBody>
+                    <a:bodyPr/>
+                    <a:lstStyle/>
+                    <a:p>
+                      <a:pPr algn="ctr"/>
+                      <a:r>
+                        <a:rPr lang="de-DE" dirty="0"/>
+                        <a:t>✅</a:t>
+                      </a:r>
+                    </a:p>
+                  </a:txBody>
+                  <a:tcPr anchor="ctr">
+                    <a:lnL w="12700" cap="flat" cmpd="sng" algn="ctr">
+                      <a:solidFill>
+                        <a:schemeClr val="accent4"/>
+                      </a:solidFill>
+                      <a:prstDash val="solid"/>
+                      <a:round/>
+                      <a:headEnd type="none" w="med" len="med"/>
+                      <a:tailEnd type="none" w="med" len="med"/>
+                    </a:lnL>
+                    <a:lnR w="12700" cap="flat" cmpd="sng" algn="ctr">
+                      <a:solidFill>
+                        <a:schemeClr val="accent4"/>
+                      </a:solidFill>
+                      <a:prstDash val="solid"/>
+                      <a:round/>
+                      <a:headEnd type="none" w="med" len="med"/>
+                      <a:tailEnd type="none" w="med" len="med"/>
+                    </a:lnR>
+                  </a:tcPr>
+                </a:tc>
+                <a:tc>
+                  <a:txBody>
+                    <a:bodyPr/>
+                    <a:lstStyle/>
+                    <a:p>
+                      <a:pPr algn="ctr"/>
+                      <a:r>
+                        <a:rPr lang="de-DE" dirty="0"/>
+                        <a:t>❌</a:t>
+                      </a:r>
+                    </a:p>
+                  </a:txBody>
+                  <a:tcPr anchor="ctr">
+                    <a:lnL w="12700" cap="flat" cmpd="sng" algn="ctr">
+                      <a:solidFill>
+                        <a:schemeClr val="accent4"/>
+                      </a:solidFill>
+                      <a:prstDash val="solid"/>
+                      <a:round/>
+                      <a:headEnd type="none" w="med" len="med"/>
+                      <a:tailEnd type="none" w="med" len="med"/>
+                    </a:lnL>
+                    <a:lnR w="12700" cap="flat" cmpd="sng" algn="ctr">
+                      <a:solidFill>
+                        <a:schemeClr val="accent4"/>
+                      </a:solidFill>
+                      <a:prstDash val="solid"/>
+                      <a:round/>
+                      <a:headEnd type="none" w="med" len="med"/>
+                      <a:tailEnd type="none" w="med" len="med"/>
+                    </a:lnR>
+                  </a:tcPr>
+                </a:tc>
+                <a:tc>
+                  <a:txBody>
+                    <a:bodyPr/>
+                    <a:lstStyle/>
+                    <a:p>
+                      <a:pPr algn="ctr"/>
+                      <a:r>
+                        <a:rPr lang="de-DE" dirty="0"/>
+                        <a:t>❌</a:t>
+                      </a:r>
+                    </a:p>
+                  </a:txBody>
+                  <a:tcPr anchor="ctr">
+                    <a:lnL w="12700" cap="flat" cmpd="sng" algn="ctr">
+                      <a:solidFill>
+                        <a:schemeClr val="accent4"/>
+                      </a:solidFill>
+                      <a:prstDash val="solid"/>
+                      <a:round/>
+                      <a:headEnd type="none" w="med" len="med"/>
+                      <a:tailEnd type="none" w="med" len="med"/>
+                    </a:lnL>
+                    <a:lnR w="12700" cap="flat" cmpd="sng" algn="ctr">
+                      <a:solidFill>
+                        <a:schemeClr val="accent4"/>
+                      </a:solidFill>
+                      <a:prstDash val="solid"/>
+                      <a:round/>
+                      <a:headEnd type="none" w="med" len="med"/>
+                      <a:tailEnd type="none" w="med" len="med"/>
+                    </a:lnR>
+                  </a:tcPr>
+                </a:tc>
+                <a:tc>
+                  <a:txBody>
+                    <a:bodyPr/>
+                    <a:lstStyle/>
+                    <a:p>
+                      <a:pPr marL="0" marR="0" lvl="0" indent="0" algn="ctr" defTabSz="457200" rtl="0" eaLnBrk="1" fontAlgn="auto" latinLnBrk="0" hangingPunct="1">
+                        <a:lnSpc>
+                          <a:spcPct val="100000"/>
+                        </a:lnSpc>
+                        <a:spcBef>
+                          <a:spcPts val="0"/>
+                        </a:spcBef>
+                        <a:spcAft>
+                          <a:spcPts val="0"/>
+                        </a:spcAft>
+                        <a:buClrTx/>
+                        <a:buSzTx/>
+                        <a:buFontTx/>
+                        <a:buNone/>
+                        <a:tabLst/>
+                        <a:defRPr/>
+                      </a:pPr>
+                      <a:endParaRPr lang="de-DE" dirty="0"/>
+                    </a:p>
+                  </a:txBody>
+                  <a:tcPr anchor="ctr">
+                    <a:lnL w="12700" cap="flat" cmpd="sng" algn="ctr">
+                      <a:solidFill>
+                        <a:schemeClr val="accent4"/>
+                      </a:solidFill>
+                      <a:prstDash val="solid"/>
+                      <a:round/>
+                      <a:headEnd type="none" w="med" len="med"/>
+                      <a:tailEnd type="none" w="med" len="med"/>
+                    </a:lnL>
+                  </a:tcPr>
+                </a:tc>
+                <a:extLst>
+                  <a:ext uri="{0D108BD9-81ED-4DB2-BD59-A6C34878D82A}">
+                    <a16:rowId xmlns:a16="http://schemas.microsoft.com/office/drawing/2014/main" val="3313786660"/>
+                  </a:ext>
+                </a:extLst>
+              </a:tr>
+              <a:tr h="531220">
+                <a:tc>
+                  <a:txBody>
+                    <a:bodyPr/>
+                    <a:lstStyle/>
+                    <a:p>
+                      <a:pPr algn="l"/>
+                      <a:r>
+                        <a:rPr lang="de-DE" dirty="0"/>
+                        <a:t>Duplikate?</a:t>
+                      </a:r>
+                    </a:p>
+                  </a:txBody>
+                  <a:tcPr anchor="ctr">
+                    <a:lnR w="12700" cap="flat" cmpd="sng" algn="ctr">
+                      <a:solidFill>
+                        <a:schemeClr val="accent4"/>
+                      </a:solidFill>
+                      <a:prstDash val="solid"/>
+                      <a:round/>
+                      <a:headEnd type="none" w="med" len="med"/>
+                      <a:tailEnd type="none" w="med" len="med"/>
+                    </a:lnR>
+                  </a:tcPr>
+                </a:tc>
+                <a:tc>
+                  <a:txBody>
+                    <a:bodyPr/>
+                    <a:lstStyle/>
+                    <a:p>
+                      <a:pPr marL="0" marR="0" lvl="0" indent="0" algn="ctr" defTabSz="457200" rtl="0" eaLnBrk="1" fontAlgn="auto" latinLnBrk="0" hangingPunct="1">
+                        <a:lnSpc>
+                          <a:spcPct val="100000"/>
+                        </a:lnSpc>
+                        <a:spcBef>
+                          <a:spcPts val="0"/>
+                        </a:spcBef>
+                        <a:spcAft>
+                          <a:spcPts val="0"/>
+                        </a:spcAft>
+                        <a:buClrTx/>
+                        <a:buSzTx/>
+                        <a:buFontTx/>
+                        <a:buNone/>
+                        <a:tabLst/>
+                        <a:defRPr/>
+                      </a:pPr>
+                      <a:r>
+                        <a:rPr lang="de-DE" dirty="0"/>
+                        <a:t>✅</a:t>
+                      </a:r>
+                    </a:p>
+                  </a:txBody>
+                  <a:tcPr anchor="ctr">
+                    <a:lnL w="12700" cap="flat" cmpd="sng" algn="ctr">
+                      <a:solidFill>
+                        <a:schemeClr val="accent4"/>
+                      </a:solidFill>
+                      <a:prstDash val="solid"/>
+                      <a:round/>
+                      <a:headEnd type="none" w="med" len="med"/>
+                      <a:tailEnd type="none" w="med" len="med"/>
+                    </a:lnL>
+                    <a:lnR w="12700" cap="flat" cmpd="sng" algn="ctr">
+                      <a:solidFill>
+                        <a:schemeClr val="accent4"/>
+                      </a:solidFill>
+                      <a:prstDash val="solid"/>
+                      <a:round/>
+                      <a:headEnd type="none" w="med" len="med"/>
+                      <a:tailEnd type="none" w="med" len="med"/>
+                    </a:lnR>
+                  </a:tcPr>
+                </a:tc>
+                <a:tc>
+                  <a:txBody>
+                    <a:bodyPr/>
+                    <a:lstStyle/>
+                    <a:p>
+                      <a:pPr marL="0" marR="0" lvl="0" indent="0" algn="ctr" defTabSz="457200" rtl="0" eaLnBrk="1" fontAlgn="auto" latinLnBrk="0" hangingPunct="1">
+                        <a:lnSpc>
+                          <a:spcPct val="100000"/>
+                        </a:lnSpc>
+                        <a:spcBef>
+                          <a:spcPts val="0"/>
+                        </a:spcBef>
+                        <a:spcAft>
+                          <a:spcPts val="0"/>
+                        </a:spcAft>
+                        <a:buClrTx/>
+                        <a:buSzTx/>
+                        <a:buFontTx/>
+                        <a:buNone/>
+                        <a:tabLst/>
+                        <a:defRPr/>
+                      </a:pPr>
+                      <a:r>
+                        <a:rPr lang="de-DE" dirty="0"/>
+                        <a:t>✅</a:t>
+                      </a:r>
+                    </a:p>
+                  </a:txBody>
+                  <a:tcPr anchor="ctr">
+                    <a:lnL w="12700" cap="flat" cmpd="sng" algn="ctr">
+                      <a:solidFill>
+                        <a:schemeClr val="accent4"/>
+                      </a:solidFill>
+                      <a:prstDash val="solid"/>
+                      <a:round/>
+                      <a:headEnd type="none" w="med" len="med"/>
+                      <a:tailEnd type="none" w="med" len="med"/>
+                    </a:lnL>
+                    <a:lnR w="12700" cap="flat" cmpd="sng" algn="ctr">
+                      <a:solidFill>
+                        <a:schemeClr val="accent4"/>
+                      </a:solidFill>
+                      <a:prstDash val="solid"/>
+                      <a:round/>
+                      <a:headEnd type="none" w="med" len="med"/>
+                      <a:tailEnd type="none" w="med" len="med"/>
+                    </a:lnR>
+                  </a:tcPr>
+                </a:tc>
+                <a:tc>
+                  <a:txBody>
+                    <a:bodyPr/>
+                    <a:lstStyle/>
+                    <a:p>
+                      <a:pPr algn="ctr"/>
+                      <a:r>
+                        <a:rPr lang="de-DE" dirty="0"/>
+                        <a:t>❌</a:t>
+                      </a:r>
+                    </a:p>
+                  </a:txBody>
+                  <a:tcPr anchor="ctr">
+                    <a:lnL w="12700" cap="flat" cmpd="sng" algn="ctr">
+                      <a:solidFill>
+                        <a:schemeClr val="accent4"/>
+                      </a:solidFill>
+                      <a:prstDash val="solid"/>
+                      <a:round/>
+                      <a:headEnd type="none" w="med" len="med"/>
+                      <a:tailEnd type="none" w="med" len="med"/>
+                    </a:lnL>
+                    <a:lnR w="12700" cap="flat" cmpd="sng" algn="ctr">
+                      <a:solidFill>
+                        <a:schemeClr val="accent4"/>
+                      </a:solidFill>
+                      <a:prstDash val="solid"/>
+                      <a:round/>
+                      <a:headEnd type="none" w="med" len="med"/>
+                      <a:tailEnd type="none" w="med" len="med"/>
+                    </a:lnR>
+                  </a:tcPr>
+                </a:tc>
+                <a:tc>
+                  <a:txBody>
+                    <a:bodyPr/>
+                    <a:lstStyle/>
+                    <a:p>
+                      <a:pPr marL="0" marR="0" lvl="0" indent="0" algn="ctr" defTabSz="457200" rtl="0" eaLnBrk="1" fontAlgn="auto" latinLnBrk="0" hangingPunct="1">
+                        <a:lnSpc>
+                          <a:spcPct val="100000"/>
+                        </a:lnSpc>
+                        <a:spcBef>
+                          <a:spcPts val="0"/>
+                        </a:spcBef>
+                        <a:spcAft>
+                          <a:spcPts val="0"/>
+                        </a:spcAft>
+                        <a:buClrTx/>
+                        <a:buSzTx/>
+                        <a:buFontTx/>
+                        <a:buNone/>
+                        <a:tabLst/>
+                        <a:defRPr/>
+                      </a:pPr>
+                      <a:endParaRPr lang="de-DE" dirty="0"/>
+                    </a:p>
+                  </a:txBody>
+                  <a:tcPr anchor="ctr">
+                    <a:lnL w="12700" cap="flat" cmpd="sng" algn="ctr">
+                      <a:solidFill>
+                        <a:schemeClr val="accent4"/>
+                      </a:solidFill>
+                      <a:prstDash val="solid"/>
+                      <a:round/>
+                      <a:headEnd type="none" w="med" len="med"/>
+                      <a:tailEnd type="none" w="med" len="med"/>
+                    </a:lnL>
+                  </a:tcPr>
+                </a:tc>
+                <a:extLst>
+                  <a:ext uri="{0D108BD9-81ED-4DB2-BD59-A6C34878D82A}">
+                    <a16:rowId xmlns:a16="http://schemas.microsoft.com/office/drawing/2014/main" val="2151897338"/>
+                  </a:ext>
+                </a:extLst>
+              </a:tr>
+              <a:tr h="916902">
+                <a:tc>
+                  <a:txBody>
+                    <a:bodyPr/>
+                    <a:lstStyle/>
+                    <a:p>
+                      <a:pPr algn="l"/>
+                      <a:r>
+                        <a:rPr lang="de-DE" dirty="0"/>
+                        <a:t>Geordnet?</a:t>
+                      </a:r>
+                    </a:p>
+                  </a:txBody>
+                  <a:tcPr anchor="ctr">
+                    <a:lnR w="12700" cap="flat" cmpd="sng" algn="ctr">
+                      <a:solidFill>
+                        <a:schemeClr val="accent4"/>
+                      </a:solidFill>
+                      <a:prstDash val="solid"/>
+                      <a:round/>
+                      <a:headEnd type="none" w="med" len="med"/>
+                      <a:tailEnd type="none" w="med" len="med"/>
+                    </a:lnR>
+                  </a:tcPr>
+                </a:tc>
+                <a:tc>
+                  <a:txBody>
+                    <a:bodyPr/>
+                    <a:lstStyle/>
+                    <a:p>
+                      <a:pPr marL="0" marR="0" lvl="0" indent="0" algn="ctr" defTabSz="457200" rtl="0" eaLnBrk="1" fontAlgn="auto" latinLnBrk="0" hangingPunct="1">
+                        <a:lnSpc>
+                          <a:spcPct val="100000"/>
+                        </a:lnSpc>
+                        <a:spcBef>
+                          <a:spcPts val="0"/>
+                        </a:spcBef>
+                        <a:spcAft>
+                          <a:spcPts val="0"/>
+                        </a:spcAft>
+                        <a:buClrTx/>
+                        <a:buSzTx/>
+                        <a:buFontTx/>
+                        <a:buNone/>
+                        <a:tabLst/>
+                        <a:defRPr/>
+                      </a:pPr>
+                      <a:r>
+                        <a:rPr lang="de-DE" dirty="0"/>
+                        <a:t>✅</a:t>
+                      </a:r>
+                    </a:p>
+                  </a:txBody>
+                  <a:tcPr anchor="ctr">
+                    <a:lnL w="12700" cap="flat" cmpd="sng" algn="ctr">
+                      <a:solidFill>
+                        <a:schemeClr val="accent4"/>
+                      </a:solidFill>
+                      <a:prstDash val="solid"/>
+                      <a:round/>
+                      <a:headEnd type="none" w="med" len="med"/>
+                      <a:tailEnd type="none" w="med" len="med"/>
+                    </a:lnL>
+                    <a:lnR w="12700" cap="flat" cmpd="sng" algn="ctr">
+                      <a:solidFill>
+                        <a:schemeClr val="accent4"/>
+                      </a:solidFill>
+                      <a:prstDash val="solid"/>
+                      <a:round/>
+                      <a:headEnd type="none" w="med" len="med"/>
+                      <a:tailEnd type="none" w="med" len="med"/>
+                    </a:lnR>
+                  </a:tcPr>
+                </a:tc>
+                <a:tc>
+                  <a:txBody>
+                    <a:bodyPr/>
+                    <a:lstStyle/>
+                    <a:p>
+                      <a:pPr marL="0" marR="0" lvl="0" indent="0" algn="ctr" defTabSz="457200" rtl="0" eaLnBrk="1" fontAlgn="auto" latinLnBrk="0" hangingPunct="1">
+                        <a:lnSpc>
+                          <a:spcPct val="100000"/>
+                        </a:lnSpc>
+                        <a:spcBef>
+                          <a:spcPts val="0"/>
+                        </a:spcBef>
+                        <a:spcAft>
+                          <a:spcPts val="0"/>
+                        </a:spcAft>
+                        <a:buClrTx/>
+                        <a:buSzTx/>
+                        <a:buFontTx/>
+                        <a:buNone/>
+                        <a:tabLst/>
+                        <a:defRPr/>
+                      </a:pPr>
+                      <a:r>
+                        <a:rPr lang="de-DE" dirty="0"/>
+                        <a:t>✅</a:t>
+                      </a:r>
+                    </a:p>
+                  </a:txBody>
+                  <a:tcPr anchor="ctr">
+                    <a:lnL w="12700" cap="flat" cmpd="sng" algn="ctr">
+                      <a:solidFill>
+                        <a:schemeClr val="accent4"/>
+                      </a:solidFill>
+                      <a:prstDash val="solid"/>
+                      <a:round/>
+                      <a:headEnd type="none" w="med" len="med"/>
+                      <a:tailEnd type="none" w="med" len="med"/>
+                    </a:lnL>
+                    <a:lnR w="12700" cap="flat" cmpd="sng" algn="ctr">
+                      <a:solidFill>
+                        <a:schemeClr val="accent4"/>
+                      </a:solidFill>
+                      <a:prstDash val="solid"/>
+                      <a:round/>
+                      <a:headEnd type="none" w="med" len="med"/>
+                      <a:tailEnd type="none" w="med" len="med"/>
+                    </a:lnR>
+                  </a:tcPr>
+                </a:tc>
+                <a:tc>
+                  <a:txBody>
+                    <a:bodyPr/>
+                    <a:lstStyle/>
+                    <a:p>
+                      <a:pPr algn="ctr"/>
+                      <a:r>
+                        <a:rPr lang="de-DE" dirty="0"/>
+                        <a:t>❌</a:t>
+                      </a:r>
+                    </a:p>
+                  </a:txBody>
+                  <a:tcPr anchor="ctr">
+                    <a:lnL w="12700" cap="flat" cmpd="sng" algn="ctr">
+                      <a:solidFill>
+                        <a:schemeClr val="accent4"/>
+                      </a:solidFill>
+                      <a:prstDash val="solid"/>
+                      <a:round/>
+                      <a:headEnd type="none" w="med" len="med"/>
+                      <a:tailEnd type="none" w="med" len="med"/>
+                    </a:lnL>
+                    <a:lnR w="12700" cap="flat" cmpd="sng" algn="ctr">
+                      <a:solidFill>
+                        <a:schemeClr val="accent4"/>
+                      </a:solidFill>
+                      <a:prstDash val="solid"/>
+                      <a:round/>
+                      <a:headEnd type="none" w="med" len="med"/>
+                      <a:tailEnd type="none" w="med" len="med"/>
+                    </a:lnR>
+                  </a:tcPr>
+                </a:tc>
+                <a:tc>
+                  <a:txBody>
+                    <a:bodyPr/>
+                    <a:lstStyle/>
+                    <a:p>
+                      <a:pPr marL="0" marR="0" lvl="0" indent="0" algn="ctr" defTabSz="457200" rtl="0" eaLnBrk="1" fontAlgn="auto" latinLnBrk="0" hangingPunct="1">
+                        <a:lnSpc>
+                          <a:spcPct val="100000"/>
+                        </a:lnSpc>
+                        <a:spcBef>
+                          <a:spcPts val="0"/>
+                        </a:spcBef>
+                        <a:spcAft>
+                          <a:spcPts val="0"/>
+                        </a:spcAft>
+                        <a:buClrTx/>
+                        <a:buSzTx/>
+                        <a:buFontTx/>
+                        <a:buNone/>
+                        <a:tabLst/>
+                        <a:defRPr/>
+                      </a:pPr>
+                      <a:endParaRPr lang="de-DE" dirty="0"/>
+                    </a:p>
+                  </a:txBody>
+                  <a:tcPr anchor="ctr">
+                    <a:lnL w="12700" cap="flat" cmpd="sng" algn="ctr">
+                      <a:solidFill>
+                        <a:schemeClr val="accent4"/>
+                      </a:solidFill>
+                      <a:prstDash val="solid"/>
+                      <a:round/>
+                      <a:headEnd type="none" w="med" len="med"/>
+                      <a:tailEnd type="none" w="med" len="med"/>
+                    </a:lnL>
+                  </a:tcPr>
+                </a:tc>
+                <a:extLst>
+                  <a:ext uri="{0D108BD9-81ED-4DB2-BD59-A6C34878D82A}">
+                    <a16:rowId xmlns:a16="http://schemas.microsoft.com/office/drawing/2014/main" val="555583047"/>
+                  </a:ext>
+                </a:extLst>
+              </a:tr>
+              <a:tr h="531220">
+                <a:tc>
+                  <a:txBody>
+                    <a:bodyPr/>
+                    <a:lstStyle/>
+                    <a:p>
+                      <a:pPr algn="l"/>
+                      <a:r>
+                        <a:rPr lang="de-DE" dirty="0"/>
+                        <a:t>Keys?</a:t>
+                      </a:r>
+                    </a:p>
+                  </a:txBody>
+                  <a:tcPr anchor="ctr">
+                    <a:lnR w="12700" cap="flat" cmpd="sng" algn="ctr">
+                      <a:solidFill>
+                        <a:schemeClr val="accent4"/>
+                      </a:solidFill>
+                      <a:prstDash val="solid"/>
+                      <a:round/>
+                      <a:headEnd type="none" w="med" len="med"/>
+                      <a:tailEnd type="none" w="med" len="med"/>
+                    </a:lnR>
+                  </a:tcPr>
+                </a:tc>
+                <a:tc>
+                  <a:txBody>
+                    <a:bodyPr/>
+                    <a:lstStyle/>
+                    <a:p>
+                      <a:pPr algn="ctr"/>
+                      <a:r>
+                        <a:rPr lang="de-DE" dirty="0"/>
+                        <a:t>❌</a:t>
+                      </a:r>
+                    </a:p>
+                  </a:txBody>
+                  <a:tcPr anchor="ctr">
+                    <a:lnL w="12700" cap="flat" cmpd="sng" algn="ctr">
+                      <a:solidFill>
+                        <a:schemeClr val="accent4"/>
+                      </a:solidFill>
+                      <a:prstDash val="solid"/>
+                      <a:round/>
+                      <a:headEnd type="none" w="med" len="med"/>
+                      <a:tailEnd type="none" w="med" len="med"/>
+                    </a:lnL>
+                    <a:lnR w="12700" cap="flat" cmpd="sng" algn="ctr">
+                      <a:solidFill>
+                        <a:schemeClr val="accent4"/>
+                      </a:solidFill>
+                      <a:prstDash val="solid"/>
+                      <a:round/>
+                      <a:headEnd type="none" w="med" len="med"/>
+                      <a:tailEnd type="none" w="med" len="med"/>
+                    </a:lnR>
+                  </a:tcPr>
+                </a:tc>
+                <a:tc>
+                  <a:txBody>
+                    <a:bodyPr/>
+                    <a:lstStyle/>
+                    <a:p>
+                      <a:pPr algn="ctr"/>
+                      <a:r>
+                        <a:rPr lang="de-DE" dirty="0"/>
+                        <a:t>❌</a:t>
+                      </a:r>
+                    </a:p>
+                  </a:txBody>
+                  <a:tcPr anchor="ctr">
+                    <a:lnL w="12700" cap="flat" cmpd="sng" algn="ctr">
+                      <a:solidFill>
+                        <a:schemeClr val="accent4"/>
+                      </a:solidFill>
+                      <a:prstDash val="solid"/>
+                      <a:round/>
+                      <a:headEnd type="none" w="med" len="med"/>
+                      <a:tailEnd type="none" w="med" len="med"/>
+                    </a:lnL>
+                    <a:lnR w="12700" cap="flat" cmpd="sng" algn="ctr">
+                      <a:solidFill>
+                        <a:schemeClr val="accent4"/>
+                      </a:solidFill>
+                      <a:prstDash val="solid"/>
+                      <a:round/>
+                      <a:headEnd type="none" w="med" len="med"/>
+                      <a:tailEnd type="none" w="med" len="med"/>
+                    </a:lnR>
+                  </a:tcPr>
+                </a:tc>
+                <a:tc>
+                  <a:txBody>
+                    <a:bodyPr/>
+                    <a:lstStyle/>
+                    <a:p>
+                      <a:pPr algn="ctr"/>
+                      <a:r>
+                        <a:rPr lang="de-DE" dirty="0"/>
+                        <a:t>❌</a:t>
+                      </a:r>
+                    </a:p>
+                  </a:txBody>
+                  <a:tcPr anchor="ctr">
+                    <a:lnL w="12700" cap="flat" cmpd="sng" algn="ctr">
+                      <a:solidFill>
+                        <a:schemeClr val="accent4"/>
+                      </a:solidFill>
+                      <a:prstDash val="solid"/>
+                      <a:round/>
+                      <a:headEnd type="none" w="med" len="med"/>
+                      <a:tailEnd type="none" w="med" len="med"/>
+                    </a:lnL>
+                    <a:lnR w="12700" cap="flat" cmpd="sng" algn="ctr">
+                      <a:solidFill>
+                        <a:schemeClr val="accent4"/>
+                      </a:solidFill>
+                      <a:prstDash val="solid"/>
+                      <a:round/>
+                      <a:headEnd type="none" w="med" len="med"/>
+                      <a:tailEnd type="none" w="med" len="med"/>
+                    </a:lnR>
+                  </a:tcPr>
+                </a:tc>
+                <a:tc>
+                  <a:txBody>
+                    <a:bodyPr/>
+                    <a:lstStyle/>
+                    <a:p>
+                      <a:pPr marL="0" marR="0" lvl="0" indent="0" algn="ctr" defTabSz="457200" rtl="0" eaLnBrk="1" fontAlgn="auto" latinLnBrk="0" hangingPunct="1">
+                        <a:lnSpc>
+                          <a:spcPct val="100000"/>
+                        </a:lnSpc>
+                        <a:spcBef>
+                          <a:spcPts val="0"/>
+                        </a:spcBef>
+                        <a:spcAft>
+                          <a:spcPts val="0"/>
+                        </a:spcAft>
+                        <a:buClrTx/>
+                        <a:buSzTx/>
+                        <a:buFontTx/>
+                        <a:buNone/>
+                        <a:tabLst/>
+                        <a:defRPr/>
+                      </a:pPr>
+                      <a:endParaRPr lang="de-DE" dirty="0"/>
+                    </a:p>
+                  </a:txBody>
+                  <a:tcPr anchor="ctr">
+                    <a:lnL w="12700" cap="flat" cmpd="sng" algn="ctr">
+                      <a:solidFill>
+                        <a:schemeClr val="accent4"/>
+                      </a:solidFill>
+                      <a:prstDash val="solid"/>
+                      <a:round/>
+                      <a:headEnd type="none" w="med" len="med"/>
+                      <a:tailEnd type="none" w="med" len="med"/>
+                    </a:lnL>
+                  </a:tcPr>
+                </a:tc>
+                <a:extLst>
+                  <a:ext uri="{0D108BD9-81ED-4DB2-BD59-A6C34878D82A}">
+                    <a16:rowId xmlns:a16="http://schemas.microsoft.com/office/drawing/2014/main" val="3836793035"/>
+                  </a:ext>
+                </a:extLst>
+              </a:tr>
+              <a:tr h="531220">
+                <a:tc>
+                  <a:txBody>
+                    <a:bodyPr/>
+                    <a:lstStyle/>
+                    <a:p>
+                      <a:pPr algn="l"/>
+                      <a:endParaRPr lang="de-DE" dirty="0"/>
+                    </a:p>
+                  </a:txBody>
+                  <a:tcPr anchor="ctr">
+                    <a:lnR w="12700" cap="flat" cmpd="sng" algn="ctr">
+                      <a:solidFill>
+                        <a:schemeClr val="accent4"/>
+                      </a:solidFill>
+                      <a:prstDash val="solid"/>
+                      <a:round/>
+                      <a:headEnd type="none" w="med" len="med"/>
+                      <a:tailEnd type="none" w="med" len="med"/>
+                    </a:lnR>
+                  </a:tcPr>
+                </a:tc>
+                <a:tc>
+                  <a:txBody>
+                    <a:bodyPr/>
+                    <a:lstStyle/>
+                    <a:p>
+                      <a:pPr algn="ctr"/>
+                      <a:r>
+                        <a:rPr lang="de-DE" dirty="0" err="1"/>
+                        <a:t>list</a:t>
+                      </a:r>
+                      <a:r>
+                        <a:rPr lang="de-DE" dirty="0"/>
+                        <a:t> = [ ]</a:t>
+                      </a:r>
+                    </a:p>
+                  </a:txBody>
+                  <a:tcPr anchor="ctr">
+                    <a:lnL w="12700" cap="flat" cmpd="sng" algn="ctr">
+                      <a:solidFill>
+                        <a:schemeClr val="accent4"/>
+                      </a:solidFill>
+                      <a:prstDash val="solid"/>
+                      <a:round/>
+                      <a:headEnd type="none" w="med" len="med"/>
+                      <a:tailEnd type="none" w="med" len="med"/>
+                    </a:lnL>
+                    <a:lnR w="12700" cap="flat" cmpd="sng" algn="ctr">
+                      <a:solidFill>
+                        <a:schemeClr val="accent4"/>
+                      </a:solidFill>
+                      <a:prstDash val="solid"/>
+                      <a:round/>
+                      <a:headEnd type="none" w="med" len="med"/>
+                      <a:tailEnd type="none" w="med" len="med"/>
+                    </a:lnR>
+                  </a:tcPr>
+                </a:tc>
+                <a:tc>
+                  <a:txBody>
+                    <a:bodyPr/>
+                    <a:lstStyle/>
+                    <a:p>
+                      <a:pPr algn="ctr"/>
+                      <a:r>
+                        <a:rPr lang="de-DE" dirty="0" err="1"/>
+                        <a:t>tuple</a:t>
+                      </a:r>
+                      <a:r>
+                        <a:rPr lang="de-DE" dirty="0"/>
+                        <a:t> = ( )</a:t>
+                      </a:r>
+                    </a:p>
+                  </a:txBody>
+                  <a:tcPr anchor="ctr">
+                    <a:lnL w="12700" cap="flat" cmpd="sng" algn="ctr">
+                      <a:solidFill>
+                        <a:schemeClr val="accent4"/>
+                      </a:solidFill>
+                      <a:prstDash val="solid"/>
+                      <a:round/>
+                      <a:headEnd type="none" w="med" len="med"/>
+                      <a:tailEnd type="none" w="med" len="med"/>
+                    </a:lnL>
+                    <a:lnR w="12700" cap="flat" cmpd="sng" algn="ctr">
+                      <a:solidFill>
+                        <a:schemeClr val="accent4"/>
+                      </a:solidFill>
+                      <a:prstDash val="solid"/>
+                      <a:round/>
+                      <a:headEnd type="none" w="med" len="med"/>
+                      <a:tailEnd type="none" w="med" len="med"/>
+                    </a:lnR>
+                  </a:tcPr>
+                </a:tc>
+                <a:tc>
+                  <a:txBody>
+                    <a:bodyPr/>
+                    <a:lstStyle/>
+                    <a:p>
+                      <a:pPr algn="ctr"/>
+                      <a:r>
+                        <a:rPr lang="de-DE" dirty="0" err="1"/>
+                        <a:t>set</a:t>
+                      </a:r>
+                      <a:r>
+                        <a:rPr lang="de-DE" dirty="0"/>
+                        <a:t> = { }</a:t>
+                      </a:r>
+                    </a:p>
+                  </a:txBody>
+                  <a:tcPr anchor="ctr">
+                    <a:lnL w="12700" cap="flat" cmpd="sng" algn="ctr">
+                      <a:solidFill>
+                        <a:schemeClr val="accent4"/>
+                      </a:solidFill>
+                      <a:prstDash val="solid"/>
+                      <a:round/>
+                      <a:headEnd type="none" w="med" len="med"/>
+                      <a:tailEnd type="none" w="med" len="med"/>
+                    </a:lnL>
+                    <a:lnR w="12700" cap="flat" cmpd="sng" algn="ctr">
+                      <a:solidFill>
+                        <a:schemeClr val="accent4"/>
+                      </a:solidFill>
+                      <a:prstDash val="solid"/>
+                      <a:round/>
+                      <a:headEnd type="none" w="med" len="med"/>
+                      <a:tailEnd type="none" w="med" len="med"/>
+                    </a:lnR>
+                  </a:tcPr>
+                </a:tc>
+                <a:tc>
+                  <a:txBody>
+                    <a:bodyPr/>
+                    <a:lstStyle/>
+                    <a:p>
+                      <a:pPr algn="ctr"/>
+                      <a:endParaRPr lang="de-DE" dirty="0"/>
+                    </a:p>
+                  </a:txBody>
+                  <a:tcPr anchor="ctr">
+                    <a:lnL w="12700" cap="flat" cmpd="sng" algn="ctr">
+                      <a:solidFill>
+                        <a:schemeClr val="accent4"/>
+                      </a:solidFill>
+                      <a:prstDash val="solid"/>
+                      <a:round/>
+                      <a:headEnd type="none" w="med" len="med"/>
+                      <a:tailEnd type="none" w="med" len="med"/>
+                    </a:lnL>
+                  </a:tcPr>
+                </a:tc>
+                <a:extLst>
+                  <a:ext uri="{0D108BD9-81ED-4DB2-BD59-A6C34878D82A}">
+                    <a16:rowId xmlns:a16="http://schemas.microsoft.com/office/drawing/2014/main" val="2815062303"/>
+                  </a:ext>
+                </a:extLst>
+              </a:tr>
+            </a:tbl>
+          </a:graphicData>
+        </a:graphic>
+      </p:graphicFrame>
+      <p:sp>
+        <p:nvSpPr>
+          <p:cNvPr id="3" name="Textfeld 2">
+            <a:extLst>
+              <a:ext uri="{FF2B5EF4-FFF2-40B4-BE49-F238E27FC236}">
+                <a16:creationId xmlns:a16="http://schemas.microsoft.com/office/drawing/2014/main" id="{B3BED04A-FFC8-3256-E1F6-604F2E4091EB}"/>
+              </a:ext>
+            </a:extLst>
+          </p:cNvPr>
+          <p:cNvSpPr txBox="1"/>
+          <p:nvPr/>
+        </p:nvSpPr>
+        <p:spPr>
+          <a:xfrm>
+            <a:off x="2867892" y="3025269"/>
+            <a:ext cx="8514106" cy="3168000"/>
+          </a:xfrm>
+          <a:prstGeom prst="rect">
+            <a:avLst/>
+          </a:prstGeom>
+          <a:solidFill>
+            <a:schemeClr val="bg2"/>
+          </a:solidFill>
+        </p:spPr>
+        <p:txBody>
+          <a:bodyPr wrap="square" numCol="2" rtlCol="0">
+            <a:spAutoFit/>
+          </a:bodyPr>
+          <a:lstStyle/>
+          <a:p>
+            <a:pPr lvl="3"/>
+            <a:endParaRPr lang="de-DE" dirty="0"/>
+          </a:p>
+          <a:p>
+            <a:r>
+              <a:rPr lang="de-DE" dirty="0">
+                <a:solidFill>
+                  <a:schemeClr val="accent1"/>
+                </a:solidFill>
+              </a:rPr>
+              <a:t>  </a:t>
+            </a:r>
+          </a:p>
+          <a:p>
+            <a:r>
+              <a:rPr lang="de-DE" dirty="0">
+                <a:solidFill>
+                  <a:schemeClr val="accent1"/>
+                </a:solidFill>
+              </a:rPr>
+              <a:t>  </a:t>
+            </a:r>
+            <a:r>
+              <a:rPr lang="de-DE" dirty="0" err="1">
+                <a:solidFill>
+                  <a:schemeClr val="accent1"/>
+                </a:solidFill>
+              </a:rPr>
+              <a:t>add</a:t>
+            </a:r>
+            <a:r>
+              <a:rPr lang="de-DE" dirty="0">
+                <a:solidFill>
+                  <a:schemeClr val="accent1"/>
+                </a:solidFill>
+              </a:rPr>
+              <a:t>( </a:t>
+            </a:r>
+            <a:r>
+              <a:rPr lang="de-DE" dirty="0" err="1">
+                <a:solidFill>
+                  <a:schemeClr val="bg1">
+                    <a:lumMod val="50000"/>
+                    <a:lumOff val="50000"/>
+                  </a:schemeClr>
+                </a:solidFill>
+              </a:rPr>
+              <a:t>element</a:t>
+            </a:r>
+            <a:r>
+              <a:rPr lang="de-DE" dirty="0">
+                <a:solidFill>
+                  <a:schemeClr val="accent1"/>
+                </a:solidFill>
+              </a:rPr>
+              <a:t> )</a:t>
+            </a:r>
+          </a:p>
+          <a:p>
+            <a:endParaRPr lang="de-DE" dirty="0">
+              <a:solidFill>
+                <a:schemeClr val="accent1"/>
+              </a:solidFill>
+            </a:endParaRPr>
+          </a:p>
+          <a:p>
+            <a:r>
+              <a:rPr lang="de-DE" dirty="0">
+                <a:solidFill>
+                  <a:schemeClr val="accent1"/>
+                </a:solidFill>
+              </a:rPr>
+              <a:t>  </a:t>
+            </a:r>
+            <a:r>
+              <a:rPr lang="de-DE" dirty="0" err="1">
+                <a:solidFill>
+                  <a:schemeClr val="accent1"/>
+                </a:solidFill>
+              </a:rPr>
+              <a:t>remove</a:t>
+            </a:r>
+            <a:r>
+              <a:rPr lang="de-DE" dirty="0">
+                <a:solidFill>
+                  <a:schemeClr val="accent1"/>
+                </a:solidFill>
+              </a:rPr>
+              <a:t>(</a:t>
+            </a:r>
+            <a:r>
+              <a:rPr lang="de-DE" dirty="0" err="1">
+                <a:solidFill>
+                  <a:schemeClr val="bg1">
+                    <a:lumMod val="50000"/>
+                    <a:lumOff val="50000"/>
+                  </a:schemeClr>
+                </a:solidFill>
+              </a:rPr>
+              <a:t>element</a:t>
+            </a:r>
+            <a:r>
+              <a:rPr lang="de-DE" dirty="0">
+                <a:solidFill>
+                  <a:schemeClr val="accent1"/>
+                </a:solidFill>
+              </a:rPr>
+              <a:t>)</a:t>
+            </a:r>
+          </a:p>
+          <a:p>
+            <a:r>
+              <a:rPr lang="de-DE" dirty="0">
+                <a:solidFill>
+                  <a:schemeClr val="accent1"/>
+                </a:solidFill>
+              </a:rPr>
+              <a:t>  </a:t>
+            </a:r>
+          </a:p>
+          <a:p>
+            <a:r>
+              <a:rPr lang="de-DE" dirty="0">
+                <a:solidFill>
+                  <a:schemeClr val="accent1"/>
+                </a:solidFill>
+              </a:rPr>
+              <a:t>  </a:t>
+            </a:r>
+            <a:r>
+              <a:rPr lang="de-DE" dirty="0" err="1">
+                <a:solidFill>
+                  <a:schemeClr val="accent1"/>
+                </a:solidFill>
+              </a:rPr>
+              <a:t>discard</a:t>
+            </a:r>
+            <a:r>
+              <a:rPr lang="de-DE" dirty="0">
+                <a:solidFill>
+                  <a:schemeClr val="accent1"/>
+                </a:solidFill>
+              </a:rPr>
+              <a:t>( </a:t>
+            </a:r>
+            <a:r>
+              <a:rPr lang="de-DE" dirty="0" err="1">
+                <a:solidFill>
+                  <a:schemeClr val="bg1">
+                    <a:lumMod val="50000"/>
+                    <a:lumOff val="50000"/>
+                  </a:schemeClr>
+                </a:solidFill>
+              </a:rPr>
+              <a:t>element</a:t>
+            </a:r>
+            <a:r>
+              <a:rPr lang="de-DE" dirty="0">
+                <a:solidFill>
+                  <a:schemeClr val="accent1"/>
+                </a:solidFill>
+              </a:rPr>
+              <a:t> )</a:t>
+            </a:r>
+          </a:p>
+          <a:p>
+            <a:r>
+              <a:rPr lang="de-DE" dirty="0">
+                <a:solidFill>
+                  <a:schemeClr val="accent1"/>
+                </a:solidFill>
+              </a:rPr>
+              <a:t> </a:t>
+            </a:r>
+          </a:p>
+          <a:p>
+            <a:r>
+              <a:rPr lang="de-DE" dirty="0">
+                <a:solidFill>
+                  <a:schemeClr val="accent1"/>
+                </a:solidFill>
+              </a:rPr>
+              <a:t>  </a:t>
+            </a:r>
+            <a:r>
+              <a:rPr lang="de-DE" dirty="0" err="1">
+                <a:solidFill>
+                  <a:schemeClr val="accent1"/>
+                </a:solidFill>
+              </a:rPr>
+              <a:t>pop</a:t>
+            </a:r>
+            <a:r>
+              <a:rPr lang="de-DE" dirty="0">
+                <a:solidFill>
+                  <a:schemeClr val="accent1"/>
+                </a:solidFill>
+              </a:rPr>
+              <a:t>( </a:t>
+            </a:r>
+            <a:r>
+              <a:rPr lang="de-DE" dirty="0" err="1">
+                <a:solidFill>
+                  <a:schemeClr val="bg1">
+                    <a:lumMod val="50000"/>
+                    <a:lumOff val="50000"/>
+                  </a:schemeClr>
+                </a:solidFill>
+              </a:rPr>
+              <a:t>index</a:t>
+            </a:r>
+            <a:r>
+              <a:rPr lang="de-DE" dirty="0">
+                <a:solidFill>
+                  <a:schemeClr val="accent1"/>
+                </a:solidFill>
+              </a:rPr>
+              <a:t> )</a:t>
+            </a:r>
+          </a:p>
+          <a:p>
+            <a:endParaRPr lang="de-DE" dirty="0"/>
+          </a:p>
+          <a:p>
+            <a:endParaRPr lang="de-DE" dirty="0">
+              <a:solidFill>
+                <a:schemeClr val="accent1"/>
+              </a:solidFill>
+            </a:endParaRPr>
+          </a:p>
+          <a:p>
+            <a:endParaRPr lang="de-DE" dirty="0">
+              <a:solidFill>
+                <a:schemeClr val="accent1"/>
+              </a:solidFill>
+            </a:endParaRPr>
+          </a:p>
+          <a:p>
+            <a:endParaRPr lang="de-DE" dirty="0">
+              <a:solidFill>
+                <a:schemeClr val="accent1"/>
+              </a:solidFill>
+            </a:endParaRPr>
+          </a:p>
+          <a:p>
+            <a:endParaRPr lang="de-DE" dirty="0">
+              <a:solidFill>
+                <a:schemeClr val="accent1"/>
+              </a:solidFill>
+            </a:endParaRPr>
+          </a:p>
+          <a:p>
+            <a:r>
+              <a:rPr lang="de-DE" dirty="0" err="1">
+                <a:solidFill>
+                  <a:schemeClr val="accent1"/>
+                </a:solidFill>
+              </a:rPr>
+              <a:t>diference</a:t>
+            </a:r>
+            <a:r>
+              <a:rPr lang="de-DE" dirty="0">
+                <a:solidFill>
+                  <a:schemeClr val="accent1"/>
+                </a:solidFill>
+              </a:rPr>
+              <a:t>( </a:t>
+            </a:r>
+            <a:r>
+              <a:rPr lang="de-DE" dirty="0" err="1">
+                <a:solidFill>
+                  <a:schemeClr val="bg1">
+                    <a:lumMod val="50000"/>
+                    <a:lumOff val="50000"/>
+                  </a:schemeClr>
+                </a:solidFill>
+              </a:rPr>
+              <a:t>set</a:t>
+            </a:r>
+            <a:r>
+              <a:rPr lang="de-DE" dirty="0">
+                <a:solidFill>
+                  <a:schemeClr val="accent1"/>
+                </a:solidFill>
+              </a:rPr>
+              <a:t> )</a:t>
+            </a:r>
+          </a:p>
+          <a:p>
+            <a:endParaRPr lang="de-DE" dirty="0">
+              <a:solidFill>
+                <a:schemeClr val="accent1"/>
+              </a:solidFill>
+            </a:endParaRPr>
+          </a:p>
+          <a:p>
+            <a:r>
+              <a:rPr lang="de-DE" dirty="0" err="1">
+                <a:solidFill>
+                  <a:schemeClr val="accent1"/>
+                </a:solidFill>
+              </a:rPr>
+              <a:t>clear</a:t>
+            </a:r>
+            <a:r>
+              <a:rPr lang="de-DE" dirty="0">
+                <a:solidFill>
+                  <a:schemeClr val="accent1"/>
+                </a:solidFill>
+              </a:rPr>
+              <a:t>()</a:t>
+            </a:r>
+          </a:p>
+          <a:p>
+            <a:endParaRPr lang="de-DE" dirty="0">
+              <a:solidFill>
+                <a:schemeClr val="accent1"/>
+              </a:solidFill>
+            </a:endParaRPr>
+          </a:p>
+          <a:p>
+            <a:r>
+              <a:rPr lang="de-DE" dirty="0">
+                <a:solidFill>
+                  <a:schemeClr val="accent1"/>
+                </a:solidFill>
+              </a:rPr>
+              <a:t>update( </a:t>
+            </a:r>
+            <a:r>
+              <a:rPr lang="de-DE" dirty="0" err="1">
+                <a:solidFill>
+                  <a:schemeClr val="bg1">
+                    <a:lumMod val="50000"/>
+                    <a:lumOff val="50000"/>
+                  </a:schemeClr>
+                </a:solidFill>
+              </a:rPr>
+              <a:t>set</a:t>
+            </a:r>
+            <a:r>
+              <a:rPr lang="de-DE" dirty="0">
+                <a:solidFill>
+                  <a:schemeClr val="accent1"/>
+                </a:solidFill>
+              </a:rPr>
+              <a:t> )</a:t>
+            </a:r>
+          </a:p>
+          <a:p>
+            <a:endParaRPr lang="de-DE" dirty="0">
+              <a:solidFill>
+                <a:schemeClr val="accent1"/>
+              </a:solidFill>
+            </a:endParaRPr>
+          </a:p>
+          <a:p>
+            <a:endParaRPr lang="de-DE" dirty="0"/>
+          </a:p>
+        </p:txBody>
+      </p:sp>
+    </p:spTree>
+    <p:extLst>
+      <p:ext uri="{BB962C8B-B14F-4D97-AF65-F5344CB8AC3E}">
+        <p14:creationId xmlns:p14="http://schemas.microsoft.com/office/powerpoint/2010/main" val="2271711897"/>
       </p:ext>
     </p:extLst>
   </p:cSld>
@@ -9697,2893 +12023,6 @@
             <p:ph idx="1"/>
             <p:extLst>
               <p:ext uri="{D42A27DB-BD31-4B8C-83A1-F6EECF244321}">
-                <p14:modId xmlns:p14="http://schemas.microsoft.com/office/powerpoint/2010/main" val="2057929446"/>
-              </p:ext>
-            </p:extLst>
-          </p:nvPr>
-        </p:nvGraphicFramePr>
-        <p:xfrm>
-          <a:off x="810000" y="2574470"/>
-          <a:ext cx="10553700" cy="3452258"/>
-        </p:xfrm>
-        <a:graphic>
-          <a:graphicData uri="http://schemas.openxmlformats.org/drawingml/2006/table">
-            <a:tbl>
-              <a:tblPr firstRow="1" bandRow="1">
-                <a:tableStyleId>{17292A2E-F333-43FB-9621-5CBBE7FDCDCB}</a:tableStyleId>
-              </a:tblPr>
-              <a:tblGrid>
-                <a:gridCol w="2110740">
-                  <a:extLst>
-                    <a:ext uri="{9D8B030D-6E8A-4147-A177-3AD203B41FA5}">
-                      <a16:colId xmlns:a16="http://schemas.microsoft.com/office/drawing/2014/main" val="3154879884"/>
-                    </a:ext>
-                  </a:extLst>
-                </a:gridCol>
-                <a:gridCol w="2110740">
-                  <a:extLst>
-                    <a:ext uri="{9D8B030D-6E8A-4147-A177-3AD203B41FA5}">
-                      <a16:colId xmlns:a16="http://schemas.microsoft.com/office/drawing/2014/main" val="2768790688"/>
-                    </a:ext>
-                  </a:extLst>
-                </a:gridCol>
-                <a:gridCol w="2110740">
-                  <a:extLst>
-                    <a:ext uri="{9D8B030D-6E8A-4147-A177-3AD203B41FA5}">
-                      <a16:colId xmlns:a16="http://schemas.microsoft.com/office/drawing/2014/main" val="632190215"/>
-                    </a:ext>
-                  </a:extLst>
-                </a:gridCol>
-                <a:gridCol w="2110740">
-                  <a:extLst>
-                    <a:ext uri="{9D8B030D-6E8A-4147-A177-3AD203B41FA5}">
-                      <a16:colId xmlns:a16="http://schemas.microsoft.com/office/drawing/2014/main" val="981659422"/>
-                    </a:ext>
-                  </a:extLst>
-                </a:gridCol>
-                <a:gridCol w="2110740">
-                  <a:extLst>
-                    <a:ext uri="{9D8B030D-6E8A-4147-A177-3AD203B41FA5}">
-                      <a16:colId xmlns:a16="http://schemas.microsoft.com/office/drawing/2014/main" val="727473629"/>
-                    </a:ext>
-                  </a:extLst>
-                </a:gridCol>
-              </a:tblGrid>
-              <a:tr h="410476">
-                <a:tc>
-                  <a:txBody>
-                    <a:bodyPr/>
-                    <a:lstStyle/>
-                    <a:p>
-                      <a:pPr algn="l"/>
-                      <a:endParaRPr lang="de-DE" dirty="0"/>
-                    </a:p>
-                  </a:txBody>
-                  <a:tcPr anchor="ctr">
-                    <a:lnL w="9525" cap="rnd" cmpd="sng" algn="ctr">
-                      <a:noFill/>
-                      <a:prstDash val="solid"/>
-                    </a:lnL>
-                    <a:lnR w="12700" cap="flat" cmpd="sng" algn="ctr">
-                      <a:solidFill>
-                        <a:schemeClr val="accent4"/>
-                      </a:solidFill>
-                      <a:prstDash val="solid"/>
-                      <a:round/>
-                      <a:headEnd type="none" w="med" len="med"/>
-                      <a:tailEnd type="none" w="med" len="med"/>
-                    </a:lnR>
-                    <a:lnT w="9525" cap="rnd" cmpd="sng" algn="ctr">
-                      <a:noFill/>
-                      <a:prstDash val="solid"/>
-                    </a:lnT>
-                    <a:lnB w="12700" cap="flat" cmpd="sng" algn="ctr">
-                      <a:solidFill>
-                        <a:schemeClr val="accent4"/>
-                      </a:solidFill>
-                      <a:prstDash val="solid"/>
-                      <a:round/>
-                      <a:headEnd type="none" w="med" len="med"/>
-                      <a:tailEnd type="none" w="med" len="med"/>
-                    </a:lnB>
-                    <a:noFill/>
-                  </a:tcPr>
-                </a:tc>
-                <a:tc>
-                  <a:txBody>
-                    <a:bodyPr/>
-                    <a:lstStyle/>
-                    <a:p>
-                      <a:pPr algn="ctr"/>
-                      <a:r>
-                        <a:rPr lang="de-DE" dirty="0"/>
-                        <a:t>Liste</a:t>
-                      </a:r>
-                    </a:p>
-                  </a:txBody>
-                  <a:tcPr anchor="ctr">
-                    <a:lnL w="12700" cap="flat" cmpd="sng" algn="ctr">
-                      <a:solidFill>
-                        <a:schemeClr val="accent4"/>
-                      </a:solidFill>
-                      <a:prstDash val="solid"/>
-                      <a:round/>
-                      <a:headEnd type="none" w="med" len="med"/>
-                      <a:tailEnd type="none" w="med" len="med"/>
-                    </a:lnL>
-                    <a:lnR w="12700" cap="flat" cmpd="sng" algn="ctr">
-                      <a:solidFill>
-                        <a:schemeClr val="accent4"/>
-                      </a:solidFill>
-                      <a:prstDash val="solid"/>
-                      <a:round/>
-                      <a:headEnd type="none" w="med" len="med"/>
-                      <a:tailEnd type="none" w="med" len="med"/>
-                    </a:lnR>
-                  </a:tcPr>
-                </a:tc>
-                <a:tc>
-                  <a:txBody>
-                    <a:bodyPr/>
-                    <a:lstStyle/>
-                    <a:p>
-                      <a:pPr algn="ctr"/>
-                      <a:r>
-                        <a:rPr lang="de-DE" dirty="0"/>
-                        <a:t>Tupel</a:t>
-                      </a:r>
-                    </a:p>
-                  </a:txBody>
-                  <a:tcPr anchor="ctr">
-                    <a:lnL w="12700" cap="flat" cmpd="sng" algn="ctr">
-                      <a:solidFill>
-                        <a:schemeClr val="accent4"/>
-                      </a:solidFill>
-                      <a:prstDash val="solid"/>
-                      <a:round/>
-                      <a:headEnd type="none" w="med" len="med"/>
-                      <a:tailEnd type="none" w="med" len="med"/>
-                    </a:lnL>
-                    <a:lnR w="12700" cap="flat" cmpd="sng" algn="ctr">
-                      <a:solidFill>
-                        <a:schemeClr val="accent4"/>
-                      </a:solidFill>
-                      <a:prstDash val="solid"/>
-                      <a:round/>
-                      <a:headEnd type="none" w="med" len="med"/>
-                      <a:tailEnd type="none" w="med" len="med"/>
-                    </a:lnR>
-                  </a:tcPr>
-                </a:tc>
-                <a:tc>
-                  <a:txBody>
-                    <a:bodyPr/>
-                    <a:lstStyle/>
-                    <a:p>
-                      <a:pPr algn="ctr"/>
-                      <a:endParaRPr lang="de-DE" dirty="0"/>
-                    </a:p>
-                  </a:txBody>
-                  <a:tcPr anchor="ctr">
-                    <a:lnL w="12700" cap="flat" cmpd="sng" algn="ctr">
-                      <a:solidFill>
-                        <a:schemeClr val="accent4"/>
-                      </a:solidFill>
-                      <a:prstDash val="solid"/>
-                      <a:round/>
-                      <a:headEnd type="none" w="med" len="med"/>
-                      <a:tailEnd type="none" w="med" len="med"/>
-                    </a:lnL>
-                    <a:lnR w="12700" cap="flat" cmpd="sng" algn="ctr">
-                      <a:solidFill>
-                        <a:schemeClr val="accent4"/>
-                      </a:solidFill>
-                      <a:prstDash val="solid"/>
-                      <a:round/>
-                      <a:headEnd type="none" w="med" len="med"/>
-                      <a:tailEnd type="none" w="med" len="med"/>
-                    </a:lnR>
-                  </a:tcPr>
-                </a:tc>
-                <a:tc>
-                  <a:txBody>
-                    <a:bodyPr/>
-                    <a:lstStyle/>
-                    <a:p>
-                      <a:pPr algn="ctr"/>
-                      <a:endParaRPr lang="de-DE" dirty="0"/>
-                    </a:p>
-                  </a:txBody>
-                  <a:tcPr anchor="ctr">
-                    <a:lnL w="12700" cap="flat" cmpd="sng" algn="ctr">
-                      <a:solidFill>
-                        <a:schemeClr val="accent4"/>
-                      </a:solidFill>
-                      <a:prstDash val="solid"/>
-                      <a:round/>
-                      <a:headEnd type="none" w="med" len="med"/>
-                      <a:tailEnd type="none" w="med" len="med"/>
-                    </a:lnL>
-                  </a:tcPr>
-                </a:tc>
-                <a:extLst>
-                  <a:ext uri="{0D108BD9-81ED-4DB2-BD59-A6C34878D82A}">
-                    <a16:rowId xmlns:a16="http://schemas.microsoft.com/office/drawing/2014/main" val="122875342"/>
-                  </a:ext>
-                </a:extLst>
-              </a:tr>
-              <a:tr h="531220">
-                <a:tc>
-                  <a:txBody>
-                    <a:bodyPr/>
-                    <a:lstStyle/>
-                    <a:p>
-                      <a:pPr algn="l"/>
-                      <a:r>
-                        <a:rPr lang="de-DE" dirty="0"/>
-                        <a:t>Änderbar?</a:t>
-                      </a:r>
-                    </a:p>
-                  </a:txBody>
-                  <a:tcPr anchor="ctr">
-                    <a:lnR w="12700" cap="flat" cmpd="sng" algn="ctr">
-                      <a:solidFill>
-                        <a:schemeClr val="accent4"/>
-                      </a:solidFill>
-                      <a:prstDash val="solid"/>
-                      <a:round/>
-                      <a:headEnd type="none" w="med" len="med"/>
-                      <a:tailEnd type="none" w="med" len="med"/>
-                    </a:lnR>
-                    <a:lnT w="12700" cap="flat" cmpd="sng" algn="ctr">
-                      <a:solidFill>
-                        <a:schemeClr val="accent4"/>
-                      </a:solidFill>
-                      <a:prstDash val="solid"/>
-                      <a:round/>
-                      <a:headEnd type="none" w="med" len="med"/>
-                      <a:tailEnd type="none" w="med" len="med"/>
-                    </a:lnT>
-                  </a:tcPr>
-                </a:tc>
-                <a:tc>
-                  <a:txBody>
-                    <a:bodyPr/>
-                    <a:lstStyle/>
-                    <a:p>
-                      <a:pPr algn="ctr"/>
-                      <a:r>
-                        <a:rPr lang="de-DE" dirty="0"/>
-                        <a:t>✅</a:t>
-                      </a:r>
-                    </a:p>
-                  </a:txBody>
-                  <a:tcPr anchor="ctr">
-                    <a:lnL w="12700" cap="flat" cmpd="sng" algn="ctr">
-                      <a:solidFill>
-                        <a:schemeClr val="accent4"/>
-                      </a:solidFill>
-                      <a:prstDash val="solid"/>
-                      <a:round/>
-                      <a:headEnd type="none" w="med" len="med"/>
-                      <a:tailEnd type="none" w="med" len="med"/>
-                    </a:lnL>
-                    <a:lnR w="12700" cap="flat" cmpd="sng" algn="ctr">
-                      <a:solidFill>
-                        <a:schemeClr val="accent4"/>
-                      </a:solidFill>
-                      <a:prstDash val="solid"/>
-                      <a:round/>
-                      <a:headEnd type="none" w="med" len="med"/>
-                      <a:tailEnd type="none" w="med" len="med"/>
-                    </a:lnR>
-                  </a:tcPr>
-                </a:tc>
-                <a:tc>
-                  <a:txBody>
-                    <a:bodyPr/>
-                    <a:lstStyle/>
-                    <a:p>
-                      <a:pPr algn="ctr"/>
-                      <a:r>
-                        <a:rPr lang="de-DE" dirty="0"/>
-                        <a:t>❌</a:t>
-                      </a:r>
-                    </a:p>
-                  </a:txBody>
-                  <a:tcPr anchor="ctr">
-                    <a:lnL w="12700" cap="flat" cmpd="sng" algn="ctr">
-                      <a:solidFill>
-                        <a:schemeClr val="accent4"/>
-                      </a:solidFill>
-                      <a:prstDash val="solid"/>
-                      <a:round/>
-                      <a:headEnd type="none" w="med" len="med"/>
-                      <a:tailEnd type="none" w="med" len="med"/>
-                    </a:lnL>
-                    <a:lnR w="12700" cap="flat" cmpd="sng" algn="ctr">
-                      <a:solidFill>
-                        <a:schemeClr val="accent4"/>
-                      </a:solidFill>
-                      <a:prstDash val="solid"/>
-                      <a:round/>
-                      <a:headEnd type="none" w="med" len="med"/>
-                      <a:tailEnd type="none" w="med" len="med"/>
-                    </a:lnR>
-                  </a:tcPr>
-                </a:tc>
-                <a:tc>
-                  <a:txBody>
-                    <a:bodyPr/>
-                    <a:lstStyle/>
-                    <a:p>
-                      <a:pPr algn="ctr"/>
-                      <a:endParaRPr lang="de-DE" dirty="0"/>
-                    </a:p>
-                  </a:txBody>
-                  <a:tcPr anchor="ctr">
-                    <a:lnL w="12700" cap="flat" cmpd="sng" algn="ctr">
-                      <a:solidFill>
-                        <a:schemeClr val="accent4"/>
-                      </a:solidFill>
-                      <a:prstDash val="solid"/>
-                      <a:round/>
-                      <a:headEnd type="none" w="med" len="med"/>
-                      <a:tailEnd type="none" w="med" len="med"/>
-                    </a:lnL>
-                    <a:lnR w="12700" cap="flat" cmpd="sng" algn="ctr">
-                      <a:solidFill>
-                        <a:schemeClr val="accent4"/>
-                      </a:solidFill>
-                      <a:prstDash val="solid"/>
-                      <a:round/>
-                      <a:headEnd type="none" w="med" len="med"/>
-                      <a:tailEnd type="none" w="med" len="med"/>
-                    </a:lnR>
-                  </a:tcPr>
-                </a:tc>
-                <a:tc>
-                  <a:txBody>
-                    <a:bodyPr/>
-                    <a:lstStyle/>
-                    <a:p>
-                      <a:pPr marL="0" marR="0" lvl="0" indent="0" algn="ctr" defTabSz="457200" rtl="0" eaLnBrk="1" fontAlgn="auto" latinLnBrk="0" hangingPunct="1">
-                        <a:lnSpc>
-                          <a:spcPct val="100000"/>
-                        </a:lnSpc>
-                        <a:spcBef>
-                          <a:spcPts val="0"/>
-                        </a:spcBef>
-                        <a:spcAft>
-                          <a:spcPts val="0"/>
-                        </a:spcAft>
-                        <a:buClrTx/>
-                        <a:buSzTx/>
-                        <a:buFontTx/>
-                        <a:buNone/>
-                        <a:tabLst/>
-                        <a:defRPr/>
-                      </a:pPr>
-                      <a:endParaRPr lang="de-DE" dirty="0"/>
-                    </a:p>
-                  </a:txBody>
-                  <a:tcPr anchor="ctr">
-                    <a:lnL w="12700" cap="flat" cmpd="sng" algn="ctr">
-                      <a:solidFill>
-                        <a:schemeClr val="accent4"/>
-                      </a:solidFill>
-                      <a:prstDash val="solid"/>
-                      <a:round/>
-                      <a:headEnd type="none" w="med" len="med"/>
-                      <a:tailEnd type="none" w="med" len="med"/>
-                    </a:lnL>
-                  </a:tcPr>
-                </a:tc>
-                <a:extLst>
-                  <a:ext uri="{0D108BD9-81ED-4DB2-BD59-A6C34878D82A}">
-                    <a16:rowId xmlns:a16="http://schemas.microsoft.com/office/drawing/2014/main" val="3313786660"/>
-                  </a:ext>
-                </a:extLst>
-              </a:tr>
-              <a:tr h="531220">
-                <a:tc>
-                  <a:txBody>
-                    <a:bodyPr/>
-                    <a:lstStyle/>
-                    <a:p>
-                      <a:pPr algn="l"/>
-                      <a:r>
-                        <a:rPr lang="de-DE" dirty="0"/>
-                        <a:t>Duplikate?</a:t>
-                      </a:r>
-                    </a:p>
-                  </a:txBody>
-                  <a:tcPr anchor="ctr">
-                    <a:lnR w="12700" cap="flat" cmpd="sng" algn="ctr">
-                      <a:solidFill>
-                        <a:schemeClr val="accent4"/>
-                      </a:solidFill>
-                      <a:prstDash val="solid"/>
-                      <a:round/>
-                      <a:headEnd type="none" w="med" len="med"/>
-                      <a:tailEnd type="none" w="med" len="med"/>
-                    </a:lnR>
-                  </a:tcPr>
-                </a:tc>
-                <a:tc>
-                  <a:txBody>
-                    <a:bodyPr/>
-                    <a:lstStyle/>
-                    <a:p>
-                      <a:pPr marL="0" marR="0" lvl="0" indent="0" algn="ctr" defTabSz="457200" rtl="0" eaLnBrk="1" fontAlgn="auto" latinLnBrk="0" hangingPunct="1">
-                        <a:lnSpc>
-                          <a:spcPct val="100000"/>
-                        </a:lnSpc>
-                        <a:spcBef>
-                          <a:spcPts val="0"/>
-                        </a:spcBef>
-                        <a:spcAft>
-                          <a:spcPts val="0"/>
-                        </a:spcAft>
-                        <a:buClrTx/>
-                        <a:buSzTx/>
-                        <a:buFontTx/>
-                        <a:buNone/>
-                        <a:tabLst/>
-                        <a:defRPr/>
-                      </a:pPr>
-                      <a:r>
-                        <a:rPr lang="de-DE" dirty="0"/>
-                        <a:t>✅</a:t>
-                      </a:r>
-                    </a:p>
-                  </a:txBody>
-                  <a:tcPr anchor="ctr">
-                    <a:lnL w="12700" cap="flat" cmpd="sng" algn="ctr">
-                      <a:solidFill>
-                        <a:schemeClr val="accent4"/>
-                      </a:solidFill>
-                      <a:prstDash val="solid"/>
-                      <a:round/>
-                      <a:headEnd type="none" w="med" len="med"/>
-                      <a:tailEnd type="none" w="med" len="med"/>
-                    </a:lnL>
-                    <a:lnR w="12700" cap="flat" cmpd="sng" algn="ctr">
-                      <a:solidFill>
-                        <a:schemeClr val="accent4"/>
-                      </a:solidFill>
-                      <a:prstDash val="solid"/>
-                      <a:round/>
-                      <a:headEnd type="none" w="med" len="med"/>
-                      <a:tailEnd type="none" w="med" len="med"/>
-                    </a:lnR>
-                  </a:tcPr>
-                </a:tc>
-                <a:tc>
-                  <a:txBody>
-                    <a:bodyPr/>
-                    <a:lstStyle/>
-                    <a:p>
-                      <a:pPr marL="0" marR="0" lvl="0" indent="0" algn="ctr" defTabSz="457200" rtl="0" eaLnBrk="1" fontAlgn="auto" latinLnBrk="0" hangingPunct="1">
-                        <a:lnSpc>
-                          <a:spcPct val="100000"/>
-                        </a:lnSpc>
-                        <a:spcBef>
-                          <a:spcPts val="0"/>
-                        </a:spcBef>
-                        <a:spcAft>
-                          <a:spcPts val="0"/>
-                        </a:spcAft>
-                        <a:buClrTx/>
-                        <a:buSzTx/>
-                        <a:buFontTx/>
-                        <a:buNone/>
-                        <a:tabLst/>
-                        <a:defRPr/>
-                      </a:pPr>
-                      <a:r>
-                        <a:rPr lang="de-DE" dirty="0"/>
-                        <a:t>✅</a:t>
-                      </a:r>
-                    </a:p>
-                  </a:txBody>
-                  <a:tcPr anchor="ctr">
-                    <a:lnL w="12700" cap="flat" cmpd="sng" algn="ctr">
-                      <a:solidFill>
-                        <a:schemeClr val="accent4"/>
-                      </a:solidFill>
-                      <a:prstDash val="solid"/>
-                      <a:round/>
-                      <a:headEnd type="none" w="med" len="med"/>
-                      <a:tailEnd type="none" w="med" len="med"/>
-                    </a:lnL>
-                    <a:lnR w="12700" cap="flat" cmpd="sng" algn="ctr">
-                      <a:solidFill>
-                        <a:schemeClr val="accent4"/>
-                      </a:solidFill>
-                      <a:prstDash val="solid"/>
-                      <a:round/>
-                      <a:headEnd type="none" w="med" len="med"/>
-                      <a:tailEnd type="none" w="med" len="med"/>
-                    </a:lnR>
-                  </a:tcPr>
-                </a:tc>
-                <a:tc>
-                  <a:txBody>
-                    <a:bodyPr/>
-                    <a:lstStyle/>
-                    <a:p>
-                      <a:pPr algn="ctr"/>
-                      <a:endParaRPr lang="de-DE" dirty="0"/>
-                    </a:p>
-                  </a:txBody>
-                  <a:tcPr anchor="ctr">
-                    <a:lnL w="12700" cap="flat" cmpd="sng" algn="ctr">
-                      <a:solidFill>
-                        <a:schemeClr val="accent4"/>
-                      </a:solidFill>
-                      <a:prstDash val="solid"/>
-                      <a:round/>
-                      <a:headEnd type="none" w="med" len="med"/>
-                      <a:tailEnd type="none" w="med" len="med"/>
-                    </a:lnL>
-                    <a:lnR w="12700" cap="flat" cmpd="sng" algn="ctr">
-                      <a:solidFill>
-                        <a:schemeClr val="accent4"/>
-                      </a:solidFill>
-                      <a:prstDash val="solid"/>
-                      <a:round/>
-                      <a:headEnd type="none" w="med" len="med"/>
-                      <a:tailEnd type="none" w="med" len="med"/>
-                    </a:lnR>
-                  </a:tcPr>
-                </a:tc>
-                <a:tc>
-                  <a:txBody>
-                    <a:bodyPr/>
-                    <a:lstStyle/>
-                    <a:p>
-                      <a:pPr marL="0" marR="0" lvl="0" indent="0" algn="ctr" defTabSz="457200" rtl="0" eaLnBrk="1" fontAlgn="auto" latinLnBrk="0" hangingPunct="1">
-                        <a:lnSpc>
-                          <a:spcPct val="100000"/>
-                        </a:lnSpc>
-                        <a:spcBef>
-                          <a:spcPts val="0"/>
-                        </a:spcBef>
-                        <a:spcAft>
-                          <a:spcPts val="0"/>
-                        </a:spcAft>
-                        <a:buClrTx/>
-                        <a:buSzTx/>
-                        <a:buFontTx/>
-                        <a:buNone/>
-                        <a:tabLst/>
-                        <a:defRPr/>
-                      </a:pPr>
-                      <a:endParaRPr lang="de-DE" dirty="0"/>
-                    </a:p>
-                  </a:txBody>
-                  <a:tcPr anchor="ctr">
-                    <a:lnL w="12700" cap="flat" cmpd="sng" algn="ctr">
-                      <a:solidFill>
-                        <a:schemeClr val="accent4"/>
-                      </a:solidFill>
-                      <a:prstDash val="solid"/>
-                      <a:round/>
-                      <a:headEnd type="none" w="med" len="med"/>
-                      <a:tailEnd type="none" w="med" len="med"/>
-                    </a:lnL>
-                  </a:tcPr>
-                </a:tc>
-                <a:extLst>
-                  <a:ext uri="{0D108BD9-81ED-4DB2-BD59-A6C34878D82A}">
-                    <a16:rowId xmlns:a16="http://schemas.microsoft.com/office/drawing/2014/main" val="2151897338"/>
-                  </a:ext>
-                </a:extLst>
-              </a:tr>
-              <a:tr h="916902">
-                <a:tc>
-                  <a:txBody>
-                    <a:bodyPr/>
-                    <a:lstStyle/>
-                    <a:p>
-                      <a:pPr algn="l"/>
-                      <a:r>
-                        <a:rPr lang="de-DE" dirty="0"/>
-                        <a:t>Geordnet?</a:t>
-                      </a:r>
-                    </a:p>
-                  </a:txBody>
-                  <a:tcPr anchor="ctr">
-                    <a:lnR w="12700" cap="flat" cmpd="sng" algn="ctr">
-                      <a:solidFill>
-                        <a:schemeClr val="accent4"/>
-                      </a:solidFill>
-                      <a:prstDash val="solid"/>
-                      <a:round/>
-                      <a:headEnd type="none" w="med" len="med"/>
-                      <a:tailEnd type="none" w="med" len="med"/>
-                    </a:lnR>
-                  </a:tcPr>
-                </a:tc>
-                <a:tc>
-                  <a:txBody>
-                    <a:bodyPr/>
-                    <a:lstStyle/>
-                    <a:p>
-                      <a:pPr marL="0" marR="0" lvl="0" indent="0" algn="ctr" defTabSz="457200" rtl="0" eaLnBrk="1" fontAlgn="auto" latinLnBrk="0" hangingPunct="1">
-                        <a:lnSpc>
-                          <a:spcPct val="100000"/>
-                        </a:lnSpc>
-                        <a:spcBef>
-                          <a:spcPts val="0"/>
-                        </a:spcBef>
-                        <a:spcAft>
-                          <a:spcPts val="0"/>
-                        </a:spcAft>
-                        <a:buClrTx/>
-                        <a:buSzTx/>
-                        <a:buFontTx/>
-                        <a:buNone/>
-                        <a:tabLst/>
-                        <a:defRPr/>
-                      </a:pPr>
-                      <a:r>
-                        <a:rPr lang="de-DE" dirty="0"/>
-                        <a:t>✅</a:t>
-                      </a:r>
-                    </a:p>
-                  </a:txBody>
-                  <a:tcPr anchor="ctr">
-                    <a:lnL w="12700" cap="flat" cmpd="sng" algn="ctr">
-                      <a:solidFill>
-                        <a:schemeClr val="accent4"/>
-                      </a:solidFill>
-                      <a:prstDash val="solid"/>
-                      <a:round/>
-                      <a:headEnd type="none" w="med" len="med"/>
-                      <a:tailEnd type="none" w="med" len="med"/>
-                    </a:lnL>
-                    <a:lnR w="12700" cap="flat" cmpd="sng" algn="ctr">
-                      <a:solidFill>
-                        <a:schemeClr val="accent4"/>
-                      </a:solidFill>
-                      <a:prstDash val="solid"/>
-                      <a:round/>
-                      <a:headEnd type="none" w="med" len="med"/>
-                      <a:tailEnd type="none" w="med" len="med"/>
-                    </a:lnR>
-                  </a:tcPr>
-                </a:tc>
-                <a:tc>
-                  <a:txBody>
-                    <a:bodyPr/>
-                    <a:lstStyle/>
-                    <a:p>
-                      <a:pPr marL="0" marR="0" lvl="0" indent="0" algn="ctr" defTabSz="457200" rtl="0" eaLnBrk="1" fontAlgn="auto" latinLnBrk="0" hangingPunct="1">
-                        <a:lnSpc>
-                          <a:spcPct val="100000"/>
-                        </a:lnSpc>
-                        <a:spcBef>
-                          <a:spcPts val="0"/>
-                        </a:spcBef>
-                        <a:spcAft>
-                          <a:spcPts val="0"/>
-                        </a:spcAft>
-                        <a:buClrTx/>
-                        <a:buSzTx/>
-                        <a:buFontTx/>
-                        <a:buNone/>
-                        <a:tabLst/>
-                        <a:defRPr/>
-                      </a:pPr>
-                      <a:r>
-                        <a:rPr lang="de-DE" dirty="0"/>
-                        <a:t>✅</a:t>
-                      </a:r>
-                    </a:p>
-                  </a:txBody>
-                  <a:tcPr anchor="ctr">
-                    <a:lnL w="12700" cap="flat" cmpd="sng" algn="ctr">
-                      <a:solidFill>
-                        <a:schemeClr val="accent4"/>
-                      </a:solidFill>
-                      <a:prstDash val="solid"/>
-                      <a:round/>
-                      <a:headEnd type="none" w="med" len="med"/>
-                      <a:tailEnd type="none" w="med" len="med"/>
-                    </a:lnL>
-                    <a:lnR w="12700" cap="flat" cmpd="sng" algn="ctr">
-                      <a:solidFill>
-                        <a:schemeClr val="accent4"/>
-                      </a:solidFill>
-                      <a:prstDash val="solid"/>
-                      <a:round/>
-                      <a:headEnd type="none" w="med" len="med"/>
-                      <a:tailEnd type="none" w="med" len="med"/>
-                    </a:lnR>
-                  </a:tcPr>
-                </a:tc>
-                <a:tc>
-                  <a:txBody>
-                    <a:bodyPr/>
-                    <a:lstStyle/>
-                    <a:p>
-                      <a:pPr algn="ctr"/>
-                      <a:endParaRPr lang="de-DE" dirty="0"/>
-                    </a:p>
-                  </a:txBody>
-                  <a:tcPr anchor="ctr">
-                    <a:lnL w="12700" cap="flat" cmpd="sng" algn="ctr">
-                      <a:solidFill>
-                        <a:schemeClr val="accent4"/>
-                      </a:solidFill>
-                      <a:prstDash val="solid"/>
-                      <a:round/>
-                      <a:headEnd type="none" w="med" len="med"/>
-                      <a:tailEnd type="none" w="med" len="med"/>
-                    </a:lnL>
-                    <a:lnR w="12700" cap="flat" cmpd="sng" algn="ctr">
-                      <a:solidFill>
-                        <a:schemeClr val="accent4"/>
-                      </a:solidFill>
-                      <a:prstDash val="solid"/>
-                      <a:round/>
-                      <a:headEnd type="none" w="med" len="med"/>
-                      <a:tailEnd type="none" w="med" len="med"/>
-                    </a:lnR>
-                  </a:tcPr>
-                </a:tc>
-                <a:tc>
-                  <a:txBody>
-                    <a:bodyPr/>
-                    <a:lstStyle/>
-                    <a:p>
-                      <a:pPr marL="0" marR="0" lvl="0" indent="0" algn="ctr" defTabSz="457200" rtl="0" eaLnBrk="1" fontAlgn="auto" latinLnBrk="0" hangingPunct="1">
-                        <a:lnSpc>
-                          <a:spcPct val="100000"/>
-                        </a:lnSpc>
-                        <a:spcBef>
-                          <a:spcPts val="0"/>
-                        </a:spcBef>
-                        <a:spcAft>
-                          <a:spcPts val="0"/>
-                        </a:spcAft>
-                        <a:buClrTx/>
-                        <a:buSzTx/>
-                        <a:buFontTx/>
-                        <a:buNone/>
-                        <a:tabLst/>
-                        <a:defRPr/>
-                      </a:pPr>
-                      <a:endParaRPr lang="de-DE" dirty="0"/>
-                    </a:p>
-                  </a:txBody>
-                  <a:tcPr anchor="ctr">
-                    <a:lnL w="12700" cap="flat" cmpd="sng" algn="ctr">
-                      <a:solidFill>
-                        <a:schemeClr val="accent4"/>
-                      </a:solidFill>
-                      <a:prstDash val="solid"/>
-                      <a:round/>
-                      <a:headEnd type="none" w="med" len="med"/>
-                      <a:tailEnd type="none" w="med" len="med"/>
-                    </a:lnL>
-                  </a:tcPr>
-                </a:tc>
-                <a:extLst>
-                  <a:ext uri="{0D108BD9-81ED-4DB2-BD59-A6C34878D82A}">
-                    <a16:rowId xmlns:a16="http://schemas.microsoft.com/office/drawing/2014/main" val="555583047"/>
-                  </a:ext>
-                </a:extLst>
-              </a:tr>
-              <a:tr h="531220">
-                <a:tc>
-                  <a:txBody>
-                    <a:bodyPr/>
-                    <a:lstStyle/>
-                    <a:p>
-                      <a:pPr algn="l"/>
-                      <a:r>
-                        <a:rPr lang="de-DE" dirty="0"/>
-                        <a:t>Keys?</a:t>
-                      </a:r>
-                    </a:p>
-                  </a:txBody>
-                  <a:tcPr anchor="ctr">
-                    <a:lnR w="12700" cap="flat" cmpd="sng" algn="ctr">
-                      <a:solidFill>
-                        <a:schemeClr val="accent4"/>
-                      </a:solidFill>
-                      <a:prstDash val="solid"/>
-                      <a:round/>
-                      <a:headEnd type="none" w="med" len="med"/>
-                      <a:tailEnd type="none" w="med" len="med"/>
-                    </a:lnR>
-                  </a:tcPr>
-                </a:tc>
-                <a:tc>
-                  <a:txBody>
-                    <a:bodyPr/>
-                    <a:lstStyle/>
-                    <a:p>
-                      <a:pPr algn="ctr"/>
-                      <a:r>
-                        <a:rPr lang="de-DE" dirty="0"/>
-                        <a:t>❌</a:t>
-                      </a:r>
-                    </a:p>
-                  </a:txBody>
-                  <a:tcPr anchor="ctr">
-                    <a:lnL w="12700" cap="flat" cmpd="sng" algn="ctr">
-                      <a:solidFill>
-                        <a:schemeClr val="accent4"/>
-                      </a:solidFill>
-                      <a:prstDash val="solid"/>
-                      <a:round/>
-                      <a:headEnd type="none" w="med" len="med"/>
-                      <a:tailEnd type="none" w="med" len="med"/>
-                    </a:lnL>
-                    <a:lnR w="12700" cap="flat" cmpd="sng" algn="ctr">
-                      <a:solidFill>
-                        <a:schemeClr val="accent4"/>
-                      </a:solidFill>
-                      <a:prstDash val="solid"/>
-                      <a:round/>
-                      <a:headEnd type="none" w="med" len="med"/>
-                      <a:tailEnd type="none" w="med" len="med"/>
-                    </a:lnR>
-                  </a:tcPr>
-                </a:tc>
-                <a:tc>
-                  <a:txBody>
-                    <a:bodyPr/>
-                    <a:lstStyle/>
-                    <a:p>
-                      <a:pPr algn="ctr"/>
-                      <a:r>
-                        <a:rPr lang="de-DE" dirty="0"/>
-                        <a:t>❌</a:t>
-                      </a:r>
-                    </a:p>
-                  </a:txBody>
-                  <a:tcPr anchor="ctr">
-                    <a:lnL w="12700" cap="flat" cmpd="sng" algn="ctr">
-                      <a:solidFill>
-                        <a:schemeClr val="accent4"/>
-                      </a:solidFill>
-                      <a:prstDash val="solid"/>
-                      <a:round/>
-                      <a:headEnd type="none" w="med" len="med"/>
-                      <a:tailEnd type="none" w="med" len="med"/>
-                    </a:lnL>
-                    <a:lnR w="12700" cap="flat" cmpd="sng" algn="ctr">
-                      <a:solidFill>
-                        <a:schemeClr val="accent4"/>
-                      </a:solidFill>
-                      <a:prstDash val="solid"/>
-                      <a:round/>
-                      <a:headEnd type="none" w="med" len="med"/>
-                      <a:tailEnd type="none" w="med" len="med"/>
-                    </a:lnR>
-                  </a:tcPr>
-                </a:tc>
-                <a:tc>
-                  <a:txBody>
-                    <a:bodyPr/>
-                    <a:lstStyle/>
-                    <a:p>
-                      <a:pPr algn="ctr"/>
-                      <a:endParaRPr lang="de-DE" dirty="0"/>
-                    </a:p>
-                  </a:txBody>
-                  <a:tcPr anchor="ctr">
-                    <a:lnL w="12700" cap="flat" cmpd="sng" algn="ctr">
-                      <a:solidFill>
-                        <a:schemeClr val="accent4"/>
-                      </a:solidFill>
-                      <a:prstDash val="solid"/>
-                      <a:round/>
-                      <a:headEnd type="none" w="med" len="med"/>
-                      <a:tailEnd type="none" w="med" len="med"/>
-                    </a:lnL>
-                    <a:lnR w="12700" cap="flat" cmpd="sng" algn="ctr">
-                      <a:solidFill>
-                        <a:schemeClr val="accent4"/>
-                      </a:solidFill>
-                      <a:prstDash val="solid"/>
-                      <a:round/>
-                      <a:headEnd type="none" w="med" len="med"/>
-                      <a:tailEnd type="none" w="med" len="med"/>
-                    </a:lnR>
-                  </a:tcPr>
-                </a:tc>
-                <a:tc>
-                  <a:txBody>
-                    <a:bodyPr/>
-                    <a:lstStyle/>
-                    <a:p>
-                      <a:pPr marL="0" marR="0" lvl="0" indent="0" algn="ctr" defTabSz="457200" rtl="0" eaLnBrk="1" fontAlgn="auto" latinLnBrk="0" hangingPunct="1">
-                        <a:lnSpc>
-                          <a:spcPct val="100000"/>
-                        </a:lnSpc>
-                        <a:spcBef>
-                          <a:spcPts val="0"/>
-                        </a:spcBef>
-                        <a:spcAft>
-                          <a:spcPts val="0"/>
-                        </a:spcAft>
-                        <a:buClrTx/>
-                        <a:buSzTx/>
-                        <a:buFontTx/>
-                        <a:buNone/>
-                        <a:tabLst/>
-                        <a:defRPr/>
-                      </a:pPr>
-                      <a:endParaRPr lang="de-DE" dirty="0"/>
-                    </a:p>
-                  </a:txBody>
-                  <a:tcPr anchor="ctr">
-                    <a:lnL w="12700" cap="flat" cmpd="sng" algn="ctr">
-                      <a:solidFill>
-                        <a:schemeClr val="accent4"/>
-                      </a:solidFill>
-                      <a:prstDash val="solid"/>
-                      <a:round/>
-                      <a:headEnd type="none" w="med" len="med"/>
-                      <a:tailEnd type="none" w="med" len="med"/>
-                    </a:lnL>
-                  </a:tcPr>
-                </a:tc>
-                <a:extLst>
-                  <a:ext uri="{0D108BD9-81ED-4DB2-BD59-A6C34878D82A}">
-                    <a16:rowId xmlns:a16="http://schemas.microsoft.com/office/drawing/2014/main" val="3836793035"/>
-                  </a:ext>
-                </a:extLst>
-              </a:tr>
-              <a:tr h="531220">
-                <a:tc>
-                  <a:txBody>
-                    <a:bodyPr/>
-                    <a:lstStyle/>
-                    <a:p>
-                      <a:pPr algn="l"/>
-                      <a:endParaRPr lang="de-DE" dirty="0"/>
-                    </a:p>
-                  </a:txBody>
-                  <a:tcPr anchor="ctr">
-                    <a:lnR w="12700" cap="flat" cmpd="sng" algn="ctr">
-                      <a:solidFill>
-                        <a:schemeClr val="accent4"/>
-                      </a:solidFill>
-                      <a:prstDash val="solid"/>
-                      <a:round/>
-                      <a:headEnd type="none" w="med" len="med"/>
-                      <a:tailEnd type="none" w="med" len="med"/>
-                    </a:lnR>
-                  </a:tcPr>
-                </a:tc>
-                <a:tc>
-                  <a:txBody>
-                    <a:bodyPr/>
-                    <a:lstStyle/>
-                    <a:p>
-                      <a:pPr algn="ctr"/>
-                      <a:r>
-                        <a:rPr lang="de-DE" dirty="0" err="1"/>
-                        <a:t>list</a:t>
-                      </a:r>
-                      <a:r>
-                        <a:rPr lang="de-DE" dirty="0"/>
-                        <a:t> = [ ]</a:t>
-                      </a:r>
-                    </a:p>
-                  </a:txBody>
-                  <a:tcPr anchor="ctr">
-                    <a:lnL w="12700" cap="flat" cmpd="sng" algn="ctr">
-                      <a:solidFill>
-                        <a:schemeClr val="accent4"/>
-                      </a:solidFill>
-                      <a:prstDash val="solid"/>
-                      <a:round/>
-                      <a:headEnd type="none" w="med" len="med"/>
-                      <a:tailEnd type="none" w="med" len="med"/>
-                    </a:lnL>
-                    <a:lnR w="12700" cap="flat" cmpd="sng" algn="ctr">
-                      <a:solidFill>
-                        <a:schemeClr val="accent4"/>
-                      </a:solidFill>
-                      <a:prstDash val="solid"/>
-                      <a:round/>
-                      <a:headEnd type="none" w="med" len="med"/>
-                      <a:tailEnd type="none" w="med" len="med"/>
-                    </a:lnR>
-                  </a:tcPr>
-                </a:tc>
-                <a:tc>
-                  <a:txBody>
-                    <a:bodyPr/>
-                    <a:lstStyle/>
-                    <a:p>
-                      <a:pPr algn="ctr"/>
-                      <a:r>
-                        <a:rPr lang="de-DE" dirty="0" err="1"/>
-                        <a:t>tuple</a:t>
-                      </a:r>
-                      <a:r>
-                        <a:rPr lang="de-DE" dirty="0"/>
-                        <a:t> = ( )</a:t>
-                      </a:r>
-                    </a:p>
-                  </a:txBody>
-                  <a:tcPr anchor="ctr">
-                    <a:lnL w="12700" cap="flat" cmpd="sng" algn="ctr">
-                      <a:solidFill>
-                        <a:schemeClr val="accent4"/>
-                      </a:solidFill>
-                      <a:prstDash val="solid"/>
-                      <a:round/>
-                      <a:headEnd type="none" w="med" len="med"/>
-                      <a:tailEnd type="none" w="med" len="med"/>
-                    </a:lnL>
-                    <a:lnR w="12700" cap="flat" cmpd="sng" algn="ctr">
-                      <a:solidFill>
-                        <a:schemeClr val="accent4"/>
-                      </a:solidFill>
-                      <a:prstDash val="solid"/>
-                      <a:round/>
-                      <a:headEnd type="none" w="med" len="med"/>
-                      <a:tailEnd type="none" w="med" len="med"/>
-                    </a:lnR>
-                  </a:tcPr>
-                </a:tc>
-                <a:tc>
-                  <a:txBody>
-                    <a:bodyPr/>
-                    <a:lstStyle/>
-                    <a:p>
-                      <a:pPr algn="ctr"/>
-                      <a:endParaRPr lang="de-DE" dirty="0"/>
-                    </a:p>
-                  </a:txBody>
-                  <a:tcPr anchor="ctr">
-                    <a:lnL w="12700" cap="flat" cmpd="sng" algn="ctr">
-                      <a:solidFill>
-                        <a:schemeClr val="accent4"/>
-                      </a:solidFill>
-                      <a:prstDash val="solid"/>
-                      <a:round/>
-                      <a:headEnd type="none" w="med" len="med"/>
-                      <a:tailEnd type="none" w="med" len="med"/>
-                    </a:lnL>
-                    <a:lnR w="12700" cap="flat" cmpd="sng" algn="ctr">
-                      <a:solidFill>
-                        <a:schemeClr val="accent4"/>
-                      </a:solidFill>
-                      <a:prstDash val="solid"/>
-                      <a:round/>
-                      <a:headEnd type="none" w="med" len="med"/>
-                      <a:tailEnd type="none" w="med" len="med"/>
-                    </a:lnR>
-                  </a:tcPr>
-                </a:tc>
-                <a:tc>
-                  <a:txBody>
-                    <a:bodyPr/>
-                    <a:lstStyle/>
-                    <a:p>
-                      <a:pPr algn="ctr"/>
-                      <a:endParaRPr lang="de-DE" dirty="0"/>
-                    </a:p>
-                  </a:txBody>
-                  <a:tcPr anchor="ctr">
-                    <a:lnL w="12700" cap="flat" cmpd="sng" algn="ctr">
-                      <a:solidFill>
-                        <a:schemeClr val="accent4"/>
-                      </a:solidFill>
-                      <a:prstDash val="solid"/>
-                      <a:round/>
-                      <a:headEnd type="none" w="med" len="med"/>
-                      <a:tailEnd type="none" w="med" len="med"/>
-                    </a:lnL>
-                  </a:tcPr>
-                </a:tc>
-                <a:extLst>
-                  <a:ext uri="{0D108BD9-81ED-4DB2-BD59-A6C34878D82A}">
-                    <a16:rowId xmlns:a16="http://schemas.microsoft.com/office/drawing/2014/main" val="2815062303"/>
-                  </a:ext>
-                </a:extLst>
-              </a:tr>
-            </a:tbl>
-          </a:graphicData>
-        </a:graphic>
-      </p:graphicFrame>
-    </p:spTree>
-    <p:extLst>
-      <p:ext uri="{BB962C8B-B14F-4D97-AF65-F5344CB8AC3E}">
-        <p14:creationId xmlns:p14="http://schemas.microsoft.com/office/powerpoint/2010/main" val="2397868881"/>
-      </p:ext>
-    </p:extLst>
-  </p:cSld>
-  <p:clrMapOvr>
-    <a:masterClrMapping/>
-  </p:clrMapOvr>
-</p:sld>
-</file>
-
-<file path=ppt/slides/slide17.xml><?xml version="1.0" encoding="utf-8"?>
-<p:sld xmlns:a="http://schemas.openxmlformats.org/drawingml/2006/main" xmlns:r="http://schemas.openxmlformats.org/officeDocument/2006/relationships" xmlns:p="http://schemas.openxmlformats.org/presentationml/2006/main">
-  <p:cSld>
-    <p:spTree>
-      <p:nvGrpSpPr>
-        <p:cNvPr id="1" name=""/>
-        <p:cNvGrpSpPr/>
-        <p:nvPr/>
-      </p:nvGrpSpPr>
-      <p:grpSpPr>
-        <a:xfrm>
-          <a:off x="0" y="0"/>
-          <a:ext cx="0" cy="0"/>
-          <a:chOff x="0" y="0"/>
-          <a:chExt cx="0" cy="0"/>
-        </a:xfrm>
-      </p:grpSpPr>
-      <p:sp>
-        <p:nvSpPr>
-          <p:cNvPr id="2" name="Titel 1">
-            <a:extLst>
-              <a:ext uri="{FF2B5EF4-FFF2-40B4-BE49-F238E27FC236}">
-                <a16:creationId xmlns:a16="http://schemas.microsoft.com/office/drawing/2014/main" id="{924638F2-44F9-0387-35BC-AA6733952E2F}"/>
-              </a:ext>
-            </a:extLst>
-          </p:cNvPr>
-          <p:cNvSpPr>
-            <a:spLocks noGrp="1"/>
-          </p:cNvSpPr>
-          <p:nvPr>
-            <p:ph type="title"/>
-          </p:nvPr>
-        </p:nvSpPr>
-        <p:spPr/>
-        <p:txBody>
-          <a:bodyPr/>
-          <a:lstStyle/>
-          <a:p>
-            <a:r>
-              <a:rPr lang="de-DE" dirty="0"/>
-              <a:t>Einfache Datenstrukturen</a:t>
-            </a:r>
-          </a:p>
-        </p:txBody>
-      </p:sp>
-      <p:graphicFrame>
-        <p:nvGraphicFramePr>
-          <p:cNvPr id="4" name="Tabelle 4">
-            <a:extLst>
-              <a:ext uri="{FF2B5EF4-FFF2-40B4-BE49-F238E27FC236}">
-                <a16:creationId xmlns:a16="http://schemas.microsoft.com/office/drawing/2014/main" id="{B47C2560-812F-375E-9734-FDB4B9C2658E}"/>
-              </a:ext>
-            </a:extLst>
-          </p:cNvPr>
-          <p:cNvGraphicFramePr>
-            <a:graphicFrameLocks noGrp="1"/>
-          </p:cNvGraphicFramePr>
-          <p:nvPr>
-            <p:ph idx="1"/>
-            <p:extLst>
-              <p:ext uri="{D42A27DB-BD31-4B8C-83A1-F6EECF244321}">
-                <p14:modId xmlns:p14="http://schemas.microsoft.com/office/powerpoint/2010/main" val="1653153576"/>
-              </p:ext>
-            </p:extLst>
-          </p:nvPr>
-        </p:nvGraphicFramePr>
-        <p:xfrm>
-          <a:off x="810000" y="2574470"/>
-          <a:ext cx="10553700" cy="3452258"/>
-        </p:xfrm>
-        <a:graphic>
-          <a:graphicData uri="http://schemas.openxmlformats.org/drawingml/2006/table">
-            <a:tbl>
-              <a:tblPr firstRow="1" bandRow="1">
-                <a:tableStyleId>{17292A2E-F333-43FB-9621-5CBBE7FDCDCB}</a:tableStyleId>
-              </a:tblPr>
-              <a:tblGrid>
-                <a:gridCol w="2110740">
-                  <a:extLst>
-                    <a:ext uri="{9D8B030D-6E8A-4147-A177-3AD203B41FA5}">
-                      <a16:colId xmlns:a16="http://schemas.microsoft.com/office/drawing/2014/main" val="3154879884"/>
-                    </a:ext>
-                  </a:extLst>
-                </a:gridCol>
-                <a:gridCol w="2110740">
-                  <a:extLst>
-                    <a:ext uri="{9D8B030D-6E8A-4147-A177-3AD203B41FA5}">
-                      <a16:colId xmlns:a16="http://schemas.microsoft.com/office/drawing/2014/main" val="2768790688"/>
-                    </a:ext>
-                  </a:extLst>
-                </a:gridCol>
-                <a:gridCol w="2110740">
-                  <a:extLst>
-                    <a:ext uri="{9D8B030D-6E8A-4147-A177-3AD203B41FA5}">
-                      <a16:colId xmlns:a16="http://schemas.microsoft.com/office/drawing/2014/main" val="632190215"/>
-                    </a:ext>
-                  </a:extLst>
-                </a:gridCol>
-                <a:gridCol w="2110740">
-                  <a:extLst>
-                    <a:ext uri="{9D8B030D-6E8A-4147-A177-3AD203B41FA5}">
-                      <a16:colId xmlns:a16="http://schemas.microsoft.com/office/drawing/2014/main" val="981659422"/>
-                    </a:ext>
-                  </a:extLst>
-                </a:gridCol>
-                <a:gridCol w="2110740">
-                  <a:extLst>
-                    <a:ext uri="{9D8B030D-6E8A-4147-A177-3AD203B41FA5}">
-                      <a16:colId xmlns:a16="http://schemas.microsoft.com/office/drawing/2014/main" val="727473629"/>
-                    </a:ext>
-                  </a:extLst>
-                </a:gridCol>
-              </a:tblGrid>
-              <a:tr h="410476">
-                <a:tc>
-                  <a:txBody>
-                    <a:bodyPr/>
-                    <a:lstStyle/>
-                    <a:p>
-                      <a:pPr algn="l"/>
-                      <a:endParaRPr lang="de-DE" dirty="0"/>
-                    </a:p>
-                  </a:txBody>
-                  <a:tcPr anchor="ctr">
-                    <a:lnL w="9525" cap="rnd" cmpd="sng" algn="ctr">
-                      <a:noFill/>
-                      <a:prstDash val="solid"/>
-                    </a:lnL>
-                    <a:lnR w="12700" cap="flat" cmpd="sng" algn="ctr">
-                      <a:solidFill>
-                        <a:schemeClr val="accent4"/>
-                      </a:solidFill>
-                      <a:prstDash val="solid"/>
-                      <a:round/>
-                      <a:headEnd type="none" w="med" len="med"/>
-                      <a:tailEnd type="none" w="med" len="med"/>
-                    </a:lnR>
-                    <a:lnT w="9525" cap="rnd" cmpd="sng" algn="ctr">
-                      <a:noFill/>
-                      <a:prstDash val="solid"/>
-                    </a:lnT>
-                    <a:lnB w="12700" cap="flat" cmpd="sng" algn="ctr">
-                      <a:solidFill>
-                        <a:schemeClr val="accent4"/>
-                      </a:solidFill>
-                      <a:prstDash val="solid"/>
-                      <a:round/>
-                      <a:headEnd type="none" w="med" len="med"/>
-                      <a:tailEnd type="none" w="med" len="med"/>
-                    </a:lnB>
-                    <a:noFill/>
-                  </a:tcPr>
-                </a:tc>
-                <a:tc>
-                  <a:txBody>
-                    <a:bodyPr/>
-                    <a:lstStyle/>
-                    <a:p>
-                      <a:pPr algn="ctr"/>
-                      <a:r>
-                        <a:rPr lang="de-DE" dirty="0"/>
-                        <a:t>Liste</a:t>
-                      </a:r>
-                    </a:p>
-                  </a:txBody>
-                  <a:tcPr anchor="ctr">
-                    <a:lnL w="12700" cap="flat" cmpd="sng" algn="ctr">
-                      <a:solidFill>
-                        <a:schemeClr val="accent4"/>
-                      </a:solidFill>
-                      <a:prstDash val="solid"/>
-                      <a:round/>
-                      <a:headEnd type="none" w="med" len="med"/>
-                      <a:tailEnd type="none" w="med" len="med"/>
-                    </a:lnL>
-                    <a:lnR w="12700" cap="flat" cmpd="sng" algn="ctr">
-                      <a:solidFill>
-                        <a:schemeClr val="accent4"/>
-                      </a:solidFill>
-                      <a:prstDash val="solid"/>
-                      <a:round/>
-                      <a:headEnd type="none" w="med" len="med"/>
-                      <a:tailEnd type="none" w="med" len="med"/>
-                    </a:lnR>
-                  </a:tcPr>
-                </a:tc>
-                <a:tc>
-                  <a:txBody>
-                    <a:bodyPr/>
-                    <a:lstStyle/>
-                    <a:p>
-                      <a:pPr algn="ctr"/>
-                      <a:r>
-                        <a:rPr lang="de-DE" dirty="0"/>
-                        <a:t>Tupel</a:t>
-                      </a:r>
-                    </a:p>
-                  </a:txBody>
-                  <a:tcPr anchor="ctr">
-                    <a:lnL w="12700" cap="flat" cmpd="sng" algn="ctr">
-                      <a:solidFill>
-                        <a:schemeClr val="accent4"/>
-                      </a:solidFill>
-                      <a:prstDash val="solid"/>
-                      <a:round/>
-                      <a:headEnd type="none" w="med" len="med"/>
-                      <a:tailEnd type="none" w="med" len="med"/>
-                    </a:lnL>
-                    <a:lnR w="12700" cap="flat" cmpd="sng" algn="ctr">
-                      <a:solidFill>
-                        <a:schemeClr val="accent4"/>
-                      </a:solidFill>
-                      <a:prstDash val="solid"/>
-                      <a:round/>
-                      <a:headEnd type="none" w="med" len="med"/>
-                      <a:tailEnd type="none" w="med" len="med"/>
-                    </a:lnR>
-                  </a:tcPr>
-                </a:tc>
-                <a:tc>
-                  <a:txBody>
-                    <a:bodyPr/>
-                    <a:lstStyle/>
-                    <a:p>
-                      <a:pPr algn="ctr"/>
-                      <a:r>
-                        <a:rPr lang="de-DE" dirty="0"/>
-                        <a:t>Set</a:t>
-                      </a:r>
-                    </a:p>
-                  </a:txBody>
-                  <a:tcPr anchor="ctr">
-                    <a:lnL w="12700" cap="flat" cmpd="sng" algn="ctr">
-                      <a:solidFill>
-                        <a:schemeClr val="accent4"/>
-                      </a:solidFill>
-                      <a:prstDash val="solid"/>
-                      <a:round/>
-                      <a:headEnd type="none" w="med" len="med"/>
-                      <a:tailEnd type="none" w="med" len="med"/>
-                    </a:lnL>
-                    <a:lnR w="12700" cap="flat" cmpd="sng" algn="ctr">
-                      <a:solidFill>
-                        <a:schemeClr val="accent4"/>
-                      </a:solidFill>
-                      <a:prstDash val="solid"/>
-                      <a:round/>
-                      <a:headEnd type="none" w="med" len="med"/>
-                      <a:tailEnd type="none" w="med" len="med"/>
-                    </a:lnR>
-                  </a:tcPr>
-                </a:tc>
-                <a:tc>
-                  <a:txBody>
-                    <a:bodyPr/>
-                    <a:lstStyle/>
-                    <a:p>
-                      <a:pPr algn="ctr"/>
-                      <a:endParaRPr lang="de-DE" dirty="0"/>
-                    </a:p>
-                  </a:txBody>
-                  <a:tcPr anchor="ctr">
-                    <a:lnL w="12700" cap="flat" cmpd="sng" algn="ctr">
-                      <a:solidFill>
-                        <a:schemeClr val="accent4"/>
-                      </a:solidFill>
-                      <a:prstDash val="solid"/>
-                      <a:round/>
-                      <a:headEnd type="none" w="med" len="med"/>
-                      <a:tailEnd type="none" w="med" len="med"/>
-                    </a:lnL>
-                  </a:tcPr>
-                </a:tc>
-                <a:extLst>
-                  <a:ext uri="{0D108BD9-81ED-4DB2-BD59-A6C34878D82A}">
-                    <a16:rowId xmlns:a16="http://schemas.microsoft.com/office/drawing/2014/main" val="122875342"/>
-                  </a:ext>
-                </a:extLst>
-              </a:tr>
-              <a:tr h="531220">
-                <a:tc>
-                  <a:txBody>
-                    <a:bodyPr/>
-                    <a:lstStyle/>
-                    <a:p>
-                      <a:pPr algn="l"/>
-                      <a:r>
-                        <a:rPr lang="de-DE" dirty="0"/>
-                        <a:t>Änderbar?</a:t>
-                      </a:r>
-                    </a:p>
-                  </a:txBody>
-                  <a:tcPr anchor="ctr">
-                    <a:lnR w="12700" cap="flat" cmpd="sng" algn="ctr">
-                      <a:solidFill>
-                        <a:schemeClr val="accent4"/>
-                      </a:solidFill>
-                      <a:prstDash val="solid"/>
-                      <a:round/>
-                      <a:headEnd type="none" w="med" len="med"/>
-                      <a:tailEnd type="none" w="med" len="med"/>
-                    </a:lnR>
-                    <a:lnT w="12700" cap="flat" cmpd="sng" algn="ctr">
-                      <a:solidFill>
-                        <a:schemeClr val="accent4"/>
-                      </a:solidFill>
-                      <a:prstDash val="solid"/>
-                      <a:round/>
-                      <a:headEnd type="none" w="med" len="med"/>
-                      <a:tailEnd type="none" w="med" len="med"/>
-                    </a:lnT>
-                  </a:tcPr>
-                </a:tc>
-                <a:tc>
-                  <a:txBody>
-                    <a:bodyPr/>
-                    <a:lstStyle/>
-                    <a:p>
-                      <a:pPr algn="ctr"/>
-                      <a:r>
-                        <a:rPr lang="de-DE" dirty="0"/>
-                        <a:t>✅</a:t>
-                      </a:r>
-                    </a:p>
-                  </a:txBody>
-                  <a:tcPr anchor="ctr">
-                    <a:lnL w="12700" cap="flat" cmpd="sng" algn="ctr">
-                      <a:solidFill>
-                        <a:schemeClr val="accent4"/>
-                      </a:solidFill>
-                      <a:prstDash val="solid"/>
-                      <a:round/>
-                      <a:headEnd type="none" w="med" len="med"/>
-                      <a:tailEnd type="none" w="med" len="med"/>
-                    </a:lnL>
-                    <a:lnR w="12700" cap="flat" cmpd="sng" algn="ctr">
-                      <a:solidFill>
-                        <a:schemeClr val="accent4"/>
-                      </a:solidFill>
-                      <a:prstDash val="solid"/>
-                      <a:round/>
-                      <a:headEnd type="none" w="med" len="med"/>
-                      <a:tailEnd type="none" w="med" len="med"/>
-                    </a:lnR>
-                  </a:tcPr>
-                </a:tc>
-                <a:tc>
-                  <a:txBody>
-                    <a:bodyPr/>
-                    <a:lstStyle/>
-                    <a:p>
-                      <a:pPr algn="ctr"/>
-                      <a:r>
-                        <a:rPr lang="de-DE" dirty="0"/>
-                        <a:t>❌</a:t>
-                      </a:r>
-                    </a:p>
-                  </a:txBody>
-                  <a:tcPr anchor="ctr">
-                    <a:lnL w="12700" cap="flat" cmpd="sng" algn="ctr">
-                      <a:solidFill>
-                        <a:schemeClr val="accent4"/>
-                      </a:solidFill>
-                      <a:prstDash val="solid"/>
-                      <a:round/>
-                      <a:headEnd type="none" w="med" len="med"/>
-                      <a:tailEnd type="none" w="med" len="med"/>
-                    </a:lnL>
-                    <a:lnR w="12700" cap="flat" cmpd="sng" algn="ctr">
-                      <a:solidFill>
-                        <a:schemeClr val="accent4"/>
-                      </a:solidFill>
-                      <a:prstDash val="solid"/>
-                      <a:round/>
-                      <a:headEnd type="none" w="med" len="med"/>
-                      <a:tailEnd type="none" w="med" len="med"/>
-                    </a:lnR>
-                  </a:tcPr>
-                </a:tc>
-                <a:tc>
-                  <a:txBody>
-                    <a:bodyPr/>
-                    <a:lstStyle/>
-                    <a:p>
-                      <a:pPr algn="ctr"/>
-                      <a:r>
-                        <a:rPr lang="de-DE" dirty="0"/>
-                        <a:t>❌</a:t>
-                      </a:r>
-                    </a:p>
-                  </a:txBody>
-                  <a:tcPr anchor="ctr">
-                    <a:lnL w="12700" cap="flat" cmpd="sng" algn="ctr">
-                      <a:solidFill>
-                        <a:schemeClr val="accent4"/>
-                      </a:solidFill>
-                      <a:prstDash val="solid"/>
-                      <a:round/>
-                      <a:headEnd type="none" w="med" len="med"/>
-                      <a:tailEnd type="none" w="med" len="med"/>
-                    </a:lnL>
-                    <a:lnR w="12700" cap="flat" cmpd="sng" algn="ctr">
-                      <a:solidFill>
-                        <a:schemeClr val="accent4"/>
-                      </a:solidFill>
-                      <a:prstDash val="solid"/>
-                      <a:round/>
-                      <a:headEnd type="none" w="med" len="med"/>
-                      <a:tailEnd type="none" w="med" len="med"/>
-                    </a:lnR>
-                  </a:tcPr>
-                </a:tc>
-                <a:tc>
-                  <a:txBody>
-                    <a:bodyPr/>
-                    <a:lstStyle/>
-                    <a:p>
-                      <a:pPr marL="0" marR="0" lvl="0" indent="0" algn="ctr" defTabSz="457200" rtl="0" eaLnBrk="1" fontAlgn="auto" latinLnBrk="0" hangingPunct="1">
-                        <a:lnSpc>
-                          <a:spcPct val="100000"/>
-                        </a:lnSpc>
-                        <a:spcBef>
-                          <a:spcPts val="0"/>
-                        </a:spcBef>
-                        <a:spcAft>
-                          <a:spcPts val="0"/>
-                        </a:spcAft>
-                        <a:buClrTx/>
-                        <a:buSzTx/>
-                        <a:buFontTx/>
-                        <a:buNone/>
-                        <a:tabLst/>
-                        <a:defRPr/>
-                      </a:pPr>
-                      <a:endParaRPr lang="de-DE" dirty="0"/>
-                    </a:p>
-                  </a:txBody>
-                  <a:tcPr anchor="ctr">
-                    <a:lnL w="12700" cap="flat" cmpd="sng" algn="ctr">
-                      <a:solidFill>
-                        <a:schemeClr val="accent4"/>
-                      </a:solidFill>
-                      <a:prstDash val="solid"/>
-                      <a:round/>
-                      <a:headEnd type="none" w="med" len="med"/>
-                      <a:tailEnd type="none" w="med" len="med"/>
-                    </a:lnL>
-                  </a:tcPr>
-                </a:tc>
-                <a:extLst>
-                  <a:ext uri="{0D108BD9-81ED-4DB2-BD59-A6C34878D82A}">
-                    <a16:rowId xmlns:a16="http://schemas.microsoft.com/office/drawing/2014/main" val="3313786660"/>
-                  </a:ext>
-                </a:extLst>
-              </a:tr>
-              <a:tr h="531220">
-                <a:tc>
-                  <a:txBody>
-                    <a:bodyPr/>
-                    <a:lstStyle/>
-                    <a:p>
-                      <a:pPr algn="l"/>
-                      <a:r>
-                        <a:rPr lang="de-DE" dirty="0"/>
-                        <a:t>Duplikate?</a:t>
-                      </a:r>
-                    </a:p>
-                  </a:txBody>
-                  <a:tcPr anchor="ctr">
-                    <a:lnR w="12700" cap="flat" cmpd="sng" algn="ctr">
-                      <a:solidFill>
-                        <a:schemeClr val="accent4"/>
-                      </a:solidFill>
-                      <a:prstDash val="solid"/>
-                      <a:round/>
-                      <a:headEnd type="none" w="med" len="med"/>
-                      <a:tailEnd type="none" w="med" len="med"/>
-                    </a:lnR>
-                  </a:tcPr>
-                </a:tc>
-                <a:tc>
-                  <a:txBody>
-                    <a:bodyPr/>
-                    <a:lstStyle/>
-                    <a:p>
-                      <a:pPr marL="0" marR="0" lvl="0" indent="0" algn="ctr" defTabSz="457200" rtl="0" eaLnBrk="1" fontAlgn="auto" latinLnBrk="0" hangingPunct="1">
-                        <a:lnSpc>
-                          <a:spcPct val="100000"/>
-                        </a:lnSpc>
-                        <a:spcBef>
-                          <a:spcPts val="0"/>
-                        </a:spcBef>
-                        <a:spcAft>
-                          <a:spcPts val="0"/>
-                        </a:spcAft>
-                        <a:buClrTx/>
-                        <a:buSzTx/>
-                        <a:buFontTx/>
-                        <a:buNone/>
-                        <a:tabLst/>
-                        <a:defRPr/>
-                      </a:pPr>
-                      <a:r>
-                        <a:rPr lang="de-DE" dirty="0"/>
-                        <a:t>✅</a:t>
-                      </a:r>
-                    </a:p>
-                  </a:txBody>
-                  <a:tcPr anchor="ctr">
-                    <a:lnL w="12700" cap="flat" cmpd="sng" algn="ctr">
-                      <a:solidFill>
-                        <a:schemeClr val="accent4"/>
-                      </a:solidFill>
-                      <a:prstDash val="solid"/>
-                      <a:round/>
-                      <a:headEnd type="none" w="med" len="med"/>
-                      <a:tailEnd type="none" w="med" len="med"/>
-                    </a:lnL>
-                    <a:lnR w="12700" cap="flat" cmpd="sng" algn="ctr">
-                      <a:solidFill>
-                        <a:schemeClr val="accent4"/>
-                      </a:solidFill>
-                      <a:prstDash val="solid"/>
-                      <a:round/>
-                      <a:headEnd type="none" w="med" len="med"/>
-                      <a:tailEnd type="none" w="med" len="med"/>
-                    </a:lnR>
-                  </a:tcPr>
-                </a:tc>
-                <a:tc>
-                  <a:txBody>
-                    <a:bodyPr/>
-                    <a:lstStyle/>
-                    <a:p>
-                      <a:pPr marL="0" marR="0" lvl="0" indent="0" algn="ctr" defTabSz="457200" rtl="0" eaLnBrk="1" fontAlgn="auto" latinLnBrk="0" hangingPunct="1">
-                        <a:lnSpc>
-                          <a:spcPct val="100000"/>
-                        </a:lnSpc>
-                        <a:spcBef>
-                          <a:spcPts val="0"/>
-                        </a:spcBef>
-                        <a:spcAft>
-                          <a:spcPts val="0"/>
-                        </a:spcAft>
-                        <a:buClrTx/>
-                        <a:buSzTx/>
-                        <a:buFontTx/>
-                        <a:buNone/>
-                        <a:tabLst/>
-                        <a:defRPr/>
-                      </a:pPr>
-                      <a:r>
-                        <a:rPr lang="de-DE" dirty="0"/>
-                        <a:t>✅</a:t>
-                      </a:r>
-                    </a:p>
-                  </a:txBody>
-                  <a:tcPr anchor="ctr">
-                    <a:lnL w="12700" cap="flat" cmpd="sng" algn="ctr">
-                      <a:solidFill>
-                        <a:schemeClr val="accent4"/>
-                      </a:solidFill>
-                      <a:prstDash val="solid"/>
-                      <a:round/>
-                      <a:headEnd type="none" w="med" len="med"/>
-                      <a:tailEnd type="none" w="med" len="med"/>
-                    </a:lnL>
-                    <a:lnR w="12700" cap="flat" cmpd="sng" algn="ctr">
-                      <a:solidFill>
-                        <a:schemeClr val="accent4"/>
-                      </a:solidFill>
-                      <a:prstDash val="solid"/>
-                      <a:round/>
-                      <a:headEnd type="none" w="med" len="med"/>
-                      <a:tailEnd type="none" w="med" len="med"/>
-                    </a:lnR>
-                  </a:tcPr>
-                </a:tc>
-                <a:tc>
-                  <a:txBody>
-                    <a:bodyPr/>
-                    <a:lstStyle/>
-                    <a:p>
-                      <a:pPr algn="ctr"/>
-                      <a:r>
-                        <a:rPr lang="de-DE" dirty="0"/>
-                        <a:t>❌</a:t>
-                      </a:r>
-                    </a:p>
-                  </a:txBody>
-                  <a:tcPr anchor="ctr">
-                    <a:lnL w="12700" cap="flat" cmpd="sng" algn="ctr">
-                      <a:solidFill>
-                        <a:schemeClr val="accent4"/>
-                      </a:solidFill>
-                      <a:prstDash val="solid"/>
-                      <a:round/>
-                      <a:headEnd type="none" w="med" len="med"/>
-                      <a:tailEnd type="none" w="med" len="med"/>
-                    </a:lnL>
-                    <a:lnR w="12700" cap="flat" cmpd="sng" algn="ctr">
-                      <a:solidFill>
-                        <a:schemeClr val="accent4"/>
-                      </a:solidFill>
-                      <a:prstDash val="solid"/>
-                      <a:round/>
-                      <a:headEnd type="none" w="med" len="med"/>
-                      <a:tailEnd type="none" w="med" len="med"/>
-                    </a:lnR>
-                  </a:tcPr>
-                </a:tc>
-                <a:tc>
-                  <a:txBody>
-                    <a:bodyPr/>
-                    <a:lstStyle/>
-                    <a:p>
-                      <a:pPr marL="0" marR="0" lvl="0" indent="0" algn="ctr" defTabSz="457200" rtl="0" eaLnBrk="1" fontAlgn="auto" latinLnBrk="0" hangingPunct="1">
-                        <a:lnSpc>
-                          <a:spcPct val="100000"/>
-                        </a:lnSpc>
-                        <a:spcBef>
-                          <a:spcPts val="0"/>
-                        </a:spcBef>
-                        <a:spcAft>
-                          <a:spcPts val="0"/>
-                        </a:spcAft>
-                        <a:buClrTx/>
-                        <a:buSzTx/>
-                        <a:buFontTx/>
-                        <a:buNone/>
-                        <a:tabLst/>
-                        <a:defRPr/>
-                      </a:pPr>
-                      <a:endParaRPr lang="de-DE" dirty="0"/>
-                    </a:p>
-                  </a:txBody>
-                  <a:tcPr anchor="ctr">
-                    <a:lnL w="12700" cap="flat" cmpd="sng" algn="ctr">
-                      <a:solidFill>
-                        <a:schemeClr val="accent4"/>
-                      </a:solidFill>
-                      <a:prstDash val="solid"/>
-                      <a:round/>
-                      <a:headEnd type="none" w="med" len="med"/>
-                      <a:tailEnd type="none" w="med" len="med"/>
-                    </a:lnL>
-                  </a:tcPr>
-                </a:tc>
-                <a:extLst>
-                  <a:ext uri="{0D108BD9-81ED-4DB2-BD59-A6C34878D82A}">
-                    <a16:rowId xmlns:a16="http://schemas.microsoft.com/office/drawing/2014/main" val="2151897338"/>
-                  </a:ext>
-                </a:extLst>
-              </a:tr>
-              <a:tr h="916902">
-                <a:tc>
-                  <a:txBody>
-                    <a:bodyPr/>
-                    <a:lstStyle/>
-                    <a:p>
-                      <a:pPr algn="l"/>
-                      <a:r>
-                        <a:rPr lang="de-DE" dirty="0"/>
-                        <a:t>Geordnet?</a:t>
-                      </a:r>
-                    </a:p>
-                  </a:txBody>
-                  <a:tcPr anchor="ctr">
-                    <a:lnR w="12700" cap="flat" cmpd="sng" algn="ctr">
-                      <a:solidFill>
-                        <a:schemeClr val="accent4"/>
-                      </a:solidFill>
-                      <a:prstDash val="solid"/>
-                      <a:round/>
-                      <a:headEnd type="none" w="med" len="med"/>
-                      <a:tailEnd type="none" w="med" len="med"/>
-                    </a:lnR>
-                  </a:tcPr>
-                </a:tc>
-                <a:tc>
-                  <a:txBody>
-                    <a:bodyPr/>
-                    <a:lstStyle/>
-                    <a:p>
-                      <a:pPr marL="0" marR="0" lvl="0" indent="0" algn="ctr" defTabSz="457200" rtl="0" eaLnBrk="1" fontAlgn="auto" latinLnBrk="0" hangingPunct="1">
-                        <a:lnSpc>
-                          <a:spcPct val="100000"/>
-                        </a:lnSpc>
-                        <a:spcBef>
-                          <a:spcPts val="0"/>
-                        </a:spcBef>
-                        <a:spcAft>
-                          <a:spcPts val="0"/>
-                        </a:spcAft>
-                        <a:buClrTx/>
-                        <a:buSzTx/>
-                        <a:buFontTx/>
-                        <a:buNone/>
-                        <a:tabLst/>
-                        <a:defRPr/>
-                      </a:pPr>
-                      <a:r>
-                        <a:rPr lang="de-DE" dirty="0"/>
-                        <a:t>✅</a:t>
-                      </a:r>
-                    </a:p>
-                  </a:txBody>
-                  <a:tcPr anchor="ctr">
-                    <a:lnL w="12700" cap="flat" cmpd="sng" algn="ctr">
-                      <a:solidFill>
-                        <a:schemeClr val="accent4"/>
-                      </a:solidFill>
-                      <a:prstDash val="solid"/>
-                      <a:round/>
-                      <a:headEnd type="none" w="med" len="med"/>
-                      <a:tailEnd type="none" w="med" len="med"/>
-                    </a:lnL>
-                    <a:lnR w="12700" cap="flat" cmpd="sng" algn="ctr">
-                      <a:solidFill>
-                        <a:schemeClr val="accent4"/>
-                      </a:solidFill>
-                      <a:prstDash val="solid"/>
-                      <a:round/>
-                      <a:headEnd type="none" w="med" len="med"/>
-                      <a:tailEnd type="none" w="med" len="med"/>
-                    </a:lnR>
-                  </a:tcPr>
-                </a:tc>
-                <a:tc>
-                  <a:txBody>
-                    <a:bodyPr/>
-                    <a:lstStyle/>
-                    <a:p>
-                      <a:pPr marL="0" marR="0" lvl="0" indent="0" algn="ctr" defTabSz="457200" rtl="0" eaLnBrk="1" fontAlgn="auto" latinLnBrk="0" hangingPunct="1">
-                        <a:lnSpc>
-                          <a:spcPct val="100000"/>
-                        </a:lnSpc>
-                        <a:spcBef>
-                          <a:spcPts val="0"/>
-                        </a:spcBef>
-                        <a:spcAft>
-                          <a:spcPts val="0"/>
-                        </a:spcAft>
-                        <a:buClrTx/>
-                        <a:buSzTx/>
-                        <a:buFontTx/>
-                        <a:buNone/>
-                        <a:tabLst/>
-                        <a:defRPr/>
-                      </a:pPr>
-                      <a:r>
-                        <a:rPr lang="de-DE" dirty="0"/>
-                        <a:t>✅</a:t>
-                      </a:r>
-                    </a:p>
-                  </a:txBody>
-                  <a:tcPr anchor="ctr">
-                    <a:lnL w="12700" cap="flat" cmpd="sng" algn="ctr">
-                      <a:solidFill>
-                        <a:schemeClr val="accent4"/>
-                      </a:solidFill>
-                      <a:prstDash val="solid"/>
-                      <a:round/>
-                      <a:headEnd type="none" w="med" len="med"/>
-                      <a:tailEnd type="none" w="med" len="med"/>
-                    </a:lnL>
-                    <a:lnR w="12700" cap="flat" cmpd="sng" algn="ctr">
-                      <a:solidFill>
-                        <a:schemeClr val="accent4"/>
-                      </a:solidFill>
-                      <a:prstDash val="solid"/>
-                      <a:round/>
-                      <a:headEnd type="none" w="med" len="med"/>
-                      <a:tailEnd type="none" w="med" len="med"/>
-                    </a:lnR>
-                  </a:tcPr>
-                </a:tc>
-                <a:tc>
-                  <a:txBody>
-                    <a:bodyPr/>
-                    <a:lstStyle/>
-                    <a:p>
-                      <a:pPr algn="ctr"/>
-                      <a:r>
-                        <a:rPr lang="de-DE" dirty="0"/>
-                        <a:t>❌</a:t>
-                      </a:r>
-                    </a:p>
-                  </a:txBody>
-                  <a:tcPr anchor="ctr">
-                    <a:lnL w="12700" cap="flat" cmpd="sng" algn="ctr">
-                      <a:solidFill>
-                        <a:schemeClr val="accent4"/>
-                      </a:solidFill>
-                      <a:prstDash val="solid"/>
-                      <a:round/>
-                      <a:headEnd type="none" w="med" len="med"/>
-                      <a:tailEnd type="none" w="med" len="med"/>
-                    </a:lnL>
-                    <a:lnR w="12700" cap="flat" cmpd="sng" algn="ctr">
-                      <a:solidFill>
-                        <a:schemeClr val="accent4"/>
-                      </a:solidFill>
-                      <a:prstDash val="solid"/>
-                      <a:round/>
-                      <a:headEnd type="none" w="med" len="med"/>
-                      <a:tailEnd type="none" w="med" len="med"/>
-                    </a:lnR>
-                  </a:tcPr>
-                </a:tc>
-                <a:tc>
-                  <a:txBody>
-                    <a:bodyPr/>
-                    <a:lstStyle/>
-                    <a:p>
-                      <a:pPr marL="0" marR="0" lvl="0" indent="0" algn="ctr" defTabSz="457200" rtl="0" eaLnBrk="1" fontAlgn="auto" latinLnBrk="0" hangingPunct="1">
-                        <a:lnSpc>
-                          <a:spcPct val="100000"/>
-                        </a:lnSpc>
-                        <a:spcBef>
-                          <a:spcPts val="0"/>
-                        </a:spcBef>
-                        <a:spcAft>
-                          <a:spcPts val="0"/>
-                        </a:spcAft>
-                        <a:buClrTx/>
-                        <a:buSzTx/>
-                        <a:buFontTx/>
-                        <a:buNone/>
-                        <a:tabLst/>
-                        <a:defRPr/>
-                      </a:pPr>
-                      <a:endParaRPr lang="de-DE" dirty="0"/>
-                    </a:p>
-                  </a:txBody>
-                  <a:tcPr anchor="ctr">
-                    <a:lnL w="12700" cap="flat" cmpd="sng" algn="ctr">
-                      <a:solidFill>
-                        <a:schemeClr val="accent4"/>
-                      </a:solidFill>
-                      <a:prstDash val="solid"/>
-                      <a:round/>
-                      <a:headEnd type="none" w="med" len="med"/>
-                      <a:tailEnd type="none" w="med" len="med"/>
-                    </a:lnL>
-                  </a:tcPr>
-                </a:tc>
-                <a:extLst>
-                  <a:ext uri="{0D108BD9-81ED-4DB2-BD59-A6C34878D82A}">
-                    <a16:rowId xmlns:a16="http://schemas.microsoft.com/office/drawing/2014/main" val="555583047"/>
-                  </a:ext>
-                </a:extLst>
-              </a:tr>
-              <a:tr h="531220">
-                <a:tc>
-                  <a:txBody>
-                    <a:bodyPr/>
-                    <a:lstStyle/>
-                    <a:p>
-                      <a:pPr algn="l"/>
-                      <a:r>
-                        <a:rPr lang="de-DE" dirty="0"/>
-                        <a:t>Keys?</a:t>
-                      </a:r>
-                    </a:p>
-                  </a:txBody>
-                  <a:tcPr anchor="ctr">
-                    <a:lnR w="12700" cap="flat" cmpd="sng" algn="ctr">
-                      <a:solidFill>
-                        <a:schemeClr val="accent4"/>
-                      </a:solidFill>
-                      <a:prstDash val="solid"/>
-                      <a:round/>
-                      <a:headEnd type="none" w="med" len="med"/>
-                      <a:tailEnd type="none" w="med" len="med"/>
-                    </a:lnR>
-                  </a:tcPr>
-                </a:tc>
-                <a:tc>
-                  <a:txBody>
-                    <a:bodyPr/>
-                    <a:lstStyle/>
-                    <a:p>
-                      <a:pPr algn="ctr"/>
-                      <a:r>
-                        <a:rPr lang="de-DE" dirty="0"/>
-                        <a:t>❌</a:t>
-                      </a:r>
-                    </a:p>
-                  </a:txBody>
-                  <a:tcPr anchor="ctr">
-                    <a:lnL w="12700" cap="flat" cmpd="sng" algn="ctr">
-                      <a:solidFill>
-                        <a:schemeClr val="accent4"/>
-                      </a:solidFill>
-                      <a:prstDash val="solid"/>
-                      <a:round/>
-                      <a:headEnd type="none" w="med" len="med"/>
-                      <a:tailEnd type="none" w="med" len="med"/>
-                    </a:lnL>
-                    <a:lnR w="12700" cap="flat" cmpd="sng" algn="ctr">
-                      <a:solidFill>
-                        <a:schemeClr val="accent4"/>
-                      </a:solidFill>
-                      <a:prstDash val="solid"/>
-                      <a:round/>
-                      <a:headEnd type="none" w="med" len="med"/>
-                      <a:tailEnd type="none" w="med" len="med"/>
-                    </a:lnR>
-                  </a:tcPr>
-                </a:tc>
-                <a:tc>
-                  <a:txBody>
-                    <a:bodyPr/>
-                    <a:lstStyle/>
-                    <a:p>
-                      <a:pPr algn="ctr"/>
-                      <a:r>
-                        <a:rPr lang="de-DE" dirty="0"/>
-                        <a:t>❌</a:t>
-                      </a:r>
-                    </a:p>
-                  </a:txBody>
-                  <a:tcPr anchor="ctr">
-                    <a:lnL w="12700" cap="flat" cmpd="sng" algn="ctr">
-                      <a:solidFill>
-                        <a:schemeClr val="accent4"/>
-                      </a:solidFill>
-                      <a:prstDash val="solid"/>
-                      <a:round/>
-                      <a:headEnd type="none" w="med" len="med"/>
-                      <a:tailEnd type="none" w="med" len="med"/>
-                    </a:lnL>
-                    <a:lnR w="12700" cap="flat" cmpd="sng" algn="ctr">
-                      <a:solidFill>
-                        <a:schemeClr val="accent4"/>
-                      </a:solidFill>
-                      <a:prstDash val="solid"/>
-                      <a:round/>
-                      <a:headEnd type="none" w="med" len="med"/>
-                      <a:tailEnd type="none" w="med" len="med"/>
-                    </a:lnR>
-                  </a:tcPr>
-                </a:tc>
-                <a:tc>
-                  <a:txBody>
-                    <a:bodyPr/>
-                    <a:lstStyle/>
-                    <a:p>
-                      <a:pPr algn="ctr"/>
-                      <a:r>
-                        <a:rPr lang="de-DE" dirty="0"/>
-                        <a:t>❌</a:t>
-                      </a:r>
-                    </a:p>
-                  </a:txBody>
-                  <a:tcPr anchor="ctr">
-                    <a:lnL w="12700" cap="flat" cmpd="sng" algn="ctr">
-                      <a:solidFill>
-                        <a:schemeClr val="accent4"/>
-                      </a:solidFill>
-                      <a:prstDash val="solid"/>
-                      <a:round/>
-                      <a:headEnd type="none" w="med" len="med"/>
-                      <a:tailEnd type="none" w="med" len="med"/>
-                    </a:lnL>
-                    <a:lnR w="12700" cap="flat" cmpd="sng" algn="ctr">
-                      <a:solidFill>
-                        <a:schemeClr val="accent4"/>
-                      </a:solidFill>
-                      <a:prstDash val="solid"/>
-                      <a:round/>
-                      <a:headEnd type="none" w="med" len="med"/>
-                      <a:tailEnd type="none" w="med" len="med"/>
-                    </a:lnR>
-                  </a:tcPr>
-                </a:tc>
-                <a:tc>
-                  <a:txBody>
-                    <a:bodyPr/>
-                    <a:lstStyle/>
-                    <a:p>
-                      <a:pPr marL="0" marR="0" lvl="0" indent="0" algn="ctr" defTabSz="457200" rtl="0" eaLnBrk="1" fontAlgn="auto" latinLnBrk="0" hangingPunct="1">
-                        <a:lnSpc>
-                          <a:spcPct val="100000"/>
-                        </a:lnSpc>
-                        <a:spcBef>
-                          <a:spcPts val="0"/>
-                        </a:spcBef>
-                        <a:spcAft>
-                          <a:spcPts val="0"/>
-                        </a:spcAft>
-                        <a:buClrTx/>
-                        <a:buSzTx/>
-                        <a:buFontTx/>
-                        <a:buNone/>
-                        <a:tabLst/>
-                        <a:defRPr/>
-                      </a:pPr>
-                      <a:endParaRPr lang="de-DE" dirty="0"/>
-                    </a:p>
-                  </a:txBody>
-                  <a:tcPr anchor="ctr">
-                    <a:lnL w="12700" cap="flat" cmpd="sng" algn="ctr">
-                      <a:solidFill>
-                        <a:schemeClr val="accent4"/>
-                      </a:solidFill>
-                      <a:prstDash val="solid"/>
-                      <a:round/>
-                      <a:headEnd type="none" w="med" len="med"/>
-                      <a:tailEnd type="none" w="med" len="med"/>
-                    </a:lnL>
-                  </a:tcPr>
-                </a:tc>
-                <a:extLst>
-                  <a:ext uri="{0D108BD9-81ED-4DB2-BD59-A6C34878D82A}">
-                    <a16:rowId xmlns:a16="http://schemas.microsoft.com/office/drawing/2014/main" val="3836793035"/>
-                  </a:ext>
-                </a:extLst>
-              </a:tr>
-              <a:tr h="531220">
-                <a:tc>
-                  <a:txBody>
-                    <a:bodyPr/>
-                    <a:lstStyle/>
-                    <a:p>
-                      <a:pPr algn="l"/>
-                      <a:endParaRPr lang="de-DE" dirty="0"/>
-                    </a:p>
-                  </a:txBody>
-                  <a:tcPr anchor="ctr">
-                    <a:lnR w="12700" cap="flat" cmpd="sng" algn="ctr">
-                      <a:solidFill>
-                        <a:schemeClr val="accent4"/>
-                      </a:solidFill>
-                      <a:prstDash val="solid"/>
-                      <a:round/>
-                      <a:headEnd type="none" w="med" len="med"/>
-                      <a:tailEnd type="none" w="med" len="med"/>
-                    </a:lnR>
-                  </a:tcPr>
-                </a:tc>
-                <a:tc>
-                  <a:txBody>
-                    <a:bodyPr/>
-                    <a:lstStyle/>
-                    <a:p>
-                      <a:pPr algn="ctr"/>
-                      <a:r>
-                        <a:rPr lang="de-DE" dirty="0" err="1"/>
-                        <a:t>list</a:t>
-                      </a:r>
-                      <a:r>
-                        <a:rPr lang="de-DE" dirty="0"/>
-                        <a:t> = [ ]</a:t>
-                      </a:r>
-                    </a:p>
-                  </a:txBody>
-                  <a:tcPr anchor="ctr">
-                    <a:lnL w="12700" cap="flat" cmpd="sng" algn="ctr">
-                      <a:solidFill>
-                        <a:schemeClr val="accent4"/>
-                      </a:solidFill>
-                      <a:prstDash val="solid"/>
-                      <a:round/>
-                      <a:headEnd type="none" w="med" len="med"/>
-                      <a:tailEnd type="none" w="med" len="med"/>
-                    </a:lnL>
-                    <a:lnR w="12700" cap="flat" cmpd="sng" algn="ctr">
-                      <a:solidFill>
-                        <a:schemeClr val="accent4"/>
-                      </a:solidFill>
-                      <a:prstDash val="solid"/>
-                      <a:round/>
-                      <a:headEnd type="none" w="med" len="med"/>
-                      <a:tailEnd type="none" w="med" len="med"/>
-                    </a:lnR>
-                  </a:tcPr>
-                </a:tc>
-                <a:tc>
-                  <a:txBody>
-                    <a:bodyPr/>
-                    <a:lstStyle/>
-                    <a:p>
-                      <a:pPr algn="ctr"/>
-                      <a:r>
-                        <a:rPr lang="de-DE" dirty="0" err="1"/>
-                        <a:t>tuple</a:t>
-                      </a:r>
-                      <a:r>
-                        <a:rPr lang="de-DE" dirty="0"/>
-                        <a:t> = ( )</a:t>
-                      </a:r>
-                    </a:p>
-                  </a:txBody>
-                  <a:tcPr anchor="ctr">
-                    <a:lnL w="12700" cap="flat" cmpd="sng" algn="ctr">
-                      <a:solidFill>
-                        <a:schemeClr val="accent4"/>
-                      </a:solidFill>
-                      <a:prstDash val="solid"/>
-                      <a:round/>
-                      <a:headEnd type="none" w="med" len="med"/>
-                      <a:tailEnd type="none" w="med" len="med"/>
-                    </a:lnL>
-                    <a:lnR w="12700" cap="flat" cmpd="sng" algn="ctr">
-                      <a:solidFill>
-                        <a:schemeClr val="accent4"/>
-                      </a:solidFill>
-                      <a:prstDash val="solid"/>
-                      <a:round/>
-                      <a:headEnd type="none" w="med" len="med"/>
-                      <a:tailEnd type="none" w="med" len="med"/>
-                    </a:lnR>
-                  </a:tcPr>
-                </a:tc>
-                <a:tc>
-                  <a:txBody>
-                    <a:bodyPr/>
-                    <a:lstStyle/>
-                    <a:p>
-                      <a:pPr algn="ctr"/>
-                      <a:r>
-                        <a:rPr lang="de-DE" dirty="0" err="1"/>
-                        <a:t>set</a:t>
-                      </a:r>
-                      <a:r>
-                        <a:rPr lang="de-DE" dirty="0"/>
-                        <a:t> = { }</a:t>
-                      </a:r>
-                    </a:p>
-                  </a:txBody>
-                  <a:tcPr anchor="ctr">
-                    <a:lnL w="12700" cap="flat" cmpd="sng" algn="ctr">
-                      <a:solidFill>
-                        <a:schemeClr val="accent4"/>
-                      </a:solidFill>
-                      <a:prstDash val="solid"/>
-                      <a:round/>
-                      <a:headEnd type="none" w="med" len="med"/>
-                      <a:tailEnd type="none" w="med" len="med"/>
-                    </a:lnL>
-                    <a:lnR w="12700" cap="flat" cmpd="sng" algn="ctr">
-                      <a:solidFill>
-                        <a:schemeClr val="accent4"/>
-                      </a:solidFill>
-                      <a:prstDash val="solid"/>
-                      <a:round/>
-                      <a:headEnd type="none" w="med" len="med"/>
-                      <a:tailEnd type="none" w="med" len="med"/>
-                    </a:lnR>
-                  </a:tcPr>
-                </a:tc>
-                <a:tc>
-                  <a:txBody>
-                    <a:bodyPr/>
-                    <a:lstStyle/>
-                    <a:p>
-                      <a:pPr algn="ctr"/>
-                      <a:endParaRPr lang="de-DE" dirty="0"/>
-                    </a:p>
-                  </a:txBody>
-                  <a:tcPr anchor="ctr">
-                    <a:lnL w="12700" cap="flat" cmpd="sng" algn="ctr">
-                      <a:solidFill>
-                        <a:schemeClr val="accent4"/>
-                      </a:solidFill>
-                      <a:prstDash val="solid"/>
-                      <a:round/>
-                      <a:headEnd type="none" w="med" len="med"/>
-                      <a:tailEnd type="none" w="med" len="med"/>
-                    </a:lnL>
-                  </a:tcPr>
-                </a:tc>
-                <a:extLst>
-                  <a:ext uri="{0D108BD9-81ED-4DB2-BD59-A6C34878D82A}">
-                    <a16:rowId xmlns:a16="http://schemas.microsoft.com/office/drawing/2014/main" val="2815062303"/>
-                  </a:ext>
-                </a:extLst>
-              </a:tr>
-            </a:tbl>
-          </a:graphicData>
-        </a:graphic>
-      </p:graphicFrame>
-      <p:sp>
-        <p:nvSpPr>
-          <p:cNvPr id="3" name="Textfeld 2">
-            <a:extLst>
-              <a:ext uri="{FF2B5EF4-FFF2-40B4-BE49-F238E27FC236}">
-                <a16:creationId xmlns:a16="http://schemas.microsoft.com/office/drawing/2014/main" id="{B3BED04A-FFC8-3256-E1F6-604F2E4091EB}"/>
-              </a:ext>
-            </a:extLst>
-          </p:cNvPr>
-          <p:cNvSpPr txBox="1"/>
-          <p:nvPr/>
-        </p:nvSpPr>
-        <p:spPr>
-          <a:xfrm>
-            <a:off x="2867892" y="3025269"/>
-            <a:ext cx="8514106" cy="3168000"/>
-          </a:xfrm>
-          <a:prstGeom prst="rect">
-            <a:avLst/>
-          </a:prstGeom>
-          <a:solidFill>
-            <a:schemeClr val="bg2"/>
-          </a:solidFill>
-        </p:spPr>
-        <p:txBody>
-          <a:bodyPr wrap="square" numCol="2" rtlCol="0">
-            <a:spAutoFit/>
-          </a:bodyPr>
-          <a:lstStyle/>
-          <a:p>
-            <a:pPr lvl="3"/>
-            <a:endParaRPr lang="de-DE" dirty="0"/>
-          </a:p>
-          <a:p>
-            <a:r>
-              <a:rPr lang="de-DE" dirty="0">
-                <a:solidFill>
-                  <a:schemeClr val="accent1"/>
-                </a:solidFill>
-              </a:rPr>
-              <a:t>  </a:t>
-            </a:r>
-          </a:p>
-          <a:p>
-            <a:r>
-              <a:rPr lang="de-DE" dirty="0">
-                <a:solidFill>
-                  <a:schemeClr val="accent1"/>
-                </a:solidFill>
-              </a:rPr>
-              <a:t>  </a:t>
-            </a:r>
-            <a:r>
-              <a:rPr lang="de-DE" dirty="0" err="1">
-                <a:solidFill>
-                  <a:schemeClr val="accent1"/>
-                </a:solidFill>
-              </a:rPr>
-              <a:t>add</a:t>
-            </a:r>
-            <a:r>
-              <a:rPr lang="de-DE" dirty="0">
-                <a:solidFill>
-                  <a:schemeClr val="accent1"/>
-                </a:solidFill>
-              </a:rPr>
-              <a:t>( </a:t>
-            </a:r>
-            <a:r>
-              <a:rPr lang="de-DE" dirty="0" err="1">
-                <a:solidFill>
-                  <a:schemeClr val="bg1">
-                    <a:lumMod val="50000"/>
-                    <a:lumOff val="50000"/>
-                  </a:schemeClr>
-                </a:solidFill>
-              </a:rPr>
-              <a:t>element</a:t>
-            </a:r>
-            <a:r>
-              <a:rPr lang="de-DE" dirty="0">
-                <a:solidFill>
-                  <a:schemeClr val="accent1"/>
-                </a:solidFill>
-              </a:rPr>
-              <a:t> )</a:t>
-            </a:r>
-          </a:p>
-          <a:p>
-            <a:endParaRPr lang="de-DE" dirty="0">
-              <a:solidFill>
-                <a:schemeClr val="accent1"/>
-              </a:solidFill>
-            </a:endParaRPr>
-          </a:p>
-          <a:p>
-            <a:r>
-              <a:rPr lang="de-DE" dirty="0">
-                <a:solidFill>
-                  <a:schemeClr val="accent1"/>
-                </a:solidFill>
-              </a:rPr>
-              <a:t>  </a:t>
-            </a:r>
-            <a:r>
-              <a:rPr lang="de-DE" dirty="0" err="1">
-                <a:solidFill>
-                  <a:schemeClr val="accent1"/>
-                </a:solidFill>
-              </a:rPr>
-              <a:t>remove</a:t>
-            </a:r>
-            <a:r>
-              <a:rPr lang="de-DE" dirty="0">
-                <a:solidFill>
-                  <a:schemeClr val="accent1"/>
-                </a:solidFill>
-              </a:rPr>
-              <a:t>(</a:t>
-            </a:r>
-            <a:r>
-              <a:rPr lang="de-DE" dirty="0" err="1">
-                <a:solidFill>
-                  <a:schemeClr val="bg1">
-                    <a:lumMod val="50000"/>
-                    <a:lumOff val="50000"/>
-                  </a:schemeClr>
-                </a:solidFill>
-              </a:rPr>
-              <a:t>element</a:t>
-            </a:r>
-            <a:r>
-              <a:rPr lang="de-DE" dirty="0">
-                <a:solidFill>
-                  <a:schemeClr val="accent1"/>
-                </a:solidFill>
-              </a:rPr>
-              <a:t>)</a:t>
-            </a:r>
-          </a:p>
-          <a:p>
-            <a:r>
-              <a:rPr lang="de-DE" dirty="0">
-                <a:solidFill>
-                  <a:schemeClr val="accent1"/>
-                </a:solidFill>
-              </a:rPr>
-              <a:t>  </a:t>
-            </a:r>
-          </a:p>
-          <a:p>
-            <a:r>
-              <a:rPr lang="de-DE" dirty="0">
-                <a:solidFill>
-                  <a:schemeClr val="accent1"/>
-                </a:solidFill>
-              </a:rPr>
-              <a:t>  </a:t>
-            </a:r>
-            <a:r>
-              <a:rPr lang="de-DE" dirty="0" err="1">
-                <a:solidFill>
-                  <a:schemeClr val="accent1"/>
-                </a:solidFill>
-              </a:rPr>
-              <a:t>discard</a:t>
-            </a:r>
-            <a:r>
-              <a:rPr lang="de-DE" dirty="0">
-                <a:solidFill>
-                  <a:schemeClr val="accent1"/>
-                </a:solidFill>
-              </a:rPr>
-              <a:t>( </a:t>
-            </a:r>
-            <a:r>
-              <a:rPr lang="de-DE" dirty="0" err="1">
-                <a:solidFill>
-                  <a:schemeClr val="bg1">
-                    <a:lumMod val="50000"/>
-                    <a:lumOff val="50000"/>
-                  </a:schemeClr>
-                </a:solidFill>
-              </a:rPr>
-              <a:t>element</a:t>
-            </a:r>
-            <a:r>
-              <a:rPr lang="de-DE" dirty="0">
-                <a:solidFill>
-                  <a:schemeClr val="accent1"/>
-                </a:solidFill>
-              </a:rPr>
-              <a:t> )</a:t>
-            </a:r>
-          </a:p>
-          <a:p>
-            <a:r>
-              <a:rPr lang="de-DE" dirty="0">
-                <a:solidFill>
-                  <a:schemeClr val="accent1"/>
-                </a:solidFill>
-              </a:rPr>
-              <a:t> </a:t>
-            </a:r>
-          </a:p>
-          <a:p>
-            <a:r>
-              <a:rPr lang="de-DE" dirty="0">
-                <a:solidFill>
-                  <a:schemeClr val="accent1"/>
-                </a:solidFill>
-              </a:rPr>
-              <a:t>  </a:t>
-            </a:r>
-            <a:r>
-              <a:rPr lang="de-DE" dirty="0" err="1">
-                <a:solidFill>
-                  <a:schemeClr val="accent1"/>
-                </a:solidFill>
-              </a:rPr>
-              <a:t>pop</a:t>
-            </a:r>
-            <a:r>
-              <a:rPr lang="de-DE" dirty="0">
-                <a:solidFill>
-                  <a:schemeClr val="accent1"/>
-                </a:solidFill>
-              </a:rPr>
-              <a:t>( </a:t>
-            </a:r>
-            <a:r>
-              <a:rPr lang="de-DE" dirty="0" err="1">
-                <a:solidFill>
-                  <a:schemeClr val="bg1">
-                    <a:lumMod val="50000"/>
-                    <a:lumOff val="50000"/>
-                  </a:schemeClr>
-                </a:solidFill>
-              </a:rPr>
-              <a:t>index</a:t>
-            </a:r>
-            <a:r>
-              <a:rPr lang="de-DE" dirty="0">
-                <a:solidFill>
-                  <a:schemeClr val="accent1"/>
-                </a:solidFill>
-              </a:rPr>
-              <a:t> )</a:t>
-            </a:r>
-          </a:p>
-          <a:p>
-            <a:endParaRPr lang="de-DE" dirty="0"/>
-          </a:p>
-          <a:p>
-            <a:endParaRPr lang="de-DE" dirty="0">
-              <a:solidFill>
-                <a:schemeClr val="accent1"/>
-              </a:solidFill>
-            </a:endParaRPr>
-          </a:p>
-          <a:p>
-            <a:endParaRPr lang="de-DE" dirty="0">
-              <a:solidFill>
-                <a:schemeClr val="accent1"/>
-              </a:solidFill>
-            </a:endParaRPr>
-          </a:p>
-          <a:p>
-            <a:endParaRPr lang="de-DE" dirty="0">
-              <a:solidFill>
-                <a:schemeClr val="accent1"/>
-              </a:solidFill>
-            </a:endParaRPr>
-          </a:p>
-          <a:p>
-            <a:endParaRPr lang="de-DE" dirty="0">
-              <a:solidFill>
-                <a:schemeClr val="accent1"/>
-              </a:solidFill>
-            </a:endParaRPr>
-          </a:p>
-          <a:p>
-            <a:r>
-              <a:rPr lang="de-DE" dirty="0" err="1">
-                <a:solidFill>
-                  <a:schemeClr val="accent1"/>
-                </a:solidFill>
-              </a:rPr>
-              <a:t>diference</a:t>
-            </a:r>
-            <a:r>
-              <a:rPr lang="de-DE" dirty="0">
-                <a:solidFill>
-                  <a:schemeClr val="accent1"/>
-                </a:solidFill>
-              </a:rPr>
-              <a:t>( </a:t>
-            </a:r>
-            <a:r>
-              <a:rPr lang="de-DE" dirty="0" err="1">
-                <a:solidFill>
-                  <a:schemeClr val="bg1">
-                    <a:lumMod val="50000"/>
-                    <a:lumOff val="50000"/>
-                  </a:schemeClr>
-                </a:solidFill>
-              </a:rPr>
-              <a:t>set</a:t>
-            </a:r>
-            <a:r>
-              <a:rPr lang="de-DE" dirty="0">
-                <a:solidFill>
-                  <a:schemeClr val="accent1"/>
-                </a:solidFill>
-              </a:rPr>
-              <a:t> )</a:t>
-            </a:r>
-          </a:p>
-          <a:p>
-            <a:endParaRPr lang="de-DE" dirty="0">
-              <a:solidFill>
-                <a:schemeClr val="accent1"/>
-              </a:solidFill>
-            </a:endParaRPr>
-          </a:p>
-          <a:p>
-            <a:r>
-              <a:rPr lang="de-DE" dirty="0" err="1">
-                <a:solidFill>
-                  <a:schemeClr val="accent1"/>
-                </a:solidFill>
-              </a:rPr>
-              <a:t>clear</a:t>
-            </a:r>
-            <a:r>
-              <a:rPr lang="de-DE" dirty="0">
-                <a:solidFill>
-                  <a:schemeClr val="accent1"/>
-                </a:solidFill>
-              </a:rPr>
-              <a:t>()</a:t>
-            </a:r>
-          </a:p>
-          <a:p>
-            <a:endParaRPr lang="de-DE" dirty="0">
-              <a:solidFill>
-                <a:schemeClr val="accent1"/>
-              </a:solidFill>
-            </a:endParaRPr>
-          </a:p>
-          <a:p>
-            <a:r>
-              <a:rPr lang="de-DE" dirty="0">
-                <a:solidFill>
-                  <a:schemeClr val="accent1"/>
-                </a:solidFill>
-              </a:rPr>
-              <a:t>update( </a:t>
-            </a:r>
-            <a:r>
-              <a:rPr lang="de-DE" dirty="0" err="1">
-                <a:solidFill>
-                  <a:schemeClr val="bg1">
-                    <a:lumMod val="50000"/>
-                    <a:lumOff val="50000"/>
-                  </a:schemeClr>
-                </a:solidFill>
-              </a:rPr>
-              <a:t>set</a:t>
-            </a:r>
-            <a:r>
-              <a:rPr lang="de-DE" dirty="0">
-                <a:solidFill>
-                  <a:schemeClr val="accent1"/>
-                </a:solidFill>
-              </a:rPr>
-              <a:t> )</a:t>
-            </a:r>
-          </a:p>
-          <a:p>
-            <a:endParaRPr lang="de-DE" dirty="0">
-              <a:solidFill>
-                <a:schemeClr val="accent1"/>
-              </a:solidFill>
-            </a:endParaRPr>
-          </a:p>
-          <a:p>
-            <a:endParaRPr lang="de-DE" dirty="0"/>
-          </a:p>
-        </p:txBody>
-      </p:sp>
-    </p:spTree>
-    <p:extLst>
-      <p:ext uri="{BB962C8B-B14F-4D97-AF65-F5344CB8AC3E}">
-        <p14:creationId xmlns:p14="http://schemas.microsoft.com/office/powerpoint/2010/main" val="2271711897"/>
-      </p:ext>
-    </p:extLst>
-  </p:cSld>
-  <p:clrMapOvr>
-    <a:masterClrMapping/>
-  </p:clrMapOvr>
-  <p:timing>
-    <p:tnLst>
-      <p:par>
-        <p:cTn id="1" dur="indefinite" restart="never" nodeType="tmRoot">
-          <p:childTnLst>
-            <p:seq concurrent="1" nextAc="seek">
-              <p:cTn id="2" dur="indefinite" nodeType="mainSeq">
-                <p:childTnLst>
-                  <p:par>
-                    <p:cTn id="3" fill="hold">
-                      <p:stCondLst>
-                        <p:cond delay="indefinite"/>
-                      </p:stCondLst>
-                      <p:childTnLst>
-                        <p:par>
-                          <p:cTn id="4" fill="hold">
-                            <p:stCondLst>
-                              <p:cond delay="0"/>
-                            </p:stCondLst>
-                            <p:childTnLst>
-                              <p:par>
-                                <p:cTn id="5" presetID="1" presetClass="entr" presetSubtype="0" fill="hold" grpId="0" nodeType="clickEffect">
-                                  <p:stCondLst>
-                                    <p:cond delay="0"/>
-                                  </p:stCondLst>
-                                  <p:childTnLst>
-                                    <p:set>
-                                      <p:cBhvr>
-                                        <p:cTn id="6" dur="1" fill="hold">
-                                          <p:stCondLst>
-                                            <p:cond delay="0"/>
-                                          </p:stCondLst>
-                                        </p:cTn>
-                                        <p:tgtEl>
-                                          <p:spTgt spid="3"/>
-                                        </p:tgtEl>
-                                        <p:attrNameLst>
-                                          <p:attrName>style.visibility</p:attrName>
-                                        </p:attrNameLst>
-                                      </p:cBhvr>
-                                      <p:to>
-                                        <p:strVal val="visible"/>
-                                      </p:to>
-                                    </p:set>
-                                  </p:childTnLst>
-                                </p:cTn>
-                              </p:par>
-                            </p:childTnLst>
-                          </p:cTn>
-                        </p:par>
-                      </p:childTnLst>
-                    </p:cTn>
-                  </p:par>
-                  <p:par>
-                    <p:cTn id="7" fill="hold">
-                      <p:stCondLst>
-                        <p:cond delay="indefinite"/>
-                      </p:stCondLst>
-                      <p:childTnLst>
-                        <p:par>
-                          <p:cTn id="8" fill="hold">
-                            <p:stCondLst>
-                              <p:cond delay="0"/>
-                            </p:stCondLst>
-                            <p:childTnLst>
-                              <p:par>
-                                <p:cTn id="9" presetID="1" presetClass="exit" presetSubtype="0" fill="hold" grpId="1" nodeType="clickEffect">
-                                  <p:stCondLst>
-                                    <p:cond delay="0"/>
-                                  </p:stCondLst>
-                                  <p:childTnLst>
-                                    <p:set>
-                                      <p:cBhvr>
-                                        <p:cTn id="10" dur="1" fill="hold">
-                                          <p:stCondLst>
-                                            <p:cond delay="0"/>
-                                          </p:stCondLst>
-                                        </p:cTn>
-                                        <p:tgtEl>
-                                          <p:spTgt spid="3"/>
-                                        </p:tgtEl>
-                                        <p:attrNameLst>
-                                          <p:attrName>style.visibility</p:attrName>
-                                        </p:attrNameLst>
-                                      </p:cBhvr>
-                                      <p:to>
-                                        <p:strVal val="hidden"/>
-                                      </p:to>
-                                    </p:set>
-                                  </p:childTnLst>
-                                </p:cTn>
-                              </p:par>
-                            </p:childTnLst>
-                          </p:cTn>
-                        </p:par>
-                      </p:childTnLst>
-                    </p:cTn>
-                  </p:par>
-                </p:childTnLst>
-              </p:cTn>
-              <p:prevCondLst>
-                <p:cond evt="onPrev" delay="0">
-                  <p:tgtEl>
-                    <p:sldTgt/>
-                  </p:tgtEl>
-                </p:cond>
-              </p:prevCondLst>
-              <p:nextCondLst>
-                <p:cond evt="onNext" delay="0">
-                  <p:tgtEl>
-                    <p:sldTgt/>
-                  </p:tgtEl>
-                </p:cond>
-              </p:nextCondLst>
-            </p:seq>
-          </p:childTnLst>
-        </p:cTn>
-      </p:par>
-    </p:tnLst>
-    <p:bldLst>
-      <p:bldP spid="3" grpId="0" animBg="1"/>
-      <p:bldP spid="3" grpId="1" animBg="1"/>
-    </p:bldLst>
-  </p:timing>
-</p:sld>
-</file>
-
-<file path=ppt/slides/slide18.xml><?xml version="1.0" encoding="utf-8"?>
-<p:sld xmlns:a="http://schemas.openxmlformats.org/drawingml/2006/main" xmlns:r="http://schemas.openxmlformats.org/officeDocument/2006/relationships" xmlns:p="http://schemas.openxmlformats.org/presentationml/2006/main">
-  <p:cSld>
-    <p:spTree>
-      <p:nvGrpSpPr>
-        <p:cNvPr id="1" name=""/>
-        <p:cNvGrpSpPr/>
-        <p:nvPr/>
-      </p:nvGrpSpPr>
-      <p:grpSpPr>
-        <a:xfrm>
-          <a:off x="0" y="0"/>
-          <a:ext cx="0" cy="0"/>
-          <a:chOff x="0" y="0"/>
-          <a:chExt cx="0" cy="0"/>
-        </a:xfrm>
-      </p:grpSpPr>
-      <p:sp>
-        <p:nvSpPr>
-          <p:cNvPr id="2" name="Titel 1">
-            <a:extLst>
-              <a:ext uri="{FF2B5EF4-FFF2-40B4-BE49-F238E27FC236}">
-                <a16:creationId xmlns:a16="http://schemas.microsoft.com/office/drawing/2014/main" id="{924638F2-44F9-0387-35BC-AA6733952E2F}"/>
-              </a:ext>
-            </a:extLst>
-          </p:cNvPr>
-          <p:cNvSpPr>
-            <a:spLocks noGrp="1"/>
-          </p:cNvSpPr>
-          <p:nvPr>
-            <p:ph type="title"/>
-          </p:nvPr>
-        </p:nvSpPr>
-        <p:spPr/>
-        <p:txBody>
-          <a:bodyPr/>
-          <a:lstStyle/>
-          <a:p>
-            <a:r>
-              <a:rPr lang="de-DE" dirty="0"/>
-              <a:t>Einfache Datenstrukturen</a:t>
-            </a:r>
-          </a:p>
-        </p:txBody>
-      </p:sp>
-      <p:graphicFrame>
-        <p:nvGraphicFramePr>
-          <p:cNvPr id="4" name="Tabelle 4">
-            <a:extLst>
-              <a:ext uri="{FF2B5EF4-FFF2-40B4-BE49-F238E27FC236}">
-                <a16:creationId xmlns:a16="http://schemas.microsoft.com/office/drawing/2014/main" id="{B47C2560-812F-375E-9734-FDB4B9C2658E}"/>
-              </a:ext>
-            </a:extLst>
-          </p:cNvPr>
-          <p:cNvGraphicFramePr>
-            <a:graphicFrameLocks noGrp="1"/>
-          </p:cNvGraphicFramePr>
-          <p:nvPr>
-            <p:ph idx="1"/>
-            <p:extLst>
-              <p:ext uri="{D42A27DB-BD31-4B8C-83A1-F6EECF244321}">
                 <p14:modId xmlns:p14="http://schemas.microsoft.com/office/powerpoint/2010/main" val="498365229"/>
               </p:ext>
             </p:extLst>
@@ -14251,7 +13690,7 @@
 </p:sld>
 </file>
 
-<file path=ppt/slides/slide19.xml><?xml version="1.0" encoding="utf-8"?>
+<file path=ppt/slides/slide17.xml><?xml version="1.0" encoding="utf-8"?>
 <p:sld xmlns:a="http://schemas.openxmlformats.org/drawingml/2006/main" xmlns:r="http://schemas.openxmlformats.org/officeDocument/2006/relationships" xmlns:p="http://schemas.openxmlformats.org/presentationml/2006/main">
   <p:cSld>
     <p:spTree>
@@ -15494,150 +14933,7 @@
 </p:sld>
 </file>
 
-<file path=ppt/slides/slide2.xml><?xml version="1.0" encoding="utf-8"?>
-<p:sld xmlns:a="http://schemas.openxmlformats.org/drawingml/2006/main" xmlns:r="http://schemas.openxmlformats.org/officeDocument/2006/relationships" xmlns:p="http://schemas.openxmlformats.org/presentationml/2006/main">
-  <p:cSld>
-    <p:spTree>
-      <p:nvGrpSpPr>
-        <p:cNvPr id="1" name=""/>
-        <p:cNvGrpSpPr/>
-        <p:nvPr/>
-      </p:nvGrpSpPr>
-      <p:grpSpPr>
-        <a:xfrm>
-          <a:off x="0" y="0"/>
-          <a:ext cx="0" cy="0"/>
-          <a:chOff x="0" y="0"/>
-          <a:chExt cx="0" cy="0"/>
-        </a:xfrm>
-      </p:grpSpPr>
-      <p:sp>
-        <p:nvSpPr>
-          <p:cNvPr id="2" name="Titel 1">
-            <a:extLst>
-              <a:ext uri="{FF2B5EF4-FFF2-40B4-BE49-F238E27FC236}">
-                <a16:creationId xmlns:a16="http://schemas.microsoft.com/office/drawing/2014/main" id="{6FFB258F-243E-052E-55F7-F143C0297E05}"/>
-              </a:ext>
-            </a:extLst>
-          </p:cNvPr>
-          <p:cNvSpPr>
-            <a:spLocks noGrp="1"/>
-          </p:cNvSpPr>
-          <p:nvPr>
-            <p:ph type="title"/>
-          </p:nvPr>
-        </p:nvSpPr>
-        <p:spPr/>
-        <p:txBody>
-          <a:bodyPr/>
-          <a:lstStyle/>
-          <a:p>
-            <a:r>
-              <a:rPr lang="de-DE" dirty="0"/>
-              <a:t>First </a:t>
-            </a:r>
-            <a:r>
-              <a:rPr lang="de-DE" dirty="0" err="1"/>
-              <a:t>things</a:t>
-            </a:r>
-            <a:r>
-              <a:rPr lang="de-DE" dirty="0"/>
-              <a:t> </a:t>
-            </a:r>
-            <a:r>
-              <a:rPr lang="de-DE" dirty="0" err="1"/>
-              <a:t>first</a:t>
-            </a:r>
-            <a:endParaRPr lang="de-DE" dirty="0"/>
-          </a:p>
-        </p:txBody>
-      </p:sp>
-      <p:sp>
-        <p:nvSpPr>
-          <p:cNvPr id="3" name="Inhaltsplatzhalter 2">
-            <a:extLst>
-              <a:ext uri="{FF2B5EF4-FFF2-40B4-BE49-F238E27FC236}">
-                <a16:creationId xmlns:a16="http://schemas.microsoft.com/office/drawing/2014/main" id="{AB763E77-7B36-F275-90A2-C0A979AB2593}"/>
-              </a:ext>
-            </a:extLst>
-          </p:cNvPr>
-          <p:cNvSpPr>
-            <a:spLocks noGrp="1"/>
-          </p:cNvSpPr>
-          <p:nvPr>
-            <p:ph idx="1"/>
-          </p:nvPr>
-        </p:nvSpPr>
-        <p:spPr/>
-        <p:txBody>
-          <a:bodyPr/>
-          <a:lstStyle/>
-          <a:p>
-            <a:r>
-              <a:rPr lang="de-DE" dirty="0"/>
-              <a:t>Kontakt:</a:t>
-            </a:r>
-          </a:p>
-          <a:p>
-            <a:pPr lvl="1"/>
-            <a:r>
-              <a:rPr lang="de-DE" dirty="0"/>
-              <a:t>Anna: </a:t>
-            </a:r>
-            <a:r>
-              <a:rPr lang="de-DE" dirty="0">
-                <a:hlinkClick r:id="rId2"/>
-              </a:rPr>
-              <a:t>anna-maria.bothin@mailbox.tu-dresden.de</a:t>
-            </a:r>
-            <a:endParaRPr lang="de-DE" dirty="0"/>
-          </a:p>
-          <a:p>
-            <a:pPr lvl="1"/>
-            <a:r>
-              <a:rPr lang="de-DE" dirty="0"/>
-              <a:t>Elia: </a:t>
-            </a:r>
-            <a:r>
-              <a:rPr lang="de-DE" dirty="0">
-                <a:hlinkClick r:id="rId3"/>
-              </a:rPr>
-              <a:t>elia.ruehle@mailbox.tu-dresden.de</a:t>
-            </a:r>
-            <a:endParaRPr lang="de-DE" dirty="0"/>
-          </a:p>
-          <a:p>
-            <a:r>
-              <a:rPr lang="de-DE" dirty="0"/>
-              <a:t>Wir haben ein paar Fragen an euch:</a:t>
-            </a:r>
-          </a:p>
-          <a:p>
-            <a:pPr lvl="1"/>
-            <a:r>
-              <a:rPr lang="de-DE" dirty="0">
-                <a:hlinkClick r:id="rId4"/>
-              </a:rPr>
-              <a:t>https://www.mentimeter.com/app/presentation/algx5rq91hss9y5j4b7pz8zv6opxeysw/bxf2n4qwufvb/edit</a:t>
-            </a:r>
-            <a:endParaRPr lang="de-DE" dirty="0"/>
-          </a:p>
-        </p:txBody>
-      </p:sp>
-    </p:spTree>
-    <p:extLst>
-      <p:ext uri="{BB962C8B-B14F-4D97-AF65-F5344CB8AC3E}">
-        <p14:creationId xmlns:p14="http://schemas.microsoft.com/office/powerpoint/2010/main" val="1250276065"/>
-      </p:ext>
-    </p:extLst>
-  </p:cSld>
-  <p:clrMapOvr>
-    <a:masterClrMapping/>
-  </p:clrMapOvr>
-</p:sld>
-</file>
-
-<file path=ppt/slides/slide20.xml><?xml version="1.0" encoding="utf-8"?>
+<file path=ppt/slides/slide18.xml><?xml version="1.0" encoding="utf-8"?>
 <p:sld xmlns:a="http://schemas.openxmlformats.org/drawingml/2006/main" xmlns:r="http://schemas.openxmlformats.org/officeDocument/2006/relationships" xmlns:p="http://schemas.openxmlformats.org/presentationml/2006/main">
   <p:cSld>
     <p:spTree>
@@ -15735,22 +15031,6 @@
               <a:rPr lang="de-DE" dirty="0"/>
               <a:t>alternativer Code möglich</a:t>
             </a:r>
-          </a:p>
-          <a:p>
-            <a:pPr lvl="1"/>
-            <a:r>
-              <a:rPr lang="de-DE"/>
-              <a:t>„pass“ </a:t>
-            </a:r>
-            <a:r>
-              <a:rPr lang="de-DE" dirty="0"/>
-              <a:t>falls </a:t>
-            </a:r>
-            <a:r>
-              <a:rPr lang="de-DE"/>
-              <a:t>nichts passieren soll</a:t>
-            </a:r>
-            <a:endParaRPr lang="de-DE" dirty="0"/>
           </a:p>
           <a:p>
             <a:pPr lvl="1"/>
@@ -16106,7 +15386,7 @@
 </p:sld>
 </file>
 
-<file path=ppt/slides/slide21.xml><?xml version="1.0" encoding="utf-8"?>
+<file path=ppt/slides/slide19.xml><?xml version="1.0" encoding="utf-8"?>
 <p:sld xmlns:a="http://schemas.openxmlformats.org/drawingml/2006/main" xmlns:r="http://schemas.openxmlformats.org/officeDocument/2006/relationships" xmlns:p="http://schemas.openxmlformats.org/presentationml/2006/main">
   <p:cSld>
     <p:spTree>
@@ -16433,7 +15713,150 @@
 </p:sld>
 </file>
 
-<file path=ppt/slides/slide22.xml><?xml version="1.0" encoding="utf-8"?>
+<file path=ppt/slides/slide2.xml><?xml version="1.0" encoding="utf-8"?>
+<p:sld xmlns:a="http://schemas.openxmlformats.org/drawingml/2006/main" xmlns:r="http://schemas.openxmlformats.org/officeDocument/2006/relationships" xmlns:p="http://schemas.openxmlformats.org/presentationml/2006/main">
+  <p:cSld>
+    <p:spTree>
+      <p:nvGrpSpPr>
+        <p:cNvPr id="1" name=""/>
+        <p:cNvGrpSpPr/>
+        <p:nvPr/>
+      </p:nvGrpSpPr>
+      <p:grpSpPr>
+        <a:xfrm>
+          <a:off x="0" y="0"/>
+          <a:ext cx="0" cy="0"/>
+          <a:chOff x="0" y="0"/>
+          <a:chExt cx="0" cy="0"/>
+        </a:xfrm>
+      </p:grpSpPr>
+      <p:sp>
+        <p:nvSpPr>
+          <p:cNvPr id="2" name="Titel 1">
+            <a:extLst>
+              <a:ext uri="{FF2B5EF4-FFF2-40B4-BE49-F238E27FC236}">
+                <a16:creationId xmlns:a16="http://schemas.microsoft.com/office/drawing/2014/main" id="{6FFB258F-243E-052E-55F7-F143C0297E05}"/>
+              </a:ext>
+            </a:extLst>
+          </p:cNvPr>
+          <p:cNvSpPr>
+            <a:spLocks noGrp="1"/>
+          </p:cNvSpPr>
+          <p:nvPr>
+            <p:ph type="title"/>
+          </p:nvPr>
+        </p:nvSpPr>
+        <p:spPr/>
+        <p:txBody>
+          <a:bodyPr/>
+          <a:lstStyle/>
+          <a:p>
+            <a:r>
+              <a:rPr lang="de-DE" dirty="0"/>
+              <a:t>First </a:t>
+            </a:r>
+            <a:r>
+              <a:rPr lang="de-DE" dirty="0" err="1"/>
+              <a:t>things</a:t>
+            </a:r>
+            <a:r>
+              <a:rPr lang="de-DE" dirty="0"/>
+              <a:t> </a:t>
+            </a:r>
+            <a:r>
+              <a:rPr lang="de-DE" dirty="0" err="1"/>
+              <a:t>first</a:t>
+            </a:r>
+            <a:endParaRPr lang="de-DE" dirty="0"/>
+          </a:p>
+        </p:txBody>
+      </p:sp>
+      <p:sp>
+        <p:nvSpPr>
+          <p:cNvPr id="3" name="Inhaltsplatzhalter 2">
+            <a:extLst>
+              <a:ext uri="{FF2B5EF4-FFF2-40B4-BE49-F238E27FC236}">
+                <a16:creationId xmlns:a16="http://schemas.microsoft.com/office/drawing/2014/main" id="{AB763E77-7B36-F275-90A2-C0A979AB2593}"/>
+              </a:ext>
+            </a:extLst>
+          </p:cNvPr>
+          <p:cNvSpPr>
+            <a:spLocks noGrp="1"/>
+          </p:cNvSpPr>
+          <p:nvPr>
+            <p:ph idx="1"/>
+          </p:nvPr>
+        </p:nvSpPr>
+        <p:spPr/>
+        <p:txBody>
+          <a:bodyPr/>
+          <a:lstStyle/>
+          <a:p>
+            <a:r>
+              <a:rPr lang="de-DE" dirty="0"/>
+              <a:t>Kontakt:</a:t>
+            </a:r>
+          </a:p>
+          <a:p>
+            <a:pPr lvl="1"/>
+            <a:r>
+              <a:rPr lang="de-DE" dirty="0"/>
+              <a:t>Anna: </a:t>
+            </a:r>
+            <a:r>
+              <a:rPr lang="de-DE" dirty="0">
+                <a:hlinkClick r:id="rId2"/>
+              </a:rPr>
+              <a:t>anna-maria.bothin@mailbox.tu-dresden.de</a:t>
+            </a:r>
+            <a:endParaRPr lang="de-DE" dirty="0"/>
+          </a:p>
+          <a:p>
+            <a:pPr lvl="1"/>
+            <a:r>
+              <a:rPr lang="de-DE" dirty="0"/>
+              <a:t>Elia: </a:t>
+            </a:r>
+            <a:r>
+              <a:rPr lang="de-DE" dirty="0">
+                <a:hlinkClick r:id="rId3"/>
+              </a:rPr>
+              <a:t>elia.ruehle@mailbox.tu-dresden.de</a:t>
+            </a:r>
+            <a:endParaRPr lang="de-DE" dirty="0"/>
+          </a:p>
+          <a:p>
+            <a:r>
+              <a:rPr lang="de-DE" dirty="0"/>
+              <a:t>Wir haben ein paar Fragen an euch:</a:t>
+            </a:r>
+          </a:p>
+          <a:p>
+            <a:pPr lvl="1"/>
+            <a:r>
+              <a:rPr lang="de-DE" dirty="0">
+                <a:hlinkClick r:id="rId4"/>
+              </a:rPr>
+              <a:t>https://www.mentimeter.com/app/presentation/algx5rq91hss9y5j4b7pz8zv6opxeysw/bxf2n4qwufvb/edit</a:t>
+            </a:r>
+            <a:endParaRPr lang="de-DE" dirty="0"/>
+          </a:p>
+        </p:txBody>
+      </p:sp>
+    </p:spTree>
+    <p:extLst>
+      <p:ext uri="{BB962C8B-B14F-4D97-AF65-F5344CB8AC3E}">
+        <p14:creationId xmlns:p14="http://schemas.microsoft.com/office/powerpoint/2010/main" val="1250276065"/>
+      </p:ext>
+    </p:extLst>
+  </p:cSld>
+  <p:clrMapOvr>
+    <a:masterClrMapping/>
+  </p:clrMapOvr>
+</p:sld>
+</file>
+
+<file path=ppt/slides/slide20.xml><?xml version="1.0" encoding="utf-8"?>
 <p:sld xmlns:a="http://schemas.openxmlformats.org/drawingml/2006/main" xmlns:r="http://schemas.openxmlformats.org/officeDocument/2006/relationships" xmlns:p="http://schemas.openxmlformats.org/presentationml/2006/main">
   <p:cSld>
     <p:spTree>
@@ -16790,7 +16213,7 @@
 </p:sld>
 </file>
 
-<file path=ppt/slides/slide23.xml><?xml version="1.0" encoding="utf-8"?>
+<file path=ppt/slides/slide21.xml><?xml version="1.0" encoding="utf-8"?>
 <p:sld xmlns:a="http://schemas.openxmlformats.org/drawingml/2006/main" xmlns:r="http://schemas.openxmlformats.org/officeDocument/2006/relationships" xmlns:p="http://schemas.openxmlformats.org/presentationml/2006/main">
   <p:cSld>
     <p:spTree>
@@ -16879,53 +16302,7 @@
             <a:pPr lvl="1"/>
             <a:r>
               <a:rPr lang="de-DE" dirty="0"/>
-              <a:t>Vereinfacht </a:t>
-            </a:r>
-            <a:r>
-              <a:rPr lang="de-DE" dirty="0" err="1"/>
-              <a:t>Fallunterschiedungen</a:t>
-            </a:r>
-            <a:endParaRPr lang="de-DE" dirty="0"/>
-          </a:p>
-          <a:p>
-            <a:pPr lvl="1"/>
-            <a:r>
-              <a:rPr lang="de-DE" dirty="0"/>
-              <a:t>keine </a:t>
-            </a:r>
-            <a:r>
-              <a:rPr lang="de-DE" dirty="0" err="1"/>
-              <a:t>Notwemdigkeit</a:t>
-            </a:r>
-            <a:r>
-              <a:rPr lang="de-DE" dirty="0"/>
-              <a:t> mehr für viele </a:t>
-            </a:r>
-            <a:br>
-              <a:rPr lang="de-DE" dirty="0"/>
-            </a:br>
-            <a:r>
-              <a:rPr lang="de-DE" dirty="0" err="1"/>
-              <a:t>if</a:t>
-            </a:r>
-            <a:r>
-              <a:rPr lang="de-DE" dirty="0"/>
-              <a:t> und </a:t>
-            </a:r>
-            <a:r>
-              <a:rPr lang="de-DE" dirty="0" err="1"/>
-              <a:t>elif</a:t>
-            </a:r>
-            <a:r>
-              <a:rPr lang="de-DE" dirty="0"/>
-              <a:t> –Abfragen</a:t>
-            </a:r>
-          </a:p>
-          <a:p>
-            <a:pPr lvl="1"/>
-            <a:r>
-              <a:rPr lang="de-DE" dirty="0"/>
-              <a:t>seit Python 3.10 nutzbar</a:t>
+              <a:t>TO BE CONTINUED</a:t>
             </a:r>
           </a:p>
           <a:p>
@@ -17007,7 +16384,15 @@
                   <a:schemeClr val="accent1"/>
                 </a:solidFill>
               </a:rPr>
-              <a:t> match</a:t>
+              <a:t> </a:t>
+            </a:r>
+            <a:r>
+              <a:rPr lang="de-DE" b="1" dirty="0" err="1">
+                <a:solidFill>
+                  <a:schemeClr val="accent1"/>
+                </a:solidFill>
+              </a:rPr>
+              <a:t>for</a:t>
             </a:r>
             <a:r>
               <a:rPr lang="de-DE" dirty="0">
@@ -17018,14 +16403,40 @@
               <a:t> </a:t>
             </a:r>
             <a:r>
-              <a:rPr lang="de-DE" i="1" dirty="0" err="1">
+              <a:rPr lang="de-DE" i="1" dirty="0">
                 <a:solidFill>
                   <a:schemeClr val="tx1">
                     <a:lumMod val="65000"/>
                   </a:schemeClr>
                 </a:solidFill>
               </a:rPr>
-              <a:t>var</a:t>
+              <a:t>x </a:t>
+            </a:r>
+            <a:r>
+              <a:rPr lang="de-DE" b="1" dirty="0">
+                <a:solidFill>
+                  <a:schemeClr val="accent1"/>
+                </a:solidFill>
+              </a:rPr>
+              <a:t>in </a:t>
+            </a:r>
+            <a:r>
+              <a:rPr lang="de-DE" i="1" dirty="0" err="1">
+                <a:solidFill>
+                  <a:schemeClr val="tx1">
+                    <a:lumMod val="65000"/>
+                  </a:schemeClr>
+                </a:solidFill>
+              </a:rPr>
+              <a:t>iterable</a:t>
+            </a:r>
+            <a:r>
+              <a:rPr lang="de-DE" dirty="0">
+                <a:solidFill>
+                  <a:schemeClr val="accent1"/>
+                </a:solidFill>
+              </a:rPr>
+              <a:t> </a:t>
             </a:r>
             <a:r>
               <a:rPr lang="de-DE" b="1" dirty="0">
@@ -17049,27 +16460,17 @@
                   <a:schemeClr val="accent1"/>
                 </a:solidFill>
               </a:rPr>
-              <a:t>   	 </a:t>
-            </a:r>
-            <a:r>
-              <a:rPr lang="de-DE" b="1" dirty="0" err="1">
-                <a:solidFill>
-                  <a:schemeClr val="accent1"/>
+              <a:t>   	             </a:t>
+            </a:r>
+            <a:r>
+              <a:rPr lang="de-DE" i="1" dirty="0" err="1">
+                <a:solidFill>
+                  <a:schemeClr val="tx1">
+                    <a:lumMod val="65000"/>
+                  </a:schemeClr>
                 </a:solidFill>
               </a:rPr>
-              <a:t>case</a:t>
-            </a:r>
-            <a:r>
-              <a:rPr lang="de-DE" b="1" dirty="0"/>
-              <a:t> ... :</a:t>
-            </a:r>
-            <a:r>
-              <a:rPr lang="de-DE" i="1" dirty="0">
-                <a:solidFill>
-                  <a:schemeClr val="accent1"/>
-                </a:solidFill>
-              </a:rPr>
-              <a:t>   </a:t>
+              <a:t>statement</a:t>
             </a:r>
             <a:endParaRPr lang="de-DE" i="1" dirty="0">
               <a:solidFill>
@@ -17098,120 +16499,10 @@
           </a:p>
         </p:txBody>
       </p:sp>
-      <p:pic>
-        <p:nvPicPr>
-          <p:cNvPr id="5" name="Grafik 4" descr="Ein Bild, das Text enthält.&#10;&#10;Automatisch generierte Beschreibung">
-            <a:extLst>
-              <a:ext uri="{FF2B5EF4-FFF2-40B4-BE49-F238E27FC236}">
-                <a16:creationId xmlns:a16="http://schemas.microsoft.com/office/drawing/2014/main" id="{C9B3AD2C-FDB1-6DC7-DCA6-9F11DD69EE1F}"/>
-              </a:ext>
-            </a:extLst>
-          </p:cNvPr>
-          <p:cNvPicPr>
-            <a:picLocks noChangeAspect="1"/>
-          </p:cNvPicPr>
-          <p:nvPr/>
-        </p:nvPicPr>
-        <p:blipFill>
-          <a:blip r:embed="rId2"/>
-          <a:stretch>
-            <a:fillRect/>
-          </a:stretch>
-        </p:blipFill>
-        <p:spPr>
-          <a:xfrm>
-            <a:off x="6370245" y="4468821"/>
-            <a:ext cx="4348165" cy="1941991"/>
-          </a:xfrm>
-          <a:prstGeom prst="rect">
-            <a:avLst/>
-          </a:prstGeom>
-        </p:spPr>
-      </p:pic>
     </p:spTree>
     <p:extLst>
       <p:ext uri="{BB962C8B-B14F-4D97-AF65-F5344CB8AC3E}">
         <p14:creationId xmlns:p14="http://schemas.microsoft.com/office/powerpoint/2010/main" val="475667396"/>
-      </p:ext>
-    </p:extLst>
-  </p:cSld>
-  <p:clrMapOvr>
-    <a:masterClrMapping/>
-  </p:clrMapOvr>
-</p:sld>
-</file>
-
-<file path=ppt/slides/slide24.xml><?xml version="1.0" encoding="utf-8"?>
-<p:sld xmlns:a="http://schemas.openxmlformats.org/drawingml/2006/main" xmlns:r="http://schemas.openxmlformats.org/officeDocument/2006/relationships" xmlns:p="http://schemas.openxmlformats.org/presentationml/2006/main">
-  <p:cSld>
-    <p:spTree>
-      <p:nvGrpSpPr>
-        <p:cNvPr id="1" name=""/>
-        <p:cNvGrpSpPr/>
-        <p:nvPr/>
-      </p:nvGrpSpPr>
-      <p:grpSpPr>
-        <a:xfrm>
-          <a:off x="0" y="0"/>
-          <a:ext cx="0" cy="0"/>
-          <a:chOff x="0" y="0"/>
-          <a:chExt cx="0" cy="0"/>
-        </a:xfrm>
-      </p:grpSpPr>
-      <p:sp>
-        <p:nvSpPr>
-          <p:cNvPr id="2" name="Titel 1">
-            <a:extLst>
-              <a:ext uri="{FF2B5EF4-FFF2-40B4-BE49-F238E27FC236}">
-                <a16:creationId xmlns:a16="http://schemas.microsoft.com/office/drawing/2014/main" id="{D564B2AB-580A-8693-5F3B-5F9DD6CC99D9}"/>
-              </a:ext>
-            </a:extLst>
-          </p:cNvPr>
-          <p:cNvSpPr>
-            <a:spLocks noGrp="1"/>
-          </p:cNvSpPr>
-          <p:nvPr>
-            <p:ph type="title"/>
-          </p:nvPr>
-        </p:nvSpPr>
-        <p:spPr/>
-        <p:txBody>
-          <a:bodyPr/>
-          <a:lstStyle/>
-          <a:p>
-            <a:endParaRPr lang="de-DE"/>
-          </a:p>
-        </p:txBody>
-      </p:sp>
-      <p:sp>
-        <p:nvSpPr>
-          <p:cNvPr id="3" name="Inhaltsplatzhalter 2">
-            <a:extLst>
-              <a:ext uri="{FF2B5EF4-FFF2-40B4-BE49-F238E27FC236}">
-                <a16:creationId xmlns:a16="http://schemas.microsoft.com/office/drawing/2014/main" id="{B0D539BC-350F-DEC1-E8B6-F96BBE7F39C1}"/>
-              </a:ext>
-            </a:extLst>
-          </p:cNvPr>
-          <p:cNvSpPr>
-            <a:spLocks noGrp="1"/>
-          </p:cNvSpPr>
-          <p:nvPr>
-            <p:ph idx="1"/>
-          </p:nvPr>
-        </p:nvSpPr>
-        <p:spPr/>
-        <p:txBody>
-          <a:bodyPr/>
-          <a:lstStyle/>
-          <a:p>
-            <a:endParaRPr lang="de-DE"/>
-          </a:p>
-        </p:txBody>
-      </p:sp>
-    </p:spTree>
-    <p:extLst>
-      <p:ext uri="{BB962C8B-B14F-4D97-AF65-F5344CB8AC3E}">
-        <p14:creationId xmlns:p14="http://schemas.microsoft.com/office/powerpoint/2010/main" val="3577893728"/>
       </p:ext>
     </p:extLst>
   </p:cSld>
@@ -17621,41 +16912,36 @@
           <a:p>
             <a:r>
               <a:rPr lang="de-DE" dirty="0"/>
-              <a:t>Installation - Windows</a:t>
+              <a:t>Installation</a:t>
             </a:r>
           </a:p>
         </p:txBody>
       </p:sp>
-      <p:pic>
-        <p:nvPicPr>
-          <p:cNvPr id="5" name="Grafik 4" descr="Ein Bild, das Text enthält.&#10;&#10;Automatisch generierte Beschreibung">
+      <p:sp>
+        <p:nvSpPr>
+          <p:cNvPr id="3" name="Inhaltsplatzhalter 2">
             <a:extLst>
               <a:ext uri="{FF2B5EF4-FFF2-40B4-BE49-F238E27FC236}">
-                <a16:creationId xmlns:a16="http://schemas.microsoft.com/office/drawing/2014/main" id="{06111613-7DBC-C86D-0585-4C17328FB1A1}"/>
+                <a16:creationId xmlns:a16="http://schemas.microsoft.com/office/drawing/2014/main" id="{B043F3ED-48BF-B833-F4F0-575A891C2F91}"/>
               </a:ext>
             </a:extLst>
           </p:cNvPr>
-          <p:cNvPicPr>
-            <a:picLocks noChangeAspect="1"/>
-          </p:cNvPicPr>
-          <p:nvPr/>
-        </p:nvPicPr>
-        <p:blipFill>
-          <a:blip r:embed="rId2"/>
-          <a:stretch>
-            <a:fillRect/>
-          </a:stretch>
-        </p:blipFill>
-        <p:spPr>
-          <a:xfrm>
-            <a:off x="2403230" y="2396288"/>
-            <a:ext cx="7385538" cy="4122160"/>
-          </a:xfrm>
-          <a:prstGeom prst="rect">
-            <a:avLst/>
-          </a:prstGeom>
-        </p:spPr>
-      </p:pic>
+          <p:cNvSpPr>
+            <a:spLocks noGrp="1"/>
+          </p:cNvSpPr>
+          <p:nvPr>
+            <p:ph idx="1"/>
+          </p:nvPr>
+        </p:nvSpPr>
+        <p:spPr/>
+        <p:txBody>
+          <a:bodyPr/>
+          <a:lstStyle/>
+          <a:p>
+            <a:endParaRPr lang="de-DE"/>
+          </a:p>
+        </p:txBody>
+      </p:sp>
     </p:spTree>
     <p:extLst>
       <p:ext uri="{BB962C8B-B14F-4D97-AF65-F5344CB8AC3E}">
@@ -17670,182 +16956,6 @@
 </file>
 
 <file path=ppt/slides/slide7.xml><?xml version="1.0" encoding="utf-8"?>
-<p:sld xmlns:a="http://schemas.openxmlformats.org/drawingml/2006/main" xmlns:r="http://schemas.openxmlformats.org/officeDocument/2006/relationships" xmlns:p="http://schemas.openxmlformats.org/presentationml/2006/main">
-  <p:cSld>
-    <p:spTree>
-      <p:nvGrpSpPr>
-        <p:cNvPr id="1" name=""/>
-        <p:cNvGrpSpPr/>
-        <p:nvPr/>
-      </p:nvGrpSpPr>
-      <p:grpSpPr>
-        <a:xfrm>
-          <a:off x="0" y="0"/>
-          <a:ext cx="0" cy="0"/>
-          <a:chOff x="0" y="0"/>
-          <a:chExt cx="0" cy="0"/>
-        </a:xfrm>
-      </p:grpSpPr>
-      <p:sp>
-        <p:nvSpPr>
-          <p:cNvPr id="2" name="Titel 1">
-            <a:extLst>
-              <a:ext uri="{FF2B5EF4-FFF2-40B4-BE49-F238E27FC236}">
-                <a16:creationId xmlns:a16="http://schemas.microsoft.com/office/drawing/2014/main" id="{0778FEB7-0611-CB60-2754-1D2C044E692B}"/>
-              </a:ext>
-            </a:extLst>
-          </p:cNvPr>
-          <p:cNvSpPr>
-            <a:spLocks noGrp="1"/>
-          </p:cNvSpPr>
-          <p:nvPr>
-            <p:ph type="title"/>
-          </p:nvPr>
-        </p:nvSpPr>
-        <p:spPr/>
-        <p:txBody>
-          <a:bodyPr/>
-          <a:lstStyle/>
-          <a:p>
-            <a:r>
-              <a:rPr lang="de-DE" dirty="0"/>
-              <a:t>Installation - MacOS</a:t>
-            </a:r>
-          </a:p>
-        </p:txBody>
-      </p:sp>
-      <p:pic>
-        <p:nvPicPr>
-          <p:cNvPr id="5" name="Grafik 4" descr="Ein Bild, das Text enthält.&#10;&#10;Automatisch generierte Beschreibung">
-            <a:extLst>
-              <a:ext uri="{FF2B5EF4-FFF2-40B4-BE49-F238E27FC236}">
-                <a16:creationId xmlns:a16="http://schemas.microsoft.com/office/drawing/2014/main" id="{2F994D0B-C739-1B7D-2240-EE3ED80096C5}"/>
-              </a:ext>
-            </a:extLst>
-          </p:cNvPr>
-          <p:cNvPicPr>
-            <a:picLocks noChangeAspect="1"/>
-          </p:cNvPicPr>
-          <p:nvPr/>
-        </p:nvPicPr>
-        <p:blipFill>
-          <a:blip r:embed="rId2"/>
-          <a:stretch>
-            <a:fillRect/>
-          </a:stretch>
-        </p:blipFill>
-        <p:spPr>
-          <a:xfrm>
-            <a:off x="2449973" y="2321169"/>
-            <a:ext cx="7292052" cy="4431323"/>
-          </a:xfrm>
-          <a:prstGeom prst="rect">
-            <a:avLst/>
-          </a:prstGeom>
-        </p:spPr>
-      </p:pic>
-    </p:spTree>
-    <p:extLst>
-      <p:ext uri="{BB962C8B-B14F-4D97-AF65-F5344CB8AC3E}">
-        <p14:creationId xmlns:p14="http://schemas.microsoft.com/office/powerpoint/2010/main" val="561098728"/>
-      </p:ext>
-    </p:extLst>
-  </p:cSld>
-  <p:clrMapOvr>
-    <a:masterClrMapping/>
-  </p:clrMapOvr>
-</p:sld>
-</file>
-
-<file path=ppt/slides/slide8.xml><?xml version="1.0" encoding="utf-8"?>
-<p:sld xmlns:a="http://schemas.openxmlformats.org/drawingml/2006/main" xmlns:r="http://schemas.openxmlformats.org/officeDocument/2006/relationships" xmlns:p="http://schemas.openxmlformats.org/presentationml/2006/main">
-  <p:cSld>
-    <p:spTree>
-      <p:nvGrpSpPr>
-        <p:cNvPr id="1" name=""/>
-        <p:cNvGrpSpPr/>
-        <p:nvPr/>
-      </p:nvGrpSpPr>
-      <p:grpSpPr>
-        <a:xfrm>
-          <a:off x="0" y="0"/>
-          <a:ext cx="0" cy="0"/>
-          <a:chOff x="0" y="0"/>
-          <a:chExt cx="0" cy="0"/>
-        </a:xfrm>
-      </p:grpSpPr>
-      <p:sp>
-        <p:nvSpPr>
-          <p:cNvPr id="2" name="Titel 1">
-            <a:extLst>
-              <a:ext uri="{FF2B5EF4-FFF2-40B4-BE49-F238E27FC236}">
-                <a16:creationId xmlns:a16="http://schemas.microsoft.com/office/drawing/2014/main" id="{2C6E1275-0755-9CD5-2B92-30E63B13252D}"/>
-              </a:ext>
-            </a:extLst>
-          </p:cNvPr>
-          <p:cNvSpPr>
-            <a:spLocks noGrp="1"/>
-          </p:cNvSpPr>
-          <p:nvPr>
-            <p:ph type="title"/>
-          </p:nvPr>
-        </p:nvSpPr>
-        <p:spPr/>
-        <p:txBody>
-          <a:bodyPr/>
-          <a:lstStyle/>
-          <a:p>
-            <a:r>
-              <a:rPr lang="de-DE" dirty="0"/>
-              <a:t>Installation – Linux</a:t>
-            </a:r>
-          </a:p>
-        </p:txBody>
-      </p:sp>
-      <p:pic>
-        <p:nvPicPr>
-          <p:cNvPr id="5" name="Grafik 4">
-            <a:extLst>
-              <a:ext uri="{FF2B5EF4-FFF2-40B4-BE49-F238E27FC236}">
-                <a16:creationId xmlns:a16="http://schemas.microsoft.com/office/drawing/2014/main" id="{92AA7274-9B9D-7957-802D-2F44A3C32EB0}"/>
-              </a:ext>
-            </a:extLst>
-          </p:cNvPr>
-          <p:cNvPicPr>
-            <a:picLocks noChangeAspect="1"/>
-          </p:cNvPicPr>
-          <p:nvPr/>
-        </p:nvPicPr>
-        <p:blipFill>
-          <a:blip r:embed="rId2"/>
-          <a:stretch>
-            <a:fillRect/>
-          </a:stretch>
-        </p:blipFill>
-        <p:spPr>
-          <a:xfrm>
-            <a:off x="2209799" y="2960198"/>
-            <a:ext cx="7772400" cy="2947377"/>
-          </a:xfrm>
-          <a:prstGeom prst="rect">
-            <a:avLst/>
-          </a:prstGeom>
-        </p:spPr>
-      </p:pic>
-    </p:spTree>
-    <p:extLst>
-      <p:ext uri="{BB962C8B-B14F-4D97-AF65-F5344CB8AC3E}">
-        <p14:creationId xmlns:p14="http://schemas.microsoft.com/office/powerpoint/2010/main" val="3819821888"/>
-      </p:ext>
-    </p:extLst>
-  </p:cSld>
-  <p:clrMapOvr>
-    <a:masterClrMapping/>
-  </p:clrMapOvr>
-</p:sld>
-</file>
-
-<file path=ppt/slides/slide9.xml><?xml version="1.0" encoding="utf-8"?>
 <p:sld xmlns:a="http://schemas.openxmlformats.org/drawingml/2006/main" xmlns:r="http://schemas.openxmlformats.org/officeDocument/2006/relationships" xmlns:p="http://schemas.openxmlformats.org/presentationml/2006/main">
   <p:cSld>
     <p:spTree>
@@ -18404,6 +17514,556 @@
       </p:par>
     </p:tnLst>
   </p:timing>
+</p:sld>
+</file>
+
+<file path=ppt/slides/slide8.xml><?xml version="1.0" encoding="utf-8"?>
+<p:sld xmlns:a="http://schemas.openxmlformats.org/drawingml/2006/main" xmlns:r="http://schemas.openxmlformats.org/officeDocument/2006/relationships" xmlns:p="http://schemas.openxmlformats.org/presentationml/2006/main">
+  <p:cSld>
+    <p:spTree>
+      <p:nvGrpSpPr>
+        <p:cNvPr id="1" name=""/>
+        <p:cNvGrpSpPr/>
+        <p:nvPr/>
+      </p:nvGrpSpPr>
+      <p:grpSpPr>
+        <a:xfrm>
+          <a:off x="0" y="0"/>
+          <a:ext cx="0" cy="0"/>
+          <a:chOff x="0" y="0"/>
+          <a:chExt cx="0" cy="0"/>
+        </a:xfrm>
+      </p:grpSpPr>
+      <p:sp>
+        <p:nvSpPr>
+          <p:cNvPr id="2" name="Titel 1">
+            <a:extLst>
+              <a:ext uri="{FF2B5EF4-FFF2-40B4-BE49-F238E27FC236}">
+                <a16:creationId xmlns:a16="http://schemas.microsoft.com/office/drawing/2014/main" id="{58B6CE22-6A8C-E2D1-4080-1958BC60F476}"/>
+              </a:ext>
+            </a:extLst>
+          </p:cNvPr>
+          <p:cNvSpPr>
+            <a:spLocks noGrp="1"/>
+          </p:cNvSpPr>
+          <p:nvPr>
+            <p:ph type="title"/>
+          </p:nvPr>
+        </p:nvSpPr>
+        <p:spPr/>
+        <p:txBody>
+          <a:bodyPr/>
+          <a:lstStyle/>
+          <a:p>
+            <a:r>
+              <a:rPr lang="de-DE" dirty="0"/>
+              <a:t>Arbeit mit Python</a:t>
+            </a:r>
+          </a:p>
+        </p:txBody>
+      </p:sp>
+      <p:sp>
+        <p:nvSpPr>
+          <p:cNvPr id="3" name="Inhaltsplatzhalter 2">
+            <a:extLst>
+              <a:ext uri="{FF2B5EF4-FFF2-40B4-BE49-F238E27FC236}">
+                <a16:creationId xmlns:a16="http://schemas.microsoft.com/office/drawing/2014/main" id="{C1C574DE-B214-80AD-F25E-4190690C7E04}"/>
+              </a:ext>
+            </a:extLst>
+          </p:cNvPr>
+          <p:cNvSpPr>
+            <a:spLocks noGrp="1"/>
+          </p:cNvSpPr>
+          <p:nvPr>
+            <p:ph idx="1"/>
+          </p:nvPr>
+        </p:nvSpPr>
+        <p:spPr>
+          <a:xfrm>
+            <a:off x="818713" y="2358474"/>
+            <a:ext cx="10554574" cy="3636511"/>
+          </a:xfrm>
+        </p:spPr>
+        <p:txBody>
+          <a:bodyPr/>
+          <a:lstStyle/>
+          <a:p>
+            <a:r>
+              <a:rPr lang="de-DE" dirty="0"/>
+              <a:t>Code schreiben &amp; Ausführen</a:t>
+            </a:r>
+          </a:p>
+          <a:p>
+            <a:pPr lvl="1"/>
+            <a:r>
+              <a:rPr lang="de-DE" dirty="0"/>
+              <a:t>Interaktiver Modus</a:t>
+            </a:r>
+          </a:p>
+          <a:p>
+            <a:pPr lvl="1"/>
+            <a:r>
+              <a:rPr lang="de-DE" dirty="0"/>
+              <a:t>Ausführen von Dateien</a:t>
+            </a:r>
+          </a:p>
+          <a:p>
+            <a:pPr lvl="2"/>
+            <a:r>
+              <a:rPr lang="de-DE" dirty="0"/>
+              <a:t>Schreiben in IDE/ Editor</a:t>
+            </a:r>
+          </a:p>
+          <a:p>
+            <a:pPr lvl="2"/>
+            <a:r>
+              <a:rPr lang="de-DE" dirty="0"/>
+              <a:t>Speichern &amp; Ausführen der </a:t>
+            </a:r>
+            <a:r>
+              <a:rPr lang="de-DE" dirty="0">
+                <a:solidFill>
+                  <a:schemeClr val="accent1"/>
+                </a:solidFill>
+              </a:rPr>
+              <a:t>.</a:t>
+            </a:r>
+            <a:r>
+              <a:rPr lang="de-DE" dirty="0" err="1">
+                <a:solidFill>
+                  <a:schemeClr val="accent1"/>
+                </a:solidFill>
+              </a:rPr>
+              <a:t>py</a:t>
+            </a:r>
+            <a:r>
+              <a:rPr lang="de-DE" dirty="0">
+                <a:solidFill>
+                  <a:schemeClr val="accent1"/>
+                </a:solidFill>
+              </a:rPr>
+              <a:t> </a:t>
+            </a:r>
+            <a:r>
+              <a:rPr lang="de-DE" dirty="0"/>
+              <a:t>Datei</a:t>
+            </a:r>
+          </a:p>
+          <a:p>
+            <a:pPr marL="457200" lvl="1" indent="0">
+              <a:buNone/>
+            </a:pPr>
+            <a:endParaRPr lang="de-DE" sz="2000" dirty="0"/>
+          </a:p>
+          <a:p>
+            <a:pPr marL="457200" lvl="1" indent="0">
+              <a:buNone/>
+            </a:pPr>
+            <a:endParaRPr lang="de-DE" dirty="0"/>
+          </a:p>
+          <a:p>
+            <a:pPr marL="457200" lvl="1" indent="0">
+              <a:buNone/>
+            </a:pPr>
+            <a:endParaRPr lang="de-DE" dirty="0"/>
+          </a:p>
+        </p:txBody>
+      </p:sp>
+    </p:spTree>
+    <p:extLst>
+      <p:ext uri="{BB962C8B-B14F-4D97-AF65-F5344CB8AC3E}">
+        <p14:creationId xmlns:p14="http://schemas.microsoft.com/office/powerpoint/2010/main" val="646178345"/>
+      </p:ext>
+    </p:extLst>
+  </p:cSld>
+  <p:clrMapOvr>
+    <a:masterClrMapping/>
+  </p:clrMapOvr>
+</p:sld>
+</file>
+
+<file path=ppt/slides/slide9.xml><?xml version="1.0" encoding="utf-8"?>
+<p:sld xmlns:a="http://schemas.openxmlformats.org/drawingml/2006/main" xmlns:r="http://schemas.openxmlformats.org/officeDocument/2006/relationships" xmlns:p="http://schemas.openxmlformats.org/presentationml/2006/main">
+  <p:cSld>
+    <p:spTree>
+      <p:nvGrpSpPr>
+        <p:cNvPr id="1" name=""/>
+        <p:cNvGrpSpPr/>
+        <p:nvPr/>
+      </p:nvGrpSpPr>
+      <p:grpSpPr>
+        <a:xfrm>
+          <a:off x="0" y="0"/>
+          <a:ext cx="0" cy="0"/>
+          <a:chOff x="0" y="0"/>
+          <a:chExt cx="0" cy="0"/>
+        </a:xfrm>
+      </p:grpSpPr>
+      <p:sp>
+        <p:nvSpPr>
+          <p:cNvPr id="2" name="Titel 1">
+            <a:extLst>
+              <a:ext uri="{FF2B5EF4-FFF2-40B4-BE49-F238E27FC236}">
+                <a16:creationId xmlns:a16="http://schemas.microsoft.com/office/drawing/2014/main" id="{58B6CE22-6A8C-E2D1-4080-1958BC60F476}"/>
+              </a:ext>
+            </a:extLst>
+          </p:cNvPr>
+          <p:cNvSpPr>
+            <a:spLocks noGrp="1"/>
+          </p:cNvSpPr>
+          <p:nvPr>
+            <p:ph type="title"/>
+          </p:nvPr>
+        </p:nvSpPr>
+        <p:spPr/>
+        <p:txBody>
+          <a:bodyPr/>
+          <a:lstStyle/>
+          <a:p>
+            <a:r>
+              <a:rPr lang="de-DE" dirty="0"/>
+              <a:t>Arbeit mit Python</a:t>
+            </a:r>
+          </a:p>
+        </p:txBody>
+      </p:sp>
+      <p:sp>
+        <p:nvSpPr>
+          <p:cNvPr id="3" name="Inhaltsplatzhalter 2">
+            <a:extLst>
+              <a:ext uri="{FF2B5EF4-FFF2-40B4-BE49-F238E27FC236}">
+                <a16:creationId xmlns:a16="http://schemas.microsoft.com/office/drawing/2014/main" id="{C1C574DE-B214-80AD-F25E-4190690C7E04}"/>
+              </a:ext>
+            </a:extLst>
+          </p:cNvPr>
+          <p:cNvSpPr>
+            <a:spLocks noGrp="1"/>
+          </p:cNvSpPr>
+          <p:nvPr>
+            <p:ph idx="1"/>
+          </p:nvPr>
+        </p:nvSpPr>
+        <p:spPr>
+          <a:xfrm>
+            <a:off x="818713" y="2358474"/>
+            <a:ext cx="10554574" cy="3636511"/>
+          </a:xfrm>
+        </p:spPr>
+        <p:txBody>
+          <a:bodyPr/>
+          <a:lstStyle/>
+          <a:p>
+            <a:r>
+              <a:rPr lang="de-DE" dirty="0"/>
+              <a:t>Code schreiben &amp; Ausführen</a:t>
+            </a:r>
+          </a:p>
+          <a:p>
+            <a:pPr lvl="1"/>
+            <a:r>
+              <a:rPr lang="de-DE" dirty="0"/>
+              <a:t>Interaktiver Modus</a:t>
+            </a:r>
+          </a:p>
+          <a:p>
+            <a:pPr lvl="1"/>
+            <a:r>
+              <a:rPr lang="de-DE" dirty="0"/>
+              <a:t>Ausführen von Dateien</a:t>
+            </a:r>
+          </a:p>
+          <a:p>
+            <a:pPr lvl="2"/>
+            <a:r>
+              <a:rPr lang="de-DE" dirty="0"/>
+              <a:t>Schreiben in IDE/ Editor</a:t>
+            </a:r>
+          </a:p>
+          <a:p>
+            <a:pPr lvl="2"/>
+            <a:r>
+              <a:rPr lang="de-DE" dirty="0"/>
+              <a:t>Speichern &amp; Ausführen der </a:t>
+            </a:r>
+            <a:r>
+              <a:rPr lang="de-DE" dirty="0">
+                <a:solidFill>
+                  <a:schemeClr val="accent1"/>
+                </a:solidFill>
+              </a:rPr>
+              <a:t>.</a:t>
+            </a:r>
+            <a:r>
+              <a:rPr lang="de-DE" dirty="0" err="1">
+                <a:solidFill>
+                  <a:schemeClr val="accent1"/>
+                </a:solidFill>
+              </a:rPr>
+              <a:t>py</a:t>
+            </a:r>
+            <a:r>
+              <a:rPr lang="de-DE" dirty="0">
+                <a:solidFill>
+                  <a:schemeClr val="accent1"/>
+                </a:solidFill>
+              </a:rPr>
+              <a:t> </a:t>
+            </a:r>
+            <a:r>
+              <a:rPr lang="de-DE" dirty="0"/>
+              <a:t>Datei</a:t>
+            </a:r>
+          </a:p>
+          <a:p>
+            <a:r>
+              <a:rPr lang="de-DE" dirty="0"/>
+              <a:t>Syntax</a:t>
+            </a:r>
+          </a:p>
+          <a:p>
+            <a:pPr lvl="1"/>
+            <a:r>
+              <a:rPr lang="de-DE" dirty="0"/>
+              <a:t>Einrückungen</a:t>
+            </a:r>
+          </a:p>
+          <a:p>
+            <a:pPr marL="457200" lvl="1" indent="0">
+              <a:buNone/>
+            </a:pPr>
+            <a:endParaRPr lang="de-DE" dirty="0"/>
+          </a:p>
+        </p:txBody>
+      </p:sp>
+      <p:grpSp>
+        <p:nvGrpSpPr>
+          <p:cNvPr id="12" name="Gruppieren 11">
+            <a:extLst>
+              <a:ext uri="{FF2B5EF4-FFF2-40B4-BE49-F238E27FC236}">
+                <a16:creationId xmlns:a16="http://schemas.microsoft.com/office/drawing/2014/main" id="{ECDF8225-083E-9F46-D149-6EA603F19C82}"/>
+              </a:ext>
+            </a:extLst>
+          </p:cNvPr>
+          <p:cNvGrpSpPr/>
+          <p:nvPr/>
+        </p:nvGrpSpPr>
+        <p:grpSpPr>
+          <a:xfrm>
+            <a:off x="6095999" y="3211529"/>
+            <a:ext cx="4978400" cy="1930400"/>
+            <a:chOff x="6095999" y="3211529"/>
+            <a:chExt cx="4978400" cy="1930400"/>
+          </a:xfrm>
+        </p:grpSpPr>
+        <p:pic>
+          <p:nvPicPr>
+            <p:cNvPr id="5" name="Grafik 4">
+              <a:extLst>
+                <a:ext uri="{FF2B5EF4-FFF2-40B4-BE49-F238E27FC236}">
+                  <a16:creationId xmlns:a16="http://schemas.microsoft.com/office/drawing/2014/main" id="{C72CC728-8BA3-0AA8-AAC5-8E2E27439187}"/>
+                </a:ext>
+              </a:extLst>
+            </p:cNvPr>
+            <p:cNvPicPr>
+              <a:picLocks noChangeAspect="1"/>
+            </p:cNvPicPr>
+            <p:nvPr/>
+          </p:nvPicPr>
+          <p:blipFill>
+            <a:blip r:embed="rId2"/>
+            <a:stretch>
+              <a:fillRect/>
+            </a:stretch>
+          </p:blipFill>
+          <p:spPr>
+            <a:xfrm>
+              <a:off x="6095999" y="3211529"/>
+              <a:ext cx="4978400" cy="1930400"/>
+            </a:xfrm>
+            <a:prstGeom prst="rect">
+              <a:avLst/>
+            </a:prstGeom>
+          </p:spPr>
+        </p:pic>
+        <p:grpSp>
+          <p:nvGrpSpPr>
+            <p:cNvPr id="11" name="Gruppieren 10">
+              <a:extLst>
+                <a:ext uri="{FF2B5EF4-FFF2-40B4-BE49-F238E27FC236}">
+                  <a16:creationId xmlns:a16="http://schemas.microsoft.com/office/drawing/2014/main" id="{03B60ACF-55FE-5802-DE77-7AD35092AC78}"/>
+                </a:ext>
+              </a:extLst>
+            </p:cNvPr>
+            <p:cNvGrpSpPr/>
+            <p:nvPr/>
+          </p:nvGrpSpPr>
+          <p:grpSpPr>
+            <a:xfrm>
+              <a:off x="6524096" y="3540706"/>
+              <a:ext cx="729049" cy="1290223"/>
+              <a:chOff x="6524096" y="3540706"/>
+              <a:chExt cx="729049" cy="1290223"/>
+            </a:xfrm>
+          </p:grpSpPr>
+          <p:sp>
+            <p:nvSpPr>
+              <p:cNvPr id="6" name="Pfeil nach rechts 5">
+                <a:extLst>
+                  <a:ext uri="{FF2B5EF4-FFF2-40B4-BE49-F238E27FC236}">
+                    <a16:creationId xmlns:a16="http://schemas.microsoft.com/office/drawing/2014/main" id="{27FF68B8-8E23-1908-02D6-119C99E8F830}"/>
+                  </a:ext>
+                </a:extLst>
+              </p:cNvPr>
+              <p:cNvSpPr/>
+              <p:nvPr/>
+            </p:nvSpPr>
+            <p:spPr>
+              <a:xfrm>
+                <a:off x="6524096" y="3540706"/>
+                <a:ext cx="729049" cy="196987"/>
+              </a:xfrm>
+              <a:prstGeom prst="rightArrow">
+                <a:avLst>
+                  <a:gd name="adj1" fmla="val 50000"/>
+                  <a:gd name="adj2" fmla="val 87810"/>
+                </a:avLst>
+              </a:prstGeom>
+            </p:spPr>
+            <p:style>
+              <a:lnRef idx="2">
+                <a:schemeClr val="accent1">
+                  <a:shade val="50000"/>
+                </a:schemeClr>
+              </a:lnRef>
+              <a:fillRef idx="1">
+                <a:schemeClr val="accent1"/>
+              </a:fillRef>
+              <a:effectRef idx="0">
+                <a:schemeClr val="accent1"/>
+              </a:effectRef>
+              <a:fontRef idx="minor">
+                <a:schemeClr val="lt1"/>
+              </a:fontRef>
+            </p:style>
+            <p:txBody>
+              <a:bodyPr rtlCol="0" anchor="ctr"/>
+              <a:lstStyle/>
+              <a:p>
+                <a:pPr algn="ctr"/>
+                <a:endParaRPr lang="de-DE"/>
+              </a:p>
+            </p:txBody>
+          </p:sp>
+          <p:sp>
+            <p:nvSpPr>
+              <p:cNvPr id="9" name="Pfeil nach rechts 8">
+                <a:extLst>
+                  <a:ext uri="{FF2B5EF4-FFF2-40B4-BE49-F238E27FC236}">
+                    <a16:creationId xmlns:a16="http://schemas.microsoft.com/office/drawing/2014/main" id="{71757150-7F23-E46D-C4D2-1D5B9071D169}"/>
+                  </a:ext>
+                </a:extLst>
+              </p:cNvPr>
+              <p:cNvSpPr/>
+              <p:nvPr/>
+            </p:nvSpPr>
+            <p:spPr>
+              <a:xfrm>
+                <a:off x="6524096" y="4087324"/>
+                <a:ext cx="729049" cy="196987"/>
+              </a:xfrm>
+              <a:prstGeom prst="rightArrow">
+                <a:avLst>
+                  <a:gd name="adj1" fmla="val 50000"/>
+                  <a:gd name="adj2" fmla="val 87810"/>
+                </a:avLst>
+              </a:prstGeom>
+            </p:spPr>
+            <p:style>
+              <a:lnRef idx="2">
+                <a:schemeClr val="accent1">
+                  <a:shade val="50000"/>
+                </a:schemeClr>
+              </a:lnRef>
+              <a:fillRef idx="1">
+                <a:schemeClr val="accent1"/>
+              </a:fillRef>
+              <a:effectRef idx="0">
+                <a:schemeClr val="accent1"/>
+              </a:effectRef>
+              <a:fontRef idx="minor">
+                <a:schemeClr val="lt1"/>
+              </a:fontRef>
+            </p:style>
+            <p:txBody>
+              <a:bodyPr rtlCol="0" anchor="ctr"/>
+              <a:lstStyle/>
+              <a:p>
+                <a:pPr algn="ctr"/>
+                <a:endParaRPr lang="de-DE"/>
+              </a:p>
+            </p:txBody>
+          </p:sp>
+          <p:sp>
+            <p:nvSpPr>
+              <p:cNvPr id="10" name="Pfeil nach rechts 9">
+                <a:extLst>
+                  <a:ext uri="{FF2B5EF4-FFF2-40B4-BE49-F238E27FC236}">
+                    <a16:creationId xmlns:a16="http://schemas.microsoft.com/office/drawing/2014/main" id="{F2C295B5-B68E-C7E5-6E9B-5A4C8C710D4A}"/>
+                  </a:ext>
+                </a:extLst>
+              </p:cNvPr>
+              <p:cNvSpPr/>
+              <p:nvPr/>
+            </p:nvSpPr>
+            <p:spPr>
+              <a:xfrm>
+                <a:off x="6524096" y="4633942"/>
+                <a:ext cx="729049" cy="196987"/>
+              </a:xfrm>
+              <a:prstGeom prst="rightArrow">
+                <a:avLst>
+                  <a:gd name="adj1" fmla="val 50000"/>
+                  <a:gd name="adj2" fmla="val 87810"/>
+                </a:avLst>
+              </a:prstGeom>
+            </p:spPr>
+            <p:style>
+              <a:lnRef idx="2">
+                <a:schemeClr val="accent1">
+                  <a:shade val="50000"/>
+                </a:schemeClr>
+              </a:lnRef>
+              <a:fillRef idx="1">
+                <a:schemeClr val="accent1"/>
+              </a:fillRef>
+              <a:effectRef idx="0">
+                <a:schemeClr val="accent1"/>
+              </a:effectRef>
+              <a:fontRef idx="minor">
+                <a:schemeClr val="lt1"/>
+              </a:fontRef>
+            </p:style>
+            <p:txBody>
+              <a:bodyPr rtlCol="0" anchor="ctr"/>
+              <a:lstStyle/>
+              <a:p>
+                <a:pPr algn="ctr"/>
+                <a:endParaRPr lang="de-DE"/>
+              </a:p>
+            </p:txBody>
+          </p:sp>
+        </p:grpSp>
+      </p:grpSp>
+    </p:spTree>
+    <p:extLst>
+      <p:ext uri="{BB962C8B-B14F-4D97-AF65-F5344CB8AC3E}">
+        <p14:creationId xmlns:p14="http://schemas.microsoft.com/office/powerpoint/2010/main" val="4030372907"/>
+      </p:ext>
+    </p:extLst>
+  </p:cSld>
+  <p:clrMapOvr>
+    <a:masterClrMapping/>
+  </p:clrMapOvr>
 </p:sld>
 </file>
 
